--- a/docs/sirn_figures.pptx
+++ b/docs/sirn_figures.pptx
@@ -7,6 +7,7 @@
   <p:sldIdLst>
     <p:sldId id="256" r:id="rId2"/>
     <p:sldId id="257" r:id="rId3"/>
+    <p:sldId id="258" r:id="rId4"/>
   </p:sldIdLst>
   <p:sldSz cx="12192000" cy="6858000"/>
   <p:notesSz cx="6858000" cy="9144000"/>
@@ -105,6 +106,11 @@
       </a:defRPr>
     </a:lvl9pPr>
   </p:defaultTextStyle>
+  <p:extLst>
+    <p:ext uri="{EFAFB233-063F-42B5-8137-9DF3F51BA10A}">
+      <p15:sldGuideLst xmlns:p15="http://schemas.microsoft.com/office/powerpoint/2012/main"/>
+    </p:ext>
+  </p:extLst>
 </p:presentation>
 </file>
 
@@ -3423,7 +3429,7 @@
             </p:nvSpPr>
             <p:spPr>
               <a:xfrm>
-                <a:off x="2007476" y="220719"/>
+                <a:off x="819807" y="220719"/>
                 <a:ext cx="1077924" cy="276999"/>
               </a:xfrm>
               <a:prstGeom prst="rect">
@@ -3437,6 +3443,7 @@
               </a:bodyPr>
               <a:lstStyle/>
               <a:p>
+                <a:pPr/>
                 <a14:m>
                   <m:oMathPara xmlns:m="http://schemas.openxmlformats.org/officeDocument/2006/math">
                     <m:oMathParaPr>
@@ -3517,7 +3524,7 @@
             </p:nvSpPr>
             <p:spPr>
               <a:xfrm>
-                <a:off x="2007476" y="220719"/>
+                <a:off x="819807" y="220719"/>
                 <a:ext cx="1077924" cy="276999"/>
               </a:xfrm>
               <a:prstGeom prst="rect">
@@ -3526,7 +3533,7 @@
               <a:blipFill>
                 <a:blip r:embed="rId2"/>
                 <a:stretch>
-                  <a:fillRect l="-3488" t="-8696" r="-4651" b="-34783"/>
+                  <a:fillRect l="-4651" t="-8696" r="-3488" b="-34783"/>
                 </a:stretch>
               </a:blipFill>
             </p:spPr>
@@ -3561,7 +3568,7 @@
             </p:nvSpPr>
             <p:spPr>
               <a:xfrm>
-                <a:off x="2007476" y="586884"/>
+                <a:off x="819807" y="586884"/>
                 <a:ext cx="1083245" cy="276999"/>
               </a:xfrm>
               <a:prstGeom prst="rect">
@@ -3575,6 +3582,7 @@
               </a:bodyPr>
               <a:lstStyle/>
               <a:p>
+                <a:pPr/>
                 <a14:m>
                   <m:oMathPara xmlns:m="http://schemas.openxmlformats.org/officeDocument/2006/math">
                     <m:oMathParaPr>
@@ -3655,7 +3663,7 @@
             </p:nvSpPr>
             <p:spPr>
               <a:xfrm>
-                <a:off x="2007476" y="586884"/>
+                <a:off x="819807" y="586884"/>
                 <a:ext cx="1083245" cy="276999"/>
               </a:xfrm>
               <a:prstGeom prst="rect">
@@ -3664,7 +3672,7 @@
               <a:blipFill>
                 <a:blip r:embed="rId3"/>
                 <a:stretch>
-                  <a:fillRect l="-3448" t="-8696" r="-3448" b="-34783"/>
+                  <a:fillRect l="-4651" t="-8696" r="-4651" b="-34783"/>
                 </a:stretch>
               </a:blipFill>
             </p:spPr>
@@ -3699,7 +3707,7 @@
             </p:nvSpPr>
             <p:spPr>
               <a:xfrm>
-                <a:off x="2007476" y="953049"/>
+                <a:off x="819807" y="953049"/>
                 <a:ext cx="871008" cy="276999"/>
               </a:xfrm>
               <a:prstGeom prst="rect">
@@ -3713,6 +3721,7 @@
               </a:bodyPr>
               <a:lstStyle/>
               <a:p>
+                <a:pPr/>
                 <a14:m>
                   <m:oMathPara xmlns:m="http://schemas.openxmlformats.org/officeDocument/2006/math">
                     <m:oMathParaPr>
@@ -3781,7 +3790,7 @@
             </p:nvSpPr>
             <p:spPr>
               <a:xfrm>
-                <a:off x="2007476" y="953049"/>
+                <a:off x="819807" y="953049"/>
                 <a:ext cx="871008" cy="276999"/>
               </a:xfrm>
               <a:prstGeom prst="rect">
@@ -3790,7 +3799,7 @@
               <a:blipFill>
                 <a:blip r:embed="rId4"/>
                 <a:stretch>
-                  <a:fillRect l="-4286" t="-4348" r="-4286" b="-39130"/>
+                  <a:fillRect l="-5797" t="-4348" r="-5797" b="-39130"/>
                 </a:stretch>
               </a:blipFill>
             </p:spPr>
@@ -3825,7 +3834,7 @@
             </p:nvSpPr>
             <p:spPr>
               <a:xfrm>
-                <a:off x="4729655" y="220719"/>
+                <a:off x="3541986" y="220719"/>
                 <a:ext cx="1071127" cy="276999"/>
               </a:xfrm>
               <a:prstGeom prst="rect">
@@ -3839,6 +3848,7 @@
               </a:bodyPr>
               <a:lstStyle/>
               <a:p>
+                <a:pPr/>
                 <a14:m>
                   <m:oMathPara xmlns:m="http://schemas.openxmlformats.org/officeDocument/2006/math">
                     <m:oMathParaPr>
@@ -3927,7 +3937,7 @@
             </p:nvSpPr>
             <p:spPr>
               <a:xfrm>
-                <a:off x="4729655" y="220719"/>
+                <a:off x="3541986" y="220719"/>
                 <a:ext cx="1071127" cy="276999"/>
               </a:xfrm>
               <a:prstGeom prst="rect">
@@ -3936,7 +3946,7 @@
               <a:blipFill>
                 <a:blip r:embed="rId5"/>
                 <a:stretch>
-                  <a:fillRect l="-4706" t="-8696" r="-3529" b="-34783"/>
+                  <a:fillRect l="-3488" t="-8696" r="-3488" b="-34783"/>
                 </a:stretch>
               </a:blipFill>
             </p:spPr>
@@ -3971,7 +3981,7 @@
             </p:nvSpPr>
             <p:spPr>
               <a:xfrm>
-                <a:off x="4729655" y="953048"/>
+                <a:off x="3541986" y="953048"/>
                 <a:ext cx="1076449" cy="276999"/>
               </a:xfrm>
               <a:prstGeom prst="rect">
@@ -3985,6 +3995,7 @@
               </a:bodyPr>
               <a:lstStyle/>
               <a:p>
+                <a:pPr/>
                 <a14:m>
                   <m:oMathPara xmlns:m="http://schemas.openxmlformats.org/officeDocument/2006/math">
                     <m:oMathParaPr>
@@ -4073,7 +4084,7 @@
             </p:nvSpPr>
             <p:spPr>
               <a:xfrm>
-                <a:off x="4729655" y="953048"/>
+                <a:off x="3541986" y="953048"/>
                 <a:ext cx="1076449" cy="276999"/>
               </a:xfrm>
               <a:prstGeom prst="rect">
@@ -4082,7 +4093,7 @@
               <a:blipFill>
                 <a:blip r:embed="rId6"/>
                 <a:stretch>
-                  <a:fillRect l="-4706" t="-4348" r="-4706" b="-39130"/>
+                  <a:fillRect l="-3488" t="-4348" r="-4651" b="-39130"/>
                 </a:stretch>
               </a:blipFill>
             </p:spPr>
@@ -4117,7 +4128,7 @@
             </p:nvSpPr>
             <p:spPr>
               <a:xfrm>
-                <a:off x="4729655" y="586883"/>
+                <a:off x="3541986" y="586883"/>
                 <a:ext cx="867225" cy="276999"/>
               </a:xfrm>
               <a:prstGeom prst="rect">
@@ -4131,6 +4142,7 @@
               </a:bodyPr>
               <a:lstStyle/>
               <a:p>
+                <a:pPr/>
                 <a14:m>
                   <m:oMathPara xmlns:m="http://schemas.openxmlformats.org/officeDocument/2006/math">
                     <m:oMathParaPr>
@@ -4207,7 +4219,7 @@
             </p:nvSpPr>
             <p:spPr>
               <a:xfrm>
-                <a:off x="4729655" y="586883"/>
+                <a:off x="3541986" y="586883"/>
                 <a:ext cx="867225" cy="276999"/>
               </a:xfrm>
               <a:prstGeom prst="rect">
@@ -4216,7 +4228,7 @@
               <a:blipFill>
                 <a:blip r:embed="rId7"/>
                 <a:stretch>
-                  <a:fillRect l="-5797" t="-8696" r="-5797" b="-34783"/>
+                  <a:fillRect l="-4286" t="-8696" r="-4286" b="-34783"/>
                 </a:stretch>
               </a:blipFill>
             </p:spPr>
@@ -4250,13 +4262,13 @@
           <p:nvPr>
             <p:extLst>
               <p:ext uri="{D42A27DB-BD31-4B8C-83A1-F6EECF244321}">
-                <p14:modId xmlns:p14="http://schemas.microsoft.com/office/powerpoint/2010/main" val="2118186645"/>
+                <p14:modId xmlns:p14="http://schemas.microsoft.com/office/powerpoint/2010/main" val="2915719747"/>
               </p:ext>
             </p:extLst>
           </p:nvPr>
         </p:nvGraphicFramePr>
         <p:xfrm>
-          <a:off x="1532883" y="1415570"/>
+          <a:off x="1038897" y="1657300"/>
           <a:ext cx="1935531" cy="1463040"/>
         </p:xfrm>
         <a:graphic>
@@ -4488,7 +4500,7 @@
             </p:nvSpPr>
             <p:spPr>
               <a:xfrm>
-                <a:off x="1771008" y="2540113"/>
+                <a:off x="1277022" y="2781843"/>
                 <a:ext cx="303738" cy="276999"/>
               </a:xfrm>
               <a:prstGeom prst="rect">
@@ -4502,6 +4514,7 @@
               </a:bodyPr>
               <a:lstStyle/>
               <a:p>
+                <a:pPr/>
                 <a14:m>
                   <m:oMathPara xmlns:m="http://schemas.openxmlformats.org/officeDocument/2006/math">
                     <m:oMathParaPr>
@@ -4558,7 +4571,7 @@
             </p:nvSpPr>
             <p:spPr>
               <a:xfrm>
-                <a:off x="1771008" y="2540113"/>
+                <a:off x="1277022" y="2781843"/>
                 <a:ext cx="303738" cy="276999"/>
               </a:xfrm>
               <a:prstGeom prst="rect">
@@ -4567,7 +4580,7 @@
               <a:blipFill>
                 <a:blip r:embed="rId8"/>
                 <a:stretch>
-                  <a:fillRect l="-16000" r="-4000" b="-18182"/>
+                  <a:fillRect l="-16000" r="-4000" b="-13043"/>
                 </a:stretch>
               </a:blipFill>
             </p:spPr>
@@ -4602,7 +4615,7 @@
             </p:nvSpPr>
             <p:spPr>
               <a:xfrm>
-                <a:off x="1755243" y="2188014"/>
+                <a:off x="1261257" y="2429744"/>
                 <a:ext cx="303736" cy="276999"/>
               </a:xfrm>
               <a:prstGeom prst="rect">
@@ -4616,6 +4629,7 @@
               </a:bodyPr>
               <a:lstStyle/>
               <a:p>
+                <a:pPr/>
                 <a14:m>
                   <m:oMathPara xmlns:m="http://schemas.openxmlformats.org/officeDocument/2006/math">
                     <m:oMathParaPr>
@@ -4672,7 +4686,7 @@
             </p:nvSpPr>
             <p:spPr>
               <a:xfrm>
-                <a:off x="1755243" y="2188014"/>
+                <a:off x="1261257" y="2429744"/>
                 <a:ext cx="303736" cy="276999"/>
               </a:xfrm>
               <a:prstGeom prst="rect">
@@ -4681,7 +4695,7 @@
               <a:blipFill>
                 <a:blip r:embed="rId9"/>
                 <a:stretch>
-                  <a:fillRect l="-20000" r="-4000" b="-18182"/>
+                  <a:fillRect l="-16000" r="-4000" b="-13043"/>
                 </a:stretch>
               </a:blipFill>
             </p:spPr>
@@ -4716,7 +4730,7 @@
             </p:nvSpPr>
             <p:spPr>
               <a:xfrm>
-                <a:off x="1797288" y="1809648"/>
+                <a:off x="1303302" y="2051378"/>
                 <a:ext cx="298415" cy="276999"/>
               </a:xfrm>
               <a:prstGeom prst="rect">
@@ -4730,6 +4744,7 @@
               </a:bodyPr>
               <a:lstStyle/>
               <a:p>
+                <a:pPr/>
                 <a14:m>
                   <m:oMathPara xmlns:m="http://schemas.openxmlformats.org/officeDocument/2006/math">
                     <m:oMathParaPr>
@@ -4786,7 +4801,7 @@
             </p:nvSpPr>
             <p:spPr>
               <a:xfrm>
-                <a:off x="1797288" y="1809648"/>
+                <a:off x="1303302" y="2051378"/>
                 <a:ext cx="298415" cy="276999"/>
               </a:xfrm>
               <a:prstGeom prst="rect">
@@ -4829,13 +4844,13 @@
           <p:nvPr>
             <p:extLst>
               <p:ext uri="{D42A27DB-BD31-4B8C-83A1-F6EECF244321}">
-                <p14:modId xmlns:p14="http://schemas.microsoft.com/office/powerpoint/2010/main" val="3946937677"/>
+                <p14:modId xmlns:p14="http://schemas.microsoft.com/office/powerpoint/2010/main" val="1560686877"/>
               </p:ext>
             </p:extLst>
           </p:nvPr>
         </p:nvGraphicFramePr>
         <p:xfrm>
-          <a:off x="4492479" y="1418187"/>
+          <a:off x="3998493" y="1659917"/>
           <a:ext cx="1834749" cy="1463040"/>
         </p:xfrm>
         <a:graphic>
@@ -5067,7 +5082,7 @@
             </p:nvSpPr>
             <p:spPr>
               <a:xfrm>
-                <a:off x="4730605" y="2542730"/>
+                <a:off x="4236619" y="2784460"/>
                 <a:ext cx="303736" cy="276999"/>
               </a:xfrm>
               <a:prstGeom prst="rect">
@@ -5081,6 +5096,7 @@
               </a:bodyPr>
               <a:lstStyle/>
               <a:p>
+                <a:pPr/>
                 <a14:m>
                   <m:oMathPara xmlns:m="http://schemas.openxmlformats.org/officeDocument/2006/math">
                     <m:oMathParaPr>
@@ -5145,7 +5161,7 @@
             </p:nvSpPr>
             <p:spPr>
               <a:xfrm>
-                <a:off x="4730605" y="2542730"/>
+                <a:off x="4236619" y="2784460"/>
                 <a:ext cx="303736" cy="276999"/>
               </a:xfrm>
               <a:prstGeom prst="rect">
@@ -5154,7 +5170,7 @@
               <a:blipFill>
                 <a:blip r:embed="rId11"/>
                 <a:stretch>
-                  <a:fillRect l="-16000" r="-4000" b="-13043"/>
+                  <a:fillRect l="-16000" r="-8000" b="-18182"/>
                 </a:stretch>
               </a:blipFill>
             </p:spPr>
@@ -5189,7 +5205,7 @@
             </p:nvSpPr>
             <p:spPr>
               <a:xfrm>
-                <a:off x="4714840" y="2190631"/>
+                <a:off x="4220854" y="2432361"/>
                 <a:ext cx="303736" cy="276999"/>
               </a:xfrm>
               <a:prstGeom prst="rect">
@@ -5203,6 +5219,7 @@
               </a:bodyPr>
               <a:lstStyle/>
               <a:p>
+                <a:pPr/>
                 <a14:m>
                   <m:oMathPara xmlns:m="http://schemas.openxmlformats.org/officeDocument/2006/math">
                     <m:oMathParaPr>
@@ -5267,7 +5284,7 @@
             </p:nvSpPr>
             <p:spPr>
               <a:xfrm>
-                <a:off x="4714840" y="2190631"/>
+                <a:off x="4220854" y="2432361"/>
                 <a:ext cx="303736" cy="276999"/>
               </a:xfrm>
               <a:prstGeom prst="rect">
@@ -5311,7 +5328,7 @@
             </p:nvSpPr>
             <p:spPr>
               <a:xfrm>
-                <a:off x="4756885" y="1812265"/>
+                <a:off x="4262899" y="2053995"/>
                 <a:ext cx="303225" cy="276999"/>
               </a:xfrm>
               <a:prstGeom prst="rect">
@@ -5325,6 +5342,7 @@
               </a:bodyPr>
               <a:lstStyle/>
               <a:p>
+                <a:pPr/>
                 <a14:m>
                   <m:oMathPara xmlns:m="http://schemas.openxmlformats.org/officeDocument/2006/math">
                     <m:oMathParaPr>
@@ -5389,7 +5407,7 @@
             </p:nvSpPr>
             <p:spPr>
               <a:xfrm>
-                <a:off x="4756885" y="1812265"/>
+                <a:off x="4262899" y="2053995"/>
                 <a:ext cx="303225" cy="276999"/>
               </a:xfrm>
               <a:prstGeom prst="rect">
@@ -5398,7 +5416,7 @@
               <a:blipFill>
                 <a:blip r:embed="rId13"/>
                 <a:stretch>
-                  <a:fillRect l="-16000" r="-4000" b="-13043"/>
+                  <a:fillRect l="-16000" r="-4000" b="-17391"/>
                 </a:stretch>
               </a:blipFill>
             </p:spPr>
@@ -5433,7 +5451,7 @@
             </p:nvSpPr>
             <p:spPr>
               <a:xfrm>
-                <a:off x="903813" y="1415570"/>
+                <a:off x="409827" y="1657300"/>
                 <a:ext cx="496867" cy="369332"/>
               </a:xfrm>
               <a:prstGeom prst="rect">
@@ -5447,6 +5465,7 @@
               </a:bodyPr>
               <a:lstStyle/>
               <a:p>
+                <a:pPr/>
                 <a14:m>
                   <m:oMathPara xmlns:m="http://schemas.openxmlformats.org/officeDocument/2006/math">
                     <m:oMathParaPr>
@@ -5503,7 +5522,7 @@
             </p:nvSpPr>
             <p:spPr>
               <a:xfrm>
-                <a:off x="903813" y="1415570"/>
+                <a:off x="409827" y="1657300"/>
                 <a:ext cx="496867" cy="369332"/>
               </a:xfrm>
               <a:prstGeom prst="rect">
@@ -5547,7 +5566,7 @@
             </p:nvSpPr>
             <p:spPr>
               <a:xfrm>
-                <a:off x="3929510" y="1400298"/>
+                <a:off x="3435524" y="1642028"/>
                 <a:ext cx="496867" cy="369332"/>
               </a:xfrm>
               <a:prstGeom prst="rect">
@@ -5561,6 +5580,7 @@
               </a:bodyPr>
               <a:lstStyle/>
               <a:p>
+                <a:pPr/>
                 <a14:m>
                   <m:oMathPara xmlns:m="http://schemas.openxmlformats.org/officeDocument/2006/math">
                     <m:oMathParaPr>
@@ -5617,7 +5637,7 @@
             </p:nvSpPr>
             <p:spPr>
               <a:xfrm>
-                <a:off x="3929510" y="1400298"/>
+                <a:off x="3435524" y="1642028"/>
                 <a:ext cx="496867" cy="369332"/>
               </a:xfrm>
               <a:prstGeom prst="rect">
@@ -5661,7 +5681,7 @@
             </p:nvSpPr>
             <p:spPr>
               <a:xfrm>
-                <a:off x="3597325" y="1972584"/>
+                <a:off x="3103339" y="2214314"/>
                 <a:ext cx="762951" cy="461665"/>
               </a:xfrm>
               <a:prstGeom prst="rect">
@@ -5713,7 +5733,7 @@
             </p:nvSpPr>
             <p:spPr>
               <a:xfrm>
-                <a:off x="3597325" y="1972584"/>
+                <a:off x="3103339" y="2214314"/>
                 <a:ext cx="762951" cy="461665"/>
               </a:xfrm>
               <a:prstGeom prst="rect">
@@ -5756,13 +5776,13 @@
           <p:nvPr>
             <p:extLst>
               <p:ext uri="{D42A27DB-BD31-4B8C-83A1-F6EECF244321}">
-                <p14:modId xmlns:p14="http://schemas.microsoft.com/office/powerpoint/2010/main" val="3750220842"/>
+                <p14:modId xmlns:p14="http://schemas.microsoft.com/office/powerpoint/2010/main" val="2940396920"/>
               </p:ext>
             </p:extLst>
           </p:nvPr>
         </p:nvGraphicFramePr>
         <p:xfrm>
-          <a:off x="1509703" y="3232531"/>
+          <a:off x="1015717" y="3474261"/>
           <a:ext cx="1935531" cy="1463040"/>
         </p:xfrm>
         <a:graphic>
@@ -5994,7 +6014,7 @@
             </p:nvSpPr>
             <p:spPr>
               <a:xfrm>
-                <a:off x="1747828" y="4357074"/>
+                <a:off x="1253842" y="4598804"/>
                 <a:ext cx="303738" cy="276999"/>
               </a:xfrm>
               <a:prstGeom prst="rect">
@@ -6008,6 +6028,7 @@
               </a:bodyPr>
               <a:lstStyle/>
               <a:p>
+                <a:pPr/>
                 <a14:m>
                   <m:oMathPara xmlns:m="http://schemas.openxmlformats.org/officeDocument/2006/math">
                     <m:oMathParaPr>
@@ -6064,7 +6085,7 @@
             </p:nvSpPr>
             <p:spPr>
               <a:xfrm>
-                <a:off x="1747828" y="4357074"/>
+                <a:off x="1253842" y="4598804"/>
                 <a:ext cx="303738" cy="276999"/>
               </a:xfrm>
               <a:prstGeom prst="rect">
@@ -6073,7 +6094,7 @@
               <a:blipFill>
                 <a:blip r:embed="rId17"/>
                 <a:stretch>
-                  <a:fillRect l="-16000" r="-4000" b="-18182"/>
+                  <a:fillRect l="-16000" r="-4000" b="-13043"/>
                 </a:stretch>
               </a:blipFill>
             </p:spPr>
@@ -6108,7 +6129,7 @@
             </p:nvSpPr>
             <p:spPr>
               <a:xfrm>
-                <a:off x="1732063" y="4004975"/>
+                <a:off x="1238077" y="4246705"/>
                 <a:ext cx="303736" cy="276999"/>
               </a:xfrm>
               <a:prstGeom prst="rect">
@@ -6122,6 +6143,7 @@
               </a:bodyPr>
               <a:lstStyle/>
               <a:p>
+                <a:pPr/>
                 <a14:m>
                   <m:oMathPara xmlns:m="http://schemas.openxmlformats.org/officeDocument/2006/math">
                     <m:oMathParaPr>
@@ -6178,7 +6200,7 @@
             </p:nvSpPr>
             <p:spPr>
               <a:xfrm>
-                <a:off x="1732063" y="4004975"/>
+                <a:off x="1238077" y="4246705"/>
                 <a:ext cx="303736" cy="276999"/>
               </a:xfrm>
               <a:prstGeom prst="rect">
@@ -6187,7 +6209,7 @@
               <a:blipFill>
                 <a:blip r:embed="rId18"/>
                 <a:stretch>
-                  <a:fillRect l="-16000" r="-4000" b="-18182"/>
+                  <a:fillRect l="-16000" r="-4000" b="-13043"/>
                 </a:stretch>
               </a:blipFill>
             </p:spPr>
@@ -6222,7 +6244,7 @@
             </p:nvSpPr>
             <p:spPr>
               <a:xfrm>
-                <a:off x="1774108" y="3626609"/>
+                <a:off x="1280122" y="3868339"/>
                 <a:ext cx="298415" cy="276999"/>
               </a:xfrm>
               <a:prstGeom prst="rect">
@@ -6236,6 +6258,7 @@
               </a:bodyPr>
               <a:lstStyle/>
               <a:p>
+                <a:pPr/>
                 <a14:m>
                   <m:oMathPara xmlns:m="http://schemas.openxmlformats.org/officeDocument/2006/math">
                     <m:oMathParaPr>
@@ -6292,7 +6315,7 @@
             </p:nvSpPr>
             <p:spPr>
               <a:xfrm>
-                <a:off x="1774108" y="3626609"/>
+                <a:off x="1280122" y="3868339"/>
                 <a:ext cx="298415" cy="276999"/>
               </a:xfrm>
               <a:prstGeom prst="rect">
@@ -6335,13 +6358,13 @@
           <p:nvPr>
             <p:extLst>
               <p:ext uri="{D42A27DB-BD31-4B8C-83A1-F6EECF244321}">
-                <p14:modId xmlns:p14="http://schemas.microsoft.com/office/powerpoint/2010/main" val="1170080935"/>
+                <p14:modId xmlns:p14="http://schemas.microsoft.com/office/powerpoint/2010/main" val="1033550863"/>
               </p:ext>
             </p:extLst>
           </p:nvPr>
         </p:nvGraphicFramePr>
         <p:xfrm>
-          <a:off x="4469299" y="3172088"/>
+          <a:off x="3975313" y="3413818"/>
           <a:ext cx="1834749" cy="1463040"/>
         </p:xfrm>
         <a:graphic>
@@ -6573,7 +6596,7 @@
             </p:nvSpPr>
             <p:spPr>
               <a:xfrm>
-                <a:off x="4707425" y="4296631"/>
+                <a:off x="4213439" y="4538361"/>
                 <a:ext cx="303736" cy="276999"/>
               </a:xfrm>
               <a:prstGeom prst="rect">
@@ -6587,6 +6610,7 @@
               </a:bodyPr>
               <a:lstStyle/>
               <a:p>
+                <a:pPr/>
                 <a14:m>
                   <m:oMathPara xmlns:m="http://schemas.openxmlformats.org/officeDocument/2006/math">
                     <m:oMathParaPr>
@@ -6651,7 +6675,7 @@
             </p:nvSpPr>
             <p:spPr>
               <a:xfrm>
-                <a:off x="4707425" y="4296631"/>
+                <a:off x="4213439" y="4538361"/>
                 <a:ext cx="303736" cy="276999"/>
               </a:xfrm>
               <a:prstGeom prst="rect">
@@ -6660,7 +6684,7 @@
               <a:blipFill>
                 <a:blip r:embed="rId20"/>
                 <a:stretch>
-                  <a:fillRect l="-16000" r="-4000" b="-18182"/>
+                  <a:fillRect l="-16000" r="-8000" b="-13043"/>
                 </a:stretch>
               </a:blipFill>
             </p:spPr>
@@ -6695,7 +6719,7 @@
             </p:nvSpPr>
             <p:spPr>
               <a:xfrm>
-                <a:off x="4691660" y="3944532"/>
+                <a:off x="4197674" y="4186262"/>
                 <a:ext cx="303736" cy="276999"/>
               </a:xfrm>
               <a:prstGeom prst="rect">
@@ -6709,6 +6733,7 @@
               </a:bodyPr>
               <a:lstStyle/>
               <a:p>
+                <a:pPr/>
                 <a14:m>
                   <m:oMathPara xmlns:m="http://schemas.openxmlformats.org/officeDocument/2006/math">
                     <m:oMathParaPr>
@@ -6773,7 +6798,7 @@
             </p:nvSpPr>
             <p:spPr>
               <a:xfrm>
-                <a:off x="4691660" y="3944532"/>
+                <a:off x="4197674" y="4186262"/>
                 <a:ext cx="303736" cy="276999"/>
               </a:xfrm>
               <a:prstGeom prst="rect">
@@ -6817,7 +6842,7 @@
             </p:nvSpPr>
             <p:spPr>
               <a:xfrm>
-                <a:off x="4733705" y="3566166"/>
+                <a:off x="4239719" y="3807896"/>
                 <a:ext cx="303225" cy="276999"/>
               </a:xfrm>
               <a:prstGeom prst="rect">
@@ -6831,6 +6856,7 @@
               </a:bodyPr>
               <a:lstStyle/>
               <a:p>
+                <a:pPr/>
                 <a14:m>
                   <m:oMathPara xmlns:m="http://schemas.openxmlformats.org/officeDocument/2006/math">
                     <m:oMathParaPr>
@@ -6895,7 +6921,7 @@
             </p:nvSpPr>
             <p:spPr>
               <a:xfrm>
-                <a:off x="4733705" y="3566166"/>
+                <a:off x="4239719" y="3807896"/>
                 <a:ext cx="303225" cy="276999"/>
               </a:xfrm>
               <a:prstGeom prst="rect">
@@ -6904,7 +6930,7 @@
               <a:blipFill>
                 <a:blip r:embed="rId22"/>
                 <a:stretch>
-                  <a:fillRect l="-16000" r="-4000" b="-17391"/>
+                  <a:fillRect l="-16000" r="-8000" b="-13636"/>
                 </a:stretch>
               </a:blipFill>
             </p:spPr>
@@ -6939,7 +6965,7 @@
             </p:nvSpPr>
             <p:spPr>
               <a:xfrm>
-                <a:off x="880633" y="3232531"/>
+                <a:off x="386647" y="3474261"/>
                 <a:ext cx="496867" cy="369332"/>
               </a:xfrm>
               <a:prstGeom prst="rect">
@@ -6953,6 +6979,7 @@
               </a:bodyPr>
               <a:lstStyle/>
               <a:p>
+                <a:pPr/>
                 <a14:m>
                   <m:oMathPara xmlns:m="http://schemas.openxmlformats.org/officeDocument/2006/math">
                     <m:oMathParaPr>
@@ -7009,7 +7036,7 @@
             </p:nvSpPr>
             <p:spPr>
               <a:xfrm>
-                <a:off x="880633" y="3232531"/>
+                <a:off x="386647" y="3474261"/>
                 <a:ext cx="496867" cy="369332"/>
               </a:xfrm>
               <a:prstGeom prst="rect">
@@ -7053,7 +7080,7 @@
             </p:nvSpPr>
             <p:spPr>
               <a:xfrm>
-                <a:off x="3967034" y="3196834"/>
+                <a:off x="3473048" y="3438564"/>
                 <a:ext cx="496867" cy="369332"/>
               </a:xfrm>
               <a:prstGeom prst="rect">
@@ -7067,6 +7094,7 @@
               </a:bodyPr>
               <a:lstStyle/>
               <a:p>
+                <a:pPr/>
                 <a14:m>
                   <m:oMathPara xmlns:m="http://schemas.openxmlformats.org/officeDocument/2006/math">
                     <m:oMathParaPr>
@@ -7123,7 +7151,7 @@
             </p:nvSpPr>
             <p:spPr>
               <a:xfrm>
-                <a:off x="3967034" y="3196834"/>
+                <a:off x="3473048" y="3438564"/>
                 <a:ext cx="496867" cy="369332"/>
               </a:xfrm>
               <a:prstGeom prst="rect">
@@ -7132,7 +7160,7 @@
               <a:blipFill>
                 <a:blip r:embed="rId24"/>
                 <a:stretch>
-                  <a:fillRect l="-15000" r="-5000" b="-20000"/>
+                  <a:fillRect l="-15000" r="-5000" b="-16667"/>
                 </a:stretch>
               </a:blipFill>
             </p:spPr>
@@ -7167,7 +7195,7 @@
             </p:nvSpPr>
             <p:spPr>
               <a:xfrm>
-                <a:off x="3574145" y="3789545"/>
+                <a:off x="3080159" y="4031275"/>
                 <a:ext cx="762951" cy="830997"/>
               </a:xfrm>
               <a:prstGeom prst="rect">
@@ -7219,7 +7247,6 @@
                 <a:endParaRPr lang="en-US" sz="2400" b="0" dirty="0"/>
               </a:p>
               <a:p>
-                <a:pPr/>
                 <a:endParaRPr lang="en-US" sz="2400" dirty="0"/>
               </a:p>
             </p:txBody>
@@ -7242,7 +7269,7 @@
             </p:nvSpPr>
             <p:spPr>
               <a:xfrm>
-                <a:off x="3574145" y="3789545"/>
+                <a:off x="3080159" y="4031275"/>
                 <a:ext cx="762951" cy="830997"/>
               </a:xfrm>
               <a:prstGeom prst="rect">
@@ -7284,7 +7311,7 @@
         </p:nvGrpSpPr>
         <p:grpSpPr>
           <a:xfrm>
-            <a:off x="6298794" y="4068035"/>
+            <a:off x="5804808" y="4309765"/>
             <a:ext cx="480379" cy="352097"/>
             <a:chOff x="6509000" y="4866820"/>
             <a:chExt cx="480379" cy="352097"/>
@@ -7420,7 +7447,7 @@
         </p:nvSpPr>
         <p:spPr>
           <a:xfrm>
-            <a:off x="7052446" y="4042857"/>
+            <a:off x="6421826" y="4095407"/>
             <a:ext cx="668260" cy="369332"/>
           </a:xfrm>
           <a:prstGeom prst="rect">
@@ -7455,7 +7482,7 @@
         </p:nvGrpSpPr>
         <p:grpSpPr>
           <a:xfrm rot="5400000">
-            <a:off x="5458058" y="4730422"/>
+            <a:off x="4964072" y="4972152"/>
             <a:ext cx="480379" cy="352097"/>
             <a:chOff x="6509000" y="4866820"/>
             <a:chExt cx="480379" cy="352097"/>
@@ -7591,7 +7618,7 @@
         </p:nvSpPr>
         <p:spPr>
           <a:xfrm>
-            <a:off x="5386673" y="5184697"/>
+            <a:off x="4892687" y="5426427"/>
             <a:ext cx="668260" cy="369332"/>
           </a:xfrm>
           <a:prstGeom prst="rect">
@@ -7612,8 +7639,8 @@
           </a:p>
         </p:txBody>
       </p:sp>
-      <mc:AlternateContent xmlns:mc="http://schemas.openxmlformats.org/markup-compatibility/2006">
-        <mc:Choice xmlns:a14="http://schemas.microsoft.com/office/drawing/2010/main" Requires="a14">
+      <mc:AlternateContent xmlns:mc="http://schemas.openxmlformats.org/markup-compatibility/2006" xmlns:a14="http://schemas.microsoft.com/office/drawing/2010/main">
+        <mc:Choice Requires="a14">
           <p:sp>
             <p:nvSpPr>
               <p:cNvPr id="59" name="TextBox 58">
@@ -7642,6 +7669,7 @@
               </a:bodyPr>
               <a:lstStyle/>
               <a:p>
+                <a:pPr/>
                 <a14:m>
                   <m:oMathPara xmlns:m="http://schemas.openxmlformats.org/officeDocument/2006/math">
                     <m:oMathParaPr>
@@ -7713,7 +7741,7 @@
             </p:txBody>
           </p:sp>
         </mc:Choice>
-        <mc:Fallback>
+        <mc:Fallback xmlns="">
           <p:sp>
             <p:nvSpPr>
               <p:cNvPr id="59" name="TextBox 58">
@@ -7758,8 +7786,8 @@
           </p:sp>
         </mc:Fallback>
       </mc:AlternateContent>
-      <mc:AlternateContent xmlns:mc="http://schemas.openxmlformats.org/markup-compatibility/2006">
-        <mc:Choice xmlns:a14="http://schemas.microsoft.com/office/drawing/2010/main" Requires="a14">
+      <mc:AlternateContent xmlns:mc="http://schemas.openxmlformats.org/markup-compatibility/2006" xmlns:a14="http://schemas.microsoft.com/office/drawing/2010/main">
+        <mc:Choice Requires="a14">
           <p:sp>
             <p:nvSpPr>
               <p:cNvPr id="60" name="TextBox 59">
@@ -7788,6 +7816,7 @@
               </a:bodyPr>
               <a:lstStyle/>
               <a:p>
+                <a:pPr/>
                 <a14:m>
                   <m:oMathPara xmlns:m="http://schemas.openxmlformats.org/officeDocument/2006/math">
                     <m:oMathParaPr>
@@ -7859,7 +7888,7 @@
             </p:txBody>
           </p:sp>
         </mc:Choice>
-        <mc:Fallback>
+        <mc:Fallback xmlns="">
           <p:sp>
             <p:nvSpPr>
               <p:cNvPr id="60" name="TextBox 59">
@@ -7904,8 +7933,8 @@
           </p:sp>
         </mc:Fallback>
       </mc:AlternateContent>
-      <mc:AlternateContent xmlns:mc="http://schemas.openxmlformats.org/markup-compatibility/2006">
-        <mc:Choice xmlns:a14="http://schemas.microsoft.com/office/drawing/2010/main" Requires="a14">
+      <mc:AlternateContent xmlns:mc="http://schemas.openxmlformats.org/markup-compatibility/2006" xmlns:a14="http://schemas.microsoft.com/office/drawing/2010/main">
+        <mc:Choice Requires="a14">
           <p:sp>
             <p:nvSpPr>
               <p:cNvPr id="61" name="TextBox 60">
@@ -7934,6 +7963,7 @@
               </a:bodyPr>
               <a:lstStyle/>
               <a:p>
+                <a:pPr/>
                 <a14:m>
                   <m:oMathPara xmlns:m="http://schemas.openxmlformats.org/officeDocument/2006/math">
                     <m:oMathParaPr>
@@ -7999,7 +8029,7 @@
             </p:txBody>
           </p:sp>
         </mc:Choice>
-        <mc:Fallback>
+        <mc:Fallback xmlns="">
           <p:sp>
             <p:nvSpPr>
               <p:cNvPr id="61" name="TextBox 60">
@@ -8059,13 +8089,13 @@
           <p:nvPr>
             <p:extLst>
               <p:ext uri="{D42A27DB-BD31-4B8C-83A1-F6EECF244321}">
-                <p14:modId xmlns:p14="http://schemas.microsoft.com/office/powerpoint/2010/main" val="2462253177"/>
+                <p14:modId xmlns:p14="http://schemas.microsoft.com/office/powerpoint/2010/main" val="501629028"/>
               </p:ext>
             </p:extLst>
           </p:nvPr>
         </p:nvGraphicFramePr>
         <p:xfrm>
-          <a:off x="8722520" y="3152940"/>
+          <a:off x="8228534" y="3205490"/>
           <a:ext cx="1834749" cy="1463040"/>
         </p:xfrm>
         <a:graphic>
@@ -8297,7 +8327,7 @@
             </p:nvSpPr>
             <p:spPr>
               <a:xfrm>
-                <a:off x="8960646" y="4277483"/>
+                <a:off x="8466660" y="4330033"/>
                 <a:ext cx="335284" cy="276999"/>
               </a:xfrm>
               <a:prstGeom prst="rect">
@@ -8311,6 +8341,7 @@
               </a:bodyPr>
               <a:lstStyle/>
               <a:p>
+                <a:pPr/>
                 <a14:m>
                   <m:oMathPara xmlns:m="http://schemas.openxmlformats.org/officeDocument/2006/math">
                     <m:oMathParaPr>
@@ -8375,7 +8406,7 @@
             </p:nvSpPr>
             <p:spPr>
               <a:xfrm>
-                <a:off x="8960646" y="4277483"/>
+                <a:off x="8466660" y="4330033"/>
                 <a:ext cx="335284" cy="276999"/>
               </a:xfrm>
               <a:prstGeom prst="rect">
@@ -8384,7 +8415,7 @@
               <a:blipFill>
                 <a:blip r:embed="rId29"/>
                 <a:stretch>
-                  <a:fillRect l="-14815" r="-3704" b="-13043"/>
+                  <a:fillRect l="-14286" r="-3571" b="-17391"/>
                 </a:stretch>
               </a:blipFill>
             </p:spPr>
@@ -8419,7 +8450,7 @@
             </p:nvSpPr>
             <p:spPr>
               <a:xfrm>
-                <a:off x="8944881" y="3925384"/>
+                <a:off x="8450895" y="3977934"/>
                 <a:ext cx="335284" cy="276999"/>
               </a:xfrm>
               <a:prstGeom prst="rect">
@@ -8433,6 +8464,7 @@
               </a:bodyPr>
               <a:lstStyle/>
               <a:p>
+                <a:pPr/>
                 <a14:m>
                   <m:oMathPara xmlns:m="http://schemas.openxmlformats.org/officeDocument/2006/math">
                     <m:oMathParaPr>
@@ -8497,7 +8529,7 @@
             </p:nvSpPr>
             <p:spPr>
               <a:xfrm>
-                <a:off x="8944881" y="3925384"/>
+                <a:off x="8450895" y="3977934"/>
                 <a:ext cx="335284" cy="276999"/>
               </a:xfrm>
               <a:prstGeom prst="rect">
@@ -8506,7 +8538,7 @@
               <a:blipFill>
                 <a:blip r:embed="rId30"/>
                 <a:stretch>
-                  <a:fillRect l="-14815" r="-3704" b="-18182"/>
+                  <a:fillRect l="-14815" r="-3704" b="-13043"/>
                 </a:stretch>
               </a:blipFill>
             </p:spPr>
@@ -8541,7 +8573,7 @@
             </p:nvSpPr>
             <p:spPr>
               <a:xfrm>
-                <a:off x="8986926" y="3547018"/>
+                <a:off x="8492940" y="3599568"/>
                 <a:ext cx="335284" cy="276999"/>
               </a:xfrm>
               <a:prstGeom prst="rect">
@@ -8555,6 +8587,7 @@
               </a:bodyPr>
               <a:lstStyle/>
               <a:p>
+                <a:pPr/>
                 <a14:m>
                   <m:oMathPara xmlns:m="http://schemas.openxmlformats.org/officeDocument/2006/math">
                     <m:oMathParaPr>
@@ -8619,7 +8652,7 @@
             </p:nvSpPr>
             <p:spPr>
               <a:xfrm>
-                <a:off x="8986926" y="3547018"/>
+                <a:off x="8492940" y="3599568"/>
                 <a:ext cx="335284" cy="276999"/>
               </a:xfrm>
               <a:prstGeom prst="rect">
@@ -8628,7 +8661,7 @@
               <a:blipFill>
                 <a:blip r:embed="rId31"/>
                 <a:stretch>
-                  <a:fillRect l="-14815" r="-3704" b="-18182"/>
+                  <a:fillRect l="-14286" b="-13043"/>
                 </a:stretch>
               </a:blipFill>
             </p:spPr>
@@ -8663,7 +8696,7 @@
             </p:nvSpPr>
             <p:spPr>
               <a:xfrm>
-                <a:off x="8225654" y="3125534"/>
+                <a:off x="7731668" y="3178084"/>
                 <a:ext cx="496866" cy="369332"/>
               </a:xfrm>
               <a:prstGeom prst="rect">
@@ -8677,6 +8710,7 @@
               </a:bodyPr>
               <a:lstStyle/>
               <a:p>
+                <a:pPr/>
                 <a14:m>
                   <m:oMathPara xmlns:m="http://schemas.openxmlformats.org/officeDocument/2006/math">
                     <m:oMathParaPr>
@@ -8733,7 +8767,7 @@
             </p:nvSpPr>
             <p:spPr>
               <a:xfrm>
-                <a:off x="8225654" y="3125534"/>
+                <a:off x="7731668" y="3178084"/>
                 <a:ext cx="496866" cy="369332"/>
               </a:xfrm>
               <a:prstGeom prst="rect">
@@ -8777,7 +8811,7 @@
             </p:nvSpPr>
             <p:spPr>
               <a:xfrm>
-                <a:off x="7592054" y="3606340"/>
+                <a:off x="7339805" y="3658890"/>
                 <a:ext cx="762951" cy="830997"/>
               </a:xfrm>
               <a:prstGeom prst="rect">
@@ -8829,7 +8863,6 @@
                 <a:endParaRPr lang="en-US" sz="2400" b="0" dirty="0"/>
               </a:p>
               <a:p>
-                <a:pPr/>
                 <a:endParaRPr lang="en-US" sz="2400" dirty="0"/>
               </a:p>
             </p:txBody>
@@ -8852,7 +8885,7 @@
             </p:nvSpPr>
             <p:spPr>
               <a:xfrm>
-                <a:off x="7592054" y="3606340"/>
+                <a:off x="7339805" y="3658890"/>
                 <a:ext cx="762951" cy="830997"/>
               </a:xfrm>
               <a:prstGeom prst="rect">
@@ -8894,8 +8927,8 @@
         </p:nvSpPr>
         <p:spPr>
           <a:xfrm>
-            <a:off x="8474087" y="5186954"/>
-            <a:ext cx="3048718" cy="1200329"/>
+            <a:off x="7436332" y="5386650"/>
+            <a:ext cx="4626455" cy="923330"/>
           </a:xfrm>
           <a:prstGeom prst="rect">
             <a:avLst/>
@@ -8943,7 +8976,7 @@
             </p:nvSpPr>
             <p:spPr>
               <a:xfrm>
-                <a:off x="1308004" y="5697926"/>
+                <a:off x="970317" y="5849016"/>
                 <a:ext cx="4819819" cy="646331"/>
               </a:xfrm>
               <a:prstGeom prst="rect">
@@ -8976,13 +9009,7 @@
                           <a:rPr lang="en-US" b="1" i="1" smtClean="0">
                             <a:latin typeface="Cambria Math" panose="02040503050406030204" pitchFamily="18" charset="0"/>
                           </a:rPr>
-                          <m:t> (</m:t>
-                        </m:r>
-                        <m:r>
-                          <a:rPr lang="en-US" b="1" i="1" smtClean="0">
-                            <a:latin typeface="Cambria Math" panose="02040503050406030204" pitchFamily="18" charset="0"/>
-                          </a:rPr>
-                          <m:t>=</m:t>
+                          <m:t> (=</m:t>
                         </m:r>
                       </m:e>
                       <m:sub>
@@ -9037,7 +9064,7 @@
             </p:nvSpPr>
             <p:spPr>
               <a:xfrm>
-                <a:off x="1308004" y="5697926"/>
+                <a:off x="970317" y="5849016"/>
                 <a:ext cx="4819819" cy="646331"/>
               </a:xfrm>
               <a:prstGeom prst="rect">
@@ -9046,7 +9073,7 @@
               <a:blipFill>
                 <a:blip r:embed="rId34"/>
                 <a:stretch>
-                  <a:fillRect l="-1316" t="-3846" b="-13462"/>
+                  <a:fillRect l="-1050" t="-3846" b="-13462"/>
                 </a:stretch>
               </a:blipFill>
             </p:spPr>
@@ -9065,10 +9092,793 @@
           </p:sp>
         </mc:Fallback>
       </mc:AlternateContent>
+      <p:sp>
+        <p:nvSpPr>
+          <p:cNvPr id="2" name="Rectangle 1">
+            <a:extLst>
+              <a:ext uri="{FF2B5EF4-FFF2-40B4-BE49-F238E27FC236}">
+                <a16:creationId xmlns:a16="http://schemas.microsoft.com/office/drawing/2014/main" id="{AAC6FC95-5D4B-A0B7-7986-B300B258FA68}"/>
+              </a:ext>
+            </a:extLst>
+          </p:cNvPr>
+          <p:cNvSpPr/>
+          <p:nvPr/>
+        </p:nvSpPr>
+        <p:spPr>
+          <a:xfrm>
+            <a:off x="369379" y="103683"/>
+            <a:ext cx="5547945" cy="1202303"/>
+          </a:xfrm>
+          <a:prstGeom prst="rect">
+            <a:avLst/>
+          </a:prstGeom>
+          <a:noFill/>
+          <a:ln w="38100">
+            <a:prstDash val="sysDash"/>
+          </a:ln>
+        </p:spPr>
+        <p:style>
+          <a:lnRef idx="2">
+            <a:schemeClr val="accent1">
+              <a:shade val="15000"/>
+            </a:schemeClr>
+          </a:lnRef>
+          <a:fillRef idx="1">
+            <a:schemeClr val="accent1"/>
+          </a:fillRef>
+          <a:effectRef idx="0">
+            <a:schemeClr val="accent1"/>
+          </a:effectRef>
+          <a:fontRef idx="minor">
+            <a:schemeClr val="lt1"/>
+          </a:fontRef>
+        </p:style>
+        <p:txBody>
+          <a:bodyPr rtlCol="0" anchor="ctr"/>
+          <a:lstStyle/>
+          <a:p>
+            <a:pPr algn="ctr"/>
+            <a:endParaRPr lang="en-US"/>
+          </a:p>
+        </p:txBody>
+      </p:sp>
+      <p:sp>
+        <p:nvSpPr>
+          <p:cNvPr id="3" name="Rectangle 2">
+            <a:extLst>
+              <a:ext uri="{FF2B5EF4-FFF2-40B4-BE49-F238E27FC236}">
+                <a16:creationId xmlns:a16="http://schemas.microsoft.com/office/drawing/2014/main" id="{F852B346-AEE1-EA04-0F1D-AC352AF3ACF6}"/>
+              </a:ext>
+            </a:extLst>
+          </p:cNvPr>
+          <p:cNvSpPr/>
+          <p:nvPr/>
+        </p:nvSpPr>
+        <p:spPr>
+          <a:xfrm>
+            <a:off x="369378" y="1380845"/>
+            <a:ext cx="6804413" cy="5256436"/>
+          </a:xfrm>
+          <a:prstGeom prst="rect">
+            <a:avLst/>
+          </a:prstGeom>
+          <a:noFill/>
+          <a:ln w="38100">
+            <a:prstDash val="sysDash"/>
+          </a:ln>
+        </p:spPr>
+        <p:style>
+          <a:lnRef idx="2">
+            <a:schemeClr val="accent1">
+              <a:shade val="15000"/>
+            </a:schemeClr>
+          </a:lnRef>
+          <a:fillRef idx="1">
+            <a:schemeClr val="accent1"/>
+          </a:fillRef>
+          <a:effectRef idx="0">
+            <a:schemeClr val="accent1"/>
+          </a:effectRef>
+          <a:fontRef idx="minor">
+            <a:schemeClr val="lt1"/>
+          </a:fontRef>
+        </p:style>
+        <p:txBody>
+          <a:bodyPr rtlCol="0" anchor="ctr"/>
+          <a:lstStyle/>
+          <a:p>
+            <a:pPr algn="ctr"/>
+            <a:endParaRPr lang="en-US"/>
+          </a:p>
+        </p:txBody>
+      </p:sp>
+      <p:sp>
+        <p:nvSpPr>
+          <p:cNvPr id="10" name="Rectangle 9">
+            <a:extLst>
+              <a:ext uri="{FF2B5EF4-FFF2-40B4-BE49-F238E27FC236}">
+                <a16:creationId xmlns:a16="http://schemas.microsoft.com/office/drawing/2014/main" id="{6FB4DB06-E1FB-A7A2-87F7-DFAAACF297F5}"/>
+              </a:ext>
+            </a:extLst>
+          </p:cNvPr>
+          <p:cNvSpPr/>
+          <p:nvPr/>
+        </p:nvSpPr>
+        <p:spPr>
+          <a:xfrm>
+            <a:off x="7411916" y="142456"/>
+            <a:ext cx="4650872" cy="4818428"/>
+          </a:xfrm>
+          <a:prstGeom prst="rect">
+            <a:avLst/>
+          </a:prstGeom>
+          <a:noFill/>
+          <a:ln w="38100">
+            <a:prstDash val="sysDash"/>
+          </a:ln>
+        </p:spPr>
+        <p:style>
+          <a:lnRef idx="2">
+            <a:schemeClr val="accent1">
+              <a:shade val="15000"/>
+            </a:schemeClr>
+          </a:lnRef>
+          <a:fillRef idx="1">
+            <a:schemeClr val="accent1"/>
+          </a:fillRef>
+          <a:effectRef idx="0">
+            <a:schemeClr val="accent1"/>
+          </a:effectRef>
+          <a:fontRef idx="minor">
+            <a:schemeClr val="lt1"/>
+          </a:fontRef>
+        </p:style>
+        <p:txBody>
+          <a:bodyPr rtlCol="0" anchor="ctr"/>
+          <a:lstStyle/>
+          <a:p>
+            <a:pPr algn="ctr"/>
+            <a:endParaRPr lang="en-US"/>
+          </a:p>
+        </p:txBody>
+      </p:sp>
+      <p:sp>
+        <p:nvSpPr>
+          <p:cNvPr id="12" name="TextBox 11">
+            <a:extLst>
+              <a:ext uri="{FF2B5EF4-FFF2-40B4-BE49-F238E27FC236}">
+                <a16:creationId xmlns:a16="http://schemas.microsoft.com/office/drawing/2014/main" id="{D74BF7ED-ADAB-4C85-0D00-FBA59A9DB7AB}"/>
+              </a:ext>
+            </a:extLst>
+          </p:cNvPr>
+          <p:cNvSpPr txBox="1"/>
+          <p:nvPr/>
+        </p:nvSpPr>
+        <p:spPr>
+          <a:xfrm>
+            <a:off x="347414" y="103683"/>
+            <a:ext cx="436338" cy="369332"/>
+          </a:xfrm>
+          <a:prstGeom prst="rect">
+            <a:avLst/>
+          </a:prstGeom>
+          <a:noFill/>
+        </p:spPr>
+        <p:txBody>
+          <a:bodyPr wrap="none" rtlCol="0">
+            <a:spAutoFit/>
+          </a:bodyPr>
+          <a:lstStyle/>
+          <a:p>
+            <a:r>
+              <a:rPr lang="en-US" dirty="0"/>
+              <a:t>(a)</a:t>
+            </a:r>
+          </a:p>
+        </p:txBody>
+      </p:sp>
+      <p:sp>
+        <p:nvSpPr>
+          <p:cNvPr id="13" name="TextBox 12">
+            <a:extLst>
+              <a:ext uri="{FF2B5EF4-FFF2-40B4-BE49-F238E27FC236}">
+                <a16:creationId xmlns:a16="http://schemas.microsoft.com/office/drawing/2014/main" id="{3475331F-BF7E-4396-3503-B60623F06DC5}"/>
+              </a:ext>
+            </a:extLst>
+          </p:cNvPr>
+          <p:cNvSpPr txBox="1"/>
+          <p:nvPr/>
+        </p:nvSpPr>
+        <p:spPr>
+          <a:xfrm>
+            <a:off x="336890" y="1358536"/>
+            <a:ext cx="447558" cy="369332"/>
+          </a:xfrm>
+          <a:prstGeom prst="rect">
+            <a:avLst/>
+          </a:prstGeom>
+          <a:noFill/>
+        </p:spPr>
+        <p:txBody>
+          <a:bodyPr wrap="none" rtlCol="0">
+            <a:spAutoFit/>
+          </a:bodyPr>
+          <a:lstStyle/>
+          <a:p>
+            <a:r>
+              <a:rPr lang="en-US" dirty="0"/>
+              <a:t>(b)</a:t>
+            </a:r>
+          </a:p>
+        </p:txBody>
+      </p:sp>
+      <p:sp>
+        <p:nvSpPr>
+          <p:cNvPr id="14" name="TextBox 13">
+            <a:extLst>
+              <a:ext uri="{FF2B5EF4-FFF2-40B4-BE49-F238E27FC236}">
+                <a16:creationId xmlns:a16="http://schemas.microsoft.com/office/drawing/2014/main" id="{ADC1E229-FE2B-C13B-586E-8F71D0F9BDB2}"/>
+              </a:ext>
+            </a:extLst>
+          </p:cNvPr>
+          <p:cNvSpPr txBox="1"/>
+          <p:nvPr/>
+        </p:nvSpPr>
+        <p:spPr>
+          <a:xfrm>
+            <a:off x="7436333" y="174552"/>
+            <a:ext cx="423514" cy="369332"/>
+          </a:xfrm>
+          <a:prstGeom prst="rect">
+            <a:avLst/>
+          </a:prstGeom>
+          <a:noFill/>
+        </p:spPr>
+        <p:txBody>
+          <a:bodyPr wrap="none" rtlCol="0">
+            <a:spAutoFit/>
+          </a:bodyPr>
+          <a:lstStyle/>
+          <a:p>
+            <a:r>
+              <a:rPr lang="en-US" dirty="0"/>
+              <a:t>(c)</a:t>
+            </a:r>
+          </a:p>
+        </p:txBody>
+      </p:sp>
     </p:spTree>
     <p:extLst>
       <p:ext uri="{BB962C8B-B14F-4D97-AF65-F5344CB8AC3E}">
         <p14:creationId xmlns:p14="http://schemas.microsoft.com/office/powerpoint/2010/main" val="355688281"/>
+      </p:ext>
+    </p:extLst>
+  </p:cSld>
+  <p:clrMapOvr>
+    <a:masterClrMapping/>
+  </p:clrMapOvr>
+</p:sld>
+</file>
+
+<file path=ppt/slides/slide3.xml><?xml version="1.0" encoding="utf-8"?>
+<p:sld xmlns:a="http://schemas.openxmlformats.org/drawingml/2006/main" xmlns:r="http://schemas.openxmlformats.org/officeDocument/2006/relationships" xmlns:p="http://schemas.openxmlformats.org/presentationml/2006/main">
+  <p:cSld>
+    <p:spTree>
+      <p:nvGrpSpPr>
+        <p:cNvPr id="1" name=""/>
+        <p:cNvGrpSpPr/>
+        <p:nvPr/>
+      </p:nvGrpSpPr>
+      <p:grpSpPr>
+        <a:xfrm>
+          <a:off x="0" y="0"/>
+          <a:ext cx="0" cy="0"/>
+          <a:chOff x="0" y="0"/>
+          <a:chExt cx="0" cy="0"/>
+        </a:xfrm>
+      </p:grpSpPr>
+      <p:sp>
+        <p:nvSpPr>
+          <p:cNvPr id="2" name="Title 1">
+            <a:extLst>
+              <a:ext uri="{FF2B5EF4-FFF2-40B4-BE49-F238E27FC236}">
+                <a16:creationId xmlns:a16="http://schemas.microsoft.com/office/drawing/2014/main" id="{8E7AA271-6B5B-B09A-B5CE-084E60BA72D5}"/>
+              </a:ext>
+            </a:extLst>
+          </p:cNvPr>
+          <p:cNvSpPr>
+            <a:spLocks noGrp="1"/>
+          </p:cNvSpPr>
+          <p:nvPr>
+            <p:ph type="title"/>
+          </p:nvPr>
+        </p:nvSpPr>
+        <p:spPr>
+          <a:xfrm>
+            <a:off x="575444" y="154919"/>
+            <a:ext cx="10515600" cy="1325563"/>
+          </a:xfrm>
+        </p:spPr>
+        <p:txBody>
+          <a:bodyPr>
+            <a:normAutofit/>
+          </a:bodyPr>
+          <a:lstStyle/>
+          <a:p>
+            <a:r>
+              <a:rPr lang="en-US" sz="3600" dirty="0"/>
+              <a:t>Computational Complexity of Naïve Algorithm for Permutably Identical Reaction Networks</a:t>
+            </a:r>
+          </a:p>
+        </p:txBody>
+      </p:sp>
+      <p:sp>
+        <p:nvSpPr>
+          <p:cNvPr id="3" name="TextBox 2">
+            <a:extLst>
+              <a:ext uri="{FF2B5EF4-FFF2-40B4-BE49-F238E27FC236}">
+                <a16:creationId xmlns:a16="http://schemas.microsoft.com/office/drawing/2014/main" id="{08DAEA24-DDBA-E6C5-6BC0-0DAB56B208A9}"/>
+              </a:ext>
+            </a:extLst>
+          </p:cNvPr>
+          <p:cNvSpPr txBox="1"/>
+          <p:nvPr/>
+        </p:nvSpPr>
+        <p:spPr>
+          <a:xfrm>
+            <a:off x="323193" y="5402313"/>
+            <a:ext cx="4564117" cy="923330"/>
+          </a:xfrm>
+          <a:prstGeom prst="rect">
+            <a:avLst/>
+          </a:prstGeom>
+          <a:noFill/>
+        </p:spPr>
+        <p:txBody>
+          <a:bodyPr wrap="square" rtlCol="0">
+            <a:spAutoFit/>
+          </a:bodyPr>
+          <a:lstStyle/>
+          <a:p>
+            <a:r>
+              <a:rPr lang="en-US" dirty="0"/>
+              <a:t>Long compute times on modest size networks: 5 species, 10 reactions</a:t>
+            </a:r>
+          </a:p>
+          <a:p>
+            <a:r>
+              <a:rPr lang="en-US" dirty="0"/>
+              <a:t>2 </a:t>
+            </a:r>
+            <a:r>
+              <a:rPr lang="en-US" dirty="0" err="1"/>
+              <a:t>yrs</a:t>
+            </a:r>
+            <a:r>
+              <a:rPr lang="en-US" dirty="0"/>
+              <a:t> (Mac M1, 12 </a:t>
+            </a:r>
+            <a:r>
+              <a:rPr lang="en-US" dirty="0" err="1"/>
+              <a:t>usec</a:t>
+            </a:r>
+            <a:r>
+              <a:rPr lang="en-US" dirty="0"/>
+              <a:t>/comparison) </a:t>
+            </a:r>
+          </a:p>
+        </p:txBody>
+      </p:sp>
+      <p:sp>
+        <p:nvSpPr>
+          <p:cNvPr id="4" name="TextBox 3">
+            <a:extLst>
+              <a:ext uri="{FF2B5EF4-FFF2-40B4-BE49-F238E27FC236}">
+                <a16:creationId xmlns:a16="http://schemas.microsoft.com/office/drawing/2014/main" id="{C1E8FFF4-E437-2ADE-0995-69D779F5AC8F}"/>
+              </a:ext>
+            </a:extLst>
+          </p:cNvPr>
+          <p:cNvSpPr txBox="1"/>
+          <p:nvPr/>
+        </p:nvSpPr>
+        <p:spPr>
+          <a:xfrm>
+            <a:off x="449317" y="2057873"/>
+            <a:ext cx="6801862" cy="2308324"/>
+          </a:xfrm>
+          <a:prstGeom prst="rect">
+            <a:avLst/>
+          </a:prstGeom>
+          <a:noFill/>
+        </p:spPr>
+        <p:txBody>
+          <a:bodyPr wrap="none" rtlCol="0">
+            <a:spAutoFit/>
+          </a:bodyPr>
+          <a:lstStyle/>
+          <a:p>
+            <a:r>
+              <a:rPr lang="en-US" dirty="0" err="1">
+                <a:latin typeface="Courier New" panose="02070309020205020404" pitchFamily="49" charset="0"/>
+                <a:cs typeface="Courier New" panose="02070309020205020404" pitchFamily="49" charset="0"/>
+              </a:rPr>
+              <a:t>checkPermutablyIdentical</a:t>
+            </a:r>
+            <a:r>
+              <a:rPr lang="en-US" dirty="0">
+                <a:latin typeface="Courier New" panose="02070309020205020404" pitchFamily="49" charset="0"/>
+                <a:cs typeface="Courier New" panose="02070309020205020404" pitchFamily="49" charset="0"/>
+              </a:rPr>
+              <a:t>(M1:matrix, M2:matrix):</a:t>
+            </a:r>
+          </a:p>
+          <a:p>
+            <a:pPr lvl="1"/>
+            <a:r>
+              <a:rPr lang="en-US" dirty="0">
+                <a:latin typeface="Courier New" panose="02070309020205020404" pitchFamily="49" charset="0"/>
+                <a:cs typeface="Courier New" panose="02070309020205020404" pitchFamily="49" charset="0"/>
+              </a:rPr>
+              <a:t>for </a:t>
+            </a:r>
+            <a:r>
+              <a:rPr lang="en-US" dirty="0" err="1">
+                <a:latin typeface="Courier New" panose="02070309020205020404" pitchFamily="49" charset="0"/>
+                <a:cs typeface="Courier New" panose="02070309020205020404" pitchFamily="49" charset="0"/>
+              </a:rPr>
+              <a:t>reaction_permutation</a:t>
+            </a:r>
+            <a:endParaRPr lang="en-US" dirty="0">
+              <a:latin typeface="Courier New" panose="02070309020205020404" pitchFamily="49" charset="0"/>
+              <a:cs typeface="Courier New" panose="02070309020205020404" pitchFamily="49" charset="0"/>
+            </a:endParaRPr>
+          </a:p>
+          <a:p>
+            <a:pPr lvl="1"/>
+            <a:r>
+              <a:rPr lang="en-US" dirty="0">
+                <a:latin typeface="Courier New" panose="02070309020205020404" pitchFamily="49" charset="0"/>
+                <a:cs typeface="Courier New" panose="02070309020205020404" pitchFamily="49" charset="0"/>
+              </a:rPr>
+              <a:t>    for </a:t>
+            </a:r>
+            <a:r>
+              <a:rPr lang="en-US" dirty="0" err="1">
+                <a:latin typeface="Courier New" panose="02070309020205020404" pitchFamily="49" charset="0"/>
+                <a:cs typeface="Courier New" panose="02070309020205020404" pitchFamily="49" charset="0"/>
+              </a:rPr>
+              <a:t>species_permutation</a:t>
+            </a:r>
+            <a:endParaRPr lang="en-US" dirty="0">
+              <a:latin typeface="Courier New" panose="02070309020205020404" pitchFamily="49" charset="0"/>
+              <a:cs typeface="Courier New" panose="02070309020205020404" pitchFamily="49" charset="0"/>
+            </a:endParaRPr>
+          </a:p>
+          <a:p>
+            <a:pPr lvl="1"/>
+            <a:r>
+              <a:rPr lang="en-US" dirty="0">
+                <a:latin typeface="Courier New" panose="02070309020205020404" pitchFamily="49" charset="0"/>
+                <a:cs typeface="Courier New" panose="02070309020205020404" pitchFamily="49" charset="0"/>
+              </a:rPr>
+              <a:t>        if M1[</a:t>
+            </a:r>
+            <a:r>
+              <a:rPr lang="en-US" dirty="0" err="1">
+                <a:latin typeface="Courier New" panose="02070309020205020404" pitchFamily="49" charset="0"/>
+                <a:cs typeface="Courier New" panose="02070309020205020404" pitchFamily="49" charset="0"/>
+              </a:rPr>
+              <a:t>reaction_permutations</a:t>
+            </a:r>
+            <a:r>
+              <a:rPr lang="en-US" dirty="0">
+                <a:latin typeface="Courier New" panose="02070309020205020404" pitchFamily="49" charset="0"/>
+                <a:cs typeface="Courier New" panose="02070309020205020404" pitchFamily="49" charset="0"/>
+              </a:rPr>
+              <a:t>, </a:t>
+            </a:r>
+          </a:p>
+          <a:p>
+            <a:pPr lvl="1"/>
+            <a:r>
+              <a:rPr lang="en-US" dirty="0">
+                <a:latin typeface="Courier New" panose="02070309020205020404" pitchFamily="49" charset="0"/>
+                <a:cs typeface="Courier New" panose="02070309020205020404" pitchFamily="49" charset="0"/>
+              </a:rPr>
+              <a:t>		</a:t>
+            </a:r>
+            <a:r>
+              <a:rPr lang="en-US" dirty="0" err="1">
+                <a:latin typeface="Courier New" panose="02070309020205020404" pitchFamily="49" charset="0"/>
+                <a:cs typeface="Courier New" panose="02070309020205020404" pitchFamily="49" charset="0"/>
+              </a:rPr>
+              <a:t>species_permutations</a:t>
+            </a:r>
+            <a:r>
+              <a:rPr lang="en-US" dirty="0">
+                <a:latin typeface="Courier New" panose="02070309020205020404" pitchFamily="49" charset="0"/>
+                <a:cs typeface="Courier New" panose="02070309020205020404" pitchFamily="49" charset="0"/>
+              </a:rPr>
+              <a:t>] == M2:</a:t>
+            </a:r>
+          </a:p>
+          <a:p>
+            <a:pPr lvl="1"/>
+            <a:r>
+              <a:rPr lang="en-US" dirty="0">
+                <a:latin typeface="Courier New" panose="02070309020205020404" pitchFamily="49" charset="0"/>
+                <a:cs typeface="Courier New" panose="02070309020205020404" pitchFamily="49" charset="0"/>
+              </a:rPr>
+              <a:t>            return True</a:t>
+            </a:r>
+          </a:p>
+          <a:p>
+            <a:pPr lvl="1"/>
+            <a:r>
+              <a:rPr lang="en-US" dirty="0">
+                <a:latin typeface="Courier New" panose="02070309020205020404" pitchFamily="49" charset="0"/>
+                <a:cs typeface="Courier New" panose="02070309020205020404" pitchFamily="49" charset="0"/>
+              </a:rPr>
+              <a:t>return False</a:t>
+            </a:r>
+          </a:p>
+          <a:p>
+            <a:endParaRPr lang="en-US" dirty="0">
+              <a:latin typeface="Courier New" panose="02070309020205020404" pitchFamily="49" charset="0"/>
+              <a:cs typeface="Courier New" panose="02070309020205020404" pitchFamily="49" charset="0"/>
+            </a:endParaRPr>
+          </a:p>
+        </p:txBody>
+      </p:sp>
+      <p:sp>
+        <p:nvSpPr>
+          <p:cNvPr id="5" name="TextBox 4">
+            <a:extLst>
+              <a:ext uri="{FF2B5EF4-FFF2-40B4-BE49-F238E27FC236}">
+                <a16:creationId xmlns:a16="http://schemas.microsoft.com/office/drawing/2014/main" id="{5DF65F6A-A6A9-C07B-192D-CF81F655AF30}"/>
+              </a:ext>
+            </a:extLst>
+          </p:cNvPr>
+          <p:cNvSpPr txBox="1"/>
+          <p:nvPr/>
+        </p:nvSpPr>
+        <p:spPr>
+          <a:xfrm>
+            <a:off x="459829" y="1660635"/>
+            <a:ext cx="1912639" cy="400110"/>
+          </a:xfrm>
+          <a:prstGeom prst="rect">
+            <a:avLst/>
+          </a:prstGeom>
+          <a:noFill/>
+        </p:spPr>
+        <p:txBody>
+          <a:bodyPr wrap="none" rtlCol="0">
+            <a:spAutoFit/>
+          </a:bodyPr>
+          <a:lstStyle/>
+          <a:p>
+            <a:r>
+              <a:rPr lang="en-US" sz="2000" b="1" dirty="0"/>
+              <a:t>Naïve Algorithm</a:t>
+            </a:r>
+          </a:p>
+        </p:txBody>
+      </p:sp>
+      <mc:AlternateContent xmlns:mc="http://schemas.openxmlformats.org/markup-compatibility/2006">
+        <mc:Choice xmlns:a14="http://schemas.microsoft.com/office/drawing/2010/main" Requires="a14">
+          <p:sp>
+            <p:nvSpPr>
+              <p:cNvPr id="6" name="TextBox 5">
+                <a:extLst>
+                  <a:ext uri="{FF2B5EF4-FFF2-40B4-BE49-F238E27FC236}">
+                    <a16:creationId xmlns:a16="http://schemas.microsoft.com/office/drawing/2014/main" id="{94B91312-A011-867D-1968-8D0761302FE1}"/>
+                  </a:ext>
+                </a:extLst>
+              </p:cNvPr>
+              <p:cNvSpPr txBox="1"/>
+              <p:nvPr/>
+            </p:nvSpPr>
+            <p:spPr>
+              <a:xfrm>
+                <a:off x="323194" y="4331048"/>
+                <a:ext cx="3754820" cy="800219"/>
+              </a:xfrm>
+              <a:prstGeom prst="rect">
+                <a:avLst/>
+              </a:prstGeom>
+              <a:noFill/>
+            </p:spPr>
+            <p:txBody>
+              <a:bodyPr wrap="square" rtlCol="0">
+                <a:spAutoFit/>
+              </a:bodyPr>
+              <a:lstStyle/>
+              <a:p>
+                <a:r>
+                  <a:rPr lang="en-US" dirty="0"/>
+                  <a:t>Computational complexity: </a:t>
+                </a:r>
+                <a14:m>
+                  <m:oMath xmlns:m="http://schemas.openxmlformats.org/officeDocument/2006/math">
+                    <m:r>
+                      <a:rPr lang="en-US" b="0" i="1" smtClean="0">
+                        <a:latin typeface="Cambria Math" panose="02040503050406030204" pitchFamily="18" charset="0"/>
+                      </a:rPr>
+                      <m:t>𝑂</m:t>
+                    </m:r>
+                    <m:r>
+                      <a:rPr lang="en-US" b="0" i="1" smtClean="0">
+                        <a:latin typeface="Cambria Math" panose="02040503050406030204" pitchFamily="18" charset="0"/>
+                      </a:rPr>
+                      <m:t>(</m:t>
+                    </m:r>
+                    <m:r>
+                      <a:rPr lang="en-US" b="0" i="1" smtClean="0">
+                        <a:latin typeface="Cambria Math" panose="02040503050406030204" pitchFamily="18" charset="0"/>
+                      </a:rPr>
+                      <m:t>𝑁</m:t>
+                    </m:r>
+                    <m:r>
+                      <a:rPr lang="en-US" b="0" i="1" smtClean="0">
+                        <a:latin typeface="Cambria Math" panose="02040503050406030204" pitchFamily="18" charset="0"/>
+                      </a:rPr>
+                      <m:t>!</m:t>
+                    </m:r>
+                    <m:r>
+                      <a:rPr lang="en-US" b="0" i="1" smtClean="0">
+                        <a:latin typeface="Cambria Math" panose="02040503050406030204" pitchFamily="18" charset="0"/>
+                      </a:rPr>
+                      <m:t>𝑀</m:t>
+                    </m:r>
+                    <m:r>
+                      <a:rPr lang="en-US" b="0" i="1" smtClean="0">
+                        <a:latin typeface="Cambria Math" panose="02040503050406030204" pitchFamily="18" charset="0"/>
+                      </a:rPr>
+                      <m:t>!)</m:t>
+                    </m:r>
+                  </m:oMath>
+                </a14:m>
+                <a:r>
+                  <a:rPr lang="en-US" dirty="0"/>
+                  <a:t> </a:t>
+                </a:r>
+                <a:r>
+                  <a:rPr lang="en-US" sz="1400" i="1" dirty="0"/>
+                  <a:t>N </a:t>
+                </a:r>
+                <a:r>
+                  <a:rPr lang="en-US" sz="1400" dirty="0"/>
+                  <a:t>is number of reactions</a:t>
+                </a:r>
+              </a:p>
+              <a:p>
+                <a:r>
+                  <a:rPr lang="en-US" sz="1400" i="1" dirty="0"/>
+                  <a:t>M</a:t>
+                </a:r>
+                <a:r>
+                  <a:rPr lang="en-US" sz="1400" dirty="0"/>
+                  <a:t> is number of species</a:t>
+                </a:r>
+              </a:p>
+            </p:txBody>
+          </p:sp>
+        </mc:Choice>
+        <mc:Fallback>
+          <p:sp>
+            <p:nvSpPr>
+              <p:cNvPr id="6" name="TextBox 5">
+                <a:extLst>
+                  <a:ext uri="{FF2B5EF4-FFF2-40B4-BE49-F238E27FC236}">
+                    <a16:creationId xmlns:a16="http://schemas.microsoft.com/office/drawing/2014/main" id="{94B91312-A011-867D-1968-8D0761302FE1}"/>
+                  </a:ext>
+                </a:extLst>
+              </p:cNvPr>
+              <p:cNvSpPr txBox="1">
+                <a:spLocks noRot="1" noChangeAspect="1" noMove="1" noResize="1" noEditPoints="1" noAdjustHandles="1" noChangeArrowheads="1" noChangeShapeType="1" noTextEdit="1"/>
+              </p:cNvSpPr>
+              <p:nvPr/>
+            </p:nvSpPr>
+            <p:spPr>
+              <a:xfrm>
+                <a:off x="323194" y="4331048"/>
+                <a:ext cx="3754820" cy="800219"/>
+              </a:xfrm>
+              <a:prstGeom prst="rect">
+                <a:avLst/>
+              </a:prstGeom>
+              <a:blipFill>
+                <a:blip r:embed="rId2"/>
+                <a:stretch>
+                  <a:fillRect l="-1347" t="-3077" b="-7692"/>
+                </a:stretch>
+              </a:blipFill>
+            </p:spPr>
+            <p:txBody>
+              <a:bodyPr/>
+              <a:lstStyle/>
+              <a:p>
+                <a:r>
+                  <a:rPr lang="en-US">
+                    <a:noFill/>
+                  </a:rPr>
+                  <a:t> </a:t>
+                </a:r>
+              </a:p>
+            </p:txBody>
+          </p:sp>
+        </mc:Fallback>
+      </mc:AlternateContent>
+      <p:pic>
+        <p:nvPicPr>
+          <p:cNvPr id="8" name="Picture 7">
+            <a:extLst>
+              <a:ext uri="{FF2B5EF4-FFF2-40B4-BE49-F238E27FC236}">
+                <a16:creationId xmlns:a16="http://schemas.microsoft.com/office/drawing/2014/main" id="{B1ACD174-9FE8-151C-D44E-34D4BAEF809B}"/>
+              </a:ext>
+            </a:extLst>
+          </p:cNvPr>
+          <p:cNvPicPr>
+            <a:picLocks noChangeAspect="1"/>
+          </p:cNvPicPr>
+          <p:nvPr/>
+        </p:nvPicPr>
+        <p:blipFill>
+          <a:blip r:embed="rId3"/>
+          <a:stretch>
+            <a:fillRect/>
+          </a:stretch>
+        </p:blipFill>
+        <p:spPr>
+          <a:xfrm>
+            <a:off x="6683411" y="2522482"/>
+            <a:ext cx="4934023" cy="3885543"/>
+          </a:xfrm>
+          <a:prstGeom prst="rect">
+            <a:avLst/>
+          </a:prstGeom>
+        </p:spPr>
+      </p:pic>
+      <p:sp>
+        <p:nvSpPr>
+          <p:cNvPr id="9" name="TextBox 8">
+            <a:extLst>
+              <a:ext uri="{FF2B5EF4-FFF2-40B4-BE49-F238E27FC236}">
+                <a16:creationId xmlns:a16="http://schemas.microsoft.com/office/drawing/2014/main" id="{25D9BE3B-9281-46C2-6C75-E58CAFCD58C4}"/>
+              </a:ext>
+            </a:extLst>
+          </p:cNvPr>
+          <p:cNvSpPr txBox="1"/>
+          <p:nvPr/>
+        </p:nvSpPr>
+        <p:spPr>
+          <a:xfrm>
+            <a:off x="10558348" y="2337816"/>
+            <a:ext cx="1633652" cy="369332"/>
+          </a:xfrm>
+          <a:prstGeom prst="rect">
+            <a:avLst/>
+          </a:prstGeom>
+          <a:noFill/>
+        </p:spPr>
+        <p:txBody>
+          <a:bodyPr wrap="none" rtlCol="0">
+            <a:spAutoFit/>
+          </a:bodyPr>
+          <a:lstStyle/>
+          <a:p>
+            <a:r>
+              <a:rPr lang="en-US" dirty="0"/>
+              <a:t>Age of universe</a:t>
+            </a:r>
+          </a:p>
+        </p:txBody>
+      </p:sp>
+    </p:spTree>
+    <p:extLst>
+      <p:ext uri="{BB962C8B-B14F-4D97-AF65-F5344CB8AC3E}">
+        <p14:creationId xmlns:p14="http://schemas.microsoft.com/office/powerpoint/2010/main" val="528564558"/>
       </p:ext>
     </p:extLst>
   </p:cSld>

--- a/docs/sirn_figures.pptx
+++ b/docs/sirn_figures.pptx
@@ -9412,410 +9412,501 @@
           </a:p>
         </p:txBody>
       </p:sp>
-      <p:sp>
-        <p:nvSpPr>
-          <p:cNvPr id="3" name="TextBox 2">
+      <p:grpSp>
+        <p:nvGrpSpPr>
+          <p:cNvPr id="11" name="Group 10">
             <a:extLst>
               <a:ext uri="{FF2B5EF4-FFF2-40B4-BE49-F238E27FC236}">
-                <a16:creationId xmlns:a16="http://schemas.microsoft.com/office/drawing/2014/main" id="{08DAEA24-DDBA-E6C5-6BC0-0DAB56B208A9}"/>
+                <a16:creationId xmlns:a16="http://schemas.microsoft.com/office/drawing/2014/main" id="{3DF8EB90-A0DE-89C3-E355-9CBF55289836}"/>
               </a:ext>
             </a:extLst>
           </p:cNvPr>
-          <p:cNvSpPr txBox="1"/>
+          <p:cNvGrpSpPr/>
           <p:nvPr/>
-        </p:nvSpPr>
-        <p:spPr>
+        </p:nvGrpSpPr>
+        <p:grpSpPr>
           <a:xfrm>
-            <a:off x="323193" y="5402313"/>
-            <a:ext cx="4564117" cy="923330"/>
+            <a:off x="449317" y="1660635"/>
+            <a:ext cx="5561138" cy="2428563"/>
+            <a:chOff x="449317" y="1660635"/>
+            <a:chExt cx="5561138" cy="2428563"/>
           </a:xfrm>
-          <a:prstGeom prst="rect">
-            <a:avLst/>
-          </a:prstGeom>
-          <a:noFill/>
-        </p:spPr>
-        <p:txBody>
-          <a:bodyPr wrap="square" rtlCol="0">
-            <a:spAutoFit/>
-          </a:bodyPr>
-          <a:lstStyle/>
-          <a:p>
-            <a:r>
-              <a:rPr lang="en-US" dirty="0"/>
-              <a:t>Long compute times on modest size networks: 5 species, 10 reactions</a:t>
-            </a:r>
-          </a:p>
-          <a:p>
-            <a:r>
-              <a:rPr lang="en-US" dirty="0"/>
-              <a:t>2 </a:t>
-            </a:r>
-            <a:r>
-              <a:rPr lang="en-US" dirty="0" err="1"/>
-              <a:t>yrs</a:t>
-            </a:r>
-            <a:r>
-              <a:rPr lang="en-US" dirty="0"/>
-              <a:t> (Mac M1, 12 </a:t>
-            </a:r>
-            <a:r>
-              <a:rPr lang="en-US" dirty="0" err="1"/>
-              <a:t>usec</a:t>
-            </a:r>
-            <a:r>
-              <a:rPr lang="en-US" dirty="0"/>
-              <a:t>/comparison) </a:t>
-            </a:r>
-          </a:p>
-        </p:txBody>
-      </p:sp>
-      <p:sp>
-        <p:nvSpPr>
-          <p:cNvPr id="4" name="TextBox 3">
+        </p:grpSpPr>
+        <p:sp>
+          <p:nvSpPr>
+            <p:cNvPr id="4" name="TextBox 3">
+              <a:extLst>
+                <a:ext uri="{FF2B5EF4-FFF2-40B4-BE49-F238E27FC236}">
+                  <a16:creationId xmlns:a16="http://schemas.microsoft.com/office/drawing/2014/main" id="{C1E8FFF4-E437-2ADE-0995-69D779F5AC8F}"/>
+                </a:ext>
+              </a:extLst>
+            </p:cNvPr>
+            <p:cNvSpPr txBox="1"/>
+            <p:nvPr/>
+          </p:nvSpPr>
+          <p:spPr>
+            <a:xfrm>
+              <a:off x="449317" y="2057873"/>
+              <a:ext cx="5561138" cy="2031325"/>
+            </a:xfrm>
+            <a:prstGeom prst="rect">
+              <a:avLst/>
+            </a:prstGeom>
+            <a:noFill/>
+          </p:spPr>
+          <p:txBody>
+            <a:bodyPr wrap="none" rtlCol="0">
+              <a:spAutoFit/>
+            </a:bodyPr>
+            <a:lstStyle/>
+            <a:p>
+              <a:r>
+                <a:rPr lang="en-US" dirty="0">
+                  <a:latin typeface="Courier New" panose="02070309020205020404" pitchFamily="49" charset="0"/>
+                  <a:cs typeface="Courier New" panose="02070309020205020404" pitchFamily="49" charset="0"/>
+                </a:rPr>
+                <a:t>def </a:t>
+              </a:r>
+              <a:r>
+                <a:rPr lang="en-US" dirty="0" err="1">
+                  <a:latin typeface="Courier New" panose="02070309020205020404" pitchFamily="49" charset="0"/>
+                  <a:cs typeface="Courier New" panose="02070309020205020404" pitchFamily="49" charset="0"/>
+                </a:rPr>
+                <a:t>isPIdentical</a:t>
+              </a:r>
+              <a:r>
+                <a:rPr lang="en-US" dirty="0">
+                  <a:latin typeface="Courier New" panose="02070309020205020404" pitchFamily="49" charset="0"/>
+                  <a:cs typeface="Courier New" panose="02070309020205020404" pitchFamily="49" charset="0"/>
+                </a:rPr>
+                <a:t>(M1:matrix, M2:matrix):</a:t>
+              </a:r>
+            </a:p>
+            <a:p>
+              <a:pPr lvl="1"/>
+              <a:r>
+                <a:rPr lang="en-US" dirty="0">
+                  <a:latin typeface="Courier New" panose="02070309020205020404" pitchFamily="49" charset="0"/>
+                  <a:cs typeface="Courier New" panose="02070309020205020404" pitchFamily="49" charset="0"/>
+                </a:rPr>
+                <a:t>for </a:t>
+              </a:r>
+              <a:r>
+                <a:rPr lang="en-US" dirty="0" err="1">
+                  <a:latin typeface="Courier New" panose="02070309020205020404" pitchFamily="49" charset="0"/>
+                  <a:cs typeface="Courier New" panose="02070309020205020404" pitchFamily="49" charset="0"/>
+                </a:rPr>
+                <a:t>rp</a:t>
+              </a:r>
+              <a:r>
+                <a:rPr lang="en-US" dirty="0">
+                  <a:latin typeface="Courier New" panose="02070309020205020404" pitchFamily="49" charset="0"/>
+                  <a:cs typeface="Courier New" panose="02070309020205020404" pitchFamily="49" charset="0"/>
+                </a:rPr>
+                <a:t> in </a:t>
+              </a:r>
+              <a:r>
+                <a:rPr lang="en-US" dirty="0" err="1">
+                  <a:latin typeface="Courier New" panose="02070309020205020404" pitchFamily="49" charset="0"/>
+                  <a:cs typeface="Courier New" panose="02070309020205020404" pitchFamily="49" charset="0"/>
+                </a:rPr>
+                <a:t>reaction_permutations</a:t>
+              </a:r>
+              <a:endParaRPr lang="en-US" dirty="0">
+                <a:latin typeface="Courier New" panose="02070309020205020404" pitchFamily="49" charset="0"/>
+                <a:cs typeface="Courier New" panose="02070309020205020404" pitchFamily="49" charset="0"/>
+              </a:endParaRPr>
+            </a:p>
+            <a:p>
+              <a:pPr lvl="1"/>
+              <a:r>
+                <a:rPr lang="en-US" dirty="0">
+                  <a:latin typeface="Courier New" panose="02070309020205020404" pitchFamily="49" charset="0"/>
+                  <a:cs typeface="Courier New" panose="02070309020205020404" pitchFamily="49" charset="0"/>
+                </a:rPr>
+                <a:t>    for </a:t>
+              </a:r>
+              <a:r>
+                <a:rPr lang="en-US" dirty="0" err="1">
+                  <a:latin typeface="Courier New" panose="02070309020205020404" pitchFamily="49" charset="0"/>
+                  <a:cs typeface="Courier New" panose="02070309020205020404" pitchFamily="49" charset="0"/>
+                </a:rPr>
+                <a:t>sp</a:t>
+              </a:r>
+              <a:r>
+                <a:rPr lang="en-US" dirty="0">
+                  <a:latin typeface="Courier New" panose="02070309020205020404" pitchFamily="49" charset="0"/>
+                  <a:cs typeface="Courier New" panose="02070309020205020404" pitchFamily="49" charset="0"/>
+                </a:rPr>
+                <a:t> in </a:t>
+              </a:r>
+              <a:r>
+                <a:rPr lang="en-US" dirty="0" err="1">
+                  <a:latin typeface="Courier New" panose="02070309020205020404" pitchFamily="49" charset="0"/>
+                  <a:cs typeface="Courier New" panose="02070309020205020404" pitchFamily="49" charset="0"/>
+                </a:rPr>
+                <a:t>species_permutations</a:t>
+              </a:r>
+              <a:endParaRPr lang="en-US" dirty="0">
+                <a:latin typeface="Courier New" panose="02070309020205020404" pitchFamily="49" charset="0"/>
+                <a:cs typeface="Courier New" panose="02070309020205020404" pitchFamily="49" charset="0"/>
+              </a:endParaRPr>
+            </a:p>
+            <a:p>
+              <a:pPr lvl="1"/>
+              <a:r>
+                <a:rPr lang="en-US" dirty="0">
+                  <a:latin typeface="Courier New" panose="02070309020205020404" pitchFamily="49" charset="0"/>
+                  <a:cs typeface="Courier New" panose="02070309020205020404" pitchFamily="49" charset="0"/>
+                </a:rPr>
+                <a:t>        if M1[</a:t>
+              </a:r>
+              <a:r>
+                <a:rPr lang="en-US" dirty="0" err="1">
+                  <a:latin typeface="Courier New" panose="02070309020205020404" pitchFamily="49" charset="0"/>
+                  <a:cs typeface="Courier New" panose="02070309020205020404" pitchFamily="49" charset="0"/>
+                </a:rPr>
+                <a:t>rp</a:t>
+              </a:r>
+              <a:r>
+                <a:rPr lang="en-US" dirty="0">
+                  <a:latin typeface="Courier New" panose="02070309020205020404" pitchFamily="49" charset="0"/>
+                  <a:cs typeface="Courier New" panose="02070309020205020404" pitchFamily="49" charset="0"/>
+                </a:rPr>
+                <a:t>, </a:t>
+              </a:r>
+              <a:r>
+                <a:rPr lang="en-US" dirty="0" err="1">
+                  <a:latin typeface="Courier New" panose="02070309020205020404" pitchFamily="49" charset="0"/>
+                  <a:cs typeface="Courier New" panose="02070309020205020404" pitchFamily="49" charset="0"/>
+                </a:rPr>
+                <a:t>sp</a:t>
+              </a:r>
+              <a:r>
+                <a:rPr lang="en-US" dirty="0">
+                  <a:latin typeface="Courier New" panose="02070309020205020404" pitchFamily="49" charset="0"/>
+                  <a:cs typeface="Courier New" panose="02070309020205020404" pitchFamily="49" charset="0"/>
+                </a:rPr>
+                <a:t>] == M2;</a:t>
+              </a:r>
+            </a:p>
+            <a:p>
+              <a:pPr lvl="1"/>
+              <a:r>
+                <a:rPr lang="en-US" dirty="0">
+                  <a:latin typeface="Courier New" panose="02070309020205020404" pitchFamily="49" charset="0"/>
+                  <a:cs typeface="Courier New" panose="02070309020205020404" pitchFamily="49" charset="0"/>
+                </a:rPr>
+                <a:t>            return True</a:t>
+              </a:r>
+            </a:p>
+            <a:p>
+              <a:pPr lvl="1"/>
+              <a:r>
+                <a:rPr lang="en-US" dirty="0">
+                  <a:latin typeface="Courier New" panose="02070309020205020404" pitchFamily="49" charset="0"/>
+                  <a:cs typeface="Courier New" panose="02070309020205020404" pitchFamily="49" charset="0"/>
+                </a:rPr>
+                <a:t>return False</a:t>
+              </a:r>
+            </a:p>
+            <a:p>
+              <a:endParaRPr lang="en-US" dirty="0">
+                <a:latin typeface="Courier New" panose="02070309020205020404" pitchFamily="49" charset="0"/>
+                <a:cs typeface="Courier New" panose="02070309020205020404" pitchFamily="49" charset="0"/>
+              </a:endParaRPr>
+            </a:p>
+          </p:txBody>
+        </p:sp>
+        <p:sp>
+          <p:nvSpPr>
+            <p:cNvPr id="5" name="TextBox 4">
+              <a:extLst>
+                <a:ext uri="{FF2B5EF4-FFF2-40B4-BE49-F238E27FC236}">
+                  <a16:creationId xmlns:a16="http://schemas.microsoft.com/office/drawing/2014/main" id="{5DF65F6A-A6A9-C07B-192D-CF81F655AF30}"/>
+                </a:ext>
+              </a:extLst>
+            </p:cNvPr>
+            <p:cNvSpPr txBox="1"/>
+            <p:nvPr/>
+          </p:nvSpPr>
+          <p:spPr>
+            <a:xfrm>
+              <a:off x="459829" y="1660635"/>
+              <a:ext cx="1912639" cy="400110"/>
+            </a:xfrm>
+            <a:prstGeom prst="rect">
+              <a:avLst/>
+            </a:prstGeom>
+            <a:noFill/>
+          </p:spPr>
+          <p:txBody>
+            <a:bodyPr wrap="none" rtlCol="0">
+              <a:spAutoFit/>
+            </a:bodyPr>
+            <a:lstStyle/>
+            <a:p>
+              <a:r>
+                <a:rPr lang="en-US" sz="2000" b="1" dirty="0"/>
+                <a:t>Naïve Algorithm</a:t>
+              </a:r>
+            </a:p>
+          </p:txBody>
+        </p:sp>
+      </p:grpSp>
+      <p:grpSp>
+        <p:nvGrpSpPr>
+          <p:cNvPr id="12" name="Group 11">
             <a:extLst>
               <a:ext uri="{FF2B5EF4-FFF2-40B4-BE49-F238E27FC236}">
-                <a16:creationId xmlns:a16="http://schemas.microsoft.com/office/drawing/2014/main" id="{C1E8FFF4-E437-2ADE-0995-69D779F5AC8F}"/>
+                <a16:creationId xmlns:a16="http://schemas.microsoft.com/office/drawing/2014/main" id="{E6316804-E5B7-0DE2-0460-62C4B1E6F744}"/>
               </a:ext>
             </a:extLst>
           </p:cNvPr>
-          <p:cNvSpPr txBox="1"/>
+          <p:cNvGrpSpPr/>
           <p:nvPr/>
-        </p:nvSpPr>
-        <p:spPr>
+        </p:nvGrpSpPr>
+        <p:grpSpPr>
           <a:xfrm>
-            <a:off x="449317" y="2057873"/>
-            <a:ext cx="6801862" cy="2308324"/>
+            <a:off x="323193" y="4331048"/>
+            <a:ext cx="4564117" cy="1994595"/>
+            <a:chOff x="323193" y="4331048"/>
+            <a:chExt cx="4564117" cy="1994595"/>
           </a:xfrm>
-          <a:prstGeom prst="rect">
-            <a:avLst/>
-          </a:prstGeom>
-          <a:noFill/>
-        </p:spPr>
-        <p:txBody>
-          <a:bodyPr wrap="none" rtlCol="0">
-            <a:spAutoFit/>
-          </a:bodyPr>
-          <a:lstStyle/>
-          <a:p>
-            <a:r>
-              <a:rPr lang="en-US" dirty="0" err="1">
-                <a:latin typeface="Courier New" panose="02070309020205020404" pitchFamily="49" charset="0"/>
-                <a:cs typeface="Courier New" panose="02070309020205020404" pitchFamily="49" charset="0"/>
-              </a:rPr>
-              <a:t>checkPermutablyIdentical</a:t>
-            </a:r>
-            <a:r>
-              <a:rPr lang="en-US" dirty="0">
-                <a:latin typeface="Courier New" panose="02070309020205020404" pitchFamily="49" charset="0"/>
-                <a:cs typeface="Courier New" panose="02070309020205020404" pitchFamily="49" charset="0"/>
-              </a:rPr>
-              <a:t>(M1:matrix, M2:matrix):</a:t>
-            </a:r>
-          </a:p>
-          <a:p>
-            <a:pPr lvl="1"/>
-            <a:r>
-              <a:rPr lang="en-US" dirty="0">
-                <a:latin typeface="Courier New" panose="02070309020205020404" pitchFamily="49" charset="0"/>
-                <a:cs typeface="Courier New" panose="02070309020205020404" pitchFamily="49" charset="0"/>
-              </a:rPr>
-              <a:t>for </a:t>
-            </a:r>
-            <a:r>
-              <a:rPr lang="en-US" dirty="0" err="1">
-                <a:latin typeface="Courier New" panose="02070309020205020404" pitchFamily="49" charset="0"/>
-                <a:cs typeface="Courier New" panose="02070309020205020404" pitchFamily="49" charset="0"/>
-              </a:rPr>
-              <a:t>reaction_permutation</a:t>
-            </a:r>
-            <a:endParaRPr lang="en-US" dirty="0">
-              <a:latin typeface="Courier New" panose="02070309020205020404" pitchFamily="49" charset="0"/>
-              <a:cs typeface="Courier New" panose="02070309020205020404" pitchFamily="49" charset="0"/>
-            </a:endParaRPr>
-          </a:p>
-          <a:p>
-            <a:pPr lvl="1"/>
-            <a:r>
-              <a:rPr lang="en-US" dirty="0">
-                <a:latin typeface="Courier New" panose="02070309020205020404" pitchFamily="49" charset="0"/>
-                <a:cs typeface="Courier New" panose="02070309020205020404" pitchFamily="49" charset="0"/>
-              </a:rPr>
-              <a:t>    for </a:t>
-            </a:r>
-            <a:r>
-              <a:rPr lang="en-US" dirty="0" err="1">
-                <a:latin typeface="Courier New" panose="02070309020205020404" pitchFamily="49" charset="0"/>
-                <a:cs typeface="Courier New" panose="02070309020205020404" pitchFamily="49" charset="0"/>
-              </a:rPr>
-              <a:t>species_permutation</a:t>
-            </a:r>
-            <a:endParaRPr lang="en-US" dirty="0">
-              <a:latin typeface="Courier New" panose="02070309020205020404" pitchFamily="49" charset="0"/>
-              <a:cs typeface="Courier New" panose="02070309020205020404" pitchFamily="49" charset="0"/>
-            </a:endParaRPr>
-          </a:p>
-          <a:p>
-            <a:pPr lvl="1"/>
-            <a:r>
-              <a:rPr lang="en-US" dirty="0">
-                <a:latin typeface="Courier New" panose="02070309020205020404" pitchFamily="49" charset="0"/>
-                <a:cs typeface="Courier New" panose="02070309020205020404" pitchFamily="49" charset="0"/>
-              </a:rPr>
-              <a:t>        if M1[</a:t>
-            </a:r>
-            <a:r>
-              <a:rPr lang="en-US" dirty="0" err="1">
-                <a:latin typeface="Courier New" panose="02070309020205020404" pitchFamily="49" charset="0"/>
-                <a:cs typeface="Courier New" panose="02070309020205020404" pitchFamily="49" charset="0"/>
-              </a:rPr>
-              <a:t>reaction_permutations</a:t>
-            </a:r>
-            <a:r>
-              <a:rPr lang="en-US" dirty="0">
-                <a:latin typeface="Courier New" panose="02070309020205020404" pitchFamily="49" charset="0"/>
-                <a:cs typeface="Courier New" panose="02070309020205020404" pitchFamily="49" charset="0"/>
-              </a:rPr>
-              <a:t>, </a:t>
-            </a:r>
-          </a:p>
-          <a:p>
-            <a:pPr lvl="1"/>
-            <a:r>
-              <a:rPr lang="en-US" dirty="0">
-                <a:latin typeface="Courier New" panose="02070309020205020404" pitchFamily="49" charset="0"/>
-                <a:cs typeface="Courier New" panose="02070309020205020404" pitchFamily="49" charset="0"/>
-              </a:rPr>
-              <a:t>		</a:t>
-            </a:r>
-            <a:r>
-              <a:rPr lang="en-US" dirty="0" err="1">
-                <a:latin typeface="Courier New" panose="02070309020205020404" pitchFamily="49" charset="0"/>
-                <a:cs typeface="Courier New" panose="02070309020205020404" pitchFamily="49" charset="0"/>
-              </a:rPr>
-              <a:t>species_permutations</a:t>
-            </a:r>
-            <a:r>
-              <a:rPr lang="en-US" dirty="0">
-                <a:latin typeface="Courier New" panose="02070309020205020404" pitchFamily="49" charset="0"/>
-                <a:cs typeface="Courier New" panose="02070309020205020404" pitchFamily="49" charset="0"/>
-              </a:rPr>
-              <a:t>] == M2:</a:t>
-            </a:r>
-          </a:p>
-          <a:p>
-            <a:pPr lvl="1"/>
-            <a:r>
-              <a:rPr lang="en-US" dirty="0">
-                <a:latin typeface="Courier New" panose="02070309020205020404" pitchFamily="49" charset="0"/>
-                <a:cs typeface="Courier New" panose="02070309020205020404" pitchFamily="49" charset="0"/>
-              </a:rPr>
-              <a:t>            return True</a:t>
-            </a:r>
-          </a:p>
-          <a:p>
-            <a:pPr lvl="1"/>
-            <a:r>
-              <a:rPr lang="en-US" dirty="0">
-                <a:latin typeface="Courier New" panose="02070309020205020404" pitchFamily="49" charset="0"/>
-                <a:cs typeface="Courier New" panose="02070309020205020404" pitchFamily="49" charset="0"/>
-              </a:rPr>
-              <a:t>return False</a:t>
-            </a:r>
-          </a:p>
-          <a:p>
-            <a:endParaRPr lang="en-US" dirty="0">
-              <a:latin typeface="Courier New" panose="02070309020205020404" pitchFamily="49" charset="0"/>
-              <a:cs typeface="Courier New" panose="02070309020205020404" pitchFamily="49" charset="0"/>
-            </a:endParaRPr>
-          </a:p>
-        </p:txBody>
-      </p:sp>
-      <p:sp>
-        <p:nvSpPr>
-          <p:cNvPr id="5" name="TextBox 4">
+        </p:grpSpPr>
+        <p:sp>
+          <p:nvSpPr>
+            <p:cNvPr id="3" name="TextBox 2">
+              <a:extLst>
+                <a:ext uri="{FF2B5EF4-FFF2-40B4-BE49-F238E27FC236}">
+                  <a16:creationId xmlns:a16="http://schemas.microsoft.com/office/drawing/2014/main" id="{08DAEA24-DDBA-E6C5-6BC0-0DAB56B208A9}"/>
+                </a:ext>
+              </a:extLst>
+            </p:cNvPr>
+            <p:cNvSpPr txBox="1"/>
+            <p:nvPr/>
+          </p:nvSpPr>
+          <p:spPr>
+            <a:xfrm>
+              <a:off x="323193" y="5402313"/>
+              <a:ext cx="4564117" cy="923330"/>
+            </a:xfrm>
+            <a:prstGeom prst="rect">
+              <a:avLst/>
+            </a:prstGeom>
+            <a:noFill/>
+          </p:spPr>
+          <p:txBody>
+            <a:bodyPr wrap="square" rtlCol="0">
+              <a:spAutoFit/>
+            </a:bodyPr>
+            <a:lstStyle/>
+            <a:p>
+              <a:r>
+                <a:rPr lang="en-US" dirty="0"/>
+                <a:t>Long compute times on modest size networks: </a:t>
+              </a:r>
+            </a:p>
+            <a:p>
+              <a:pPr marL="285750" indent="-285750">
+                <a:buFont typeface="Arial" panose="020B0604020202020204" pitchFamily="34" charset="0"/>
+                <a:buChar char="•"/>
+              </a:pPr>
+              <a:r>
+                <a:rPr lang="en-US" dirty="0"/>
+                <a:t>5 species, 10 reactions</a:t>
+              </a:r>
+            </a:p>
+            <a:p>
+              <a:pPr marL="285750" indent="-285750">
+                <a:buFont typeface="Arial" panose="020B0604020202020204" pitchFamily="34" charset="0"/>
+                <a:buChar char="•"/>
+              </a:pPr>
+              <a:r>
+                <a:rPr lang="en-US" dirty="0"/>
+                <a:t>2 </a:t>
+              </a:r>
+              <a:r>
+                <a:rPr lang="en-US" dirty="0" err="1"/>
+                <a:t>yrs</a:t>
+              </a:r>
+              <a:r>
+                <a:rPr lang="en-US" dirty="0"/>
+                <a:t> (Mac M1, 12 </a:t>
+              </a:r>
+              <a:r>
+                <a:rPr lang="en-US" dirty="0" err="1"/>
+                <a:t>usec</a:t>
+              </a:r>
+              <a:r>
+                <a:rPr lang="en-US" dirty="0"/>
+                <a:t>/comparison) </a:t>
+              </a:r>
+            </a:p>
+          </p:txBody>
+        </p:sp>
+        <mc:AlternateContent xmlns:mc="http://schemas.openxmlformats.org/markup-compatibility/2006">
+          <mc:Choice xmlns:a14="http://schemas.microsoft.com/office/drawing/2010/main" Requires="a14">
+            <p:sp>
+              <p:nvSpPr>
+                <p:cNvPr id="6" name="TextBox 5">
+                  <a:extLst>
+                    <a:ext uri="{FF2B5EF4-FFF2-40B4-BE49-F238E27FC236}">
+                      <a16:creationId xmlns:a16="http://schemas.microsoft.com/office/drawing/2014/main" id="{94B91312-A011-867D-1968-8D0761302FE1}"/>
+                    </a:ext>
+                  </a:extLst>
+                </p:cNvPr>
+                <p:cNvSpPr txBox="1"/>
+                <p:nvPr/>
+              </p:nvSpPr>
+              <p:spPr>
+                <a:xfrm>
+                  <a:off x="323194" y="4331048"/>
+                  <a:ext cx="3754820" cy="800219"/>
+                </a:xfrm>
+                <a:prstGeom prst="rect">
+                  <a:avLst/>
+                </a:prstGeom>
+                <a:noFill/>
+              </p:spPr>
+              <p:txBody>
+                <a:bodyPr wrap="square" rtlCol="0">
+                  <a:spAutoFit/>
+                </a:bodyPr>
+                <a:lstStyle/>
+                <a:p>
+                  <a:r>
+                    <a:rPr lang="en-US" dirty="0"/>
+                    <a:t>Computational complexity: </a:t>
+                  </a:r>
+                  <a14:m>
+                    <m:oMath xmlns:m="http://schemas.openxmlformats.org/officeDocument/2006/math">
+                      <m:r>
+                        <a:rPr lang="en-US" b="0" i="1" smtClean="0">
+                          <a:latin typeface="Cambria Math" panose="02040503050406030204" pitchFamily="18" charset="0"/>
+                        </a:rPr>
+                        <m:t>𝑂</m:t>
+                      </m:r>
+                      <m:r>
+                        <a:rPr lang="en-US" b="0" i="1" smtClean="0">
+                          <a:latin typeface="Cambria Math" panose="02040503050406030204" pitchFamily="18" charset="0"/>
+                        </a:rPr>
+                        <m:t>(</m:t>
+                      </m:r>
+                      <m:r>
+                        <a:rPr lang="en-US" b="0" i="1" smtClean="0">
+                          <a:latin typeface="Cambria Math" panose="02040503050406030204" pitchFamily="18" charset="0"/>
+                        </a:rPr>
+                        <m:t>𝑁</m:t>
+                      </m:r>
+                      <m:r>
+                        <a:rPr lang="en-US" b="0" i="1" smtClean="0">
+                          <a:latin typeface="Cambria Math" panose="02040503050406030204" pitchFamily="18" charset="0"/>
+                        </a:rPr>
+                        <m:t>!</m:t>
+                      </m:r>
+                      <m:r>
+                        <a:rPr lang="en-US" b="0" i="1" smtClean="0">
+                          <a:latin typeface="Cambria Math" panose="02040503050406030204" pitchFamily="18" charset="0"/>
+                        </a:rPr>
+                        <m:t>𝑀</m:t>
+                      </m:r>
+                      <m:r>
+                        <a:rPr lang="en-US" b="0" i="1" smtClean="0">
+                          <a:latin typeface="Cambria Math" panose="02040503050406030204" pitchFamily="18" charset="0"/>
+                        </a:rPr>
+                        <m:t>!)</m:t>
+                      </m:r>
+                    </m:oMath>
+                  </a14:m>
+                  <a:r>
+                    <a:rPr lang="en-US" dirty="0"/>
+                    <a:t> </a:t>
+                  </a:r>
+                </a:p>
+                <a:p>
+                  <a:pPr marL="285750" indent="-285750">
+                    <a:buFont typeface="Arial" panose="020B0604020202020204" pitchFamily="34" charset="0"/>
+                    <a:buChar char="•"/>
+                  </a:pPr>
+                  <a:r>
+                    <a:rPr lang="en-US" sz="1400" i="1" dirty="0"/>
+                    <a:t>N </a:t>
+                  </a:r>
+                  <a:r>
+                    <a:rPr lang="en-US" sz="1400" dirty="0"/>
+                    <a:t>is number of reactions</a:t>
+                  </a:r>
+                </a:p>
+                <a:p>
+                  <a:pPr marL="285750" indent="-285750">
+                    <a:buFont typeface="Arial" panose="020B0604020202020204" pitchFamily="34" charset="0"/>
+                    <a:buChar char="•"/>
+                  </a:pPr>
+                  <a:r>
+                    <a:rPr lang="en-US" sz="1400" i="1" dirty="0"/>
+                    <a:t>M</a:t>
+                  </a:r>
+                  <a:r>
+                    <a:rPr lang="en-US" sz="1400" dirty="0"/>
+                    <a:t> is number of species</a:t>
+                  </a:r>
+                </a:p>
+              </p:txBody>
+            </p:sp>
+          </mc:Choice>
+          <mc:Fallback>
+            <p:sp>
+              <p:nvSpPr>
+                <p:cNvPr id="6" name="TextBox 5">
+                  <a:extLst>
+                    <a:ext uri="{FF2B5EF4-FFF2-40B4-BE49-F238E27FC236}">
+                      <a16:creationId xmlns:a16="http://schemas.microsoft.com/office/drawing/2014/main" id="{94B91312-A011-867D-1968-8D0761302FE1}"/>
+                    </a:ext>
+                  </a:extLst>
+                </p:cNvPr>
+                <p:cNvSpPr txBox="1">
+                  <a:spLocks noRot="1" noChangeAspect="1" noMove="1" noResize="1" noEditPoints="1" noAdjustHandles="1" noChangeArrowheads="1" noChangeShapeType="1" noTextEdit="1"/>
+                </p:cNvSpPr>
+                <p:nvPr/>
+              </p:nvSpPr>
+              <p:spPr>
+                <a:xfrm>
+                  <a:off x="323194" y="4331048"/>
+                  <a:ext cx="3754820" cy="800219"/>
+                </a:xfrm>
+                <a:prstGeom prst="rect">
+                  <a:avLst/>
+                </a:prstGeom>
+                <a:blipFill>
+                  <a:blip r:embed="rId2"/>
+                  <a:stretch>
+                    <a:fillRect l="-1347" t="-3077" b="-7692"/>
+                  </a:stretch>
+                </a:blipFill>
+              </p:spPr>
+              <p:txBody>
+                <a:bodyPr/>
+                <a:lstStyle/>
+                <a:p>
+                  <a:r>
+                    <a:rPr lang="en-US">
+                      <a:noFill/>
+                    </a:rPr>
+                    <a:t> </a:t>
+                  </a:r>
+                </a:p>
+              </p:txBody>
+            </p:sp>
+          </mc:Fallback>
+        </mc:AlternateContent>
+      </p:grpSp>
+      <p:pic>
+        <p:nvPicPr>
+          <p:cNvPr id="15" name="Picture 14">
             <a:extLst>
               <a:ext uri="{FF2B5EF4-FFF2-40B4-BE49-F238E27FC236}">
-                <a16:creationId xmlns:a16="http://schemas.microsoft.com/office/drawing/2014/main" id="{5DF65F6A-A6A9-C07B-192D-CF81F655AF30}"/>
-              </a:ext>
-            </a:extLst>
-          </p:cNvPr>
-          <p:cNvSpPr txBox="1"/>
-          <p:nvPr/>
-        </p:nvSpPr>
-        <p:spPr>
-          <a:xfrm>
-            <a:off x="459829" y="1660635"/>
-            <a:ext cx="1912639" cy="400110"/>
-          </a:xfrm>
-          <a:prstGeom prst="rect">
-            <a:avLst/>
-          </a:prstGeom>
-          <a:noFill/>
-        </p:spPr>
-        <p:txBody>
-          <a:bodyPr wrap="none" rtlCol="0">
-            <a:spAutoFit/>
-          </a:bodyPr>
-          <a:lstStyle/>
-          <a:p>
-            <a:r>
-              <a:rPr lang="en-US" sz="2000" b="1" dirty="0"/>
-              <a:t>Naïve Algorithm</a:t>
-            </a:r>
-          </a:p>
-        </p:txBody>
-      </p:sp>
-      <mc:AlternateContent xmlns:mc="http://schemas.openxmlformats.org/markup-compatibility/2006">
-        <mc:Choice xmlns:a14="http://schemas.microsoft.com/office/drawing/2010/main" Requires="a14">
-          <p:sp>
-            <p:nvSpPr>
-              <p:cNvPr id="6" name="TextBox 5">
-                <a:extLst>
-                  <a:ext uri="{FF2B5EF4-FFF2-40B4-BE49-F238E27FC236}">
-                    <a16:creationId xmlns:a16="http://schemas.microsoft.com/office/drawing/2014/main" id="{94B91312-A011-867D-1968-8D0761302FE1}"/>
-                  </a:ext>
-                </a:extLst>
-              </p:cNvPr>
-              <p:cNvSpPr txBox="1"/>
-              <p:nvPr/>
-            </p:nvSpPr>
-            <p:spPr>
-              <a:xfrm>
-                <a:off x="323194" y="4331048"/>
-                <a:ext cx="3754820" cy="800219"/>
-              </a:xfrm>
-              <a:prstGeom prst="rect">
-                <a:avLst/>
-              </a:prstGeom>
-              <a:noFill/>
-            </p:spPr>
-            <p:txBody>
-              <a:bodyPr wrap="square" rtlCol="0">
-                <a:spAutoFit/>
-              </a:bodyPr>
-              <a:lstStyle/>
-              <a:p>
-                <a:r>
-                  <a:rPr lang="en-US" dirty="0"/>
-                  <a:t>Computational complexity: </a:t>
-                </a:r>
-                <a14:m>
-                  <m:oMath xmlns:m="http://schemas.openxmlformats.org/officeDocument/2006/math">
-                    <m:r>
-                      <a:rPr lang="en-US" b="0" i="1" smtClean="0">
-                        <a:latin typeface="Cambria Math" panose="02040503050406030204" pitchFamily="18" charset="0"/>
-                      </a:rPr>
-                      <m:t>𝑂</m:t>
-                    </m:r>
-                    <m:r>
-                      <a:rPr lang="en-US" b="0" i="1" smtClean="0">
-                        <a:latin typeface="Cambria Math" panose="02040503050406030204" pitchFamily="18" charset="0"/>
-                      </a:rPr>
-                      <m:t>(</m:t>
-                    </m:r>
-                    <m:r>
-                      <a:rPr lang="en-US" b="0" i="1" smtClean="0">
-                        <a:latin typeface="Cambria Math" panose="02040503050406030204" pitchFamily="18" charset="0"/>
-                      </a:rPr>
-                      <m:t>𝑁</m:t>
-                    </m:r>
-                    <m:r>
-                      <a:rPr lang="en-US" b="0" i="1" smtClean="0">
-                        <a:latin typeface="Cambria Math" panose="02040503050406030204" pitchFamily="18" charset="0"/>
-                      </a:rPr>
-                      <m:t>!</m:t>
-                    </m:r>
-                    <m:r>
-                      <a:rPr lang="en-US" b="0" i="1" smtClean="0">
-                        <a:latin typeface="Cambria Math" panose="02040503050406030204" pitchFamily="18" charset="0"/>
-                      </a:rPr>
-                      <m:t>𝑀</m:t>
-                    </m:r>
-                    <m:r>
-                      <a:rPr lang="en-US" b="0" i="1" smtClean="0">
-                        <a:latin typeface="Cambria Math" panose="02040503050406030204" pitchFamily="18" charset="0"/>
-                      </a:rPr>
-                      <m:t>!)</m:t>
-                    </m:r>
-                  </m:oMath>
-                </a14:m>
-                <a:r>
-                  <a:rPr lang="en-US" dirty="0"/>
-                  <a:t> </a:t>
-                </a:r>
-                <a:r>
-                  <a:rPr lang="en-US" sz="1400" i="1" dirty="0"/>
-                  <a:t>N </a:t>
-                </a:r>
-                <a:r>
-                  <a:rPr lang="en-US" sz="1400" dirty="0"/>
-                  <a:t>is number of reactions</a:t>
-                </a:r>
-              </a:p>
-              <a:p>
-                <a:r>
-                  <a:rPr lang="en-US" sz="1400" i="1" dirty="0"/>
-                  <a:t>M</a:t>
-                </a:r>
-                <a:r>
-                  <a:rPr lang="en-US" sz="1400" dirty="0"/>
-                  <a:t> is number of species</a:t>
-                </a:r>
-              </a:p>
-            </p:txBody>
-          </p:sp>
-        </mc:Choice>
-        <mc:Fallback>
-          <p:sp>
-            <p:nvSpPr>
-              <p:cNvPr id="6" name="TextBox 5">
-                <a:extLst>
-                  <a:ext uri="{FF2B5EF4-FFF2-40B4-BE49-F238E27FC236}">
-                    <a16:creationId xmlns:a16="http://schemas.microsoft.com/office/drawing/2014/main" id="{94B91312-A011-867D-1968-8D0761302FE1}"/>
-                  </a:ext>
-                </a:extLst>
-              </p:cNvPr>
-              <p:cNvSpPr txBox="1">
-                <a:spLocks noRot="1" noChangeAspect="1" noMove="1" noResize="1" noEditPoints="1" noAdjustHandles="1" noChangeArrowheads="1" noChangeShapeType="1" noTextEdit="1"/>
-              </p:cNvSpPr>
-              <p:nvPr/>
-            </p:nvSpPr>
-            <p:spPr>
-              <a:xfrm>
-                <a:off x="323194" y="4331048"/>
-                <a:ext cx="3754820" cy="800219"/>
-              </a:xfrm>
-              <a:prstGeom prst="rect">
-                <a:avLst/>
-              </a:prstGeom>
-              <a:blipFill>
-                <a:blip r:embed="rId2"/>
-                <a:stretch>
-                  <a:fillRect l="-1347" t="-3077" b="-7692"/>
-                </a:stretch>
-              </a:blipFill>
-            </p:spPr>
-            <p:txBody>
-              <a:bodyPr/>
-              <a:lstStyle/>
-              <a:p>
-                <a:r>
-                  <a:rPr lang="en-US">
-                    <a:noFill/>
-                  </a:rPr>
-                  <a:t> </a:t>
-                </a:r>
-              </a:p>
-            </p:txBody>
-          </p:sp>
-        </mc:Fallback>
-      </mc:AlternateContent>
-      <p:pic>
-        <p:nvPicPr>
-          <p:cNvPr id="8" name="Picture 7">
-            <a:extLst>
-              <a:ext uri="{FF2B5EF4-FFF2-40B4-BE49-F238E27FC236}">
-                <a16:creationId xmlns:a16="http://schemas.microsoft.com/office/drawing/2014/main" id="{B1ACD174-9FE8-151C-D44E-34D4BAEF809B}"/>
+                <a16:creationId xmlns:a16="http://schemas.microsoft.com/office/drawing/2014/main" id="{115E85EF-29C8-D1D8-D5BD-04963D0097B5}"/>
               </a:ext>
             </a:extLst>
           </p:cNvPr>
@@ -9832,8 +9923,8 @@
         </p:blipFill>
         <p:spPr>
           <a:xfrm>
-            <a:off x="6683411" y="2522482"/>
-            <a:ext cx="4934023" cy="3885543"/>
+            <a:off x="6063712" y="2260197"/>
+            <a:ext cx="5030202" cy="4129270"/>
           </a:xfrm>
           <a:prstGeom prst="rect">
             <a:avLst/>
@@ -9842,10 +9933,10 @@
       </p:pic>
       <p:sp>
         <p:nvSpPr>
-          <p:cNvPr id="9" name="TextBox 8">
+          <p:cNvPr id="13" name="TextBox 12">
             <a:extLst>
               <a:ext uri="{FF2B5EF4-FFF2-40B4-BE49-F238E27FC236}">
-                <a16:creationId xmlns:a16="http://schemas.microsoft.com/office/drawing/2014/main" id="{25D9BE3B-9281-46C2-6C75-E58CAFCD58C4}"/>
+                <a16:creationId xmlns:a16="http://schemas.microsoft.com/office/drawing/2014/main" id="{8A580A18-081A-AFA9-EC32-36ADC1A4812E}"/>
               </a:ext>
             </a:extLst>
           </p:cNvPr>
@@ -9854,8 +9945,8 @@
         </p:nvSpPr>
         <p:spPr>
           <a:xfrm>
-            <a:off x="10558348" y="2337816"/>
-            <a:ext cx="1633652" cy="369332"/>
+            <a:off x="10053332" y="6177926"/>
+            <a:ext cx="1640193" cy="276999"/>
           </a:xfrm>
           <a:prstGeom prst="rect">
             <a:avLst/>
@@ -9869,12 +9960,286 @@
           <a:lstStyle/>
           <a:p>
             <a:r>
-              <a:rPr lang="en-US" dirty="0"/>
-              <a:t>Age of universe</a:t>
+              <a:rPr lang="en-US" sz="1200" dirty="0"/>
+              <a:t>log</a:t>
+            </a:r>
+            <a:r>
+              <a:rPr lang="en-US" sz="1200" baseline="-25000" dirty="0"/>
+              <a:t>10</a:t>
+            </a:r>
+            <a:r>
+              <a:rPr lang="en-US" sz="1200" dirty="0"/>
+              <a:t> (hour) on mac M1</a:t>
             </a:r>
           </a:p>
         </p:txBody>
       </p:sp>
+      <p:grpSp>
+        <p:nvGrpSpPr>
+          <p:cNvPr id="23" name="Group 22">
+            <a:extLst>
+              <a:ext uri="{FF2B5EF4-FFF2-40B4-BE49-F238E27FC236}">
+                <a16:creationId xmlns:a16="http://schemas.microsoft.com/office/drawing/2014/main" id="{1C0C5ADD-5CEF-69A6-21DB-52C191D650FE}"/>
+              </a:ext>
+            </a:extLst>
+          </p:cNvPr>
+          <p:cNvGrpSpPr/>
+          <p:nvPr/>
+        </p:nvGrpSpPr>
+        <p:grpSpPr>
+          <a:xfrm>
+            <a:off x="10795015" y="2377680"/>
+            <a:ext cx="1133067" cy="2245528"/>
+            <a:chOff x="11036752" y="2177984"/>
+            <a:chExt cx="1133067" cy="2245528"/>
+          </a:xfrm>
+        </p:grpSpPr>
+        <p:sp>
+          <p:nvSpPr>
+            <p:cNvPr id="16" name="TextBox 15">
+              <a:extLst>
+                <a:ext uri="{FF2B5EF4-FFF2-40B4-BE49-F238E27FC236}">
+                  <a16:creationId xmlns:a16="http://schemas.microsoft.com/office/drawing/2014/main" id="{24C34EB0-B0E8-FBD5-44E8-80364878EF11}"/>
+                </a:ext>
+              </a:extLst>
+            </p:cNvPr>
+            <p:cNvSpPr txBox="1"/>
+            <p:nvPr/>
+          </p:nvSpPr>
+          <p:spPr>
+            <a:xfrm>
+              <a:off x="11036752" y="3890177"/>
+              <a:ext cx="479618" cy="276999"/>
+            </a:xfrm>
+            <a:prstGeom prst="rect">
+              <a:avLst/>
+            </a:prstGeom>
+            <a:noFill/>
+          </p:spPr>
+          <p:txBody>
+            <a:bodyPr wrap="none" rtlCol="0">
+              <a:spAutoFit/>
+            </a:bodyPr>
+            <a:lstStyle/>
+            <a:p>
+              <a:r>
+                <a:rPr lang="en-US" sz="1200" dirty="0"/>
+                <a:t>hour</a:t>
+              </a:r>
+            </a:p>
+          </p:txBody>
+        </p:sp>
+        <p:sp>
+          <p:nvSpPr>
+            <p:cNvPr id="17" name="TextBox 16">
+              <a:extLst>
+                <a:ext uri="{FF2B5EF4-FFF2-40B4-BE49-F238E27FC236}">
+                  <a16:creationId xmlns:a16="http://schemas.microsoft.com/office/drawing/2014/main" id="{FB916C92-CFF0-3609-C49D-7D6DB8DA859E}"/>
+                </a:ext>
+              </a:extLst>
+            </p:cNvPr>
+            <p:cNvSpPr txBox="1"/>
+            <p:nvPr/>
+          </p:nvSpPr>
+          <p:spPr>
+            <a:xfrm>
+              <a:off x="11036752" y="3708230"/>
+              <a:ext cx="404598" cy="276999"/>
+            </a:xfrm>
+            <a:prstGeom prst="rect">
+              <a:avLst/>
+            </a:prstGeom>
+            <a:noFill/>
+          </p:spPr>
+          <p:txBody>
+            <a:bodyPr wrap="none" rtlCol="0">
+              <a:spAutoFit/>
+            </a:bodyPr>
+            <a:lstStyle/>
+            <a:p>
+              <a:r>
+                <a:rPr lang="en-US" sz="1200" dirty="0"/>
+                <a:t>day</a:t>
+              </a:r>
+            </a:p>
+          </p:txBody>
+        </p:sp>
+        <p:sp>
+          <p:nvSpPr>
+            <p:cNvPr id="18" name="TextBox 17">
+              <a:extLst>
+                <a:ext uri="{FF2B5EF4-FFF2-40B4-BE49-F238E27FC236}">
+                  <a16:creationId xmlns:a16="http://schemas.microsoft.com/office/drawing/2014/main" id="{90F4E56C-9E8B-8B9A-B7F7-E572D5176EE6}"/>
+                </a:ext>
+              </a:extLst>
+            </p:cNvPr>
+            <p:cNvSpPr txBox="1"/>
+            <p:nvPr/>
+          </p:nvSpPr>
+          <p:spPr>
+            <a:xfrm>
+              <a:off x="11036752" y="3440221"/>
+              <a:ext cx="455317" cy="276999"/>
+            </a:xfrm>
+            <a:prstGeom prst="rect">
+              <a:avLst/>
+            </a:prstGeom>
+            <a:noFill/>
+          </p:spPr>
+          <p:txBody>
+            <a:bodyPr wrap="none" rtlCol="0">
+              <a:spAutoFit/>
+            </a:bodyPr>
+            <a:lstStyle/>
+            <a:p>
+              <a:r>
+                <a:rPr lang="en-US" sz="1200" dirty="0"/>
+                <a:t>year</a:t>
+              </a:r>
+            </a:p>
+          </p:txBody>
+        </p:sp>
+        <p:sp>
+          <p:nvSpPr>
+            <p:cNvPr id="19" name="TextBox 18">
+              <a:extLst>
+                <a:ext uri="{FF2B5EF4-FFF2-40B4-BE49-F238E27FC236}">
+                  <a16:creationId xmlns:a16="http://schemas.microsoft.com/office/drawing/2014/main" id="{6DBD05D4-C583-5316-4878-98CF24233B6A}"/>
+                </a:ext>
+              </a:extLst>
+            </p:cNvPr>
+            <p:cNvSpPr txBox="1"/>
+            <p:nvPr/>
+          </p:nvSpPr>
+          <p:spPr>
+            <a:xfrm>
+              <a:off x="11036752" y="3256293"/>
+              <a:ext cx="660117" cy="276999"/>
+            </a:xfrm>
+            <a:prstGeom prst="rect">
+              <a:avLst/>
+            </a:prstGeom>
+            <a:noFill/>
+          </p:spPr>
+          <p:txBody>
+            <a:bodyPr wrap="none" rtlCol="0">
+              <a:spAutoFit/>
+            </a:bodyPr>
+            <a:lstStyle/>
+            <a:p>
+              <a:r>
+                <a:rPr lang="en-US" sz="1200" dirty="0"/>
+                <a:t>century</a:t>
+              </a:r>
+            </a:p>
+          </p:txBody>
+        </p:sp>
+        <p:sp>
+          <p:nvSpPr>
+            <p:cNvPr id="20" name="TextBox 19">
+              <a:extLst>
+                <a:ext uri="{FF2B5EF4-FFF2-40B4-BE49-F238E27FC236}">
+                  <a16:creationId xmlns:a16="http://schemas.microsoft.com/office/drawing/2014/main" id="{C41F9531-FD74-A8B9-704C-206B809F4C08}"/>
+                </a:ext>
+              </a:extLst>
+            </p:cNvPr>
+            <p:cNvSpPr txBox="1"/>
+            <p:nvPr/>
+          </p:nvSpPr>
+          <p:spPr>
+            <a:xfrm>
+              <a:off x="11036752" y="3124915"/>
+              <a:ext cx="889987" cy="276999"/>
+            </a:xfrm>
+            <a:prstGeom prst="rect">
+              <a:avLst/>
+            </a:prstGeom>
+            <a:noFill/>
+          </p:spPr>
+          <p:txBody>
+            <a:bodyPr wrap="none" rtlCol="0">
+              <a:spAutoFit/>
+            </a:bodyPr>
+            <a:lstStyle/>
+            <a:p>
+              <a:r>
+                <a:rPr lang="en-US" sz="1200" dirty="0"/>
+                <a:t>millennium</a:t>
+              </a:r>
+            </a:p>
+          </p:txBody>
+        </p:sp>
+        <p:sp>
+          <p:nvSpPr>
+            <p:cNvPr id="9" name="TextBox 8">
+              <a:extLst>
+                <a:ext uri="{FF2B5EF4-FFF2-40B4-BE49-F238E27FC236}">
+                  <a16:creationId xmlns:a16="http://schemas.microsoft.com/office/drawing/2014/main" id="{25D9BE3B-9281-46C2-6C75-E58CAFCD58C4}"/>
+                </a:ext>
+              </a:extLst>
+            </p:cNvPr>
+            <p:cNvSpPr txBox="1"/>
+            <p:nvPr/>
+          </p:nvSpPr>
+          <p:spPr>
+            <a:xfrm>
+              <a:off x="11036752" y="2177984"/>
+              <a:ext cx="1133067" cy="276999"/>
+            </a:xfrm>
+            <a:prstGeom prst="rect">
+              <a:avLst/>
+            </a:prstGeom>
+            <a:noFill/>
+          </p:spPr>
+          <p:txBody>
+            <a:bodyPr wrap="none" rtlCol="0">
+              <a:spAutoFit/>
+            </a:bodyPr>
+            <a:lstStyle/>
+            <a:p>
+              <a:r>
+                <a:rPr lang="en-US" sz="1200" dirty="0"/>
+                <a:t>age of universe</a:t>
+              </a:r>
+            </a:p>
+          </p:txBody>
+        </p:sp>
+        <p:sp>
+          <p:nvSpPr>
+            <p:cNvPr id="22" name="TextBox 21">
+              <a:extLst>
+                <a:ext uri="{FF2B5EF4-FFF2-40B4-BE49-F238E27FC236}">
+                  <a16:creationId xmlns:a16="http://schemas.microsoft.com/office/drawing/2014/main" id="{BC62E51E-2157-7BB0-22B6-858F0B5C9584}"/>
+                </a:ext>
+              </a:extLst>
+            </p:cNvPr>
+            <p:cNvSpPr txBox="1"/>
+            <p:nvPr/>
+          </p:nvSpPr>
+          <p:spPr>
+            <a:xfrm>
+              <a:off x="11036752" y="4146513"/>
+              <a:ext cx="629018" cy="276999"/>
+            </a:xfrm>
+            <a:prstGeom prst="rect">
+              <a:avLst/>
+            </a:prstGeom>
+            <a:noFill/>
+          </p:spPr>
+          <p:txBody>
+            <a:bodyPr wrap="none" rtlCol="0">
+              <a:spAutoFit/>
+            </a:bodyPr>
+            <a:lstStyle/>
+            <a:p>
+              <a:r>
+                <a:rPr lang="en-US" sz="1200" dirty="0"/>
+                <a:t>second</a:t>
+              </a:r>
+            </a:p>
+          </p:txBody>
+        </p:sp>
+      </p:grpSp>
     </p:spTree>
     <p:extLst>
       <p:ext uri="{BB962C8B-B14F-4D97-AF65-F5344CB8AC3E}">

--- a/docs/sirn_figures.pptx
+++ b/docs/sirn_figures.pptx
@@ -11,8 +11,10 @@
     <p:sldId id="258" r:id="rId5"/>
     <p:sldId id="262" r:id="rId6"/>
     <p:sldId id="260" r:id="rId7"/>
-    <p:sldId id="263" r:id="rId8"/>
+    <p:sldId id="266" r:id="rId8"/>
     <p:sldId id="261" r:id="rId9"/>
+    <p:sldId id="264" r:id="rId10"/>
+    <p:sldId id="265" r:id="rId11"/>
   </p:sldIdLst>
   <p:sldSz cx="12192000" cy="6858000"/>
   <p:notesSz cx="6858000" cy="9144000"/>
@@ -3401,6 +3403,3981 @@
 </p:sld>
 </file>
 
+<file path=ppt/slides/slide10.xml><?xml version="1.0" encoding="utf-8"?>
+<p:sld xmlns:a="http://schemas.openxmlformats.org/drawingml/2006/main" xmlns:r="http://schemas.openxmlformats.org/officeDocument/2006/relationships" xmlns:p="http://schemas.openxmlformats.org/presentationml/2006/main">
+  <p:cSld>
+    <p:spTree>
+      <p:nvGrpSpPr>
+        <p:cNvPr id="1" name=""/>
+        <p:cNvGrpSpPr/>
+        <p:nvPr/>
+      </p:nvGrpSpPr>
+      <p:grpSpPr>
+        <a:xfrm>
+          <a:off x="0" y="0"/>
+          <a:ext cx="0" cy="0"/>
+          <a:chOff x="0" y="0"/>
+          <a:chExt cx="0" cy="0"/>
+        </a:xfrm>
+      </p:grpSpPr>
+      <p:sp>
+        <p:nvSpPr>
+          <p:cNvPr id="2" name="Title 1">
+            <a:extLst>
+              <a:ext uri="{FF2B5EF4-FFF2-40B4-BE49-F238E27FC236}">
+                <a16:creationId xmlns:a16="http://schemas.microsoft.com/office/drawing/2014/main" id="{7D9BBC80-2191-7568-8B11-10295A575F44}"/>
+              </a:ext>
+            </a:extLst>
+          </p:cNvPr>
+          <p:cNvSpPr>
+            <a:spLocks noGrp="1"/>
+          </p:cNvSpPr>
+          <p:nvPr>
+            <p:ph type="title"/>
+          </p:nvPr>
+        </p:nvSpPr>
+        <p:spPr>
+          <a:xfrm>
+            <a:off x="147145" y="165430"/>
+            <a:ext cx="11887199" cy="713182"/>
+          </a:xfrm>
+        </p:spPr>
+        <p:txBody>
+          <a:bodyPr>
+            <a:normAutofit/>
+          </a:bodyPr>
+          <a:lstStyle/>
+          <a:p>
+            <a:r>
+              <a:rPr lang="en-US" sz="3600" dirty="0"/>
+              <a:t>DSIRN: Detecting Structurally Identical Reaction Networks: 2</a:t>
+            </a:r>
+          </a:p>
+        </p:txBody>
+      </p:sp>
+      <p:graphicFrame>
+        <p:nvGraphicFramePr>
+          <p:cNvPr id="49" name="Table 48">
+            <a:extLst>
+              <a:ext uri="{FF2B5EF4-FFF2-40B4-BE49-F238E27FC236}">
+                <a16:creationId xmlns:a16="http://schemas.microsoft.com/office/drawing/2014/main" id="{F65F09B3-FA0A-A947-3A08-34E0166C5B2B}"/>
+              </a:ext>
+            </a:extLst>
+          </p:cNvPr>
+          <p:cNvGraphicFramePr>
+            <a:graphicFrameLocks noGrp="1"/>
+          </p:cNvGraphicFramePr>
+          <p:nvPr/>
+        </p:nvGraphicFramePr>
+        <p:xfrm>
+          <a:off x="1031633" y="1695691"/>
+          <a:ext cx="1935531" cy="1463040"/>
+        </p:xfrm>
+        <a:graphic>
+          <a:graphicData uri="http://schemas.openxmlformats.org/drawingml/2006/table">
+            <a:tbl>
+              <a:tblPr firstRow="1" bandRow="1">
+                <a:tableStyleId>{5C22544A-7EE6-4342-B048-85BDC9FD1C3A}</a:tableStyleId>
+              </a:tblPr>
+              <a:tblGrid>
+                <a:gridCol w="645177">
+                  <a:extLst>
+                    <a:ext uri="{9D8B030D-6E8A-4147-A177-3AD203B41FA5}">
+                      <a16:colId xmlns:a16="http://schemas.microsoft.com/office/drawing/2014/main" val="1823096244"/>
+                    </a:ext>
+                  </a:extLst>
+                </a:gridCol>
+                <a:gridCol w="645177">
+                  <a:extLst>
+                    <a:ext uri="{9D8B030D-6E8A-4147-A177-3AD203B41FA5}">
+                      <a16:colId xmlns:a16="http://schemas.microsoft.com/office/drawing/2014/main" val="1567734860"/>
+                    </a:ext>
+                  </a:extLst>
+                </a:gridCol>
+                <a:gridCol w="645177">
+                  <a:extLst>
+                    <a:ext uri="{9D8B030D-6E8A-4147-A177-3AD203B41FA5}">
+                      <a16:colId xmlns:a16="http://schemas.microsoft.com/office/drawing/2014/main" val="1116869917"/>
+                    </a:ext>
+                  </a:extLst>
+                </a:gridCol>
+              </a:tblGrid>
+              <a:tr h="279356">
+                <a:tc>
+                  <a:txBody>
+                    <a:bodyPr/>
+                    <a:lstStyle/>
+                    <a:p>
+                      <a:endParaRPr lang="en-US"/>
+                    </a:p>
+                  </a:txBody>
+                  <a:tcPr/>
+                </a:tc>
+                <a:tc>
+                  <a:txBody>
+                    <a:bodyPr/>
+                    <a:lstStyle/>
+                    <a:p>
+                      <a:pPr algn="ctr"/>
+                      <a:r>
+                        <a:rPr lang="en-US" dirty="0"/>
+                        <a:t>A</a:t>
+                      </a:r>
+                    </a:p>
+                  </a:txBody>
+                  <a:tcPr/>
+                </a:tc>
+                <a:tc>
+                  <a:txBody>
+                    <a:bodyPr/>
+                    <a:lstStyle/>
+                    <a:p>
+                      <a:pPr algn="ctr"/>
+                      <a:r>
+                        <a:rPr lang="en-US" dirty="0"/>
+                        <a:t>B</a:t>
+                      </a:r>
+                    </a:p>
+                  </a:txBody>
+                  <a:tcPr/>
+                </a:tc>
+                <a:extLst>
+                  <a:ext uri="{0D108BD9-81ED-4DB2-BD59-A6C34878D82A}">
+                    <a16:rowId xmlns:a16="http://schemas.microsoft.com/office/drawing/2014/main" val="261162428"/>
+                  </a:ext>
+                </a:extLst>
+              </a:tr>
+              <a:tr h="279356">
+                <a:tc>
+                  <a:txBody>
+                    <a:bodyPr/>
+                    <a:lstStyle/>
+                    <a:p>
+                      <a:endParaRPr lang="en-US" dirty="0"/>
+                    </a:p>
+                  </a:txBody>
+                  <a:tcPr/>
+                </a:tc>
+                <a:tc>
+                  <a:txBody>
+                    <a:bodyPr/>
+                    <a:lstStyle/>
+                    <a:p>
+                      <a:pPr algn="ctr"/>
+                      <a:r>
+                        <a:rPr lang="en-US" dirty="0"/>
+                        <a:t>-1</a:t>
+                      </a:r>
+                    </a:p>
+                  </a:txBody>
+                  <a:tcPr/>
+                </a:tc>
+                <a:tc>
+                  <a:txBody>
+                    <a:bodyPr/>
+                    <a:lstStyle/>
+                    <a:p>
+                      <a:pPr algn="ctr"/>
+                      <a:r>
+                        <a:rPr lang="en-US" dirty="0"/>
+                        <a:t>1</a:t>
+                      </a:r>
+                    </a:p>
+                  </a:txBody>
+                  <a:tcPr/>
+                </a:tc>
+                <a:extLst>
+                  <a:ext uri="{0D108BD9-81ED-4DB2-BD59-A6C34878D82A}">
+                    <a16:rowId xmlns:a16="http://schemas.microsoft.com/office/drawing/2014/main" val="2836436688"/>
+                  </a:ext>
+                </a:extLst>
+              </a:tr>
+              <a:tr h="279356">
+                <a:tc>
+                  <a:txBody>
+                    <a:bodyPr/>
+                    <a:lstStyle/>
+                    <a:p>
+                      <a:endParaRPr lang="en-US"/>
+                    </a:p>
+                  </a:txBody>
+                  <a:tcPr/>
+                </a:tc>
+                <a:tc>
+                  <a:txBody>
+                    <a:bodyPr/>
+                    <a:lstStyle/>
+                    <a:p>
+                      <a:pPr algn="ctr"/>
+                      <a:r>
+                        <a:rPr lang="en-US" dirty="0"/>
+                        <a:t>1</a:t>
+                      </a:r>
+                    </a:p>
+                  </a:txBody>
+                  <a:tcPr/>
+                </a:tc>
+                <a:tc>
+                  <a:txBody>
+                    <a:bodyPr/>
+                    <a:lstStyle/>
+                    <a:p>
+                      <a:pPr algn="ctr"/>
+                      <a:r>
+                        <a:rPr lang="en-US" dirty="0"/>
+                        <a:t>-1</a:t>
+                      </a:r>
+                    </a:p>
+                  </a:txBody>
+                  <a:tcPr/>
+                </a:tc>
+                <a:extLst>
+                  <a:ext uri="{0D108BD9-81ED-4DB2-BD59-A6C34878D82A}">
+                    <a16:rowId xmlns:a16="http://schemas.microsoft.com/office/drawing/2014/main" val="3728559439"/>
+                  </a:ext>
+                </a:extLst>
+              </a:tr>
+              <a:tr h="279356">
+                <a:tc>
+                  <a:txBody>
+                    <a:bodyPr/>
+                    <a:lstStyle/>
+                    <a:p>
+                      <a:endParaRPr lang="en-US" dirty="0"/>
+                    </a:p>
+                  </a:txBody>
+                  <a:tcPr/>
+                </a:tc>
+                <a:tc>
+                  <a:txBody>
+                    <a:bodyPr/>
+                    <a:lstStyle/>
+                    <a:p>
+                      <a:pPr algn="ctr"/>
+                      <a:r>
+                        <a:rPr lang="en-US" dirty="0"/>
+                        <a:t>0</a:t>
+                      </a:r>
+                    </a:p>
+                  </a:txBody>
+                  <a:tcPr/>
+                </a:tc>
+                <a:tc>
+                  <a:txBody>
+                    <a:bodyPr/>
+                    <a:lstStyle/>
+                    <a:p>
+                      <a:pPr algn="ctr"/>
+                      <a:r>
+                        <a:rPr lang="en-US" dirty="0"/>
+                        <a:t>1</a:t>
+                      </a:r>
+                    </a:p>
+                  </a:txBody>
+                  <a:tcPr/>
+                </a:tc>
+                <a:extLst>
+                  <a:ext uri="{0D108BD9-81ED-4DB2-BD59-A6C34878D82A}">
+                    <a16:rowId xmlns:a16="http://schemas.microsoft.com/office/drawing/2014/main" val="4252235192"/>
+                  </a:ext>
+                </a:extLst>
+              </a:tr>
+            </a:tbl>
+          </a:graphicData>
+        </a:graphic>
+      </p:graphicFrame>
+      <mc:AlternateContent xmlns:mc="http://schemas.openxmlformats.org/markup-compatibility/2006">
+        <mc:Choice xmlns:a14="http://schemas.microsoft.com/office/drawing/2010/main" Requires="a14">
+          <p:sp>
+            <p:nvSpPr>
+              <p:cNvPr id="50" name="TextBox 49">
+                <a:extLst>
+                  <a:ext uri="{FF2B5EF4-FFF2-40B4-BE49-F238E27FC236}">
+                    <a16:creationId xmlns:a16="http://schemas.microsoft.com/office/drawing/2014/main" id="{B37A72DC-79FA-C11E-BB30-295FB4FE8486}"/>
+                  </a:ext>
+                </a:extLst>
+              </p:cNvPr>
+              <p:cNvSpPr txBox="1"/>
+              <p:nvPr/>
+            </p:nvSpPr>
+            <p:spPr>
+              <a:xfrm>
+                <a:off x="1269758" y="2820234"/>
+                <a:ext cx="303736" cy="276999"/>
+              </a:xfrm>
+              <a:prstGeom prst="rect">
+                <a:avLst/>
+              </a:prstGeom>
+              <a:noFill/>
+            </p:spPr>
+            <p:txBody>
+              <a:bodyPr wrap="none" lIns="0" tIns="0" rIns="0" bIns="0" rtlCol="0">
+                <a:spAutoFit/>
+              </a:bodyPr>
+              <a:lstStyle/>
+              <a:p>
+                <a:pPr/>
+                <a14:m>
+                  <m:oMathPara xmlns:m="http://schemas.openxmlformats.org/officeDocument/2006/math">
+                    <m:oMathParaPr>
+                      <m:jc m:val="centerGroup"/>
+                    </m:oMathParaPr>
+                    <m:oMath xmlns:m="http://schemas.openxmlformats.org/officeDocument/2006/math">
+                      <m:sSub>
+                        <m:sSubPr>
+                          <m:ctrlPr>
+                            <a:rPr lang="en-US" b="0" i="1" smtClean="0">
+                              <a:latin typeface="Cambria Math" panose="02040503050406030204" pitchFamily="18" charset="0"/>
+                            </a:rPr>
+                          </m:ctrlPr>
+                        </m:sSubPr>
+                        <m:e>
+                          <m:r>
+                            <a:rPr lang="en-US" b="0" i="1" smtClean="0">
+                              <a:latin typeface="Cambria Math" panose="02040503050406030204" pitchFamily="18" charset="0"/>
+                            </a:rPr>
+                            <m:t>𝑅</m:t>
+                          </m:r>
+                        </m:e>
+                        <m:sub>
+                          <m:r>
+                            <a:rPr lang="en-US" b="0" i="1" smtClean="0">
+                              <a:latin typeface="Cambria Math" panose="02040503050406030204" pitchFamily="18" charset="0"/>
+                            </a:rPr>
+                            <m:t>3</m:t>
+                          </m:r>
+                        </m:sub>
+                      </m:sSub>
+                    </m:oMath>
+                  </m:oMathPara>
+                </a14:m>
+                <a:endParaRPr lang="en-US" b="0" dirty="0"/>
+              </a:p>
+            </p:txBody>
+          </p:sp>
+        </mc:Choice>
+        <mc:Fallback>
+          <p:sp>
+            <p:nvSpPr>
+              <p:cNvPr id="50" name="TextBox 49">
+                <a:extLst>
+                  <a:ext uri="{FF2B5EF4-FFF2-40B4-BE49-F238E27FC236}">
+                    <a16:creationId xmlns:a16="http://schemas.microsoft.com/office/drawing/2014/main" id="{B37A72DC-79FA-C11E-BB30-295FB4FE8486}"/>
+                  </a:ext>
+                </a:extLst>
+              </p:cNvPr>
+              <p:cNvSpPr txBox="1">
+                <a:spLocks noRot="1" noChangeAspect="1" noMove="1" noResize="1" noEditPoints="1" noAdjustHandles="1" noChangeArrowheads="1" noChangeShapeType="1" noTextEdit="1"/>
+              </p:cNvSpPr>
+              <p:nvPr/>
+            </p:nvSpPr>
+            <p:spPr>
+              <a:xfrm>
+                <a:off x="1269758" y="2820234"/>
+                <a:ext cx="303736" cy="276999"/>
+              </a:xfrm>
+              <a:prstGeom prst="rect">
+                <a:avLst/>
+              </a:prstGeom>
+              <a:blipFill>
+                <a:blip r:embed="rId2"/>
+                <a:stretch>
+                  <a:fillRect l="-12000" r="-8000" b="-18182"/>
+                </a:stretch>
+              </a:blipFill>
+            </p:spPr>
+            <p:txBody>
+              <a:bodyPr/>
+              <a:lstStyle/>
+              <a:p>
+                <a:r>
+                  <a:rPr lang="en-US">
+                    <a:noFill/>
+                  </a:rPr>
+                  <a:t> </a:t>
+                </a:r>
+              </a:p>
+            </p:txBody>
+          </p:sp>
+        </mc:Fallback>
+      </mc:AlternateContent>
+      <mc:AlternateContent xmlns:mc="http://schemas.openxmlformats.org/markup-compatibility/2006">
+        <mc:Choice xmlns:a14="http://schemas.microsoft.com/office/drawing/2010/main" Requires="a14">
+          <p:sp>
+            <p:nvSpPr>
+              <p:cNvPr id="51" name="TextBox 50">
+                <a:extLst>
+                  <a:ext uri="{FF2B5EF4-FFF2-40B4-BE49-F238E27FC236}">
+                    <a16:creationId xmlns:a16="http://schemas.microsoft.com/office/drawing/2014/main" id="{AE02B6A3-637F-EAF6-4898-5DC9D5A4BCDA}"/>
+                  </a:ext>
+                </a:extLst>
+              </p:cNvPr>
+              <p:cNvSpPr txBox="1"/>
+              <p:nvPr/>
+            </p:nvSpPr>
+            <p:spPr>
+              <a:xfrm>
+                <a:off x="1253993" y="2468135"/>
+                <a:ext cx="303736" cy="276999"/>
+              </a:xfrm>
+              <a:prstGeom prst="rect">
+                <a:avLst/>
+              </a:prstGeom>
+              <a:noFill/>
+            </p:spPr>
+            <p:txBody>
+              <a:bodyPr wrap="none" lIns="0" tIns="0" rIns="0" bIns="0" rtlCol="0">
+                <a:spAutoFit/>
+              </a:bodyPr>
+              <a:lstStyle/>
+              <a:p>
+                <a:pPr/>
+                <a14:m>
+                  <m:oMathPara xmlns:m="http://schemas.openxmlformats.org/officeDocument/2006/math">
+                    <m:oMathParaPr>
+                      <m:jc m:val="centerGroup"/>
+                    </m:oMathParaPr>
+                    <m:oMath xmlns:m="http://schemas.openxmlformats.org/officeDocument/2006/math">
+                      <m:sSub>
+                        <m:sSubPr>
+                          <m:ctrlPr>
+                            <a:rPr lang="en-US" b="0" i="1" smtClean="0">
+                              <a:latin typeface="Cambria Math" panose="02040503050406030204" pitchFamily="18" charset="0"/>
+                            </a:rPr>
+                          </m:ctrlPr>
+                        </m:sSubPr>
+                        <m:e>
+                          <m:r>
+                            <a:rPr lang="en-US" b="0" i="1" smtClean="0">
+                              <a:latin typeface="Cambria Math" panose="02040503050406030204" pitchFamily="18" charset="0"/>
+                            </a:rPr>
+                            <m:t>𝑅</m:t>
+                          </m:r>
+                        </m:e>
+                        <m:sub>
+                          <m:r>
+                            <a:rPr lang="en-US" b="0" i="1" smtClean="0">
+                              <a:latin typeface="Cambria Math" panose="02040503050406030204" pitchFamily="18" charset="0"/>
+                            </a:rPr>
+                            <m:t>2</m:t>
+                          </m:r>
+                        </m:sub>
+                      </m:sSub>
+                    </m:oMath>
+                  </m:oMathPara>
+                </a14:m>
+                <a:endParaRPr lang="en-US" b="0" dirty="0"/>
+              </a:p>
+            </p:txBody>
+          </p:sp>
+        </mc:Choice>
+        <mc:Fallback>
+          <p:sp>
+            <p:nvSpPr>
+              <p:cNvPr id="51" name="TextBox 50">
+                <a:extLst>
+                  <a:ext uri="{FF2B5EF4-FFF2-40B4-BE49-F238E27FC236}">
+                    <a16:creationId xmlns:a16="http://schemas.microsoft.com/office/drawing/2014/main" id="{AE02B6A3-637F-EAF6-4898-5DC9D5A4BCDA}"/>
+                  </a:ext>
+                </a:extLst>
+              </p:cNvPr>
+              <p:cNvSpPr txBox="1">
+                <a:spLocks noRot="1" noChangeAspect="1" noMove="1" noResize="1" noEditPoints="1" noAdjustHandles="1" noChangeArrowheads="1" noChangeShapeType="1" noTextEdit="1"/>
+              </p:cNvSpPr>
+              <p:nvPr/>
+            </p:nvSpPr>
+            <p:spPr>
+              <a:xfrm>
+                <a:off x="1253993" y="2468135"/>
+                <a:ext cx="303736" cy="276999"/>
+              </a:xfrm>
+              <a:prstGeom prst="rect">
+                <a:avLst/>
+              </a:prstGeom>
+              <a:blipFill>
+                <a:blip r:embed="rId3"/>
+                <a:stretch>
+                  <a:fillRect l="-16000" r="-4000" b="-13043"/>
+                </a:stretch>
+              </a:blipFill>
+            </p:spPr>
+            <p:txBody>
+              <a:bodyPr/>
+              <a:lstStyle/>
+              <a:p>
+                <a:r>
+                  <a:rPr lang="en-US">
+                    <a:noFill/>
+                  </a:rPr>
+                  <a:t> </a:t>
+                </a:r>
+              </a:p>
+            </p:txBody>
+          </p:sp>
+        </mc:Fallback>
+      </mc:AlternateContent>
+      <mc:AlternateContent xmlns:mc="http://schemas.openxmlformats.org/markup-compatibility/2006">
+        <mc:Choice xmlns:a14="http://schemas.microsoft.com/office/drawing/2010/main" Requires="a14">
+          <p:sp>
+            <p:nvSpPr>
+              <p:cNvPr id="52" name="TextBox 51">
+                <a:extLst>
+                  <a:ext uri="{FF2B5EF4-FFF2-40B4-BE49-F238E27FC236}">
+                    <a16:creationId xmlns:a16="http://schemas.microsoft.com/office/drawing/2014/main" id="{D1BD9231-EC02-2B63-4F8F-9E60410E0A93}"/>
+                  </a:ext>
+                </a:extLst>
+              </p:cNvPr>
+              <p:cNvSpPr txBox="1"/>
+              <p:nvPr/>
+            </p:nvSpPr>
+            <p:spPr>
+              <a:xfrm>
+                <a:off x="1296038" y="2089769"/>
+                <a:ext cx="298415" cy="276999"/>
+              </a:xfrm>
+              <a:prstGeom prst="rect">
+                <a:avLst/>
+              </a:prstGeom>
+              <a:noFill/>
+            </p:spPr>
+            <p:txBody>
+              <a:bodyPr wrap="none" lIns="0" tIns="0" rIns="0" bIns="0" rtlCol="0">
+                <a:spAutoFit/>
+              </a:bodyPr>
+              <a:lstStyle/>
+              <a:p>
+                <a:pPr/>
+                <a14:m>
+                  <m:oMathPara xmlns:m="http://schemas.openxmlformats.org/officeDocument/2006/math">
+                    <m:oMathParaPr>
+                      <m:jc m:val="centerGroup"/>
+                    </m:oMathParaPr>
+                    <m:oMath xmlns:m="http://schemas.openxmlformats.org/officeDocument/2006/math">
+                      <m:sSub>
+                        <m:sSubPr>
+                          <m:ctrlPr>
+                            <a:rPr lang="en-US" b="0" i="1" smtClean="0">
+                              <a:latin typeface="Cambria Math" panose="02040503050406030204" pitchFamily="18" charset="0"/>
+                            </a:rPr>
+                          </m:ctrlPr>
+                        </m:sSubPr>
+                        <m:e>
+                          <m:r>
+                            <a:rPr lang="en-US" b="0" i="1" smtClean="0">
+                              <a:latin typeface="Cambria Math" panose="02040503050406030204" pitchFamily="18" charset="0"/>
+                            </a:rPr>
+                            <m:t>𝑅</m:t>
+                          </m:r>
+                        </m:e>
+                        <m:sub>
+                          <m:r>
+                            <a:rPr lang="en-US" b="0" i="1" smtClean="0">
+                              <a:latin typeface="Cambria Math" panose="02040503050406030204" pitchFamily="18" charset="0"/>
+                            </a:rPr>
+                            <m:t>1</m:t>
+                          </m:r>
+                        </m:sub>
+                      </m:sSub>
+                    </m:oMath>
+                  </m:oMathPara>
+                </a14:m>
+                <a:endParaRPr lang="en-US" b="0" dirty="0"/>
+              </a:p>
+            </p:txBody>
+          </p:sp>
+        </mc:Choice>
+        <mc:Fallback>
+          <p:sp>
+            <p:nvSpPr>
+              <p:cNvPr id="52" name="TextBox 51">
+                <a:extLst>
+                  <a:ext uri="{FF2B5EF4-FFF2-40B4-BE49-F238E27FC236}">
+                    <a16:creationId xmlns:a16="http://schemas.microsoft.com/office/drawing/2014/main" id="{D1BD9231-EC02-2B63-4F8F-9E60410E0A93}"/>
+                  </a:ext>
+                </a:extLst>
+              </p:cNvPr>
+              <p:cNvSpPr txBox="1">
+                <a:spLocks noRot="1" noChangeAspect="1" noMove="1" noResize="1" noEditPoints="1" noAdjustHandles="1" noChangeArrowheads="1" noChangeShapeType="1" noTextEdit="1"/>
+              </p:cNvSpPr>
+              <p:nvPr/>
+            </p:nvSpPr>
+            <p:spPr>
+              <a:xfrm>
+                <a:off x="1296038" y="2089769"/>
+                <a:ext cx="298415" cy="276999"/>
+              </a:xfrm>
+              <a:prstGeom prst="rect">
+                <a:avLst/>
+              </a:prstGeom>
+              <a:blipFill>
+                <a:blip r:embed="rId4"/>
+                <a:stretch>
+                  <a:fillRect l="-20833" r="-4167" b="-13043"/>
+                </a:stretch>
+              </a:blipFill>
+            </p:spPr>
+            <p:txBody>
+              <a:bodyPr/>
+              <a:lstStyle/>
+              <a:p>
+                <a:r>
+                  <a:rPr lang="en-US">
+                    <a:noFill/>
+                  </a:rPr>
+                  <a:t> </a:t>
+                </a:r>
+              </a:p>
+            </p:txBody>
+          </p:sp>
+        </mc:Fallback>
+      </mc:AlternateContent>
+      <mc:AlternateContent xmlns:mc="http://schemas.openxmlformats.org/markup-compatibility/2006">
+        <mc:Choice xmlns:a14="http://schemas.microsoft.com/office/drawing/2010/main" Requires="a14">
+          <p:sp>
+            <p:nvSpPr>
+              <p:cNvPr id="53" name="TextBox 52">
+                <a:extLst>
+                  <a:ext uri="{FF2B5EF4-FFF2-40B4-BE49-F238E27FC236}">
+                    <a16:creationId xmlns:a16="http://schemas.microsoft.com/office/drawing/2014/main" id="{52DB22CC-8F09-74A0-818C-7FFD1FB8A9F7}"/>
+                  </a:ext>
+                </a:extLst>
+              </p:cNvPr>
+              <p:cNvSpPr txBox="1"/>
+              <p:nvPr/>
+            </p:nvSpPr>
+            <p:spPr>
+              <a:xfrm>
+                <a:off x="602258" y="1695691"/>
+                <a:ext cx="373436" cy="276999"/>
+              </a:xfrm>
+              <a:prstGeom prst="rect">
+                <a:avLst/>
+              </a:prstGeom>
+              <a:noFill/>
+            </p:spPr>
+            <p:txBody>
+              <a:bodyPr wrap="none" lIns="0" tIns="0" rIns="0" bIns="0" rtlCol="0">
+                <a:spAutoFit/>
+              </a:bodyPr>
+              <a:lstStyle/>
+              <a:p>
+                <a:pPr/>
+                <a14:m>
+                  <m:oMathPara xmlns:m="http://schemas.openxmlformats.org/officeDocument/2006/math">
+                    <m:oMathParaPr>
+                      <m:jc m:val="centerGroup"/>
+                    </m:oMathParaPr>
+                    <m:oMath xmlns:m="http://schemas.openxmlformats.org/officeDocument/2006/math">
+                      <m:sSub>
+                        <m:sSubPr>
+                          <m:ctrlPr>
+                            <a:rPr lang="en-US" b="1" i="1" smtClean="0">
+                              <a:latin typeface="Cambria Math" panose="02040503050406030204" pitchFamily="18" charset="0"/>
+                            </a:rPr>
+                          </m:ctrlPr>
+                        </m:sSubPr>
+                        <m:e>
+                          <m:r>
+                            <a:rPr lang="en-US" b="1" i="1" smtClean="0">
+                              <a:latin typeface="Cambria Math" panose="02040503050406030204" pitchFamily="18" charset="0"/>
+                            </a:rPr>
+                            <m:t>𝑴</m:t>
+                          </m:r>
+                        </m:e>
+                        <m:sub>
+                          <m:r>
+                            <a:rPr lang="en-US" b="1" i="1" smtClean="0">
+                              <a:latin typeface="Cambria Math" panose="02040503050406030204" pitchFamily="18" charset="0"/>
+                            </a:rPr>
+                            <m:t>𝟏</m:t>
+                          </m:r>
+                        </m:sub>
+                      </m:sSub>
+                    </m:oMath>
+                  </m:oMathPara>
+                </a14:m>
+                <a:endParaRPr lang="en-US" b="1" dirty="0"/>
+              </a:p>
+            </p:txBody>
+          </p:sp>
+        </mc:Choice>
+        <mc:Fallback>
+          <p:sp>
+            <p:nvSpPr>
+              <p:cNvPr id="53" name="TextBox 52">
+                <a:extLst>
+                  <a:ext uri="{FF2B5EF4-FFF2-40B4-BE49-F238E27FC236}">
+                    <a16:creationId xmlns:a16="http://schemas.microsoft.com/office/drawing/2014/main" id="{52DB22CC-8F09-74A0-818C-7FFD1FB8A9F7}"/>
+                  </a:ext>
+                </a:extLst>
+              </p:cNvPr>
+              <p:cNvSpPr txBox="1">
+                <a:spLocks noRot="1" noChangeAspect="1" noMove="1" noResize="1" noEditPoints="1" noAdjustHandles="1" noChangeArrowheads="1" noChangeShapeType="1" noTextEdit="1"/>
+              </p:cNvSpPr>
+              <p:nvPr/>
+            </p:nvSpPr>
+            <p:spPr>
+              <a:xfrm>
+                <a:off x="602258" y="1695691"/>
+                <a:ext cx="373436" cy="276999"/>
+              </a:xfrm>
+              <a:prstGeom prst="rect">
+                <a:avLst/>
+              </a:prstGeom>
+              <a:blipFill>
+                <a:blip r:embed="rId5"/>
+                <a:stretch>
+                  <a:fillRect l="-13333" r="-6667" b="-13043"/>
+                </a:stretch>
+              </a:blipFill>
+            </p:spPr>
+            <p:txBody>
+              <a:bodyPr/>
+              <a:lstStyle/>
+              <a:p>
+                <a:r>
+                  <a:rPr lang="en-US">
+                    <a:noFill/>
+                  </a:rPr>
+                  <a:t> </a:t>
+                </a:r>
+              </a:p>
+            </p:txBody>
+          </p:sp>
+        </mc:Fallback>
+      </mc:AlternateContent>
+      <p:sp>
+        <p:nvSpPr>
+          <p:cNvPr id="54" name="TextBox 53">
+            <a:extLst>
+              <a:ext uri="{FF2B5EF4-FFF2-40B4-BE49-F238E27FC236}">
+                <a16:creationId xmlns:a16="http://schemas.microsoft.com/office/drawing/2014/main" id="{13EB92E3-081E-88B8-E85B-CE48D981CB15}"/>
+              </a:ext>
+            </a:extLst>
+          </p:cNvPr>
+          <p:cNvSpPr txBox="1"/>
+          <p:nvPr/>
+        </p:nvSpPr>
+        <p:spPr>
+          <a:xfrm>
+            <a:off x="154103" y="2088084"/>
+            <a:ext cx="914033" cy="307777"/>
+          </a:xfrm>
+          <a:prstGeom prst="rect">
+            <a:avLst/>
+          </a:prstGeom>
+          <a:noFill/>
+        </p:spPr>
+        <p:txBody>
+          <a:bodyPr wrap="none" rtlCol="0">
+            <a:spAutoFit/>
+          </a:bodyPr>
+          <a:lstStyle/>
+          <a:p>
+            <a:r>
+              <a:rPr lang="en-US" sz="1400" dirty="0"/>
+              <a:t>1,000,001</a:t>
+            </a:r>
+          </a:p>
+        </p:txBody>
+      </p:sp>
+      <p:sp>
+        <p:nvSpPr>
+          <p:cNvPr id="56" name="TextBox 55">
+            <a:extLst>
+              <a:ext uri="{FF2B5EF4-FFF2-40B4-BE49-F238E27FC236}">
+                <a16:creationId xmlns:a16="http://schemas.microsoft.com/office/drawing/2014/main" id="{8A2CB7AC-436D-B39A-715C-B94D4CC7F47D}"/>
+              </a:ext>
+            </a:extLst>
+          </p:cNvPr>
+          <p:cNvSpPr txBox="1"/>
+          <p:nvPr/>
+        </p:nvSpPr>
+        <p:spPr>
+          <a:xfrm>
+            <a:off x="119570" y="2466846"/>
+            <a:ext cx="1045084" cy="307777"/>
+          </a:xfrm>
+          <a:prstGeom prst="rect">
+            <a:avLst/>
+          </a:prstGeom>
+          <a:noFill/>
+        </p:spPr>
+        <p:txBody>
+          <a:bodyPr wrap="square">
+            <a:spAutoFit/>
+          </a:bodyPr>
+          <a:lstStyle/>
+          <a:p>
+            <a:r>
+              <a:rPr lang="en-US" sz="1400" dirty="0"/>
+              <a:t>1,000,001</a:t>
+            </a:r>
+          </a:p>
+        </p:txBody>
+      </p:sp>
+      <p:sp>
+        <p:nvSpPr>
+          <p:cNvPr id="57" name="TextBox 56">
+            <a:extLst>
+              <a:ext uri="{FF2B5EF4-FFF2-40B4-BE49-F238E27FC236}">
+                <a16:creationId xmlns:a16="http://schemas.microsoft.com/office/drawing/2014/main" id="{96F61A37-D9B9-056A-65C1-413CBAA6DA97}"/>
+              </a:ext>
+            </a:extLst>
+          </p:cNvPr>
+          <p:cNvSpPr txBox="1"/>
+          <p:nvPr/>
+        </p:nvSpPr>
+        <p:spPr>
+          <a:xfrm>
+            <a:off x="103805" y="2829455"/>
+            <a:ext cx="1045084" cy="307777"/>
+          </a:xfrm>
+          <a:prstGeom prst="rect">
+            <a:avLst/>
+          </a:prstGeom>
+          <a:noFill/>
+        </p:spPr>
+        <p:txBody>
+          <a:bodyPr wrap="square">
+            <a:spAutoFit/>
+          </a:bodyPr>
+          <a:lstStyle/>
+          <a:p>
+            <a:r>
+              <a:rPr lang="en-US" sz="1400" dirty="0"/>
+              <a:t>1,001,000</a:t>
+            </a:r>
+          </a:p>
+        </p:txBody>
+      </p:sp>
+      <p:sp>
+        <p:nvSpPr>
+          <p:cNvPr id="59" name="TextBox 58">
+            <a:extLst>
+              <a:ext uri="{FF2B5EF4-FFF2-40B4-BE49-F238E27FC236}">
+                <a16:creationId xmlns:a16="http://schemas.microsoft.com/office/drawing/2014/main" id="{2181E07C-C12F-C435-A821-C0282B171E95}"/>
+              </a:ext>
+            </a:extLst>
+          </p:cNvPr>
+          <p:cNvSpPr txBox="1"/>
+          <p:nvPr/>
+        </p:nvSpPr>
+        <p:spPr>
+          <a:xfrm rot="5400000">
+            <a:off x="2137334" y="1148529"/>
+            <a:ext cx="915711" cy="307777"/>
+          </a:xfrm>
+          <a:prstGeom prst="rect">
+            <a:avLst/>
+          </a:prstGeom>
+          <a:noFill/>
+        </p:spPr>
+        <p:txBody>
+          <a:bodyPr wrap="square">
+            <a:spAutoFit/>
+          </a:bodyPr>
+          <a:lstStyle/>
+          <a:p>
+            <a:r>
+              <a:rPr lang="en-US" sz="1400" dirty="0"/>
+              <a:t>2,000,001</a:t>
+            </a:r>
+          </a:p>
+        </p:txBody>
+      </p:sp>
+      <p:sp>
+        <p:nvSpPr>
+          <p:cNvPr id="60" name="TextBox 59">
+            <a:extLst>
+              <a:ext uri="{FF2B5EF4-FFF2-40B4-BE49-F238E27FC236}">
+                <a16:creationId xmlns:a16="http://schemas.microsoft.com/office/drawing/2014/main" id="{F9C6C992-9E4B-38A6-3E5C-785115D5FE71}"/>
+              </a:ext>
+            </a:extLst>
+          </p:cNvPr>
+          <p:cNvSpPr txBox="1"/>
+          <p:nvPr/>
+        </p:nvSpPr>
+        <p:spPr>
+          <a:xfrm rot="5400000">
+            <a:off x="1557308" y="1150051"/>
+            <a:ext cx="915711" cy="307777"/>
+          </a:xfrm>
+          <a:prstGeom prst="rect">
+            <a:avLst/>
+          </a:prstGeom>
+          <a:noFill/>
+        </p:spPr>
+        <p:txBody>
+          <a:bodyPr wrap="square">
+            <a:spAutoFit/>
+          </a:bodyPr>
+          <a:lstStyle/>
+          <a:p>
+            <a:r>
+              <a:rPr lang="en-US" sz="1400" dirty="0"/>
+              <a:t>1,001,001</a:t>
+            </a:r>
+          </a:p>
+        </p:txBody>
+      </p:sp>
+      <p:graphicFrame>
+        <p:nvGraphicFramePr>
+          <p:cNvPr id="61" name="Table 60">
+            <a:extLst>
+              <a:ext uri="{FF2B5EF4-FFF2-40B4-BE49-F238E27FC236}">
+                <a16:creationId xmlns:a16="http://schemas.microsoft.com/office/drawing/2014/main" id="{B3F53F42-BCDA-BC3A-A992-07B7CB912B05}"/>
+              </a:ext>
+            </a:extLst>
+          </p:cNvPr>
+          <p:cNvGraphicFramePr>
+            <a:graphicFrameLocks noGrp="1"/>
+          </p:cNvGraphicFramePr>
+          <p:nvPr/>
+        </p:nvGraphicFramePr>
+        <p:xfrm>
+          <a:off x="4162136" y="1750858"/>
+          <a:ext cx="1935531" cy="1463040"/>
+        </p:xfrm>
+        <a:graphic>
+          <a:graphicData uri="http://schemas.openxmlformats.org/drawingml/2006/table">
+            <a:tbl>
+              <a:tblPr firstRow="1" bandRow="1">
+                <a:tableStyleId>{5C22544A-7EE6-4342-B048-85BDC9FD1C3A}</a:tableStyleId>
+              </a:tblPr>
+              <a:tblGrid>
+                <a:gridCol w="645177">
+                  <a:extLst>
+                    <a:ext uri="{9D8B030D-6E8A-4147-A177-3AD203B41FA5}">
+                      <a16:colId xmlns:a16="http://schemas.microsoft.com/office/drawing/2014/main" val="1823096244"/>
+                    </a:ext>
+                  </a:extLst>
+                </a:gridCol>
+                <a:gridCol w="645177">
+                  <a:extLst>
+                    <a:ext uri="{9D8B030D-6E8A-4147-A177-3AD203B41FA5}">
+                      <a16:colId xmlns:a16="http://schemas.microsoft.com/office/drawing/2014/main" val="1567734860"/>
+                    </a:ext>
+                  </a:extLst>
+                </a:gridCol>
+                <a:gridCol w="645177">
+                  <a:extLst>
+                    <a:ext uri="{9D8B030D-6E8A-4147-A177-3AD203B41FA5}">
+                      <a16:colId xmlns:a16="http://schemas.microsoft.com/office/drawing/2014/main" val="1116869917"/>
+                    </a:ext>
+                  </a:extLst>
+                </a:gridCol>
+              </a:tblGrid>
+              <a:tr h="279356">
+                <a:tc>
+                  <a:txBody>
+                    <a:bodyPr/>
+                    <a:lstStyle/>
+                    <a:p>
+                      <a:endParaRPr lang="en-US"/>
+                    </a:p>
+                  </a:txBody>
+                  <a:tcPr/>
+                </a:tc>
+                <a:tc>
+                  <a:txBody>
+                    <a:bodyPr/>
+                    <a:lstStyle/>
+                    <a:p>
+                      <a:pPr algn="ctr"/>
+                      <a:r>
+                        <a:rPr lang="en-US" dirty="0"/>
+                        <a:t>Y</a:t>
+                      </a:r>
+                    </a:p>
+                  </a:txBody>
+                  <a:tcPr/>
+                </a:tc>
+                <a:tc>
+                  <a:txBody>
+                    <a:bodyPr/>
+                    <a:lstStyle/>
+                    <a:p>
+                      <a:pPr algn="ctr"/>
+                      <a:r>
+                        <a:rPr lang="en-US" dirty="0"/>
+                        <a:t>X</a:t>
+                      </a:r>
+                    </a:p>
+                  </a:txBody>
+                  <a:tcPr/>
+                </a:tc>
+                <a:extLst>
+                  <a:ext uri="{0D108BD9-81ED-4DB2-BD59-A6C34878D82A}">
+                    <a16:rowId xmlns:a16="http://schemas.microsoft.com/office/drawing/2014/main" val="261162428"/>
+                  </a:ext>
+                </a:extLst>
+              </a:tr>
+              <a:tr h="279356">
+                <a:tc>
+                  <a:txBody>
+                    <a:bodyPr/>
+                    <a:lstStyle/>
+                    <a:p>
+                      <a:endParaRPr lang="en-US" dirty="0"/>
+                    </a:p>
+                  </a:txBody>
+                  <a:tcPr/>
+                </a:tc>
+                <a:tc>
+                  <a:txBody>
+                    <a:bodyPr/>
+                    <a:lstStyle/>
+                    <a:p>
+                      <a:pPr algn="ctr"/>
+                      <a:r>
+                        <a:rPr lang="en-US" dirty="0"/>
+                        <a:t>-1</a:t>
+                      </a:r>
+                    </a:p>
+                  </a:txBody>
+                  <a:tcPr/>
+                </a:tc>
+                <a:tc>
+                  <a:txBody>
+                    <a:bodyPr/>
+                    <a:lstStyle/>
+                    <a:p>
+                      <a:pPr algn="ctr"/>
+                      <a:r>
+                        <a:rPr lang="en-US" dirty="0"/>
+                        <a:t>1</a:t>
+                      </a:r>
+                    </a:p>
+                  </a:txBody>
+                  <a:tcPr/>
+                </a:tc>
+                <a:extLst>
+                  <a:ext uri="{0D108BD9-81ED-4DB2-BD59-A6C34878D82A}">
+                    <a16:rowId xmlns:a16="http://schemas.microsoft.com/office/drawing/2014/main" val="2836436688"/>
+                  </a:ext>
+                </a:extLst>
+              </a:tr>
+              <a:tr h="279356">
+                <a:tc>
+                  <a:txBody>
+                    <a:bodyPr/>
+                    <a:lstStyle/>
+                    <a:p>
+                      <a:endParaRPr lang="en-US"/>
+                    </a:p>
+                  </a:txBody>
+                  <a:tcPr/>
+                </a:tc>
+                <a:tc>
+                  <a:txBody>
+                    <a:bodyPr/>
+                    <a:lstStyle/>
+                    <a:p>
+                      <a:pPr algn="ctr"/>
+                      <a:r>
+                        <a:rPr lang="en-US" dirty="0"/>
+                        <a:t>1</a:t>
+                      </a:r>
+                    </a:p>
+                  </a:txBody>
+                  <a:tcPr/>
+                </a:tc>
+                <a:tc>
+                  <a:txBody>
+                    <a:bodyPr/>
+                    <a:lstStyle/>
+                    <a:p>
+                      <a:pPr algn="ctr"/>
+                      <a:r>
+                        <a:rPr lang="en-US" dirty="0"/>
+                        <a:t>-1</a:t>
+                      </a:r>
+                    </a:p>
+                  </a:txBody>
+                  <a:tcPr/>
+                </a:tc>
+                <a:extLst>
+                  <a:ext uri="{0D108BD9-81ED-4DB2-BD59-A6C34878D82A}">
+                    <a16:rowId xmlns:a16="http://schemas.microsoft.com/office/drawing/2014/main" val="3728559439"/>
+                  </a:ext>
+                </a:extLst>
+              </a:tr>
+              <a:tr h="279356">
+                <a:tc>
+                  <a:txBody>
+                    <a:bodyPr/>
+                    <a:lstStyle/>
+                    <a:p>
+                      <a:endParaRPr lang="en-US" dirty="0"/>
+                    </a:p>
+                  </a:txBody>
+                  <a:tcPr/>
+                </a:tc>
+                <a:tc>
+                  <a:txBody>
+                    <a:bodyPr/>
+                    <a:lstStyle/>
+                    <a:p>
+                      <a:pPr algn="ctr"/>
+                      <a:r>
+                        <a:rPr lang="en-US" dirty="0"/>
+                        <a:t>0</a:t>
+                      </a:r>
+                    </a:p>
+                  </a:txBody>
+                  <a:tcPr/>
+                </a:tc>
+                <a:tc>
+                  <a:txBody>
+                    <a:bodyPr/>
+                    <a:lstStyle/>
+                    <a:p>
+                      <a:pPr algn="ctr"/>
+                      <a:r>
+                        <a:rPr lang="en-US" dirty="0"/>
+                        <a:t>1</a:t>
+                      </a:r>
+                    </a:p>
+                  </a:txBody>
+                  <a:tcPr/>
+                </a:tc>
+                <a:extLst>
+                  <a:ext uri="{0D108BD9-81ED-4DB2-BD59-A6C34878D82A}">
+                    <a16:rowId xmlns:a16="http://schemas.microsoft.com/office/drawing/2014/main" val="4252235192"/>
+                  </a:ext>
+                </a:extLst>
+              </a:tr>
+            </a:tbl>
+          </a:graphicData>
+        </a:graphic>
+      </p:graphicFrame>
+      <mc:AlternateContent xmlns:mc="http://schemas.openxmlformats.org/markup-compatibility/2006">
+        <mc:Choice xmlns:a14="http://schemas.microsoft.com/office/drawing/2010/main" Requires="a14">
+          <p:sp>
+            <p:nvSpPr>
+              <p:cNvPr id="62" name="TextBox 61">
+                <a:extLst>
+                  <a:ext uri="{FF2B5EF4-FFF2-40B4-BE49-F238E27FC236}">
+                    <a16:creationId xmlns:a16="http://schemas.microsoft.com/office/drawing/2014/main" id="{67E68331-D015-9F91-6F3F-153D56CFEE06}"/>
+                  </a:ext>
+                </a:extLst>
+              </p:cNvPr>
+              <p:cNvSpPr txBox="1"/>
+              <p:nvPr/>
+            </p:nvSpPr>
+            <p:spPr>
+              <a:xfrm>
+                <a:off x="4400261" y="2875401"/>
+                <a:ext cx="303736" cy="276999"/>
+              </a:xfrm>
+              <a:prstGeom prst="rect">
+                <a:avLst/>
+              </a:prstGeom>
+              <a:noFill/>
+            </p:spPr>
+            <p:txBody>
+              <a:bodyPr wrap="none" lIns="0" tIns="0" rIns="0" bIns="0" rtlCol="0">
+                <a:spAutoFit/>
+              </a:bodyPr>
+              <a:lstStyle/>
+              <a:p>
+                <a:pPr/>
+                <a14:m>
+                  <m:oMathPara xmlns:m="http://schemas.openxmlformats.org/officeDocument/2006/math">
+                    <m:oMathParaPr>
+                      <m:jc m:val="centerGroup"/>
+                    </m:oMathParaPr>
+                    <m:oMath xmlns:m="http://schemas.openxmlformats.org/officeDocument/2006/math">
+                      <m:sSubSup>
+                        <m:sSubSupPr>
+                          <m:ctrlPr>
+                            <a:rPr lang="en-US" b="0" i="1" smtClean="0">
+                              <a:latin typeface="Cambria Math" panose="02040503050406030204" pitchFamily="18" charset="0"/>
+                            </a:rPr>
+                          </m:ctrlPr>
+                        </m:sSubSupPr>
+                        <m:e>
+                          <m:r>
+                            <a:rPr lang="en-US" b="0" i="1" smtClean="0">
+                              <a:latin typeface="Cambria Math" panose="02040503050406030204" pitchFamily="18" charset="0"/>
+                            </a:rPr>
+                            <m:t>𝑅</m:t>
+                          </m:r>
+                        </m:e>
+                        <m:sub>
+                          <m:r>
+                            <a:rPr lang="en-US" b="0" i="1" smtClean="0">
+                              <a:latin typeface="Cambria Math" panose="02040503050406030204" pitchFamily="18" charset="0"/>
+                            </a:rPr>
+                            <m:t>2</m:t>
+                          </m:r>
+                        </m:sub>
+                        <m:sup>
+                          <m:r>
+                            <a:rPr lang="en-US" b="0" i="1" smtClean="0">
+                              <a:latin typeface="Cambria Math" panose="02040503050406030204" pitchFamily="18" charset="0"/>
+                            </a:rPr>
+                            <m:t>′</m:t>
+                          </m:r>
+                        </m:sup>
+                      </m:sSubSup>
+                    </m:oMath>
+                  </m:oMathPara>
+                </a14:m>
+                <a:endParaRPr lang="en-US" b="0" dirty="0"/>
+              </a:p>
+            </p:txBody>
+          </p:sp>
+        </mc:Choice>
+        <mc:Fallback>
+          <p:sp>
+            <p:nvSpPr>
+              <p:cNvPr id="62" name="TextBox 61">
+                <a:extLst>
+                  <a:ext uri="{FF2B5EF4-FFF2-40B4-BE49-F238E27FC236}">
+                    <a16:creationId xmlns:a16="http://schemas.microsoft.com/office/drawing/2014/main" id="{67E68331-D015-9F91-6F3F-153D56CFEE06}"/>
+                  </a:ext>
+                </a:extLst>
+              </p:cNvPr>
+              <p:cNvSpPr txBox="1">
+                <a:spLocks noRot="1" noChangeAspect="1" noMove="1" noResize="1" noEditPoints="1" noAdjustHandles="1" noChangeArrowheads="1" noChangeShapeType="1" noTextEdit="1"/>
+              </p:cNvSpPr>
+              <p:nvPr/>
+            </p:nvSpPr>
+            <p:spPr>
+              <a:xfrm>
+                <a:off x="4400261" y="2875401"/>
+                <a:ext cx="303736" cy="276999"/>
+              </a:xfrm>
+              <a:prstGeom prst="rect">
+                <a:avLst/>
+              </a:prstGeom>
+              <a:blipFill>
+                <a:blip r:embed="rId6"/>
+                <a:stretch>
+                  <a:fillRect l="-16000" r="-4000" b="-13043"/>
+                </a:stretch>
+              </a:blipFill>
+            </p:spPr>
+            <p:txBody>
+              <a:bodyPr/>
+              <a:lstStyle/>
+              <a:p>
+                <a:r>
+                  <a:rPr lang="en-US">
+                    <a:noFill/>
+                  </a:rPr>
+                  <a:t> </a:t>
+                </a:r>
+              </a:p>
+            </p:txBody>
+          </p:sp>
+        </mc:Fallback>
+      </mc:AlternateContent>
+      <mc:AlternateContent xmlns:mc="http://schemas.openxmlformats.org/markup-compatibility/2006">
+        <mc:Choice xmlns:a14="http://schemas.microsoft.com/office/drawing/2010/main" Requires="a14">
+          <p:sp>
+            <p:nvSpPr>
+              <p:cNvPr id="63" name="TextBox 62">
+                <a:extLst>
+                  <a:ext uri="{FF2B5EF4-FFF2-40B4-BE49-F238E27FC236}">
+                    <a16:creationId xmlns:a16="http://schemas.microsoft.com/office/drawing/2014/main" id="{4AB34D2D-28C0-5BDF-1098-69A66A952FBD}"/>
+                  </a:ext>
+                </a:extLst>
+              </p:cNvPr>
+              <p:cNvSpPr txBox="1"/>
+              <p:nvPr/>
+            </p:nvSpPr>
+            <p:spPr>
+              <a:xfrm>
+                <a:off x="4384496" y="2523302"/>
+                <a:ext cx="303736" cy="276999"/>
+              </a:xfrm>
+              <a:prstGeom prst="rect">
+                <a:avLst/>
+              </a:prstGeom>
+              <a:noFill/>
+            </p:spPr>
+            <p:txBody>
+              <a:bodyPr wrap="none" lIns="0" tIns="0" rIns="0" bIns="0" rtlCol="0">
+                <a:spAutoFit/>
+              </a:bodyPr>
+              <a:lstStyle/>
+              <a:p>
+                <a:pPr/>
+                <a14:m>
+                  <m:oMathPara xmlns:m="http://schemas.openxmlformats.org/officeDocument/2006/math">
+                    <m:oMathParaPr>
+                      <m:jc m:val="centerGroup"/>
+                    </m:oMathParaPr>
+                    <m:oMath xmlns:m="http://schemas.openxmlformats.org/officeDocument/2006/math">
+                      <m:sSubSup>
+                        <m:sSubSupPr>
+                          <m:ctrlPr>
+                            <a:rPr lang="en-US" b="0" i="1" smtClean="0">
+                              <a:latin typeface="Cambria Math" panose="02040503050406030204" pitchFamily="18" charset="0"/>
+                            </a:rPr>
+                          </m:ctrlPr>
+                        </m:sSubSupPr>
+                        <m:e>
+                          <m:r>
+                            <a:rPr lang="en-US" b="0" i="1" smtClean="0">
+                              <a:latin typeface="Cambria Math" panose="02040503050406030204" pitchFamily="18" charset="0"/>
+                            </a:rPr>
+                            <m:t>𝑅</m:t>
+                          </m:r>
+                        </m:e>
+                        <m:sub>
+                          <m:r>
+                            <a:rPr lang="en-US" b="0" i="1" smtClean="0">
+                              <a:latin typeface="Cambria Math" panose="02040503050406030204" pitchFamily="18" charset="0"/>
+                            </a:rPr>
+                            <m:t>3</m:t>
+                          </m:r>
+                        </m:sub>
+                        <m:sup>
+                          <m:r>
+                            <a:rPr lang="en-US" b="0" i="1" smtClean="0">
+                              <a:latin typeface="Cambria Math" panose="02040503050406030204" pitchFamily="18" charset="0"/>
+                            </a:rPr>
+                            <m:t>′</m:t>
+                          </m:r>
+                        </m:sup>
+                      </m:sSubSup>
+                    </m:oMath>
+                  </m:oMathPara>
+                </a14:m>
+                <a:endParaRPr lang="en-US" b="0" dirty="0"/>
+              </a:p>
+            </p:txBody>
+          </p:sp>
+        </mc:Choice>
+        <mc:Fallback>
+          <p:sp>
+            <p:nvSpPr>
+              <p:cNvPr id="63" name="TextBox 62">
+                <a:extLst>
+                  <a:ext uri="{FF2B5EF4-FFF2-40B4-BE49-F238E27FC236}">
+                    <a16:creationId xmlns:a16="http://schemas.microsoft.com/office/drawing/2014/main" id="{4AB34D2D-28C0-5BDF-1098-69A66A952FBD}"/>
+                  </a:ext>
+                </a:extLst>
+              </p:cNvPr>
+              <p:cNvSpPr txBox="1">
+                <a:spLocks noRot="1" noChangeAspect="1" noMove="1" noResize="1" noEditPoints="1" noAdjustHandles="1" noChangeArrowheads="1" noChangeShapeType="1" noTextEdit="1"/>
+              </p:cNvSpPr>
+              <p:nvPr/>
+            </p:nvSpPr>
+            <p:spPr>
+              <a:xfrm>
+                <a:off x="4384496" y="2523302"/>
+                <a:ext cx="303736" cy="276999"/>
+              </a:xfrm>
+              <a:prstGeom prst="rect">
+                <a:avLst/>
+              </a:prstGeom>
+              <a:blipFill>
+                <a:blip r:embed="rId7"/>
+                <a:stretch>
+                  <a:fillRect l="-16000" r="-4000" b="-17391"/>
+                </a:stretch>
+              </a:blipFill>
+            </p:spPr>
+            <p:txBody>
+              <a:bodyPr/>
+              <a:lstStyle/>
+              <a:p>
+                <a:r>
+                  <a:rPr lang="en-US">
+                    <a:noFill/>
+                  </a:rPr>
+                  <a:t> </a:t>
+                </a:r>
+              </a:p>
+            </p:txBody>
+          </p:sp>
+        </mc:Fallback>
+      </mc:AlternateContent>
+      <mc:AlternateContent xmlns:mc="http://schemas.openxmlformats.org/markup-compatibility/2006">
+        <mc:Choice xmlns:a14="http://schemas.microsoft.com/office/drawing/2010/main" Requires="a14">
+          <p:sp>
+            <p:nvSpPr>
+              <p:cNvPr id="64" name="TextBox 63">
+                <a:extLst>
+                  <a:ext uri="{FF2B5EF4-FFF2-40B4-BE49-F238E27FC236}">
+                    <a16:creationId xmlns:a16="http://schemas.microsoft.com/office/drawing/2014/main" id="{DBBEB658-D6FC-D6BA-2A0B-A37266264E83}"/>
+                  </a:ext>
+                </a:extLst>
+              </p:cNvPr>
+              <p:cNvSpPr txBox="1"/>
+              <p:nvPr/>
+            </p:nvSpPr>
+            <p:spPr>
+              <a:xfrm>
+                <a:off x="4426541" y="2144936"/>
+                <a:ext cx="298415" cy="276999"/>
+              </a:xfrm>
+              <a:prstGeom prst="rect">
+                <a:avLst/>
+              </a:prstGeom>
+              <a:noFill/>
+            </p:spPr>
+            <p:txBody>
+              <a:bodyPr wrap="none" lIns="0" tIns="0" rIns="0" bIns="0" rtlCol="0">
+                <a:spAutoFit/>
+              </a:bodyPr>
+              <a:lstStyle/>
+              <a:p>
+                <a:pPr/>
+                <a14:m>
+                  <m:oMathPara xmlns:m="http://schemas.openxmlformats.org/officeDocument/2006/math">
+                    <m:oMathParaPr>
+                      <m:jc m:val="centerGroup"/>
+                    </m:oMathParaPr>
+                    <m:oMath xmlns:m="http://schemas.openxmlformats.org/officeDocument/2006/math">
+                      <m:sSubSup>
+                        <m:sSubSupPr>
+                          <m:ctrlPr>
+                            <a:rPr lang="en-US" b="0" i="1" smtClean="0">
+                              <a:latin typeface="Cambria Math" panose="02040503050406030204" pitchFamily="18" charset="0"/>
+                            </a:rPr>
+                          </m:ctrlPr>
+                        </m:sSubSupPr>
+                        <m:e>
+                          <m:r>
+                            <a:rPr lang="en-US" b="0" i="1" smtClean="0">
+                              <a:latin typeface="Cambria Math" panose="02040503050406030204" pitchFamily="18" charset="0"/>
+                            </a:rPr>
+                            <m:t>𝑅</m:t>
+                          </m:r>
+                        </m:e>
+                        <m:sub>
+                          <m:r>
+                            <a:rPr lang="en-US" b="0" i="1" smtClean="0">
+                              <a:latin typeface="Cambria Math" panose="02040503050406030204" pitchFamily="18" charset="0"/>
+                            </a:rPr>
+                            <m:t>1</m:t>
+                          </m:r>
+                        </m:sub>
+                        <m:sup>
+                          <m:r>
+                            <a:rPr lang="en-US" b="0" i="1" smtClean="0">
+                              <a:latin typeface="Cambria Math" panose="02040503050406030204" pitchFamily="18" charset="0"/>
+                            </a:rPr>
+                            <m:t>′</m:t>
+                          </m:r>
+                        </m:sup>
+                      </m:sSubSup>
+                    </m:oMath>
+                  </m:oMathPara>
+                </a14:m>
+                <a:endParaRPr lang="en-US" b="0" dirty="0"/>
+              </a:p>
+            </p:txBody>
+          </p:sp>
+        </mc:Choice>
+        <mc:Fallback>
+          <p:sp>
+            <p:nvSpPr>
+              <p:cNvPr id="64" name="TextBox 63">
+                <a:extLst>
+                  <a:ext uri="{FF2B5EF4-FFF2-40B4-BE49-F238E27FC236}">
+                    <a16:creationId xmlns:a16="http://schemas.microsoft.com/office/drawing/2014/main" id="{DBBEB658-D6FC-D6BA-2A0B-A37266264E83}"/>
+                  </a:ext>
+                </a:extLst>
+              </p:cNvPr>
+              <p:cNvSpPr txBox="1">
+                <a:spLocks noRot="1" noChangeAspect="1" noMove="1" noResize="1" noEditPoints="1" noAdjustHandles="1" noChangeArrowheads="1" noChangeShapeType="1" noTextEdit="1"/>
+              </p:cNvSpPr>
+              <p:nvPr/>
+            </p:nvSpPr>
+            <p:spPr>
+              <a:xfrm>
+                <a:off x="4426541" y="2144936"/>
+                <a:ext cx="298415" cy="276999"/>
+              </a:xfrm>
+              <a:prstGeom prst="rect">
+                <a:avLst/>
+              </a:prstGeom>
+              <a:blipFill>
+                <a:blip r:embed="rId8"/>
+                <a:stretch>
+                  <a:fillRect l="-16667" r="-8333" b="-13043"/>
+                </a:stretch>
+              </a:blipFill>
+            </p:spPr>
+            <p:txBody>
+              <a:bodyPr/>
+              <a:lstStyle/>
+              <a:p>
+                <a:r>
+                  <a:rPr lang="en-US">
+                    <a:noFill/>
+                  </a:rPr>
+                  <a:t> </a:t>
+                </a:r>
+              </a:p>
+            </p:txBody>
+          </p:sp>
+        </mc:Fallback>
+      </mc:AlternateContent>
+      <mc:AlternateContent xmlns:mc="http://schemas.openxmlformats.org/markup-compatibility/2006">
+        <mc:Choice xmlns:a14="http://schemas.microsoft.com/office/drawing/2010/main" Requires="a14">
+          <p:sp>
+            <p:nvSpPr>
+              <p:cNvPr id="65" name="TextBox 64">
+                <a:extLst>
+                  <a:ext uri="{FF2B5EF4-FFF2-40B4-BE49-F238E27FC236}">
+                    <a16:creationId xmlns:a16="http://schemas.microsoft.com/office/drawing/2014/main" id="{2EEC9824-C81A-5BA0-1EA7-EDE406B5396B}"/>
+                  </a:ext>
+                </a:extLst>
+              </p:cNvPr>
+              <p:cNvSpPr txBox="1"/>
+              <p:nvPr/>
+            </p:nvSpPr>
+            <p:spPr>
+              <a:xfrm>
+                <a:off x="3764294" y="1750858"/>
+                <a:ext cx="373436" cy="276999"/>
+              </a:xfrm>
+              <a:prstGeom prst="rect">
+                <a:avLst/>
+              </a:prstGeom>
+              <a:noFill/>
+            </p:spPr>
+            <p:txBody>
+              <a:bodyPr wrap="none" lIns="0" tIns="0" rIns="0" bIns="0" rtlCol="0">
+                <a:spAutoFit/>
+              </a:bodyPr>
+              <a:lstStyle/>
+              <a:p>
+                <a:pPr/>
+                <a14:m>
+                  <m:oMathPara xmlns:m="http://schemas.openxmlformats.org/officeDocument/2006/math">
+                    <m:oMathParaPr>
+                      <m:jc m:val="centerGroup"/>
+                    </m:oMathParaPr>
+                    <m:oMath xmlns:m="http://schemas.openxmlformats.org/officeDocument/2006/math">
+                      <m:sSub>
+                        <m:sSubPr>
+                          <m:ctrlPr>
+                            <a:rPr lang="en-US" b="1" i="1" smtClean="0">
+                              <a:latin typeface="Cambria Math" panose="02040503050406030204" pitchFamily="18" charset="0"/>
+                            </a:rPr>
+                          </m:ctrlPr>
+                        </m:sSubPr>
+                        <m:e>
+                          <m:r>
+                            <a:rPr lang="en-US" b="1" i="1" smtClean="0">
+                              <a:latin typeface="Cambria Math" panose="02040503050406030204" pitchFamily="18" charset="0"/>
+                            </a:rPr>
+                            <m:t>𝑴</m:t>
+                          </m:r>
+                        </m:e>
+                        <m:sub>
+                          <m:r>
+                            <a:rPr lang="en-US" b="1" i="1" smtClean="0">
+                              <a:latin typeface="Cambria Math" panose="02040503050406030204" pitchFamily="18" charset="0"/>
+                            </a:rPr>
+                            <m:t>𝟐</m:t>
+                          </m:r>
+                        </m:sub>
+                      </m:sSub>
+                    </m:oMath>
+                  </m:oMathPara>
+                </a14:m>
+                <a:endParaRPr lang="en-US" b="1" dirty="0"/>
+              </a:p>
+            </p:txBody>
+          </p:sp>
+        </mc:Choice>
+        <mc:Fallback>
+          <p:sp>
+            <p:nvSpPr>
+              <p:cNvPr id="65" name="TextBox 64">
+                <a:extLst>
+                  <a:ext uri="{FF2B5EF4-FFF2-40B4-BE49-F238E27FC236}">
+                    <a16:creationId xmlns:a16="http://schemas.microsoft.com/office/drawing/2014/main" id="{2EEC9824-C81A-5BA0-1EA7-EDE406B5396B}"/>
+                  </a:ext>
+                </a:extLst>
+              </p:cNvPr>
+              <p:cNvSpPr txBox="1">
+                <a:spLocks noRot="1" noChangeAspect="1" noMove="1" noResize="1" noEditPoints="1" noAdjustHandles="1" noChangeArrowheads="1" noChangeShapeType="1" noTextEdit="1"/>
+              </p:cNvSpPr>
+              <p:nvPr/>
+            </p:nvSpPr>
+            <p:spPr>
+              <a:xfrm>
+                <a:off x="3764294" y="1750858"/>
+                <a:ext cx="373436" cy="276999"/>
+              </a:xfrm>
+              <a:prstGeom prst="rect">
+                <a:avLst/>
+              </a:prstGeom>
+              <a:blipFill>
+                <a:blip r:embed="rId9"/>
+                <a:stretch>
+                  <a:fillRect l="-13333" r="-6667" b="-17391"/>
+                </a:stretch>
+              </a:blipFill>
+            </p:spPr>
+            <p:txBody>
+              <a:bodyPr/>
+              <a:lstStyle/>
+              <a:p>
+                <a:r>
+                  <a:rPr lang="en-US">
+                    <a:noFill/>
+                  </a:rPr>
+                  <a:t> </a:t>
+                </a:r>
+              </a:p>
+            </p:txBody>
+          </p:sp>
+        </mc:Fallback>
+      </mc:AlternateContent>
+      <p:sp>
+        <p:nvSpPr>
+          <p:cNvPr id="66" name="TextBox 65">
+            <a:extLst>
+              <a:ext uri="{FF2B5EF4-FFF2-40B4-BE49-F238E27FC236}">
+                <a16:creationId xmlns:a16="http://schemas.microsoft.com/office/drawing/2014/main" id="{9E9A749A-2852-835D-E100-11BC77FA6A95}"/>
+              </a:ext>
+            </a:extLst>
+          </p:cNvPr>
+          <p:cNvSpPr txBox="1"/>
+          <p:nvPr/>
+        </p:nvSpPr>
+        <p:spPr>
+          <a:xfrm>
+            <a:off x="3316139" y="2143251"/>
+            <a:ext cx="914033" cy="307777"/>
+          </a:xfrm>
+          <a:prstGeom prst="rect">
+            <a:avLst/>
+          </a:prstGeom>
+          <a:noFill/>
+        </p:spPr>
+        <p:txBody>
+          <a:bodyPr wrap="none" rtlCol="0">
+            <a:spAutoFit/>
+          </a:bodyPr>
+          <a:lstStyle/>
+          <a:p>
+            <a:r>
+              <a:rPr lang="en-US" sz="1400" dirty="0"/>
+              <a:t>1,000,001</a:t>
+            </a:r>
+          </a:p>
+        </p:txBody>
+      </p:sp>
+      <p:sp>
+        <p:nvSpPr>
+          <p:cNvPr id="67" name="TextBox 66">
+            <a:extLst>
+              <a:ext uri="{FF2B5EF4-FFF2-40B4-BE49-F238E27FC236}">
+                <a16:creationId xmlns:a16="http://schemas.microsoft.com/office/drawing/2014/main" id="{54A913AE-95C5-0021-B1C1-2E93CCCC87DD}"/>
+              </a:ext>
+            </a:extLst>
+          </p:cNvPr>
+          <p:cNvSpPr txBox="1"/>
+          <p:nvPr/>
+        </p:nvSpPr>
+        <p:spPr>
+          <a:xfrm>
+            <a:off x="3281606" y="2522013"/>
+            <a:ext cx="1045084" cy="307777"/>
+          </a:xfrm>
+          <a:prstGeom prst="rect">
+            <a:avLst/>
+          </a:prstGeom>
+          <a:noFill/>
+        </p:spPr>
+        <p:txBody>
+          <a:bodyPr wrap="square">
+            <a:spAutoFit/>
+          </a:bodyPr>
+          <a:lstStyle/>
+          <a:p>
+            <a:r>
+              <a:rPr lang="en-US" sz="1400" dirty="0"/>
+              <a:t>1,000,001</a:t>
+            </a:r>
+          </a:p>
+        </p:txBody>
+      </p:sp>
+      <p:sp>
+        <p:nvSpPr>
+          <p:cNvPr id="68" name="TextBox 67">
+            <a:extLst>
+              <a:ext uri="{FF2B5EF4-FFF2-40B4-BE49-F238E27FC236}">
+                <a16:creationId xmlns:a16="http://schemas.microsoft.com/office/drawing/2014/main" id="{78DB7B0F-7A74-6299-69AB-1233F6F9074C}"/>
+              </a:ext>
+            </a:extLst>
+          </p:cNvPr>
+          <p:cNvSpPr txBox="1"/>
+          <p:nvPr/>
+        </p:nvSpPr>
+        <p:spPr>
+          <a:xfrm>
+            <a:off x="3265841" y="2884622"/>
+            <a:ext cx="1045084" cy="307777"/>
+          </a:xfrm>
+          <a:prstGeom prst="rect">
+            <a:avLst/>
+          </a:prstGeom>
+          <a:noFill/>
+        </p:spPr>
+        <p:txBody>
+          <a:bodyPr wrap="square">
+            <a:spAutoFit/>
+          </a:bodyPr>
+          <a:lstStyle/>
+          <a:p>
+            <a:r>
+              <a:rPr lang="en-US" sz="1400" dirty="0"/>
+              <a:t>1,001,000</a:t>
+            </a:r>
+          </a:p>
+        </p:txBody>
+      </p:sp>
+      <p:sp>
+        <p:nvSpPr>
+          <p:cNvPr id="71" name="TextBox 70">
+            <a:extLst>
+              <a:ext uri="{FF2B5EF4-FFF2-40B4-BE49-F238E27FC236}">
+                <a16:creationId xmlns:a16="http://schemas.microsoft.com/office/drawing/2014/main" id="{91AA713E-936A-7F5F-EA70-2EB0A38876D2}"/>
+              </a:ext>
+            </a:extLst>
+          </p:cNvPr>
+          <p:cNvSpPr txBox="1"/>
+          <p:nvPr/>
+        </p:nvSpPr>
+        <p:spPr>
+          <a:xfrm rot="5400000">
+            <a:off x="5268551" y="1164295"/>
+            <a:ext cx="915711" cy="307777"/>
+          </a:xfrm>
+          <a:prstGeom prst="rect">
+            <a:avLst/>
+          </a:prstGeom>
+          <a:noFill/>
+        </p:spPr>
+        <p:txBody>
+          <a:bodyPr wrap="square">
+            <a:spAutoFit/>
+          </a:bodyPr>
+          <a:lstStyle/>
+          <a:p>
+            <a:r>
+              <a:rPr lang="en-US" sz="1400" dirty="0"/>
+              <a:t>2,000,001</a:t>
+            </a:r>
+          </a:p>
+        </p:txBody>
+      </p:sp>
+      <p:sp>
+        <p:nvSpPr>
+          <p:cNvPr id="72" name="TextBox 71">
+            <a:extLst>
+              <a:ext uri="{FF2B5EF4-FFF2-40B4-BE49-F238E27FC236}">
+                <a16:creationId xmlns:a16="http://schemas.microsoft.com/office/drawing/2014/main" id="{F54270F8-2C9E-A085-AF8A-E3BC9DDE4C55}"/>
+              </a:ext>
+            </a:extLst>
+          </p:cNvPr>
+          <p:cNvSpPr txBox="1"/>
+          <p:nvPr/>
+        </p:nvSpPr>
+        <p:spPr>
+          <a:xfrm rot="5400000">
+            <a:off x="4688525" y="1165817"/>
+            <a:ext cx="915711" cy="307777"/>
+          </a:xfrm>
+          <a:prstGeom prst="rect">
+            <a:avLst/>
+          </a:prstGeom>
+          <a:noFill/>
+        </p:spPr>
+        <p:txBody>
+          <a:bodyPr wrap="square">
+            <a:spAutoFit/>
+          </a:bodyPr>
+          <a:lstStyle/>
+          <a:p>
+            <a:r>
+              <a:rPr lang="en-US" sz="1400" dirty="0"/>
+              <a:t>1,001,001</a:t>
+            </a:r>
+          </a:p>
+        </p:txBody>
+      </p:sp>
+      <mc:AlternateContent xmlns:mc="http://schemas.openxmlformats.org/markup-compatibility/2006">
+        <mc:Choice xmlns:a14="http://schemas.microsoft.com/office/drawing/2010/main" Requires="a14">
+          <p:sp>
+            <p:nvSpPr>
+              <p:cNvPr id="4" name="TextBox 3">
+                <a:extLst>
+                  <a:ext uri="{FF2B5EF4-FFF2-40B4-BE49-F238E27FC236}">
+                    <a16:creationId xmlns:a16="http://schemas.microsoft.com/office/drawing/2014/main" id="{92D99D63-3DE6-EFBA-D81F-FAE6FB70EF0C}"/>
+                  </a:ext>
+                </a:extLst>
+              </p:cNvPr>
+              <p:cNvSpPr txBox="1"/>
+              <p:nvPr/>
+            </p:nvSpPr>
+            <p:spPr>
+              <a:xfrm>
+                <a:off x="3045070" y="2422758"/>
+                <a:ext cx="226024" cy="276999"/>
+              </a:xfrm>
+              <a:prstGeom prst="rect">
+                <a:avLst/>
+              </a:prstGeom>
+              <a:noFill/>
+            </p:spPr>
+            <p:txBody>
+              <a:bodyPr wrap="none" lIns="0" tIns="0" rIns="0" bIns="0" rtlCol="0">
+                <a:spAutoFit/>
+              </a:bodyPr>
+              <a:lstStyle/>
+              <a:p>
+                <a14:m>
+                  <m:oMathPara xmlns:m="http://schemas.openxmlformats.org/officeDocument/2006/math">
+                    <m:oMathParaPr>
+                      <m:jc m:val="centerGroup"/>
+                    </m:oMathParaPr>
+                    <m:oMath xmlns:m="http://schemas.openxmlformats.org/officeDocument/2006/math">
+                      <m:r>
+                        <a:rPr lang="en-US" b="0" i="1" smtClean="0">
+                          <a:latin typeface="Cambria Math" panose="02040503050406030204" pitchFamily="18" charset="0"/>
+                        </a:rPr>
+                        <m:t>=</m:t>
+                      </m:r>
+                    </m:oMath>
+                  </m:oMathPara>
+                </a14:m>
+                <a:endParaRPr lang="en-US" dirty="0"/>
+              </a:p>
+            </p:txBody>
+          </p:sp>
+        </mc:Choice>
+        <mc:Fallback>
+          <p:sp>
+            <p:nvSpPr>
+              <p:cNvPr id="4" name="TextBox 3">
+                <a:extLst>
+                  <a:ext uri="{FF2B5EF4-FFF2-40B4-BE49-F238E27FC236}">
+                    <a16:creationId xmlns:a16="http://schemas.microsoft.com/office/drawing/2014/main" id="{92D99D63-3DE6-EFBA-D81F-FAE6FB70EF0C}"/>
+                  </a:ext>
+                </a:extLst>
+              </p:cNvPr>
+              <p:cNvSpPr txBox="1">
+                <a:spLocks noRot="1" noChangeAspect="1" noMove="1" noResize="1" noEditPoints="1" noAdjustHandles="1" noChangeArrowheads="1" noChangeShapeType="1" noTextEdit="1"/>
+              </p:cNvSpPr>
+              <p:nvPr/>
+            </p:nvSpPr>
+            <p:spPr>
+              <a:xfrm>
+                <a:off x="3045070" y="2422758"/>
+                <a:ext cx="226024" cy="276999"/>
+              </a:xfrm>
+              <a:prstGeom prst="rect">
+                <a:avLst/>
+              </a:prstGeom>
+              <a:blipFill>
+                <a:blip r:embed="rId10"/>
+                <a:stretch>
+                  <a:fillRect l="-16667" r="-11111"/>
+                </a:stretch>
+              </a:blipFill>
+            </p:spPr>
+            <p:txBody>
+              <a:bodyPr/>
+              <a:lstStyle/>
+              <a:p>
+                <a:r>
+                  <a:rPr lang="en-US">
+                    <a:noFill/>
+                  </a:rPr>
+                  <a:t> </a:t>
+                </a:r>
+              </a:p>
+            </p:txBody>
+          </p:sp>
+        </mc:Fallback>
+      </mc:AlternateContent>
+      <p:sp>
+        <p:nvSpPr>
+          <p:cNvPr id="7" name="TextBox 6">
+            <a:extLst>
+              <a:ext uri="{FF2B5EF4-FFF2-40B4-BE49-F238E27FC236}">
+                <a16:creationId xmlns:a16="http://schemas.microsoft.com/office/drawing/2014/main" id="{EF84B3C0-64E4-5C7F-463B-5AD91EDE6C3C}"/>
+              </a:ext>
+            </a:extLst>
+          </p:cNvPr>
+          <p:cNvSpPr txBox="1"/>
+          <p:nvPr/>
+        </p:nvSpPr>
+        <p:spPr>
+          <a:xfrm>
+            <a:off x="3022872" y="2123090"/>
+            <a:ext cx="292068" cy="369332"/>
+          </a:xfrm>
+          <a:prstGeom prst="rect">
+            <a:avLst/>
+          </a:prstGeom>
+          <a:noFill/>
+        </p:spPr>
+        <p:txBody>
+          <a:bodyPr wrap="none" rtlCol="0">
+            <a:spAutoFit/>
+          </a:bodyPr>
+          <a:lstStyle/>
+          <a:p>
+            <a:r>
+              <a:rPr lang="en-US" dirty="0"/>
+              <a:t>?</a:t>
+            </a:r>
+          </a:p>
+        </p:txBody>
+      </p:sp>
+      <p:graphicFrame>
+        <p:nvGraphicFramePr>
+          <p:cNvPr id="8" name="Table 7">
+            <a:extLst>
+              <a:ext uri="{FF2B5EF4-FFF2-40B4-BE49-F238E27FC236}">
+                <a16:creationId xmlns:a16="http://schemas.microsoft.com/office/drawing/2014/main" id="{95C7D536-5263-4993-0167-F6ABFC8E0407}"/>
+              </a:ext>
+            </a:extLst>
+          </p:cNvPr>
+          <p:cNvGraphicFramePr>
+            <a:graphicFrameLocks noGrp="1"/>
+          </p:cNvGraphicFramePr>
+          <p:nvPr/>
+        </p:nvGraphicFramePr>
+        <p:xfrm>
+          <a:off x="1177077" y="4643835"/>
+          <a:ext cx="1935531" cy="1463040"/>
+        </p:xfrm>
+        <a:graphic>
+          <a:graphicData uri="http://schemas.openxmlformats.org/drawingml/2006/table">
+            <a:tbl>
+              <a:tblPr firstRow="1" bandRow="1">
+                <a:tableStyleId>{5C22544A-7EE6-4342-B048-85BDC9FD1C3A}</a:tableStyleId>
+              </a:tblPr>
+              <a:tblGrid>
+                <a:gridCol w="645177">
+                  <a:extLst>
+                    <a:ext uri="{9D8B030D-6E8A-4147-A177-3AD203B41FA5}">
+                      <a16:colId xmlns:a16="http://schemas.microsoft.com/office/drawing/2014/main" val="1823096244"/>
+                    </a:ext>
+                  </a:extLst>
+                </a:gridCol>
+                <a:gridCol w="645177">
+                  <a:extLst>
+                    <a:ext uri="{9D8B030D-6E8A-4147-A177-3AD203B41FA5}">
+                      <a16:colId xmlns:a16="http://schemas.microsoft.com/office/drawing/2014/main" val="1567734860"/>
+                    </a:ext>
+                  </a:extLst>
+                </a:gridCol>
+                <a:gridCol w="645177">
+                  <a:extLst>
+                    <a:ext uri="{9D8B030D-6E8A-4147-A177-3AD203B41FA5}">
+                      <a16:colId xmlns:a16="http://schemas.microsoft.com/office/drawing/2014/main" val="1116869917"/>
+                    </a:ext>
+                  </a:extLst>
+                </a:gridCol>
+              </a:tblGrid>
+              <a:tr h="279356">
+                <a:tc>
+                  <a:txBody>
+                    <a:bodyPr/>
+                    <a:lstStyle/>
+                    <a:p>
+                      <a:endParaRPr lang="en-US"/>
+                    </a:p>
+                  </a:txBody>
+                  <a:tcPr/>
+                </a:tc>
+                <a:tc>
+                  <a:txBody>
+                    <a:bodyPr/>
+                    <a:lstStyle/>
+                    <a:p>
+                      <a:pPr algn="ctr"/>
+                      <a:r>
+                        <a:rPr lang="en-US" dirty="0"/>
+                        <a:t>A</a:t>
+                      </a:r>
+                    </a:p>
+                  </a:txBody>
+                  <a:tcPr/>
+                </a:tc>
+                <a:tc>
+                  <a:txBody>
+                    <a:bodyPr/>
+                    <a:lstStyle/>
+                    <a:p>
+                      <a:pPr algn="ctr"/>
+                      <a:r>
+                        <a:rPr lang="en-US" dirty="0"/>
+                        <a:t>B</a:t>
+                      </a:r>
+                    </a:p>
+                  </a:txBody>
+                  <a:tcPr/>
+                </a:tc>
+                <a:extLst>
+                  <a:ext uri="{0D108BD9-81ED-4DB2-BD59-A6C34878D82A}">
+                    <a16:rowId xmlns:a16="http://schemas.microsoft.com/office/drawing/2014/main" val="261162428"/>
+                  </a:ext>
+                </a:extLst>
+              </a:tr>
+              <a:tr h="279356">
+                <a:tc>
+                  <a:txBody>
+                    <a:bodyPr/>
+                    <a:lstStyle/>
+                    <a:p>
+                      <a:endParaRPr lang="en-US" dirty="0"/>
+                    </a:p>
+                  </a:txBody>
+                  <a:tcPr/>
+                </a:tc>
+                <a:tc>
+                  <a:txBody>
+                    <a:bodyPr/>
+                    <a:lstStyle/>
+                    <a:p>
+                      <a:pPr algn="ctr"/>
+                      <a:r>
+                        <a:rPr lang="en-US" dirty="0"/>
+                        <a:t>-1</a:t>
+                      </a:r>
+                    </a:p>
+                  </a:txBody>
+                  <a:tcPr/>
+                </a:tc>
+                <a:tc>
+                  <a:txBody>
+                    <a:bodyPr/>
+                    <a:lstStyle/>
+                    <a:p>
+                      <a:pPr algn="ctr"/>
+                      <a:r>
+                        <a:rPr lang="en-US" dirty="0"/>
+                        <a:t>1</a:t>
+                      </a:r>
+                    </a:p>
+                  </a:txBody>
+                  <a:tcPr/>
+                </a:tc>
+                <a:extLst>
+                  <a:ext uri="{0D108BD9-81ED-4DB2-BD59-A6C34878D82A}">
+                    <a16:rowId xmlns:a16="http://schemas.microsoft.com/office/drawing/2014/main" val="2836436688"/>
+                  </a:ext>
+                </a:extLst>
+              </a:tr>
+              <a:tr h="279356">
+                <a:tc>
+                  <a:txBody>
+                    <a:bodyPr/>
+                    <a:lstStyle/>
+                    <a:p>
+                      <a:endParaRPr lang="en-US"/>
+                    </a:p>
+                  </a:txBody>
+                  <a:tcPr/>
+                </a:tc>
+                <a:tc>
+                  <a:txBody>
+                    <a:bodyPr/>
+                    <a:lstStyle/>
+                    <a:p>
+                      <a:pPr algn="ctr"/>
+                      <a:r>
+                        <a:rPr lang="en-US" dirty="0"/>
+                        <a:t>1</a:t>
+                      </a:r>
+                    </a:p>
+                  </a:txBody>
+                  <a:tcPr/>
+                </a:tc>
+                <a:tc>
+                  <a:txBody>
+                    <a:bodyPr/>
+                    <a:lstStyle/>
+                    <a:p>
+                      <a:pPr algn="ctr"/>
+                      <a:r>
+                        <a:rPr lang="en-US" dirty="0"/>
+                        <a:t>-1</a:t>
+                      </a:r>
+                    </a:p>
+                  </a:txBody>
+                  <a:tcPr/>
+                </a:tc>
+                <a:extLst>
+                  <a:ext uri="{0D108BD9-81ED-4DB2-BD59-A6C34878D82A}">
+                    <a16:rowId xmlns:a16="http://schemas.microsoft.com/office/drawing/2014/main" val="3728559439"/>
+                  </a:ext>
+                </a:extLst>
+              </a:tr>
+              <a:tr h="279356">
+                <a:tc>
+                  <a:txBody>
+                    <a:bodyPr/>
+                    <a:lstStyle/>
+                    <a:p>
+                      <a:endParaRPr lang="en-US" dirty="0"/>
+                    </a:p>
+                  </a:txBody>
+                  <a:tcPr/>
+                </a:tc>
+                <a:tc>
+                  <a:txBody>
+                    <a:bodyPr/>
+                    <a:lstStyle/>
+                    <a:p>
+                      <a:pPr algn="ctr"/>
+                      <a:r>
+                        <a:rPr lang="en-US" dirty="0"/>
+                        <a:t>0</a:t>
+                      </a:r>
+                    </a:p>
+                  </a:txBody>
+                  <a:tcPr/>
+                </a:tc>
+                <a:tc>
+                  <a:txBody>
+                    <a:bodyPr/>
+                    <a:lstStyle/>
+                    <a:p>
+                      <a:pPr algn="ctr"/>
+                      <a:r>
+                        <a:rPr lang="en-US" dirty="0"/>
+                        <a:t>1</a:t>
+                      </a:r>
+                    </a:p>
+                  </a:txBody>
+                  <a:tcPr/>
+                </a:tc>
+                <a:extLst>
+                  <a:ext uri="{0D108BD9-81ED-4DB2-BD59-A6C34878D82A}">
+                    <a16:rowId xmlns:a16="http://schemas.microsoft.com/office/drawing/2014/main" val="4252235192"/>
+                  </a:ext>
+                </a:extLst>
+              </a:tr>
+            </a:tbl>
+          </a:graphicData>
+        </a:graphic>
+      </p:graphicFrame>
+      <mc:AlternateContent xmlns:mc="http://schemas.openxmlformats.org/markup-compatibility/2006">
+        <mc:Choice xmlns:a14="http://schemas.microsoft.com/office/drawing/2010/main" Requires="a14">
+          <p:sp>
+            <p:nvSpPr>
+              <p:cNvPr id="9" name="TextBox 8">
+                <a:extLst>
+                  <a:ext uri="{FF2B5EF4-FFF2-40B4-BE49-F238E27FC236}">
+                    <a16:creationId xmlns:a16="http://schemas.microsoft.com/office/drawing/2014/main" id="{EB83BF19-0623-1635-6E6E-DB2869A67835}"/>
+                  </a:ext>
+                </a:extLst>
+              </p:cNvPr>
+              <p:cNvSpPr txBox="1"/>
+              <p:nvPr/>
+            </p:nvSpPr>
+            <p:spPr>
+              <a:xfrm>
+                <a:off x="1415202" y="5768378"/>
+                <a:ext cx="303736" cy="276999"/>
+              </a:xfrm>
+              <a:prstGeom prst="rect">
+                <a:avLst/>
+              </a:prstGeom>
+              <a:noFill/>
+            </p:spPr>
+            <p:txBody>
+              <a:bodyPr wrap="none" lIns="0" tIns="0" rIns="0" bIns="0" rtlCol="0">
+                <a:spAutoFit/>
+              </a:bodyPr>
+              <a:lstStyle/>
+              <a:p>
+                <a:pPr/>
+                <a14:m>
+                  <m:oMathPara xmlns:m="http://schemas.openxmlformats.org/officeDocument/2006/math">
+                    <m:oMathParaPr>
+                      <m:jc m:val="centerGroup"/>
+                    </m:oMathParaPr>
+                    <m:oMath xmlns:m="http://schemas.openxmlformats.org/officeDocument/2006/math">
+                      <m:sSub>
+                        <m:sSubPr>
+                          <m:ctrlPr>
+                            <a:rPr lang="en-US" b="0" i="1" smtClean="0">
+                              <a:latin typeface="Cambria Math" panose="02040503050406030204" pitchFamily="18" charset="0"/>
+                            </a:rPr>
+                          </m:ctrlPr>
+                        </m:sSubPr>
+                        <m:e>
+                          <m:r>
+                            <a:rPr lang="en-US" b="0" i="1" smtClean="0">
+                              <a:latin typeface="Cambria Math" panose="02040503050406030204" pitchFamily="18" charset="0"/>
+                            </a:rPr>
+                            <m:t>𝑅</m:t>
+                          </m:r>
+                        </m:e>
+                        <m:sub>
+                          <m:r>
+                            <a:rPr lang="en-US" b="0" i="1" smtClean="0">
+                              <a:latin typeface="Cambria Math" panose="02040503050406030204" pitchFamily="18" charset="0"/>
+                            </a:rPr>
+                            <m:t>3</m:t>
+                          </m:r>
+                        </m:sub>
+                      </m:sSub>
+                    </m:oMath>
+                  </m:oMathPara>
+                </a14:m>
+                <a:endParaRPr lang="en-US" b="0" dirty="0"/>
+              </a:p>
+            </p:txBody>
+          </p:sp>
+        </mc:Choice>
+        <mc:Fallback>
+          <p:sp>
+            <p:nvSpPr>
+              <p:cNvPr id="9" name="TextBox 8">
+                <a:extLst>
+                  <a:ext uri="{FF2B5EF4-FFF2-40B4-BE49-F238E27FC236}">
+                    <a16:creationId xmlns:a16="http://schemas.microsoft.com/office/drawing/2014/main" id="{EB83BF19-0623-1635-6E6E-DB2869A67835}"/>
+                  </a:ext>
+                </a:extLst>
+              </p:cNvPr>
+              <p:cNvSpPr txBox="1">
+                <a:spLocks noRot="1" noChangeAspect="1" noMove="1" noResize="1" noEditPoints="1" noAdjustHandles="1" noChangeArrowheads="1" noChangeShapeType="1" noTextEdit="1"/>
+              </p:cNvSpPr>
+              <p:nvPr/>
+            </p:nvSpPr>
+            <p:spPr>
+              <a:xfrm>
+                <a:off x="1415202" y="5768378"/>
+                <a:ext cx="303736" cy="276999"/>
+              </a:xfrm>
+              <a:prstGeom prst="rect">
+                <a:avLst/>
+              </a:prstGeom>
+              <a:blipFill>
+                <a:blip r:embed="rId11"/>
+                <a:stretch>
+                  <a:fillRect l="-16000" r="-4000" b="-13043"/>
+                </a:stretch>
+              </a:blipFill>
+            </p:spPr>
+            <p:txBody>
+              <a:bodyPr/>
+              <a:lstStyle/>
+              <a:p>
+                <a:r>
+                  <a:rPr lang="en-US">
+                    <a:noFill/>
+                  </a:rPr>
+                  <a:t> </a:t>
+                </a:r>
+              </a:p>
+            </p:txBody>
+          </p:sp>
+        </mc:Fallback>
+      </mc:AlternateContent>
+      <mc:AlternateContent xmlns:mc="http://schemas.openxmlformats.org/markup-compatibility/2006">
+        <mc:Choice xmlns:a14="http://schemas.microsoft.com/office/drawing/2010/main" Requires="a14">
+          <p:sp>
+            <p:nvSpPr>
+              <p:cNvPr id="10" name="TextBox 9">
+                <a:extLst>
+                  <a:ext uri="{FF2B5EF4-FFF2-40B4-BE49-F238E27FC236}">
+                    <a16:creationId xmlns:a16="http://schemas.microsoft.com/office/drawing/2014/main" id="{AF35D7E2-34FD-46C5-2D33-AC542255B524}"/>
+                  </a:ext>
+                </a:extLst>
+              </p:cNvPr>
+              <p:cNvSpPr txBox="1"/>
+              <p:nvPr/>
+            </p:nvSpPr>
+            <p:spPr>
+              <a:xfrm>
+                <a:off x="1399437" y="5416279"/>
+                <a:ext cx="303736" cy="276999"/>
+              </a:xfrm>
+              <a:prstGeom prst="rect">
+                <a:avLst/>
+              </a:prstGeom>
+              <a:noFill/>
+            </p:spPr>
+            <p:txBody>
+              <a:bodyPr wrap="none" lIns="0" tIns="0" rIns="0" bIns="0" rtlCol="0">
+                <a:spAutoFit/>
+              </a:bodyPr>
+              <a:lstStyle/>
+              <a:p>
+                <a:pPr/>
+                <a14:m>
+                  <m:oMathPara xmlns:m="http://schemas.openxmlformats.org/officeDocument/2006/math">
+                    <m:oMathParaPr>
+                      <m:jc m:val="centerGroup"/>
+                    </m:oMathParaPr>
+                    <m:oMath xmlns:m="http://schemas.openxmlformats.org/officeDocument/2006/math">
+                      <m:sSub>
+                        <m:sSubPr>
+                          <m:ctrlPr>
+                            <a:rPr lang="en-US" b="0" i="1" smtClean="0">
+                              <a:latin typeface="Cambria Math" panose="02040503050406030204" pitchFamily="18" charset="0"/>
+                            </a:rPr>
+                          </m:ctrlPr>
+                        </m:sSubPr>
+                        <m:e>
+                          <m:r>
+                            <a:rPr lang="en-US" b="0" i="1" smtClean="0">
+                              <a:latin typeface="Cambria Math" panose="02040503050406030204" pitchFamily="18" charset="0"/>
+                            </a:rPr>
+                            <m:t>𝑅</m:t>
+                          </m:r>
+                        </m:e>
+                        <m:sub>
+                          <m:r>
+                            <a:rPr lang="en-US" b="0" i="1" smtClean="0">
+                              <a:latin typeface="Cambria Math" panose="02040503050406030204" pitchFamily="18" charset="0"/>
+                            </a:rPr>
+                            <m:t>2</m:t>
+                          </m:r>
+                        </m:sub>
+                      </m:sSub>
+                    </m:oMath>
+                  </m:oMathPara>
+                </a14:m>
+                <a:endParaRPr lang="en-US" b="0" dirty="0"/>
+              </a:p>
+            </p:txBody>
+          </p:sp>
+        </mc:Choice>
+        <mc:Fallback>
+          <p:sp>
+            <p:nvSpPr>
+              <p:cNvPr id="10" name="TextBox 9">
+                <a:extLst>
+                  <a:ext uri="{FF2B5EF4-FFF2-40B4-BE49-F238E27FC236}">
+                    <a16:creationId xmlns:a16="http://schemas.microsoft.com/office/drawing/2014/main" id="{AF35D7E2-34FD-46C5-2D33-AC542255B524}"/>
+                  </a:ext>
+                </a:extLst>
+              </p:cNvPr>
+              <p:cNvSpPr txBox="1">
+                <a:spLocks noRot="1" noChangeAspect="1" noMove="1" noResize="1" noEditPoints="1" noAdjustHandles="1" noChangeArrowheads="1" noChangeShapeType="1" noTextEdit="1"/>
+              </p:cNvSpPr>
+              <p:nvPr/>
+            </p:nvSpPr>
+            <p:spPr>
+              <a:xfrm>
+                <a:off x="1399437" y="5416279"/>
+                <a:ext cx="303736" cy="276999"/>
+              </a:xfrm>
+              <a:prstGeom prst="rect">
+                <a:avLst/>
+              </a:prstGeom>
+              <a:blipFill>
+                <a:blip r:embed="rId12"/>
+                <a:stretch>
+                  <a:fillRect l="-16667" r="-8333" b="-13043"/>
+                </a:stretch>
+              </a:blipFill>
+            </p:spPr>
+            <p:txBody>
+              <a:bodyPr/>
+              <a:lstStyle/>
+              <a:p>
+                <a:r>
+                  <a:rPr lang="en-US">
+                    <a:noFill/>
+                  </a:rPr>
+                  <a:t> </a:t>
+                </a:r>
+              </a:p>
+            </p:txBody>
+          </p:sp>
+        </mc:Fallback>
+      </mc:AlternateContent>
+      <mc:AlternateContent xmlns:mc="http://schemas.openxmlformats.org/markup-compatibility/2006">
+        <mc:Choice xmlns:a14="http://schemas.microsoft.com/office/drawing/2010/main" Requires="a14">
+          <p:sp>
+            <p:nvSpPr>
+              <p:cNvPr id="11" name="TextBox 10">
+                <a:extLst>
+                  <a:ext uri="{FF2B5EF4-FFF2-40B4-BE49-F238E27FC236}">
+                    <a16:creationId xmlns:a16="http://schemas.microsoft.com/office/drawing/2014/main" id="{A3062BB0-8225-A85A-4AAC-5CB9CAA5A432}"/>
+                  </a:ext>
+                </a:extLst>
+              </p:cNvPr>
+              <p:cNvSpPr txBox="1"/>
+              <p:nvPr/>
+            </p:nvSpPr>
+            <p:spPr>
+              <a:xfrm>
+                <a:off x="1441482" y="5037913"/>
+                <a:ext cx="298415" cy="276999"/>
+              </a:xfrm>
+              <a:prstGeom prst="rect">
+                <a:avLst/>
+              </a:prstGeom>
+              <a:noFill/>
+            </p:spPr>
+            <p:txBody>
+              <a:bodyPr wrap="none" lIns="0" tIns="0" rIns="0" bIns="0" rtlCol="0">
+                <a:spAutoFit/>
+              </a:bodyPr>
+              <a:lstStyle/>
+              <a:p>
+                <a:pPr/>
+                <a14:m>
+                  <m:oMathPara xmlns:m="http://schemas.openxmlformats.org/officeDocument/2006/math">
+                    <m:oMathParaPr>
+                      <m:jc m:val="centerGroup"/>
+                    </m:oMathParaPr>
+                    <m:oMath xmlns:m="http://schemas.openxmlformats.org/officeDocument/2006/math">
+                      <m:sSub>
+                        <m:sSubPr>
+                          <m:ctrlPr>
+                            <a:rPr lang="en-US" b="0" i="1" smtClean="0">
+                              <a:latin typeface="Cambria Math" panose="02040503050406030204" pitchFamily="18" charset="0"/>
+                            </a:rPr>
+                          </m:ctrlPr>
+                        </m:sSubPr>
+                        <m:e>
+                          <m:r>
+                            <a:rPr lang="en-US" b="0" i="1" smtClean="0">
+                              <a:latin typeface="Cambria Math" panose="02040503050406030204" pitchFamily="18" charset="0"/>
+                            </a:rPr>
+                            <m:t>𝑅</m:t>
+                          </m:r>
+                        </m:e>
+                        <m:sub>
+                          <m:r>
+                            <a:rPr lang="en-US" b="0" i="1" smtClean="0">
+                              <a:latin typeface="Cambria Math" panose="02040503050406030204" pitchFamily="18" charset="0"/>
+                            </a:rPr>
+                            <m:t>1</m:t>
+                          </m:r>
+                        </m:sub>
+                      </m:sSub>
+                    </m:oMath>
+                  </m:oMathPara>
+                </a14:m>
+                <a:endParaRPr lang="en-US" b="0" dirty="0"/>
+              </a:p>
+            </p:txBody>
+          </p:sp>
+        </mc:Choice>
+        <mc:Fallback>
+          <p:sp>
+            <p:nvSpPr>
+              <p:cNvPr id="11" name="TextBox 10">
+                <a:extLst>
+                  <a:ext uri="{FF2B5EF4-FFF2-40B4-BE49-F238E27FC236}">
+                    <a16:creationId xmlns:a16="http://schemas.microsoft.com/office/drawing/2014/main" id="{A3062BB0-8225-A85A-4AAC-5CB9CAA5A432}"/>
+                  </a:ext>
+                </a:extLst>
+              </p:cNvPr>
+              <p:cNvSpPr txBox="1">
+                <a:spLocks noRot="1" noChangeAspect="1" noMove="1" noResize="1" noEditPoints="1" noAdjustHandles="1" noChangeArrowheads="1" noChangeShapeType="1" noTextEdit="1"/>
+              </p:cNvSpPr>
+              <p:nvPr/>
+            </p:nvSpPr>
+            <p:spPr>
+              <a:xfrm>
+                <a:off x="1441482" y="5037913"/>
+                <a:ext cx="298415" cy="276999"/>
+              </a:xfrm>
+              <a:prstGeom prst="rect">
+                <a:avLst/>
+              </a:prstGeom>
+              <a:blipFill>
+                <a:blip r:embed="rId13"/>
+                <a:stretch>
+                  <a:fillRect l="-16667" r="-8333" b="-13043"/>
+                </a:stretch>
+              </a:blipFill>
+            </p:spPr>
+            <p:txBody>
+              <a:bodyPr/>
+              <a:lstStyle/>
+              <a:p>
+                <a:r>
+                  <a:rPr lang="en-US">
+                    <a:noFill/>
+                  </a:rPr>
+                  <a:t> </a:t>
+                </a:r>
+              </a:p>
+            </p:txBody>
+          </p:sp>
+        </mc:Fallback>
+      </mc:AlternateContent>
+      <mc:AlternateContent xmlns:mc="http://schemas.openxmlformats.org/markup-compatibility/2006">
+        <mc:Choice xmlns:a14="http://schemas.microsoft.com/office/drawing/2010/main" Requires="a14">
+          <p:sp>
+            <p:nvSpPr>
+              <p:cNvPr id="12" name="TextBox 11">
+                <a:extLst>
+                  <a:ext uri="{FF2B5EF4-FFF2-40B4-BE49-F238E27FC236}">
+                    <a16:creationId xmlns:a16="http://schemas.microsoft.com/office/drawing/2014/main" id="{F8D2C0AA-0DC7-E71C-1F4B-6AC5E2CD905E}"/>
+                  </a:ext>
+                </a:extLst>
+              </p:cNvPr>
+              <p:cNvSpPr txBox="1"/>
+              <p:nvPr/>
+            </p:nvSpPr>
+            <p:spPr>
+              <a:xfrm>
+                <a:off x="747702" y="4643835"/>
+                <a:ext cx="373436" cy="276999"/>
+              </a:xfrm>
+              <a:prstGeom prst="rect">
+                <a:avLst/>
+              </a:prstGeom>
+              <a:noFill/>
+            </p:spPr>
+            <p:txBody>
+              <a:bodyPr wrap="none" lIns="0" tIns="0" rIns="0" bIns="0" rtlCol="0">
+                <a:spAutoFit/>
+              </a:bodyPr>
+              <a:lstStyle/>
+              <a:p>
+                <a:pPr/>
+                <a14:m>
+                  <m:oMathPara xmlns:m="http://schemas.openxmlformats.org/officeDocument/2006/math">
+                    <m:oMathParaPr>
+                      <m:jc m:val="centerGroup"/>
+                    </m:oMathParaPr>
+                    <m:oMath xmlns:m="http://schemas.openxmlformats.org/officeDocument/2006/math">
+                      <m:sSub>
+                        <m:sSubPr>
+                          <m:ctrlPr>
+                            <a:rPr lang="en-US" b="1" i="1" smtClean="0">
+                              <a:latin typeface="Cambria Math" panose="02040503050406030204" pitchFamily="18" charset="0"/>
+                            </a:rPr>
+                          </m:ctrlPr>
+                        </m:sSubPr>
+                        <m:e>
+                          <m:r>
+                            <a:rPr lang="en-US" b="1" i="1" smtClean="0">
+                              <a:latin typeface="Cambria Math" panose="02040503050406030204" pitchFamily="18" charset="0"/>
+                            </a:rPr>
+                            <m:t>𝑴</m:t>
+                          </m:r>
+                        </m:e>
+                        <m:sub>
+                          <m:r>
+                            <a:rPr lang="en-US" b="1" i="1" smtClean="0">
+                              <a:latin typeface="Cambria Math" panose="02040503050406030204" pitchFamily="18" charset="0"/>
+                            </a:rPr>
+                            <m:t>𝟏</m:t>
+                          </m:r>
+                        </m:sub>
+                      </m:sSub>
+                    </m:oMath>
+                  </m:oMathPara>
+                </a14:m>
+                <a:endParaRPr lang="en-US" b="1" dirty="0"/>
+              </a:p>
+            </p:txBody>
+          </p:sp>
+        </mc:Choice>
+        <mc:Fallback>
+          <p:sp>
+            <p:nvSpPr>
+              <p:cNvPr id="12" name="TextBox 11">
+                <a:extLst>
+                  <a:ext uri="{FF2B5EF4-FFF2-40B4-BE49-F238E27FC236}">
+                    <a16:creationId xmlns:a16="http://schemas.microsoft.com/office/drawing/2014/main" id="{F8D2C0AA-0DC7-E71C-1F4B-6AC5E2CD905E}"/>
+                  </a:ext>
+                </a:extLst>
+              </p:cNvPr>
+              <p:cNvSpPr txBox="1">
+                <a:spLocks noRot="1" noChangeAspect="1" noMove="1" noResize="1" noEditPoints="1" noAdjustHandles="1" noChangeArrowheads="1" noChangeShapeType="1" noTextEdit="1"/>
+              </p:cNvSpPr>
+              <p:nvPr/>
+            </p:nvSpPr>
+            <p:spPr>
+              <a:xfrm>
+                <a:off x="747702" y="4643835"/>
+                <a:ext cx="373436" cy="276999"/>
+              </a:xfrm>
+              <a:prstGeom prst="rect">
+                <a:avLst/>
+              </a:prstGeom>
+              <a:blipFill>
+                <a:blip r:embed="rId14"/>
+                <a:stretch>
+                  <a:fillRect l="-16667" r="-6667" b="-17391"/>
+                </a:stretch>
+              </a:blipFill>
+            </p:spPr>
+            <p:txBody>
+              <a:bodyPr/>
+              <a:lstStyle/>
+              <a:p>
+                <a:r>
+                  <a:rPr lang="en-US">
+                    <a:noFill/>
+                  </a:rPr>
+                  <a:t> </a:t>
+                </a:r>
+              </a:p>
+            </p:txBody>
+          </p:sp>
+        </mc:Fallback>
+      </mc:AlternateContent>
+      <p:sp>
+        <p:nvSpPr>
+          <p:cNvPr id="13" name="TextBox 12">
+            <a:extLst>
+              <a:ext uri="{FF2B5EF4-FFF2-40B4-BE49-F238E27FC236}">
+                <a16:creationId xmlns:a16="http://schemas.microsoft.com/office/drawing/2014/main" id="{318AB6E1-5B06-234C-F7D6-B019B4E3137B}"/>
+              </a:ext>
+            </a:extLst>
+          </p:cNvPr>
+          <p:cNvSpPr txBox="1"/>
+          <p:nvPr/>
+        </p:nvSpPr>
+        <p:spPr>
+          <a:xfrm>
+            <a:off x="299547" y="5036228"/>
+            <a:ext cx="914033" cy="307777"/>
+          </a:xfrm>
+          <a:prstGeom prst="rect">
+            <a:avLst/>
+          </a:prstGeom>
+          <a:noFill/>
+        </p:spPr>
+        <p:txBody>
+          <a:bodyPr wrap="none" rtlCol="0">
+            <a:spAutoFit/>
+          </a:bodyPr>
+          <a:lstStyle/>
+          <a:p>
+            <a:r>
+              <a:rPr lang="en-US" sz="1400" dirty="0"/>
+              <a:t>1,000,001</a:t>
+            </a:r>
+          </a:p>
+        </p:txBody>
+      </p:sp>
+      <p:sp>
+        <p:nvSpPr>
+          <p:cNvPr id="14" name="TextBox 13">
+            <a:extLst>
+              <a:ext uri="{FF2B5EF4-FFF2-40B4-BE49-F238E27FC236}">
+                <a16:creationId xmlns:a16="http://schemas.microsoft.com/office/drawing/2014/main" id="{729D9135-ACF8-AF40-178C-C1442CCF3E4B}"/>
+              </a:ext>
+            </a:extLst>
+          </p:cNvPr>
+          <p:cNvSpPr txBox="1"/>
+          <p:nvPr/>
+        </p:nvSpPr>
+        <p:spPr>
+          <a:xfrm>
+            <a:off x="265014" y="5414990"/>
+            <a:ext cx="1045084" cy="307777"/>
+          </a:xfrm>
+          <a:prstGeom prst="rect">
+            <a:avLst/>
+          </a:prstGeom>
+          <a:noFill/>
+        </p:spPr>
+        <p:txBody>
+          <a:bodyPr wrap="square">
+            <a:spAutoFit/>
+          </a:bodyPr>
+          <a:lstStyle/>
+          <a:p>
+            <a:r>
+              <a:rPr lang="en-US" sz="1400" dirty="0"/>
+              <a:t>1,000,001</a:t>
+            </a:r>
+          </a:p>
+        </p:txBody>
+      </p:sp>
+      <p:sp>
+        <p:nvSpPr>
+          <p:cNvPr id="15" name="TextBox 14">
+            <a:extLst>
+              <a:ext uri="{FF2B5EF4-FFF2-40B4-BE49-F238E27FC236}">
+                <a16:creationId xmlns:a16="http://schemas.microsoft.com/office/drawing/2014/main" id="{C4DE92E6-7A75-8886-7B16-007302AFD7E7}"/>
+              </a:ext>
+            </a:extLst>
+          </p:cNvPr>
+          <p:cNvSpPr txBox="1"/>
+          <p:nvPr/>
+        </p:nvSpPr>
+        <p:spPr>
+          <a:xfrm>
+            <a:off x="249249" y="5777599"/>
+            <a:ext cx="1045084" cy="307777"/>
+          </a:xfrm>
+          <a:prstGeom prst="rect">
+            <a:avLst/>
+          </a:prstGeom>
+          <a:noFill/>
+        </p:spPr>
+        <p:txBody>
+          <a:bodyPr wrap="square">
+            <a:spAutoFit/>
+          </a:bodyPr>
+          <a:lstStyle/>
+          <a:p>
+            <a:r>
+              <a:rPr lang="en-US" sz="1400" dirty="0"/>
+              <a:t>1,001,000</a:t>
+            </a:r>
+          </a:p>
+        </p:txBody>
+      </p:sp>
+      <p:sp>
+        <p:nvSpPr>
+          <p:cNvPr id="16" name="TextBox 15">
+            <a:extLst>
+              <a:ext uri="{FF2B5EF4-FFF2-40B4-BE49-F238E27FC236}">
+                <a16:creationId xmlns:a16="http://schemas.microsoft.com/office/drawing/2014/main" id="{297B0411-6C79-674A-C725-2A357B5F7E6D}"/>
+              </a:ext>
+            </a:extLst>
+          </p:cNvPr>
+          <p:cNvSpPr txBox="1"/>
+          <p:nvPr/>
+        </p:nvSpPr>
+        <p:spPr>
+          <a:xfrm rot="5400000">
+            <a:off x="2282778" y="4096673"/>
+            <a:ext cx="915711" cy="307777"/>
+          </a:xfrm>
+          <a:prstGeom prst="rect">
+            <a:avLst/>
+          </a:prstGeom>
+          <a:noFill/>
+        </p:spPr>
+        <p:txBody>
+          <a:bodyPr wrap="square">
+            <a:spAutoFit/>
+          </a:bodyPr>
+          <a:lstStyle/>
+          <a:p>
+            <a:r>
+              <a:rPr lang="en-US" sz="1400" dirty="0"/>
+              <a:t>2,000,001</a:t>
+            </a:r>
+          </a:p>
+        </p:txBody>
+      </p:sp>
+      <p:sp>
+        <p:nvSpPr>
+          <p:cNvPr id="17" name="TextBox 16">
+            <a:extLst>
+              <a:ext uri="{FF2B5EF4-FFF2-40B4-BE49-F238E27FC236}">
+                <a16:creationId xmlns:a16="http://schemas.microsoft.com/office/drawing/2014/main" id="{4D07EE38-6CC5-35D3-AAFE-E9E1E0EE13B4}"/>
+              </a:ext>
+            </a:extLst>
+          </p:cNvPr>
+          <p:cNvSpPr txBox="1"/>
+          <p:nvPr/>
+        </p:nvSpPr>
+        <p:spPr>
+          <a:xfrm rot="5400000">
+            <a:off x="1702752" y="4098195"/>
+            <a:ext cx="915711" cy="307777"/>
+          </a:xfrm>
+          <a:prstGeom prst="rect">
+            <a:avLst/>
+          </a:prstGeom>
+          <a:noFill/>
+        </p:spPr>
+        <p:txBody>
+          <a:bodyPr wrap="square">
+            <a:spAutoFit/>
+          </a:bodyPr>
+          <a:lstStyle/>
+          <a:p>
+            <a:r>
+              <a:rPr lang="en-US" sz="1400" dirty="0"/>
+              <a:t>1,001,001</a:t>
+            </a:r>
+          </a:p>
+        </p:txBody>
+      </p:sp>
+      <p:graphicFrame>
+        <p:nvGraphicFramePr>
+          <p:cNvPr id="18" name="Table 17">
+            <a:extLst>
+              <a:ext uri="{FF2B5EF4-FFF2-40B4-BE49-F238E27FC236}">
+                <a16:creationId xmlns:a16="http://schemas.microsoft.com/office/drawing/2014/main" id="{63DA5BD6-5FA4-DD7A-CFFB-7440285F4871}"/>
+              </a:ext>
+            </a:extLst>
+          </p:cNvPr>
+          <p:cNvGraphicFramePr>
+            <a:graphicFrameLocks noGrp="1"/>
+          </p:cNvGraphicFramePr>
+          <p:nvPr/>
+        </p:nvGraphicFramePr>
+        <p:xfrm>
+          <a:off x="4418791" y="4699002"/>
+          <a:ext cx="1935531" cy="1463040"/>
+        </p:xfrm>
+        <a:graphic>
+          <a:graphicData uri="http://schemas.openxmlformats.org/drawingml/2006/table">
+            <a:tbl>
+              <a:tblPr firstRow="1" bandRow="1">
+                <a:tableStyleId>{5C22544A-7EE6-4342-B048-85BDC9FD1C3A}</a:tableStyleId>
+              </a:tblPr>
+              <a:tblGrid>
+                <a:gridCol w="645177">
+                  <a:extLst>
+                    <a:ext uri="{9D8B030D-6E8A-4147-A177-3AD203B41FA5}">
+                      <a16:colId xmlns:a16="http://schemas.microsoft.com/office/drawing/2014/main" val="1823096244"/>
+                    </a:ext>
+                  </a:extLst>
+                </a:gridCol>
+                <a:gridCol w="645177">
+                  <a:extLst>
+                    <a:ext uri="{9D8B030D-6E8A-4147-A177-3AD203B41FA5}">
+                      <a16:colId xmlns:a16="http://schemas.microsoft.com/office/drawing/2014/main" val="1567734860"/>
+                    </a:ext>
+                  </a:extLst>
+                </a:gridCol>
+                <a:gridCol w="645177">
+                  <a:extLst>
+                    <a:ext uri="{9D8B030D-6E8A-4147-A177-3AD203B41FA5}">
+                      <a16:colId xmlns:a16="http://schemas.microsoft.com/office/drawing/2014/main" val="1116869917"/>
+                    </a:ext>
+                  </a:extLst>
+                </a:gridCol>
+              </a:tblGrid>
+              <a:tr h="279356">
+                <a:tc>
+                  <a:txBody>
+                    <a:bodyPr/>
+                    <a:lstStyle/>
+                    <a:p>
+                      <a:endParaRPr lang="en-US"/>
+                    </a:p>
+                  </a:txBody>
+                  <a:tcPr/>
+                </a:tc>
+                <a:tc>
+                  <a:txBody>
+                    <a:bodyPr/>
+                    <a:lstStyle/>
+                    <a:p>
+                      <a:pPr algn="ctr"/>
+                      <a:r>
+                        <a:rPr lang="en-US" dirty="0"/>
+                        <a:t>Y</a:t>
+                      </a:r>
+                    </a:p>
+                  </a:txBody>
+                  <a:tcPr/>
+                </a:tc>
+                <a:tc>
+                  <a:txBody>
+                    <a:bodyPr/>
+                    <a:lstStyle/>
+                    <a:p>
+                      <a:pPr algn="ctr"/>
+                      <a:r>
+                        <a:rPr lang="en-US" dirty="0"/>
+                        <a:t>X</a:t>
+                      </a:r>
+                    </a:p>
+                  </a:txBody>
+                  <a:tcPr/>
+                </a:tc>
+                <a:extLst>
+                  <a:ext uri="{0D108BD9-81ED-4DB2-BD59-A6C34878D82A}">
+                    <a16:rowId xmlns:a16="http://schemas.microsoft.com/office/drawing/2014/main" val="261162428"/>
+                  </a:ext>
+                </a:extLst>
+              </a:tr>
+              <a:tr h="279356">
+                <a:tc>
+                  <a:txBody>
+                    <a:bodyPr/>
+                    <a:lstStyle/>
+                    <a:p>
+                      <a:endParaRPr lang="en-US" dirty="0"/>
+                    </a:p>
+                  </a:txBody>
+                  <a:tcPr/>
+                </a:tc>
+                <a:tc>
+                  <a:txBody>
+                    <a:bodyPr/>
+                    <a:lstStyle/>
+                    <a:p>
+                      <a:pPr algn="ctr"/>
+                      <a:r>
+                        <a:rPr lang="en-US" dirty="0"/>
+                        <a:t>-1</a:t>
+                      </a:r>
+                    </a:p>
+                  </a:txBody>
+                  <a:tcPr/>
+                </a:tc>
+                <a:tc>
+                  <a:txBody>
+                    <a:bodyPr/>
+                    <a:lstStyle/>
+                    <a:p>
+                      <a:pPr algn="ctr"/>
+                      <a:r>
+                        <a:rPr lang="en-US" dirty="0"/>
+                        <a:t>1</a:t>
+                      </a:r>
+                    </a:p>
+                  </a:txBody>
+                  <a:tcPr/>
+                </a:tc>
+                <a:extLst>
+                  <a:ext uri="{0D108BD9-81ED-4DB2-BD59-A6C34878D82A}">
+                    <a16:rowId xmlns:a16="http://schemas.microsoft.com/office/drawing/2014/main" val="2836436688"/>
+                  </a:ext>
+                </a:extLst>
+              </a:tr>
+              <a:tr h="279356">
+                <a:tc>
+                  <a:txBody>
+                    <a:bodyPr/>
+                    <a:lstStyle/>
+                    <a:p>
+                      <a:endParaRPr lang="en-US"/>
+                    </a:p>
+                  </a:txBody>
+                  <a:tcPr/>
+                </a:tc>
+                <a:tc>
+                  <a:txBody>
+                    <a:bodyPr/>
+                    <a:lstStyle/>
+                    <a:p>
+                      <a:pPr algn="ctr"/>
+                      <a:r>
+                        <a:rPr lang="en-US" dirty="0"/>
+                        <a:t>1</a:t>
+                      </a:r>
+                    </a:p>
+                  </a:txBody>
+                  <a:tcPr/>
+                </a:tc>
+                <a:tc>
+                  <a:txBody>
+                    <a:bodyPr/>
+                    <a:lstStyle/>
+                    <a:p>
+                      <a:pPr algn="ctr"/>
+                      <a:r>
+                        <a:rPr lang="en-US" dirty="0"/>
+                        <a:t>-1</a:t>
+                      </a:r>
+                    </a:p>
+                  </a:txBody>
+                  <a:tcPr/>
+                </a:tc>
+                <a:extLst>
+                  <a:ext uri="{0D108BD9-81ED-4DB2-BD59-A6C34878D82A}">
+                    <a16:rowId xmlns:a16="http://schemas.microsoft.com/office/drawing/2014/main" val="3728559439"/>
+                  </a:ext>
+                </a:extLst>
+              </a:tr>
+              <a:tr h="279356">
+                <a:tc>
+                  <a:txBody>
+                    <a:bodyPr/>
+                    <a:lstStyle/>
+                    <a:p>
+                      <a:endParaRPr lang="en-US" dirty="0"/>
+                    </a:p>
+                  </a:txBody>
+                  <a:tcPr/>
+                </a:tc>
+                <a:tc>
+                  <a:txBody>
+                    <a:bodyPr/>
+                    <a:lstStyle/>
+                    <a:p>
+                      <a:pPr algn="ctr"/>
+                      <a:r>
+                        <a:rPr lang="en-US" dirty="0"/>
+                        <a:t>0</a:t>
+                      </a:r>
+                    </a:p>
+                  </a:txBody>
+                  <a:tcPr/>
+                </a:tc>
+                <a:tc>
+                  <a:txBody>
+                    <a:bodyPr/>
+                    <a:lstStyle/>
+                    <a:p>
+                      <a:pPr algn="ctr"/>
+                      <a:r>
+                        <a:rPr lang="en-US" dirty="0"/>
+                        <a:t>1</a:t>
+                      </a:r>
+                    </a:p>
+                  </a:txBody>
+                  <a:tcPr/>
+                </a:tc>
+                <a:extLst>
+                  <a:ext uri="{0D108BD9-81ED-4DB2-BD59-A6C34878D82A}">
+                    <a16:rowId xmlns:a16="http://schemas.microsoft.com/office/drawing/2014/main" val="4252235192"/>
+                  </a:ext>
+                </a:extLst>
+              </a:tr>
+            </a:tbl>
+          </a:graphicData>
+        </a:graphic>
+      </p:graphicFrame>
+      <mc:AlternateContent xmlns:mc="http://schemas.openxmlformats.org/markup-compatibility/2006">
+        <mc:Choice xmlns:a14="http://schemas.microsoft.com/office/drawing/2010/main" Requires="a14">
+          <p:sp>
+            <p:nvSpPr>
+              <p:cNvPr id="19" name="TextBox 18">
+                <a:extLst>
+                  <a:ext uri="{FF2B5EF4-FFF2-40B4-BE49-F238E27FC236}">
+                    <a16:creationId xmlns:a16="http://schemas.microsoft.com/office/drawing/2014/main" id="{EED36EA9-630D-59CA-0BB1-99EB298C1272}"/>
+                  </a:ext>
+                </a:extLst>
+              </p:cNvPr>
+              <p:cNvSpPr txBox="1"/>
+              <p:nvPr/>
+            </p:nvSpPr>
+            <p:spPr>
+              <a:xfrm>
+                <a:off x="4656916" y="5823545"/>
+                <a:ext cx="303736" cy="276999"/>
+              </a:xfrm>
+              <a:prstGeom prst="rect">
+                <a:avLst/>
+              </a:prstGeom>
+              <a:noFill/>
+            </p:spPr>
+            <p:txBody>
+              <a:bodyPr wrap="none" lIns="0" tIns="0" rIns="0" bIns="0" rtlCol="0">
+                <a:spAutoFit/>
+              </a:bodyPr>
+              <a:lstStyle/>
+              <a:p>
+                <a:pPr/>
+                <a14:m>
+                  <m:oMathPara xmlns:m="http://schemas.openxmlformats.org/officeDocument/2006/math">
+                    <m:oMathParaPr>
+                      <m:jc m:val="centerGroup"/>
+                    </m:oMathParaPr>
+                    <m:oMath xmlns:m="http://schemas.openxmlformats.org/officeDocument/2006/math">
+                      <m:sSubSup>
+                        <m:sSubSupPr>
+                          <m:ctrlPr>
+                            <a:rPr lang="en-US" b="0" i="1" smtClean="0">
+                              <a:latin typeface="Cambria Math" panose="02040503050406030204" pitchFamily="18" charset="0"/>
+                            </a:rPr>
+                          </m:ctrlPr>
+                        </m:sSubSupPr>
+                        <m:e>
+                          <m:r>
+                            <a:rPr lang="en-US" b="0" i="1" smtClean="0">
+                              <a:latin typeface="Cambria Math" panose="02040503050406030204" pitchFamily="18" charset="0"/>
+                            </a:rPr>
+                            <m:t>𝑅</m:t>
+                          </m:r>
+                        </m:e>
+                        <m:sub>
+                          <m:r>
+                            <a:rPr lang="en-US" b="0" i="1" smtClean="0">
+                              <a:latin typeface="Cambria Math" panose="02040503050406030204" pitchFamily="18" charset="0"/>
+                            </a:rPr>
+                            <m:t>2</m:t>
+                          </m:r>
+                        </m:sub>
+                        <m:sup>
+                          <m:r>
+                            <a:rPr lang="en-US" b="0" i="1" smtClean="0">
+                              <a:latin typeface="Cambria Math" panose="02040503050406030204" pitchFamily="18" charset="0"/>
+                            </a:rPr>
+                            <m:t>′</m:t>
+                          </m:r>
+                        </m:sup>
+                      </m:sSubSup>
+                    </m:oMath>
+                  </m:oMathPara>
+                </a14:m>
+                <a:endParaRPr lang="en-US" b="0" dirty="0"/>
+              </a:p>
+            </p:txBody>
+          </p:sp>
+        </mc:Choice>
+        <mc:Fallback>
+          <p:sp>
+            <p:nvSpPr>
+              <p:cNvPr id="19" name="TextBox 18">
+                <a:extLst>
+                  <a:ext uri="{FF2B5EF4-FFF2-40B4-BE49-F238E27FC236}">
+                    <a16:creationId xmlns:a16="http://schemas.microsoft.com/office/drawing/2014/main" id="{EED36EA9-630D-59CA-0BB1-99EB298C1272}"/>
+                  </a:ext>
+                </a:extLst>
+              </p:cNvPr>
+              <p:cNvSpPr txBox="1">
+                <a:spLocks noRot="1" noChangeAspect="1" noMove="1" noResize="1" noEditPoints="1" noAdjustHandles="1" noChangeArrowheads="1" noChangeShapeType="1" noTextEdit="1"/>
+              </p:cNvSpPr>
+              <p:nvPr/>
+            </p:nvSpPr>
+            <p:spPr>
+              <a:xfrm>
+                <a:off x="4656916" y="5823545"/>
+                <a:ext cx="303736" cy="276999"/>
+              </a:xfrm>
+              <a:prstGeom prst="rect">
+                <a:avLst/>
+              </a:prstGeom>
+              <a:blipFill>
+                <a:blip r:embed="rId15"/>
+                <a:stretch>
+                  <a:fillRect l="-16000" r="-4000" b="-13043"/>
+                </a:stretch>
+              </a:blipFill>
+            </p:spPr>
+            <p:txBody>
+              <a:bodyPr/>
+              <a:lstStyle/>
+              <a:p>
+                <a:r>
+                  <a:rPr lang="en-US">
+                    <a:noFill/>
+                  </a:rPr>
+                  <a:t> </a:t>
+                </a:r>
+              </a:p>
+            </p:txBody>
+          </p:sp>
+        </mc:Fallback>
+      </mc:AlternateContent>
+      <mc:AlternateContent xmlns:mc="http://schemas.openxmlformats.org/markup-compatibility/2006">
+        <mc:Choice xmlns:a14="http://schemas.microsoft.com/office/drawing/2010/main" Requires="a14">
+          <p:sp>
+            <p:nvSpPr>
+              <p:cNvPr id="20" name="TextBox 19">
+                <a:extLst>
+                  <a:ext uri="{FF2B5EF4-FFF2-40B4-BE49-F238E27FC236}">
+                    <a16:creationId xmlns:a16="http://schemas.microsoft.com/office/drawing/2014/main" id="{5B3A8E62-9518-C183-DB69-817DAA223BB5}"/>
+                  </a:ext>
+                </a:extLst>
+              </p:cNvPr>
+              <p:cNvSpPr txBox="1"/>
+              <p:nvPr/>
+            </p:nvSpPr>
+            <p:spPr>
+              <a:xfrm>
+                <a:off x="4641151" y="5471446"/>
+                <a:ext cx="303736" cy="276999"/>
+              </a:xfrm>
+              <a:prstGeom prst="rect">
+                <a:avLst/>
+              </a:prstGeom>
+              <a:noFill/>
+            </p:spPr>
+            <p:txBody>
+              <a:bodyPr wrap="none" lIns="0" tIns="0" rIns="0" bIns="0" rtlCol="0">
+                <a:spAutoFit/>
+              </a:bodyPr>
+              <a:lstStyle/>
+              <a:p>
+                <a:pPr/>
+                <a14:m>
+                  <m:oMathPara xmlns:m="http://schemas.openxmlformats.org/officeDocument/2006/math">
+                    <m:oMathParaPr>
+                      <m:jc m:val="centerGroup"/>
+                    </m:oMathParaPr>
+                    <m:oMath xmlns:m="http://schemas.openxmlformats.org/officeDocument/2006/math">
+                      <m:sSubSup>
+                        <m:sSubSupPr>
+                          <m:ctrlPr>
+                            <a:rPr lang="en-US" b="0" i="1" smtClean="0">
+                              <a:latin typeface="Cambria Math" panose="02040503050406030204" pitchFamily="18" charset="0"/>
+                            </a:rPr>
+                          </m:ctrlPr>
+                        </m:sSubSupPr>
+                        <m:e>
+                          <m:r>
+                            <a:rPr lang="en-US" b="0" i="1" smtClean="0">
+                              <a:latin typeface="Cambria Math" panose="02040503050406030204" pitchFamily="18" charset="0"/>
+                            </a:rPr>
+                            <m:t>𝑅</m:t>
+                          </m:r>
+                        </m:e>
+                        <m:sub>
+                          <m:r>
+                            <a:rPr lang="en-US" b="0" i="1" smtClean="0">
+                              <a:latin typeface="Cambria Math" panose="02040503050406030204" pitchFamily="18" charset="0"/>
+                            </a:rPr>
+                            <m:t>3</m:t>
+                          </m:r>
+                        </m:sub>
+                        <m:sup>
+                          <m:r>
+                            <a:rPr lang="en-US" b="0" i="1" smtClean="0">
+                              <a:latin typeface="Cambria Math" panose="02040503050406030204" pitchFamily="18" charset="0"/>
+                            </a:rPr>
+                            <m:t>′</m:t>
+                          </m:r>
+                        </m:sup>
+                      </m:sSubSup>
+                    </m:oMath>
+                  </m:oMathPara>
+                </a14:m>
+                <a:endParaRPr lang="en-US" b="0" dirty="0"/>
+              </a:p>
+            </p:txBody>
+          </p:sp>
+        </mc:Choice>
+        <mc:Fallback>
+          <p:sp>
+            <p:nvSpPr>
+              <p:cNvPr id="20" name="TextBox 19">
+                <a:extLst>
+                  <a:ext uri="{FF2B5EF4-FFF2-40B4-BE49-F238E27FC236}">
+                    <a16:creationId xmlns:a16="http://schemas.microsoft.com/office/drawing/2014/main" id="{5B3A8E62-9518-C183-DB69-817DAA223BB5}"/>
+                  </a:ext>
+                </a:extLst>
+              </p:cNvPr>
+              <p:cNvSpPr txBox="1">
+                <a:spLocks noRot="1" noChangeAspect="1" noMove="1" noResize="1" noEditPoints="1" noAdjustHandles="1" noChangeArrowheads="1" noChangeShapeType="1" noTextEdit="1"/>
+              </p:cNvSpPr>
+              <p:nvPr/>
+            </p:nvSpPr>
+            <p:spPr>
+              <a:xfrm>
+                <a:off x="4641151" y="5471446"/>
+                <a:ext cx="303736" cy="276999"/>
+              </a:xfrm>
+              <a:prstGeom prst="rect">
+                <a:avLst/>
+              </a:prstGeom>
+              <a:blipFill>
+                <a:blip r:embed="rId16"/>
+                <a:stretch>
+                  <a:fillRect l="-16000" r="-4000" b="-18182"/>
+                </a:stretch>
+              </a:blipFill>
+            </p:spPr>
+            <p:txBody>
+              <a:bodyPr/>
+              <a:lstStyle/>
+              <a:p>
+                <a:r>
+                  <a:rPr lang="en-US">
+                    <a:noFill/>
+                  </a:rPr>
+                  <a:t> </a:t>
+                </a:r>
+              </a:p>
+            </p:txBody>
+          </p:sp>
+        </mc:Fallback>
+      </mc:AlternateContent>
+      <mc:AlternateContent xmlns:mc="http://schemas.openxmlformats.org/markup-compatibility/2006">
+        <mc:Choice xmlns:a14="http://schemas.microsoft.com/office/drawing/2010/main" Requires="a14">
+          <p:sp>
+            <p:nvSpPr>
+              <p:cNvPr id="21" name="TextBox 20">
+                <a:extLst>
+                  <a:ext uri="{FF2B5EF4-FFF2-40B4-BE49-F238E27FC236}">
+                    <a16:creationId xmlns:a16="http://schemas.microsoft.com/office/drawing/2014/main" id="{5B8EB620-22FB-5909-F1FB-17661A957867}"/>
+                  </a:ext>
+                </a:extLst>
+              </p:cNvPr>
+              <p:cNvSpPr txBox="1"/>
+              <p:nvPr/>
+            </p:nvSpPr>
+            <p:spPr>
+              <a:xfrm>
+                <a:off x="4683196" y="5093080"/>
+                <a:ext cx="298415" cy="276999"/>
+              </a:xfrm>
+              <a:prstGeom prst="rect">
+                <a:avLst/>
+              </a:prstGeom>
+              <a:noFill/>
+            </p:spPr>
+            <p:txBody>
+              <a:bodyPr wrap="none" lIns="0" tIns="0" rIns="0" bIns="0" rtlCol="0">
+                <a:spAutoFit/>
+              </a:bodyPr>
+              <a:lstStyle/>
+              <a:p>
+                <a:pPr/>
+                <a14:m>
+                  <m:oMathPara xmlns:m="http://schemas.openxmlformats.org/officeDocument/2006/math">
+                    <m:oMathParaPr>
+                      <m:jc m:val="centerGroup"/>
+                    </m:oMathParaPr>
+                    <m:oMath xmlns:m="http://schemas.openxmlformats.org/officeDocument/2006/math">
+                      <m:sSubSup>
+                        <m:sSubSupPr>
+                          <m:ctrlPr>
+                            <a:rPr lang="en-US" b="0" i="1" smtClean="0">
+                              <a:latin typeface="Cambria Math" panose="02040503050406030204" pitchFamily="18" charset="0"/>
+                            </a:rPr>
+                          </m:ctrlPr>
+                        </m:sSubSupPr>
+                        <m:e>
+                          <m:r>
+                            <a:rPr lang="en-US" b="0" i="1" smtClean="0">
+                              <a:latin typeface="Cambria Math" panose="02040503050406030204" pitchFamily="18" charset="0"/>
+                            </a:rPr>
+                            <m:t>𝑅</m:t>
+                          </m:r>
+                        </m:e>
+                        <m:sub>
+                          <m:r>
+                            <a:rPr lang="en-US" b="0" i="1" smtClean="0">
+                              <a:latin typeface="Cambria Math" panose="02040503050406030204" pitchFamily="18" charset="0"/>
+                            </a:rPr>
+                            <m:t>1</m:t>
+                          </m:r>
+                        </m:sub>
+                        <m:sup>
+                          <m:r>
+                            <a:rPr lang="en-US" b="0" i="1" smtClean="0">
+                              <a:latin typeface="Cambria Math" panose="02040503050406030204" pitchFamily="18" charset="0"/>
+                            </a:rPr>
+                            <m:t>′</m:t>
+                          </m:r>
+                        </m:sup>
+                      </m:sSubSup>
+                    </m:oMath>
+                  </m:oMathPara>
+                </a14:m>
+                <a:endParaRPr lang="en-US" b="0" dirty="0"/>
+              </a:p>
+            </p:txBody>
+          </p:sp>
+        </mc:Choice>
+        <mc:Fallback>
+          <p:sp>
+            <p:nvSpPr>
+              <p:cNvPr id="21" name="TextBox 20">
+                <a:extLst>
+                  <a:ext uri="{FF2B5EF4-FFF2-40B4-BE49-F238E27FC236}">
+                    <a16:creationId xmlns:a16="http://schemas.microsoft.com/office/drawing/2014/main" id="{5B8EB620-22FB-5909-F1FB-17661A957867}"/>
+                  </a:ext>
+                </a:extLst>
+              </p:cNvPr>
+              <p:cNvSpPr txBox="1">
+                <a:spLocks noRot="1" noChangeAspect="1" noMove="1" noResize="1" noEditPoints="1" noAdjustHandles="1" noChangeArrowheads="1" noChangeShapeType="1" noTextEdit="1"/>
+              </p:cNvSpPr>
+              <p:nvPr/>
+            </p:nvSpPr>
+            <p:spPr>
+              <a:xfrm>
+                <a:off x="4683196" y="5093080"/>
+                <a:ext cx="298415" cy="276999"/>
+              </a:xfrm>
+              <a:prstGeom prst="rect">
+                <a:avLst/>
+              </a:prstGeom>
+              <a:blipFill>
+                <a:blip r:embed="rId17"/>
+                <a:stretch>
+                  <a:fillRect l="-16000" r="-4000" b="-17391"/>
+                </a:stretch>
+              </a:blipFill>
+            </p:spPr>
+            <p:txBody>
+              <a:bodyPr/>
+              <a:lstStyle/>
+              <a:p>
+                <a:r>
+                  <a:rPr lang="en-US">
+                    <a:noFill/>
+                  </a:rPr>
+                  <a:t> </a:t>
+                </a:r>
+              </a:p>
+            </p:txBody>
+          </p:sp>
+        </mc:Fallback>
+      </mc:AlternateContent>
+      <mc:AlternateContent xmlns:mc="http://schemas.openxmlformats.org/markup-compatibility/2006">
+        <mc:Choice xmlns:a14="http://schemas.microsoft.com/office/drawing/2010/main" Requires="a14">
+          <p:sp>
+            <p:nvSpPr>
+              <p:cNvPr id="22" name="TextBox 21">
+                <a:extLst>
+                  <a:ext uri="{FF2B5EF4-FFF2-40B4-BE49-F238E27FC236}">
+                    <a16:creationId xmlns:a16="http://schemas.microsoft.com/office/drawing/2014/main" id="{C73F0C79-7DCB-0D98-F6E4-318A7934074B}"/>
+                  </a:ext>
+                </a:extLst>
+              </p:cNvPr>
+              <p:cNvSpPr txBox="1"/>
+              <p:nvPr/>
+            </p:nvSpPr>
+            <p:spPr>
+              <a:xfrm>
+                <a:off x="4020949" y="4699002"/>
+                <a:ext cx="373436" cy="276999"/>
+              </a:xfrm>
+              <a:prstGeom prst="rect">
+                <a:avLst/>
+              </a:prstGeom>
+              <a:noFill/>
+            </p:spPr>
+            <p:txBody>
+              <a:bodyPr wrap="none" lIns="0" tIns="0" rIns="0" bIns="0" rtlCol="0">
+                <a:spAutoFit/>
+              </a:bodyPr>
+              <a:lstStyle/>
+              <a:p>
+                <a:pPr/>
+                <a14:m>
+                  <m:oMathPara xmlns:m="http://schemas.openxmlformats.org/officeDocument/2006/math">
+                    <m:oMathParaPr>
+                      <m:jc m:val="centerGroup"/>
+                    </m:oMathParaPr>
+                    <m:oMath xmlns:m="http://schemas.openxmlformats.org/officeDocument/2006/math">
+                      <m:sSub>
+                        <m:sSubPr>
+                          <m:ctrlPr>
+                            <a:rPr lang="en-US" b="1" i="1" smtClean="0">
+                              <a:latin typeface="Cambria Math" panose="02040503050406030204" pitchFamily="18" charset="0"/>
+                            </a:rPr>
+                          </m:ctrlPr>
+                        </m:sSubPr>
+                        <m:e>
+                          <m:r>
+                            <a:rPr lang="en-US" b="1" i="1" smtClean="0">
+                              <a:latin typeface="Cambria Math" panose="02040503050406030204" pitchFamily="18" charset="0"/>
+                            </a:rPr>
+                            <m:t>𝑴</m:t>
+                          </m:r>
+                        </m:e>
+                        <m:sub>
+                          <m:r>
+                            <a:rPr lang="en-US" b="1" i="1" smtClean="0">
+                              <a:latin typeface="Cambria Math" panose="02040503050406030204" pitchFamily="18" charset="0"/>
+                            </a:rPr>
+                            <m:t>𝟐</m:t>
+                          </m:r>
+                        </m:sub>
+                      </m:sSub>
+                    </m:oMath>
+                  </m:oMathPara>
+                </a14:m>
+                <a:endParaRPr lang="en-US" b="1" dirty="0"/>
+              </a:p>
+            </p:txBody>
+          </p:sp>
+        </mc:Choice>
+        <mc:Fallback>
+          <p:sp>
+            <p:nvSpPr>
+              <p:cNvPr id="22" name="TextBox 21">
+                <a:extLst>
+                  <a:ext uri="{FF2B5EF4-FFF2-40B4-BE49-F238E27FC236}">
+                    <a16:creationId xmlns:a16="http://schemas.microsoft.com/office/drawing/2014/main" id="{C73F0C79-7DCB-0D98-F6E4-318A7934074B}"/>
+                  </a:ext>
+                </a:extLst>
+              </p:cNvPr>
+              <p:cNvSpPr txBox="1">
+                <a:spLocks noRot="1" noChangeAspect="1" noMove="1" noResize="1" noEditPoints="1" noAdjustHandles="1" noChangeArrowheads="1" noChangeShapeType="1" noTextEdit="1"/>
+              </p:cNvSpPr>
+              <p:nvPr/>
+            </p:nvSpPr>
+            <p:spPr>
+              <a:xfrm>
+                <a:off x="4020949" y="4699002"/>
+                <a:ext cx="373436" cy="276999"/>
+              </a:xfrm>
+              <a:prstGeom prst="rect">
+                <a:avLst/>
+              </a:prstGeom>
+              <a:blipFill>
+                <a:blip r:embed="rId18"/>
+                <a:stretch>
+                  <a:fillRect l="-12903" r="-3226" b="-18182"/>
+                </a:stretch>
+              </a:blipFill>
+            </p:spPr>
+            <p:txBody>
+              <a:bodyPr/>
+              <a:lstStyle/>
+              <a:p>
+                <a:r>
+                  <a:rPr lang="en-US">
+                    <a:noFill/>
+                  </a:rPr>
+                  <a:t> </a:t>
+                </a:r>
+              </a:p>
+            </p:txBody>
+          </p:sp>
+        </mc:Fallback>
+      </mc:AlternateContent>
+      <p:sp>
+        <p:nvSpPr>
+          <p:cNvPr id="23" name="TextBox 22">
+            <a:extLst>
+              <a:ext uri="{FF2B5EF4-FFF2-40B4-BE49-F238E27FC236}">
+                <a16:creationId xmlns:a16="http://schemas.microsoft.com/office/drawing/2014/main" id="{24F2513E-078F-8685-A7E9-7F3A50361A93}"/>
+              </a:ext>
+            </a:extLst>
+          </p:cNvPr>
+          <p:cNvSpPr txBox="1"/>
+          <p:nvPr/>
+        </p:nvSpPr>
+        <p:spPr>
+          <a:xfrm>
+            <a:off x="3572794" y="5091395"/>
+            <a:ext cx="914033" cy="307777"/>
+          </a:xfrm>
+          <a:prstGeom prst="rect">
+            <a:avLst/>
+          </a:prstGeom>
+          <a:noFill/>
+        </p:spPr>
+        <p:txBody>
+          <a:bodyPr wrap="none" rtlCol="0">
+            <a:spAutoFit/>
+          </a:bodyPr>
+          <a:lstStyle/>
+          <a:p>
+            <a:r>
+              <a:rPr lang="en-US" sz="1400" dirty="0"/>
+              <a:t>1,000,001</a:t>
+            </a:r>
+          </a:p>
+        </p:txBody>
+      </p:sp>
+      <p:sp>
+        <p:nvSpPr>
+          <p:cNvPr id="24" name="TextBox 23">
+            <a:extLst>
+              <a:ext uri="{FF2B5EF4-FFF2-40B4-BE49-F238E27FC236}">
+                <a16:creationId xmlns:a16="http://schemas.microsoft.com/office/drawing/2014/main" id="{3C39F9A8-82D9-0F41-CEB8-57C8E30FDADD}"/>
+              </a:ext>
+            </a:extLst>
+          </p:cNvPr>
+          <p:cNvSpPr txBox="1"/>
+          <p:nvPr/>
+        </p:nvSpPr>
+        <p:spPr>
+          <a:xfrm>
+            <a:off x="3538261" y="5470157"/>
+            <a:ext cx="1045084" cy="307777"/>
+          </a:xfrm>
+          <a:prstGeom prst="rect">
+            <a:avLst/>
+          </a:prstGeom>
+          <a:noFill/>
+        </p:spPr>
+        <p:txBody>
+          <a:bodyPr wrap="square">
+            <a:spAutoFit/>
+          </a:bodyPr>
+          <a:lstStyle/>
+          <a:p>
+            <a:r>
+              <a:rPr lang="en-US" sz="1400" dirty="0"/>
+              <a:t>1,000,001</a:t>
+            </a:r>
+          </a:p>
+        </p:txBody>
+      </p:sp>
+      <p:sp>
+        <p:nvSpPr>
+          <p:cNvPr id="35" name="TextBox 34">
+            <a:extLst>
+              <a:ext uri="{FF2B5EF4-FFF2-40B4-BE49-F238E27FC236}">
+                <a16:creationId xmlns:a16="http://schemas.microsoft.com/office/drawing/2014/main" id="{3228425D-0D54-06E3-71F0-4509887BA607}"/>
+              </a:ext>
+            </a:extLst>
+          </p:cNvPr>
+          <p:cNvSpPr txBox="1"/>
+          <p:nvPr/>
+        </p:nvSpPr>
+        <p:spPr>
+          <a:xfrm>
+            <a:off x="3522496" y="5832766"/>
+            <a:ext cx="1045084" cy="307777"/>
+          </a:xfrm>
+          <a:prstGeom prst="rect">
+            <a:avLst/>
+          </a:prstGeom>
+          <a:noFill/>
+        </p:spPr>
+        <p:txBody>
+          <a:bodyPr wrap="square">
+            <a:spAutoFit/>
+          </a:bodyPr>
+          <a:lstStyle/>
+          <a:p>
+            <a:r>
+              <a:rPr lang="en-US" sz="1400" dirty="0"/>
+              <a:t>1,001,000</a:t>
+            </a:r>
+          </a:p>
+        </p:txBody>
+      </p:sp>
+      <p:sp>
+        <p:nvSpPr>
+          <p:cNvPr id="36" name="TextBox 35">
+            <a:extLst>
+              <a:ext uri="{FF2B5EF4-FFF2-40B4-BE49-F238E27FC236}">
+                <a16:creationId xmlns:a16="http://schemas.microsoft.com/office/drawing/2014/main" id="{86E43E7D-6E74-6F05-CFCE-931F07F929C3}"/>
+              </a:ext>
+            </a:extLst>
+          </p:cNvPr>
+          <p:cNvSpPr txBox="1"/>
+          <p:nvPr/>
+        </p:nvSpPr>
+        <p:spPr>
+          <a:xfrm rot="5400000">
+            <a:off x="5525206" y="4112439"/>
+            <a:ext cx="915711" cy="307777"/>
+          </a:xfrm>
+          <a:prstGeom prst="rect">
+            <a:avLst/>
+          </a:prstGeom>
+          <a:noFill/>
+        </p:spPr>
+        <p:txBody>
+          <a:bodyPr wrap="square">
+            <a:spAutoFit/>
+          </a:bodyPr>
+          <a:lstStyle/>
+          <a:p>
+            <a:r>
+              <a:rPr lang="en-US" sz="1400" dirty="0"/>
+              <a:t>2,000,001</a:t>
+            </a:r>
+          </a:p>
+        </p:txBody>
+      </p:sp>
+      <p:sp>
+        <p:nvSpPr>
+          <p:cNvPr id="37" name="TextBox 36">
+            <a:extLst>
+              <a:ext uri="{FF2B5EF4-FFF2-40B4-BE49-F238E27FC236}">
+                <a16:creationId xmlns:a16="http://schemas.microsoft.com/office/drawing/2014/main" id="{B03DAAE4-FF60-F9C8-2B5A-6F4FD279020C}"/>
+              </a:ext>
+            </a:extLst>
+          </p:cNvPr>
+          <p:cNvSpPr txBox="1"/>
+          <p:nvPr/>
+        </p:nvSpPr>
+        <p:spPr>
+          <a:xfrm rot="5400000">
+            <a:off x="4945180" y="4113961"/>
+            <a:ext cx="915711" cy="307777"/>
+          </a:xfrm>
+          <a:prstGeom prst="rect">
+            <a:avLst/>
+          </a:prstGeom>
+          <a:noFill/>
+        </p:spPr>
+        <p:txBody>
+          <a:bodyPr wrap="square">
+            <a:spAutoFit/>
+          </a:bodyPr>
+          <a:lstStyle/>
+          <a:p>
+            <a:r>
+              <a:rPr lang="en-US" sz="1400" dirty="0"/>
+              <a:t>1,001,001</a:t>
+            </a:r>
+          </a:p>
+        </p:txBody>
+      </p:sp>
+      <mc:AlternateContent xmlns:mc="http://schemas.openxmlformats.org/markup-compatibility/2006">
+        <mc:Choice xmlns:a14="http://schemas.microsoft.com/office/drawing/2010/main" Requires="a14">
+          <p:sp>
+            <p:nvSpPr>
+              <p:cNvPr id="38" name="TextBox 37">
+                <a:extLst>
+                  <a:ext uri="{FF2B5EF4-FFF2-40B4-BE49-F238E27FC236}">
+                    <a16:creationId xmlns:a16="http://schemas.microsoft.com/office/drawing/2014/main" id="{8F067130-40D6-1F14-CB51-CF0A790927DA}"/>
+                  </a:ext>
+                </a:extLst>
+              </p:cNvPr>
+              <p:cNvSpPr txBox="1"/>
+              <p:nvPr/>
+            </p:nvSpPr>
+            <p:spPr>
+              <a:xfrm>
+                <a:off x="3264657" y="5370902"/>
+                <a:ext cx="226024" cy="276999"/>
+              </a:xfrm>
+              <a:prstGeom prst="rect">
+                <a:avLst/>
+              </a:prstGeom>
+              <a:noFill/>
+            </p:spPr>
+            <p:txBody>
+              <a:bodyPr wrap="none" lIns="0" tIns="0" rIns="0" bIns="0" rtlCol="0">
+                <a:spAutoFit/>
+              </a:bodyPr>
+              <a:lstStyle/>
+              <a:p>
+                <a14:m>
+                  <m:oMathPara xmlns:m="http://schemas.openxmlformats.org/officeDocument/2006/math">
+                    <m:oMathParaPr>
+                      <m:jc m:val="centerGroup"/>
+                    </m:oMathParaPr>
+                    <m:oMath xmlns:m="http://schemas.openxmlformats.org/officeDocument/2006/math">
+                      <m:r>
+                        <a:rPr lang="en-US" b="0" i="1" smtClean="0">
+                          <a:latin typeface="Cambria Math" panose="02040503050406030204" pitchFamily="18" charset="0"/>
+                        </a:rPr>
+                        <m:t>=</m:t>
+                      </m:r>
+                    </m:oMath>
+                  </m:oMathPara>
+                </a14:m>
+                <a:endParaRPr lang="en-US" dirty="0"/>
+              </a:p>
+            </p:txBody>
+          </p:sp>
+        </mc:Choice>
+        <mc:Fallback>
+          <p:sp>
+            <p:nvSpPr>
+              <p:cNvPr id="38" name="TextBox 37">
+                <a:extLst>
+                  <a:ext uri="{FF2B5EF4-FFF2-40B4-BE49-F238E27FC236}">
+                    <a16:creationId xmlns:a16="http://schemas.microsoft.com/office/drawing/2014/main" id="{8F067130-40D6-1F14-CB51-CF0A790927DA}"/>
+                  </a:ext>
+                </a:extLst>
+              </p:cNvPr>
+              <p:cNvSpPr txBox="1">
+                <a:spLocks noRot="1" noChangeAspect="1" noMove="1" noResize="1" noEditPoints="1" noAdjustHandles="1" noChangeArrowheads="1" noChangeShapeType="1" noTextEdit="1"/>
+              </p:cNvSpPr>
+              <p:nvPr/>
+            </p:nvSpPr>
+            <p:spPr>
+              <a:xfrm>
+                <a:off x="3264657" y="5370902"/>
+                <a:ext cx="226024" cy="276999"/>
+              </a:xfrm>
+              <a:prstGeom prst="rect">
+                <a:avLst/>
+              </a:prstGeom>
+              <a:blipFill>
+                <a:blip r:embed="rId10"/>
+                <a:stretch>
+                  <a:fillRect l="-15789" r="-5263"/>
+                </a:stretch>
+              </a:blipFill>
+            </p:spPr>
+            <p:txBody>
+              <a:bodyPr/>
+              <a:lstStyle/>
+              <a:p>
+                <a:r>
+                  <a:rPr lang="en-US">
+                    <a:noFill/>
+                  </a:rPr>
+                  <a:t> </a:t>
+                </a:r>
+              </a:p>
+            </p:txBody>
+          </p:sp>
+        </mc:Fallback>
+      </mc:AlternateContent>
+      <p:sp>
+        <p:nvSpPr>
+          <p:cNvPr id="39" name="TextBox 38">
+            <a:extLst>
+              <a:ext uri="{FF2B5EF4-FFF2-40B4-BE49-F238E27FC236}">
+                <a16:creationId xmlns:a16="http://schemas.microsoft.com/office/drawing/2014/main" id="{1DD4048B-F939-39F8-4D8F-D872C8A62D8B}"/>
+              </a:ext>
+            </a:extLst>
+          </p:cNvPr>
+          <p:cNvSpPr txBox="1"/>
+          <p:nvPr/>
+        </p:nvSpPr>
+        <p:spPr>
+          <a:xfrm>
+            <a:off x="3242459" y="5071234"/>
+            <a:ext cx="292068" cy="369332"/>
+          </a:xfrm>
+          <a:prstGeom prst="rect">
+            <a:avLst/>
+          </a:prstGeom>
+          <a:noFill/>
+        </p:spPr>
+        <p:txBody>
+          <a:bodyPr wrap="none" rtlCol="0">
+            <a:spAutoFit/>
+          </a:bodyPr>
+          <a:lstStyle/>
+          <a:p>
+            <a:r>
+              <a:rPr lang="en-US" dirty="0"/>
+              <a:t>?</a:t>
+            </a:r>
+          </a:p>
+        </p:txBody>
+      </p:sp>
+      <p:grpSp>
+        <p:nvGrpSpPr>
+          <p:cNvPr id="44" name="Group 43">
+            <a:extLst>
+              <a:ext uri="{FF2B5EF4-FFF2-40B4-BE49-F238E27FC236}">
+                <a16:creationId xmlns:a16="http://schemas.microsoft.com/office/drawing/2014/main" id="{F2C828C1-54FE-418D-EE21-4ACC626F550E}"/>
+              </a:ext>
+            </a:extLst>
+          </p:cNvPr>
+          <p:cNvGrpSpPr>
+            <a:grpSpLocks noChangeAspect="1"/>
+          </p:cNvGrpSpPr>
+          <p:nvPr/>
+        </p:nvGrpSpPr>
+        <p:grpSpPr>
+          <a:xfrm rot="10800000">
+            <a:off x="97462" y="5245283"/>
+            <a:ext cx="274320" cy="201065"/>
+            <a:chOff x="6509000" y="4866820"/>
+            <a:chExt cx="480379" cy="352097"/>
+          </a:xfrm>
+        </p:grpSpPr>
+        <p:cxnSp>
+          <p:nvCxnSpPr>
+            <p:cNvPr id="45" name="Straight Arrow Connector 44">
+              <a:extLst>
+                <a:ext uri="{FF2B5EF4-FFF2-40B4-BE49-F238E27FC236}">
+                  <a16:creationId xmlns:a16="http://schemas.microsoft.com/office/drawing/2014/main" id="{552D84BD-6937-7A26-BD59-5729288B46C7}"/>
+                </a:ext>
+              </a:extLst>
+            </p:cNvPr>
+            <p:cNvCxnSpPr/>
+            <p:nvPr/>
+          </p:nvCxnSpPr>
+          <p:spPr>
+            <a:xfrm flipH="1">
+              <a:off x="6514254" y="4866820"/>
+              <a:ext cx="475125" cy="0"/>
+            </a:xfrm>
+            <a:prstGeom prst="straightConnector1">
+              <a:avLst/>
+            </a:prstGeom>
+            <a:ln w="38100">
+              <a:tailEnd type="triangle"/>
+            </a:ln>
+          </p:spPr>
+          <p:style>
+            <a:lnRef idx="1">
+              <a:schemeClr val="accent1"/>
+            </a:lnRef>
+            <a:fillRef idx="0">
+              <a:schemeClr val="accent1"/>
+            </a:fillRef>
+            <a:effectRef idx="0">
+              <a:schemeClr val="accent1"/>
+            </a:effectRef>
+            <a:fontRef idx="minor">
+              <a:schemeClr val="tx1"/>
+            </a:fontRef>
+          </p:style>
+        </p:cxnSp>
+        <p:cxnSp>
+          <p:nvCxnSpPr>
+            <p:cNvPr id="55" name="Straight Arrow Connector 54">
+              <a:extLst>
+                <a:ext uri="{FF2B5EF4-FFF2-40B4-BE49-F238E27FC236}">
+                  <a16:creationId xmlns:a16="http://schemas.microsoft.com/office/drawing/2014/main" id="{B99CB0E9-44FC-9F09-16BB-6E7302498A84}"/>
+                </a:ext>
+              </a:extLst>
+            </p:cNvPr>
+            <p:cNvCxnSpPr/>
+            <p:nvPr/>
+          </p:nvCxnSpPr>
+          <p:spPr>
+            <a:xfrm flipH="1">
+              <a:off x="6509000" y="5218917"/>
+              <a:ext cx="475125" cy="0"/>
+            </a:xfrm>
+            <a:prstGeom prst="straightConnector1">
+              <a:avLst/>
+            </a:prstGeom>
+            <a:ln w="38100">
+              <a:tailEnd type="triangle"/>
+            </a:ln>
+          </p:spPr>
+          <p:style>
+            <a:lnRef idx="1">
+              <a:schemeClr val="accent1"/>
+            </a:lnRef>
+            <a:fillRef idx="0">
+              <a:schemeClr val="accent1"/>
+            </a:fillRef>
+            <a:effectRef idx="0">
+              <a:schemeClr val="accent1"/>
+            </a:effectRef>
+            <a:fontRef idx="minor">
+              <a:schemeClr val="tx1"/>
+            </a:fontRef>
+          </p:style>
+        </p:cxnSp>
+        <p:cxnSp>
+          <p:nvCxnSpPr>
+            <p:cNvPr id="58" name="Straight Connector 57">
+              <a:extLst>
+                <a:ext uri="{FF2B5EF4-FFF2-40B4-BE49-F238E27FC236}">
+                  <a16:creationId xmlns:a16="http://schemas.microsoft.com/office/drawing/2014/main" id="{DD044F4A-E1BC-A3C8-41F4-7343F4426123}"/>
+                </a:ext>
+              </a:extLst>
+            </p:cNvPr>
+            <p:cNvCxnSpPr/>
+            <p:nvPr/>
+          </p:nvCxnSpPr>
+          <p:spPr>
+            <a:xfrm>
+              <a:off x="6984125" y="4866820"/>
+              <a:ext cx="0" cy="352097"/>
+            </a:xfrm>
+            <a:prstGeom prst="line">
+              <a:avLst/>
+            </a:prstGeom>
+            <a:ln w="38100"/>
+          </p:spPr>
+          <p:style>
+            <a:lnRef idx="1">
+              <a:schemeClr val="accent1"/>
+            </a:lnRef>
+            <a:fillRef idx="0">
+              <a:schemeClr val="accent1"/>
+            </a:fillRef>
+            <a:effectRef idx="0">
+              <a:schemeClr val="accent1"/>
+            </a:effectRef>
+            <a:fontRef idx="minor">
+              <a:schemeClr val="tx1"/>
+            </a:fontRef>
+          </p:style>
+        </p:cxnSp>
+      </p:grpSp>
+    </p:spTree>
+    <p:extLst>
+      <p:ext uri="{BB962C8B-B14F-4D97-AF65-F5344CB8AC3E}">
+        <p14:creationId xmlns:p14="http://schemas.microsoft.com/office/powerpoint/2010/main" val="2001152780"/>
+      </p:ext>
+    </p:extLst>
+  </p:cSld>
+  <p:clrMapOvr>
+    <a:masterClrMapping/>
+  </p:clrMapOvr>
+</p:sld>
+</file>
+
 <file path=ppt/slides/slide2.xml><?xml version="1.0" encoding="utf-8"?>
 <p:sld xmlns:a="http://schemas.openxmlformats.org/drawingml/2006/main" xmlns:r="http://schemas.openxmlformats.org/officeDocument/2006/relationships" xmlns:p="http://schemas.openxmlformats.org/presentationml/2006/main">
   <p:cSld>
@@ -14127,6 +18104,41 @@
             <a:r>
               <a:rPr lang="en-US" b="1" dirty="0"/>
               <a:t>2. For each permutation, check equality of matrices.</a:t>
+            </a:r>
+          </a:p>
+        </p:txBody>
+      </p:sp>
+      <p:sp>
+        <p:nvSpPr>
+          <p:cNvPr id="33" name="TextBox 32">
+            <a:extLst>
+              <a:ext uri="{FF2B5EF4-FFF2-40B4-BE49-F238E27FC236}">
+                <a16:creationId xmlns:a16="http://schemas.microsoft.com/office/drawing/2014/main" id="{26F7CEEB-1103-36DB-AD52-3A098FB50CDF}"/>
+              </a:ext>
+            </a:extLst>
+          </p:cNvPr>
+          <p:cNvSpPr txBox="1"/>
+          <p:nvPr/>
+        </p:nvSpPr>
+        <p:spPr>
+          <a:xfrm>
+            <a:off x="2997112" y="5978585"/>
+            <a:ext cx="3427605" cy="369332"/>
+          </a:xfrm>
+          <a:prstGeom prst="rect">
+            <a:avLst/>
+          </a:prstGeom>
+          <a:noFill/>
+        </p:spPr>
+        <p:txBody>
+          <a:bodyPr wrap="none" rtlCol="0">
+            <a:spAutoFit/>
+          </a:bodyPr>
+          <a:lstStyle/>
+          <a:p>
+            <a:r>
+              <a:rPr lang="en-US" dirty="0"/>
+              <a:t>Total matrix permutations: 6*2=12</a:t>
             </a:r>
           </a:p>
         </p:txBody>
@@ -15084,7 +19096,7 @@
           <a:p>
             <a:r>
               <a:rPr lang="en-US" dirty="0"/>
-              <a:t>Order Independent Classification of Arrays</a:t>
+              <a:t>Order Independent Encoding (OIE) of Arrays</a:t>
             </a:r>
           </a:p>
         </p:txBody>
@@ -15803,7 +19815,7 @@
             <p:spPr>
               <a:xfrm>
                 <a:off x="704193" y="1393770"/>
-                <a:ext cx="9495356" cy="1477328"/>
+                <a:ext cx="6632713" cy="1477328"/>
               </a:xfrm>
               <a:prstGeom prst="rect">
                 <a:avLst/>
@@ -15901,11 +19913,11 @@
               <a:p>
                 <a:r>
                   <a:rPr lang="en-US" b="1" dirty="0"/>
-                  <a:t>Order independent encoding</a:t>
+                  <a:t>OIE</a:t>
                 </a:r>
                 <a:r>
                   <a:rPr lang="en-US" dirty="0"/>
-                  <a:t>: sum of integers with non-overlapping powers of ten (e.g., 1,000,002)</a:t>
+                  <a:t>: sum of the above values multiplied by powers of 1000 (2, 1, 0)</a:t>
                 </a:r>
               </a:p>
             </p:txBody>
@@ -15929,7 +19941,7 @@
             <p:spPr>
               <a:xfrm>
                 <a:off x="704193" y="1393770"/>
-                <a:ext cx="9495356" cy="1477328"/>
+                <a:ext cx="6632713" cy="1477328"/>
               </a:xfrm>
               <a:prstGeom prst="rect">
                 <a:avLst/>
@@ -15937,7 +19949,7 @@
               <a:blipFill>
                 <a:blip r:embed="rId6"/>
                 <a:stretch>
-                  <a:fillRect l="-534" t="-1695" b="-5085"/>
+                  <a:fillRect l="-765" t="-1695" b="-5085"/>
                 </a:stretch>
               </a:blipFill>
             </p:spPr>
@@ -18485,7 +22497,7 @@
             <p:spPr>
               <a:xfrm>
                 <a:off x="317397" y="817712"/>
-                <a:ext cx="11357661" cy="369332"/>
+                <a:ext cx="11508343" cy="369332"/>
               </a:xfrm>
               <a:prstGeom prst="rect">
                 <a:avLst/>
@@ -18572,7 +22584,7 @@
                 </a14:m>
                 <a:r>
                   <a:rPr lang="en-US" dirty="0"/>
-                  <a:t>that have the same order independent encoding. </a:t>
+                  <a:t>that have the same order independent encoding (OIE). </a:t>
                 </a:r>
               </a:p>
             </p:txBody>
@@ -18596,7 +22608,7 @@
             <p:spPr>
               <a:xfrm>
                 <a:off x="317397" y="817712"/>
-                <a:ext cx="11357661" cy="369332"/>
+                <a:ext cx="11508343" cy="369332"/>
               </a:xfrm>
               <a:prstGeom prst="rect">
                 <a:avLst/>
@@ -18604,7 +22616,7 @@
               <a:blipFill>
                 <a:blip r:embed="rId2"/>
                 <a:stretch>
-                  <a:fillRect l="-335" t="-6667" b="-26667"/>
+                  <a:fillRect l="-330" t="-6667" r="-110" b="-26667"/>
                 </a:stretch>
               </a:blipFill>
             </p:spPr>
@@ -22626,13 +26638,13 @@
           <p:nvPr>
             <p:extLst>
               <p:ext uri="{D42A27DB-BD31-4B8C-83A1-F6EECF244321}">
-                <p14:modId xmlns:p14="http://schemas.microsoft.com/office/powerpoint/2010/main" val="2939724752"/>
+                <p14:modId xmlns:p14="http://schemas.microsoft.com/office/powerpoint/2010/main" val="2824559832"/>
               </p:ext>
             </p:extLst>
           </p:nvPr>
         </p:nvGraphicFramePr>
         <p:xfrm>
-          <a:off x="1266413" y="1695691"/>
+          <a:off x="1105773" y="1831618"/>
           <a:ext cx="1935531" cy="1463040"/>
         </p:xfrm>
         <a:graphic>
@@ -22864,7 +26876,7 @@
             </p:nvSpPr>
             <p:spPr>
               <a:xfrm>
-                <a:off x="1504538" y="2820234"/>
+                <a:off x="1343898" y="2956161"/>
                 <a:ext cx="303736" cy="276999"/>
               </a:xfrm>
               <a:prstGeom prst="rect">
@@ -22935,7 +26947,7 @@
             </p:nvSpPr>
             <p:spPr>
               <a:xfrm>
-                <a:off x="1504538" y="2820234"/>
+                <a:off x="1343898" y="2956161"/>
                 <a:ext cx="303736" cy="276999"/>
               </a:xfrm>
               <a:prstGeom prst="rect">
@@ -22944,7 +26956,7 @@
               <a:blipFill>
                 <a:blip r:embed="rId2"/>
                 <a:stretch>
-                  <a:fillRect l="-16000" r="-4000" b="-18182"/>
+                  <a:fillRect l="-16000" r="-8000" b="-13043"/>
                 </a:stretch>
               </a:blipFill>
             </p:spPr>
@@ -22979,7 +26991,7 @@
             </p:nvSpPr>
             <p:spPr>
               <a:xfrm>
-                <a:off x="1488773" y="2468135"/>
+                <a:off x="1328133" y="2604062"/>
                 <a:ext cx="303736" cy="276999"/>
               </a:xfrm>
               <a:prstGeom prst="rect">
@@ -23050,7 +27062,7 @@
             </p:nvSpPr>
             <p:spPr>
               <a:xfrm>
-                <a:off x="1488773" y="2468135"/>
+                <a:off x="1328133" y="2604062"/>
                 <a:ext cx="303736" cy="276999"/>
               </a:xfrm>
               <a:prstGeom prst="rect">
@@ -23059,7 +27071,7 @@
               <a:blipFill>
                 <a:blip r:embed="rId3"/>
                 <a:stretch>
-                  <a:fillRect l="-16000" r="-4000" b="-13043"/>
+                  <a:fillRect l="-16000" r="-4000" b="-8333"/>
                 </a:stretch>
               </a:blipFill>
             </p:spPr>
@@ -23094,7 +27106,7 @@
             </p:nvSpPr>
             <p:spPr>
               <a:xfrm>
-                <a:off x="1530818" y="2089769"/>
+                <a:off x="1370178" y="2225696"/>
                 <a:ext cx="298415" cy="276999"/>
               </a:xfrm>
               <a:prstGeom prst="rect">
@@ -23165,7 +27177,7 @@
             </p:nvSpPr>
             <p:spPr>
               <a:xfrm>
-                <a:off x="1530818" y="2089769"/>
+                <a:off x="1370178" y="2225696"/>
                 <a:ext cx="298415" cy="276999"/>
               </a:xfrm>
               <a:prstGeom prst="rect">
@@ -23174,7 +27186,7 @@
               <a:blipFill>
                 <a:blip r:embed="rId4"/>
                 <a:stretch>
-                  <a:fillRect l="-16667" r="-8333" b="-13043"/>
+                  <a:fillRect l="-20833" r="-4167" b="-13043"/>
                 </a:stretch>
               </a:blipFill>
             </p:spPr>
@@ -23209,7 +27221,7 @@
             </p:nvSpPr>
             <p:spPr>
               <a:xfrm>
-                <a:off x="837038" y="1695691"/>
+                <a:off x="676398" y="1831618"/>
                 <a:ext cx="373436" cy="276999"/>
               </a:xfrm>
               <a:prstGeom prst="rect">
@@ -23280,7 +27292,7 @@
             </p:nvSpPr>
             <p:spPr>
               <a:xfrm>
-                <a:off x="837038" y="1695691"/>
+                <a:off x="676398" y="1831618"/>
                 <a:ext cx="373436" cy="276999"/>
               </a:xfrm>
               <a:prstGeom prst="rect">
@@ -23289,7 +27301,7 @@
               <a:blipFill>
                 <a:blip r:embed="rId5"/>
                 <a:stretch>
-                  <a:fillRect l="-12903" r="-3226" b="-13043"/>
+                  <a:fillRect l="-13333" r="-6667" b="-13043"/>
                 </a:stretch>
               </a:blipFill>
             </p:spPr>
@@ -23322,7 +27334,7 @@
         </p:nvSpPr>
         <p:spPr>
           <a:xfrm>
-            <a:off x="388883" y="2088084"/>
+            <a:off x="228243" y="2224011"/>
             <a:ext cx="914033" cy="307777"/>
           </a:xfrm>
           <a:prstGeom prst="rect">
@@ -23357,7 +27369,7 @@
         </p:nvSpPr>
         <p:spPr>
           <a:xfrm>
-            <a:off x="354350" y="2466846"/>
+            <a:off x="193710" y="2602773"/>
             <a:ext cx="1045084" cy="307777"/>
           </a:xfrm>
           <a:prstGeom prst="rect">
@@ -23392,7 +27404,7 @@
         </p:nvSpPr>
         <p:spPr>
           <a:xfrm>
-            <a:off x="338585" y="2829455"/>
+            <a:off x="177945" y="2965382"/>
             <a:ext cx="1045084" cy="307777"/>
           </a:xfrm>
           <a:prstGeom prst="rect">
@@ -23427,7 +27439,7 @@
         </p:nvSpPr>
         <p:spPr>
           <a:xfrm rot="5400000">
-            <a:off x="2372114" y="1148529"/>
+            <a:off x="2211474" y="1284456"/>
             <a:ext cx="915711" cy="307777"/>
           </a:xfrm>
           <a:prstGeom prst="rect">
@@ -23462,7 +27474,7 @@
         </p:nvSpPr>
         <p:spPr>
           <a:xfrm rot="5400000">
-            <a:off x="1792088" y="1150051"/>
+            <a:off x="1631448" y="1285978"/>
             <a:ext cx="915711" cy="307777"/>
           </a:xfrm>
           <a:prstGeom prst="rect">
@@ -23498,13 +27510,13 @@
           <p:nvPr>
             <p:extLst>
               <p:ext uri="{D42A27DB-BD31-4B8C-83A1-F6EECF244321}">
-                <p14:modId xmlns:p14="http://schemas.microsoft.com/office/powerpoint/2010/main" val="3160822682"/>
+                <p14:modId xmlns:p14="http://schemas.microsoft.com/office/powerpoint/2010/main" val="1738147792"/>
               </p:ext>
             </p:extLst>
           </p:nvPr>
         </p:nvGraphicFramePr>
         <p:xfrm>
-          <a:off x="4508127" y="1750858"/>
+          <a:off x="4236276" y="1886785"/>
           <a:ext cx="1935531" cy="1463040"/>
         </p:xfrm>
         <a:graphic>
@@ -23736,7 +27748,7 @@
             </p:nvSpPr>
             <p:spPr>
               <a:xfrm>
-                <a:off x="4746252" y="2875401"/>
+                <a:off x="4474401" y="3011328"/>
                 <a:ext cx="303736" cy="276999"/>
               </a:xfrm>
               <a:prstGeom prst="rect">
@@ -23815,7 +27827,7 @@
             </p:nvSpPr>
             <p:spPr>
               <a:xfrm>
-                <a:off x="4746252" y="2875401"/>
+                <a:off x="4474401" y="3011328"/>
                 <a:ext cx="303736" cy="276999"/>
               </a:xfrm>
               <a:prstGeom prst="rect">
@@ -23824,7 +27836,7 @@
               <a:blipFill>
                 <a:blip r:embed="rId6"/>
                 <a:stretch>
-                  <a:fillRect l="-16000" r="-4000" b="-13043"/>
+                  <a:fillRect l="-16000" r="-4000" b="-18182"/>
                 </a:stretch>
               </a:blipFill>
             </p:spPr>
@@ -23859,7 +27871,7 @@
             </p:nvSpPr>
             <p:spPr>
               <a:xfrm>
-                <a:off x="4730487" y="2523302"/>
+                <a:off x="4458636" y="2659229"/>
                 <a:ext cx="303736" cy="276999"/>
               </a:xfrm>
               <a:prstGeom prst="rect">
@@ -23938,7 +27950,7 @@
             </p:nvSpPr>
             <p:spPr>
               <a:xfrm>
-                <a:off x="4730487" y="2523302"/>
+                <a:off x="4458636" y="2659229"/>
                 <a:ext cx="303736" cy="276999"/>
               </a:xfrm>
               <a:prstGeom prst="rect">
@@ -23947,7 +27959,7 @@
               <a:blipFill>
                 <a:blip r:embed="rId7"/>
                 <a:stretch>
-                  <a:fillRect l="-16000" r="-4000" b="-17391"/>
+                  <a:fillRect l="-12000" r="-8000" b="-13043"/>
                 </a:stretch>
               </a:blipFill>
             </p:spPr>
@@ -23982,7 +27994,7 @@
             </p:nvSpPr>
             <p:spPr>
               <a:xfrm>
-                <a:off x="4772532" y="2144936"/>
+                <a:off x="4500681" y="2280863"/>
                 <a:ext cx="298415" cy="276999"/>
               </a:xfrm>
               <a:prstGeom prst="rect">
@@ -24061,7 +28073,7 @@
             </p:nvSpPr>
             <p:spPr>
               <a:xfrm>
-                <a:off x="4772532" y="2144936"/>
+                <a:off x="4500681" y="2280863"/>
                 <a:ext cx="298415" cy="276999"/>
               </a:xfrm>
               <a:prstGeom prst="rect">
@@ -24070,7 +28082,7 @@
               <a:blipFill>
                 <a:blip r:embed="rId8"/>
                 <a:stretch>
-                  <a:fillRect l="-16000" r="-4000" b="-13043"/>
+                  <a:fillRect l="-16667" r="-8333" b="-13043"/>
                 </a:stretch>
               </a:blipFill>
             </p:spPr>
@@ -24105,7 +28117,7 @@
             </p:nvSpPr>
             <p:spPr>
               <a:xfrm>
-                <a:off x="4110285" y="1750858"/>
+                <a:off x="3838434" y="1886785"/>
                 <a:ext cx="373436" cy="276999"/>
               </a:xfrm>
               <a:prstGeom prst="rect">
@@ -24176,7 +28188,7 @@
             </p:nvSpPr>
             <p:spPr>
               <a:xfrm>
-                <a:off x="4110285" y="1750858"/>
+                <a:off x="3838434" y="1886785"/>
                 <a:ext cx="373436" cy="276999"/>
               </a:xfrm>
               <a:prstGeom prst="rect">
@@ -24185,7 +28197,7 @@
               <a:blipFill>
                 <a:blip r:embed="rId9"/>
                 <a:stretch>
-                  <a:fillRect l="-12903" r="-3226" b="-17391"/>
+                  <a:fillRect l="-13333" r="-6667" b="-13043"/>
                 </a:stretch>
               </a:blipFill>
             </p:spPr>
@@ -24218,7 +28230,7 @@
         </p:nvSpPr>
         <p:spPr>
           <a:xfrm>
-            <a:off x="3662130" y="2143251"/>
+            <a:off x="3390279" y="2279178"/>
             <a:ext cx="914033" cy="307777"/>
           </a:xfrm>
           <a:prstGeom prst="rect">
@@ -24253,7 +28265,7 @@
         </p:nvSpPr>
         <p:spPr>
           <a:xfrm>
-            <a:off x="3627597" y="2522013"/>
+            <a:off x="3355746" y="2657940"/>
             <a:ext cx="1045084" cy="307777"/>
           </a:xfrm>
           <a:prstGeom prst="rect">
@@ -24288,7 +28300,7 @@
         </p:nvSpPr>
         <p:spPr>
           <a:xfrm>
-            <a:off x="3611832" y="2884622"/>
+            <a:off x="3339981" y="3020549"/>
             <a:ext cx="1045084" cy="307777"/>
           </a:xfrm>
           <a:prstGeom prst="rect">
@@ -24323,7 +28335,7 @@
         </p:nvSpPr>
         <p:spPr>
           <a:xfrm rot="5400000">
-            <a:off x="5614542" y="1164295"/>
+            <a:off x="5342691" y="1300222"/>
             <a:ext cx="915711" cy="307777"/>
           </a:xfrm>
           <a:prstGeom prst="rect">
@@ -24358,7 +28370,7 @@
         </p:nvSpPr>
         <p:spPr>
           <a:xfrm rot="5400000">
-            <a:off x="5034516" y="1165817"/>
+            <a:off x="4762665" y="1301744"/>
             <a:ext cx="915711" cy="307777"/>
           </a:xfrm>
           <a:prstGeom prst="rect">
@@ -24395,7 +28407,7 @@
             </p:nvSpPr>
             <p:spPr>
               <a:xfrm>
-                <a:off x="3353993" y="2422758"/>
+                <a:off x="3119210" y="2558685"/>
                 <a:ext cx="226024" cy="276999"/>
               </a:xfrm>
               <a:prstGeom prst="rect">
@@ -24446,7 +28458,7 @@
             </p:nvSpPr>
             <p:spPr>
               <a:xfrm>
-                <a:off x="3353993" y="2422758"/>
+                <a:off x="3119210" y="2558685"/>
                 <a:ext cx="226024" cy="276999"/>
               </a:xfrm>
               <a:prstGeom prst="rect">
@@ -24455,7 +28467,7 @@
               <a:blipFill>
                 <a:blip r:embed="rId10"/>
                 <a:stretch>
-                  <a:fillRect l="-11111" r="-16667"/>
+                  <a:fillRect l="-10526" r="-10526"/>
                 </a:stretch>
               </a:blipFill>
             </p:spPr>
@@ -24488,7 +28500,7 @@
         </p:nvSpPr>
         <p:spPr>
           <a:xfrm>
-            <a:off x="3331795" y="2123090"/>
+            <a:off x="3097012" y="2259017"/>
             <a:ext cx="292068" cy="369332"/>
           </a:xfrm>
           <a:prstGeom prst="rect">
@@ -24524,13 +28536,13 @@
           <p:nvPr>
             <p:extLst>
               <p:ext uri="{D42A27DB-BD31-4B8C-83A1-F6EECF244321}">
-                <p14:modId xmlns:p14="http://schemas.microsoft.com/office/powerpoint/2010/main" val="1162190638"/>
+                <p14:modId xmlns:p14="http://schemas.microsoft.com/office/powerpoint/2010/main" val="1284951433"/>
               </p:ext>
             </p:extLst>
           </p:nvPr>
         </p:nvGraphicFramePr>
         <p:xfrm>
-          <a:off x="1177077" y="4643835"/>
+          <a:off x="1016437" y="4779762"/>
           <a:ext cx="1935531" cy="1463040"/>
         </p:xfrm>
         <a:graphic>
@@ -24626,7 +28638,7 @@
                       <a:pPr algn="ctr"/>
                       <a:r>
                         <a:rPr lang="en-US" dirty="0"/>
-                        <a:t>-1</a:t>
+                        <a:t>1</a:t>
                       </a:r>
                     </a:p>
                   </a:txBody>
@@ -24640,7 +28652,7 @@
                       <a:pPr algn="ctr"/>
                       <a:r>
                         <a:rPr lang="en-US" dirty="0"/>
-                        <a:t>1</a:t>
+                        <a:t>-1</a:t>
                       </a:r>
                     </a:p>
                   </a:txBody>
@@ -24671,7 +28683,7 @@
                       <a:pPr algn="ctr"/>
                       <a:r>
                         <a:rPr lang="en-US" dirty="0"/>
-                        <a:t>1</a:t>
+                        <a:t>-1</a:t>
                       </a:r>
                     </a:p>
                   </a:txBody>
@@ -24685,7 +28697,7 @@
                       <a:pPr algn="ctr"/>
                       <a:r>
                         <a:rPr lang="en-US" dirty="0"/>
-                        <a:t>-1</a:t>
+                        <a:t>1</a:t>
                       </a:r>
                     </a:p>
                   </a:txBody>
@@ -24762,7 +28774,7 @@
             </p:nvSpPr>
             <p:spPr>
               <a:xfrm>
-                <a:off x="1415202" y="5768378"/>
+                <a:off x="1254562" y="5904305"/>
                 <a:ext cx="303736" cy="276999"/>
               </a:xfrm>
               <a:prstGeom prst="rect">
@@ -24833,16 +28845,16 @@
             </p:nvSpPr>
             <p:spPr>
               <a:xfrm>
-                <a:off x="1415202" y="5768378"/>
+                <a:off x="1254562" y="5904305"/>
                 <a:ext cx="303736" cy="276999"/>
               </a:xfrm>
               <a:prstGeom prst="rect">
                 <a:avLst/>
               </a:prstGeom>
               <a:blipFill>
-                <a:blip r:embed="rId2"/>
+                <a:blip r:embed="rId11"/>
                 <a:stretch>
-                  <a:fillRect l="-16000" r="-4000" b="-13043"/>
+                  <a:fillRect l="-16000" r="-4000" b="-13636"/>
                 </a:stretch>
               </a:blipFill>
             </p:spPr>
@@ -24877,7 +28889,135 @@
             </p:nvSpPr>
             <p:spPr>
               <a:xfrm>
-                <a:off x="1399437" y="5416279"/>
+                <a:off x="1238797" y="5552206"/>
+                <a:ext cx="298415" cy="276999"/>
+              </a:xfrm>
+              <a:prstGeom prst="rect">
+                <a:avLst/>
+              </a:prstGeom>
+              <a:noFill/>
+            </p:spPr>
+            <p:txBody>
+              <a:bodyPr wrap="square" lIns="0" tIns="0" rIns="0" bIns="0" rtlCol="0">
+                <a:spAutoFit/>
+              </a:bodyPr>
+              <a:lstStyle/>
+              <a:p>
+                <a:pPr/>
+                <a14:m>
+                  <m:oMathPara xmlns:m="http://schemas.openxmlformats.org/officeDocument/2006/math">
+                    <m:oMathParaPr>
+                      <m:jc m:val="centerGroup"/>
+                    </m:oMathParaPr>
+                    <m:oMath xmlns:m="http://schemas.openxmlformats.org/officeDocument/2006/math">
+                      <m:sSub>
+                        <m:sSubPr>
+                          <m:ctrlPr>
+                            <a:rPr lang="en-US" b="0" i="1" smtClean="0">
+                              <a:solidFill>
+                                <a:srgbClr val="FF0000"/>
+                              </a:solidFill>
+                              <a:latin typeface="Cambria Math" panose="02040503050406030204" pitchFamily="18" charset="0"/>
+                            </a:rPr>
+                          </m:ctrlPr>
+                        </m:sSubPr>
+                        <m:e>
+                          <m:r>
+                            <a:rPr lang="en-US" b="0" i="1" smtClean="0">
+                              <a:solidFill>
+                                <a:srgbClr val="FF0000"/>
+                              </a:solidFill>
+                              <a:latin typeface="Cambria Math" panose="02040503050406030204" pitchFamily="18" charset="0"/>
+                            </a:rPr>
+                            <m:t>𝑅</m:t>
+                          </m:r>
+                        </m:e>
+                        <m:sub>
+                          <m:r>
+                            <a:rPr lang="en-US" b="0" i="1" smtClean="0">
+                              <a:solidFill>
+                                <a:srgbClr val="FF0000"/>
+                              </a:solidFill>
+                              <a:latin typeface="Cambria Math" panose="02040503050406030204" pitchFamily="18" charset="0"/>
+                            </a:rPr>
+                            <m:t>1</m:t>
+                          </m:r>
+                        </m:sub>
+                      </m:sSub>
+                    </m:oMath>
+                  </m:oMathPara>
+                </a14:m>
+                <a:endParaRPr lang="en-US" b="0" dirty="0">
+                  <a:solidFill>
+                    <a:srgbClr val="FF0000"/>
+                  </a:solidFill>
+                </a:endParaRPr>
+              </a:p>
+            </p:txBody>
+          </p:sp>
+        </mc:Choice>
+        <mc:Fallback>
+          <p:sp>
+            <p:nvSpPr>
+              <p:cNvPr id="10" name="TextBox 9">
+                <a:extLst>
+                  <a:ext uri="{FF2B5EF4-FFF2-40B4-BE49-F238E27FC236}">
+                    <a16:creationId xmlns:a16="http://schemas.microsoft.com/office/drawing/2014/main" id="{AF35D7E2-34FD-46C5-2D33-AC542255B524}"/>
+                  </a:ext>
+                </a:extLst>
+              </p:cNvPr>
+              <p:cNvSpPr txBox="1">
+                <a:spLocks noRot="1" noChangeAspect="1" noMove="1" noResize="1" noEditPoints="1" noAdjustHandles="1" noChangeArrowheads="1" noChangeShapeType="1" noTextEdit="1"/>
+              </p:cNvSpPr>
+              <p:nvPr/>
+            </p:nvSpPr>
+            <p:spPr>
+              <a:xfrm>
+                <a:off x="1238797" y="5552206"/>
+                <a:ext cx="298415" cy="276999"/>
+              </a:xfrm>
+              <a:prstGeom prst="rect">
+                <a:avLst/>
+              </a:prstGeom>
+              <a:blipFill>
+                <a:blip r:embed="rId12"/>
+                <a:stretch>
+                  <a:fillRect l="-16667" r="-8333" b="-18182"/>
+                </a:stretch>
+              </a:blipFill>
+            </p:spPr>
+            <p:txBody>
+              <a:bodyPr/>
+              <a:lstStyle/>
+              <a:p>
+                <a:r>
+                  <a:rPr lang="en-US">
+                    <a:noFill/>
+                  </a:rPr>
+                  <a:t> </a:t>
+                </a:r>
+              </a:p>
+            </p:txBody>
+          </p:sp>
+        </mc:Fallback>
+      </mc:AlternateContent>
+      <mc:AlternateContent xmlns:mc="http://schemas.openxmlformats.org/markup-compatibility/2006">
+        <mc:Choice xmlns:a14="http://schemas.microsoft.com/office/drawing/2010/main" Requires="a14">
+          <p:sp>
+            <p:nvSpPr>
+              <p:cNvPr id="11" name="TextBox 10">
+                <a:extLst>
+                  <a:ext uri="{FF2B5EF4-FFF2-40B4-BE49-F238E27FC236}">
+                    <a16:creationId xmlns:a16="http://schemas.microsoft.com/office/drawing/2014/main" id="{A3062BB0-8225-A85A-4AAC-5CB9CAA5A432}"/>
+                  </a:ext>
+                </a:extLst>
+              </p:cNvPr>
+              <p:cNvSpPr txBox="1"/>
+              <p:nvPr/>
+            </p:nvSpPr>
+            <p:spPr>
+              <a:xfrm>
+                <a:off x="1280842" y="5173840"/>
                 <a:ext cx="303736" cy="276999"/>
               </a:xfrm>
               <a:prstGeom prst="rect">
@@ -24902,6 +29042,9 @@
                         <m:sSubPr>
                           <m:ctrlPr>
                             <a:rPr lang="en-US" b="0" i="1" smtClean="0">
+                              <a:solidFill>
+                                <a:srgbClr val="FF0000"/>
+                              </a:solidFill>
                               <a:latin typeface="Cambria Math" panose="02040503050406030204" pitchFamily="18" charset="0"/>
                             </a:rPr>
                           </m:ctrlPr>
@@ -24909,6 +29052,9 @@
                         <m:e>
                           <m:r>
                             <a:rPr lang="en-US" b="0" i="1" smtClean="0">
+                              <a:solidFill>
+                                <a:srgbClr val="FF0000"/>
+                              </a:solidFill>
                               <a:latin typeface="Cambria Math" panose="02040503050406030204" pitchFamily="18" charset="0"/>
                             </a:rPr>
                             <m:t>𝑅</m:t>
@@ -24917,6 +29063,9 @@
                         <m:sub>
                           <m:r>
                             <a:rPr lang="en-US" b="0" i="1" smtClean="0">
+                              <a:solidFill>
+                                <a:srgbClr val="FF0000"/>
+                              </a:solidFill>
                               <a:latin typeface="Cambria Math" panose="02040503050406030204" pitchFamily="18" charset="0"/>
                             </a:rPr>
                             <m:t>2</m:t>
@@ -24934,10 +29083,10 @@
         <mc:Fallback>
           <p:sp>
             <p:nvSpPr>
-              <p:cNvPr id="10" name="TextBox 9">
+              <p:cNvPr id="11" name="TextBox 10">
                 <a:extLst>
                   <a:ext uri="{FF2B5EF4-FFF2-40B4-BE49-F238E27FC236}">
-                    <a16:creationId xmlns:a16="http://schemas.microsoft.com/office/drawing/2014/main" id="{AF35D7E2-34FD-46C5-2D33-AC542255B524}"/>
+                    <a16:creationId xmlns:a16="http://schemas.microsoft.com/office/drawing/2014/main" id="{A3062BB0-8225-A85A-4AAC-5CB9CAA5A432}"/>
                   </a:ext>
                 </a:extLst>
               </p:cNvPr>
@@ -24948,131 +29097,16 @@
             </p:nvSpPr>
             <p:spPr>
               <a:xfrm>
-                <a:off x="1399437" y="5416279"/>
+                <a:off x="1280842" y="5173840"/>
                 <a:ext cx="303736" cy="276999"/>
               </a:xfrm>
               <a:prstGeom prst="rect">
                 <a:avLst/>
               </a:prstGeom>
               <a:blipFill>
-                <a:blip r:embed="rId3"/>
+                <a:blip r:embed="rId13"/>
                 <a:stretch>
-                  <a:fillRect l="-16667" r="-8333" b="-13043"/>
-                </a:stretch>
-              </a:blipFill>
-            </p:spPr>
-            <p:txBody>
-              <a:bodyPr/>
-              <a:lstStyle/>
-              <a:p>
-                <a:r>
-                  <a:rPr lang="en-US">
-                    <a:noFill/>
-                  </a:rPr>
-                  <a:t> </a:t>
-                </a:r>
-              </a:p>
-            </p:txBody>
-          </p:sp>
-        </mc:Fallback>
-      </mc:AlternateContent>
-      <mc:AlternateContent xmlns:mc="http://schemas.openxmlformats.org/markup-compatibility/2006">
-        <mc:Choice xmlns:a14="http://schemas.microsoft.com/office/drawing/2010/main" Requires="a14">
-          <p:sp>
-            <p:nvSpPr>
-              <p:cNvPr id="11" name="TextBox 10">
-                <a:extLst>
-                  <a:ext uri="{FF2B5EF4-FFF2-40B4-BE49-F238E27FC236}">
-                    <a16:creationId xmlns:a16="http://schemas.microsoft.com/office/drawing/2014/main" id="{A3062BB0-8225-A85A-4AAC-5CB9CAA5A432}"/>
-                  </a:ext>
-                </a:extLst>
-              </p:cNvPr>
-              <p:cNvSpPr txBox="1"/>
-              <p:nvPr/>
-            </p:nvSpPr>
-            <p:spPr>
-              <a:xfrm>
-                <a:off x="1441482" y="5037913"/>
-                <a:ext cx="298415" cy="276999"/>
-              </a:xfrm>
-              <a:prstGeom prst="rect">
-                <a:avLst/>
-              </a:prstGeom>
-              <a:noFill/>
-            </p:spPr>
-            <p:txBody>
-              <a:bodyPr wrap="none" lIns="0" tIns="0" rIns="0" bIns="0" rtlCol="0">
-                <a:spAutoFit/>
-              </a:bodyPr>
-              <a:lstStyle/>
-              <a:p>
-                <a:pPr/>
-                <a14:m>
-                  <m:oMathPara xmlns:m="http://schemas.openxmlformats.org/officeDocument/2006/math">
-                    <m:oMathParaPr>
-                      <m:jc m:val="centerGroup"/>
-                    </m:oMathParaPr>
-                    <m:oMath xmlns:m="http://schemas.openxmlformats.org/officeDocument/2006/math">
-                      <m:sSub>
-                        <m:sSubPr>
-                          <m:ctrlPr>
-                            <a:rPr lang="en-US" b="0" i="1" smtClean="0">
-                              <a:latin typeface="Cambria Math" panose="02040503050406030204" pitchFamily="18" charset="0"/>
-                            </a:rPr>
-                          </m:ctrlPr>
-                        </m:sSubPr>
-                        <m:e>
-                          <m:r>
-                            <a:rPr lang="en-US" b="0" i="1" smtClean="0">
-                              <a:latin typeface="Cambria Math" panose="02040503050406030204" pitchFamily="18" charset="0"/>
-                            </a:rPr>
-                            <m:t>𝑅</m:t>
-                          </m:r>
-                        </m:e>
-                        <m:sub>
-                          <m:r>
-                            <a:rPr lang="en-US" b="0" i="1" smtClean="0">
-                              <a:latin typeface="Cambria Math" panose="02040503050406030204" pitchFamily="18" charset="0"/>
-                            </a:rPr>
-                            <m:t>1</m:t>
-                          </m:r>
-                        </m:sub>
-                      </m:sSub>
-                    </m:oMath>
-                  </m:oMathPara>
-                </a14:m>
-                <a:endParaRPr lang="en-US" b="0" dirty="0"/>
-              </a:p>
-            </p:txBody>
-          </p:sp>
-        </mc:Choice>
-        <mc:Fallback>
-          <p:sp>
-            <p:nvSpPr>
-              <p:cNvPr id="11" name="TextBox 10">
-                <a:extLst>
-                  <a:ext uri="{FF2B5EF4-FFF2-40B4-BE49-F238E27FC236}">
-                    <a16:creationId xmlns:a16="http://schemas.microsoft.com/office/drawing/2014/main" id="{A3062BB0-8225-A85A-4AAC-5CB9CAA5A432}"/>
-                  </a:ext>
-                </a:extLst>
-              </p:cNvPr>
-              <p:cNvSpPr txBox="1">
-                <a:spLocks noRot="1" noChangeAspect="1" noMove="1" noResize="1" noEditPoints="1" noAdjustHandles="1" noChangeArrowheads="1" noChangeShapeType="1" noTextEdit="1"/>
-              </p:cNvSpPr>
-              <p:nvPr/>
-            </p:nvSpPr>
-            <p:spPr>
-              <a:xfrm>
-                <a:off x="1441482" y="5037913"/>
-                <a:ext cx="298415" cy="276999"/>
-              </a:xfrm>
-              <a:prstGeom prst="rect">
-                <a:avLst/>
-              </a:prstGeom>
-              <a:blipFill>
-                <a:blip r:embed="rId11"/>
-                <a:stretch>
-                  <a:fillRect l="-16667" r="-8333" b="-13043"/>
+                  <a:fillRect l="-16000" r="-8000" b="-13043"/>
                 </a:stretch>
               </a:blipFill>
             </p:spPr>
@@ -25107,7 +29141,7 @@
             </p:nvSpPr>
             <p:spPr>
               <a:xfrm>
-                <a:off x="747702" y="4643835"/>
+                <a:off x="587062" y="4779762"/>
                 <a:ext cx="373436" cy="276999"/>
               </a:xfrm>
               <a:prstGeom prst="rect">
@@ -25178,16 +29212,16 @@
             </p:nvSpPr>
             <p:spPr>
               <a:xfrm>
-                <a:off x="747702" y="4643835"/>
+                <a:off x="587062" y="4779762"/>
                 <a:ext cx="373436" cy="276999"/>
               </a:xfrm>
               <a:prstGeom prst="rect">
                 <a:avLst/>
               </a:prstGeom>
               <a:blipFill>
-                <a:blip r:embed="rId12"/>
+                <a:blip r:embed="rId14"/>
                 <a:stretch>
-                  <a:fillRect l="-16667" r="-6667" b="-17391"/>
+                  <a:fillRect l="-13333" r="-6667" b="-13043"/>
                 </a:stretch>
               </a:blipFill>
             </p:spPr>
@@ -25220,7 +29254,7 @@
         </p:nvSpPr>
         <p:spPr>
           <a:xfrm>
-            <a:off x="299547" y="5036228"/>
+            <a:off x="138907" y="5172155"/>
             <a:ext cx="914033" cy="307777"/>
           </a:xfrm>
           <a:prstGeom prst="rect">
@@ -25255,7 +29289,7 @@
         </p:nvSpPr>
         <p:spPr>
           <a:xfrm>
-            <a:off x="265014" y="5414990"/>
+            <a:off x="104374" y="5550917"/>
             <a:ext cx="1045084" cy="307777"/>
           </a:xfrm>
           <a:prstGeom prst="rect">
@@ -25290,7 +29324,7 @@
         </p:nvSpPr>
         <p:spPr>
           <a:xfrm>
-            <a:off x="249249" y="5777599"/>
+            <a:off x="88609" y="5913526"/>
             <a:ext cx="1045084" cy="307777"/>
           </a:xfrm>
           <a:prstGeom prst="rect">
@@ -25325,7 +29359,7 @@
         </p:nvSpPr>
         <p:spPr>
           <a:xfrm rot="5400000">
-            <a:off x="2282778" y="4096673"/>
+            <a:off x="2122138" y="4232600"/>
             <a:ext cx="915711" cy="307777"/>
           </a:xfrm>
           <a:prstGeom prst="rect">
@@ -25360,7 +29394,7 @@
         </p:nvSpPr>
         <p:spPr>
           <a:xfrm rot="5400000">
-            <a:off x="1702752" y="4098195"/>
+            <a:off x="1542112" y="4234122"/>
             <a:ext cx="915711" cy="307777"/>
           </a:xfrm>
           <a:prstGeom prst="rect">
@@ -25396,13 +29430,13 @@
           <p:nvPr>
             <p:extLst>
               <p:ext uri="{D42A27DB-BD31-4B8C-83A1-F6EECF244321}">
-                <p14:modId xmlns:p14="http://schemas.microsoft.com/office/powerpoint/2010/main" val="225325810"/>
+                <p14:modId xmlns:p14="http://schemas.microsoft.com/office/powerpoint/2010/main" val="2050276895"/>
               </p:ext>
             </p:extLst>
           </p:nvPr>
         </p:nvGraphicFramePr>
         <p:xfrm>
-          <a:off x="4418791" y="4699002"/>
+          <a:off x="4258151" y="4834929"/>
           <a:ext cx="1935531" cy="1463040"/>
         </p:xfrm>
         <a:graphic>
@@ -25634,7 +29668,7 @@
             </p:nvSpPr>
             <p:spPr>
               <a:xfrm>
-                <a:off x="4656916" y="5823545"/>
+                <a:off x="4496276" y="5959472"/>
                 <a:ext cx="303736" cy="276999"/>
               </a:xfrm>
               <a:prstGeom prst="rect">
@@ -25713,16 +29747,16 @@
             </p:nvSpPr>
             <p:spPr>
               <a:xfrm>
-                <a:off x="4656916" y="5823545"/>
+                <a:off x="4496276" y="5959472"/>
                 <a:ext cx="303736" cy="276999"/>
               </a:xfrm>
               <a:prstGeom prst="rect">
                 <a:avLst/>
               </a:prstGeom>
               <a:blipFill>
-                <a:blip r:embed="rId13"/>
+                <a:blip r:embed="rId15"/>
                 <a:stretch>
-                  <a:fillRect l="-16000" r="-4000" b="-13043"/>
+                  <a:fillRect l="-20833" r="-8333" b="-13043"/>
                 </a:stretch>
               </a:blipFill>
             </p:spPr>
@@ -25757,7 +29791,7 @@
             </p:nvSpPr>
             <p:spPr>
               <a:xfrm>
-                <a:off x="4641151" y="5471446"/>
+                <a:off x="4480511" y="5607373"/>
                 <a:ext cx="303736" cy="276999"/>
               </a:xfrm>
               <a:prstGeom prst="rect">
@@ -25836,16 +29870,16 @@
             </p:nvSpPr>
             <p:spPr>
               <a:xfrm>
-                <a:off x="4641151" y="5471446"/>
+                <a:off x="4480511" y="5607373"/>
                 <a:ext cx="303736" cy="276999"/>
               </a:xfrm>
               <a:prstGeom prst="rect">
                 <a:avLst/>
               </a:prstGeom>
               <a:blipFill>
-                <a:blip r:embed="rId14"/>
+                <a:blip r:embed="rId16"/>
                 <a:stretch>
-                  <a:fillRect l="-16000" r="-4000" b="-18182"/>
+                  <a:fillRect l="-16000" r="-8000" b="-13043"/>
                 </a:stretch>
               </a:blipFill>
             </p:spPr>
@@ -25880,7 +29914,7 @@
             </p:nvSpPr>
             <p:spPr>
               <a:xfrm>
-                <a:off x="4683196" y="5093080"/>
+                <a:off x="4522556" y="5229007"/>
                 <a:ext cx="298415" cy="276999"/>
               </a:xfrm>
               <a:prstGeom prst="rect">
@@ -25959,16 +29993,16 @@
             </p:nvSpPr>
             <p:spPr>
               <a:xfrm>
-                <a:off x="4683196" y="5093080"/>
+                <a:off x="4522556" y="5229007"/>
                 <a:ext cx="298415" cy="276999"/>
               </a:xfrm>
               <a:prstGeom prst="rect">
                 <a:avLst/>
               </a:prstGeom>
               <a:blipFill>
-                <a:blip r:embed="rId15"/>
+                <a:blip r:embed="rId17"/>
                 <a:stretch>
-                  <a:fillRect l="-16000" r="-4000" b="-17391"/>
+                  <a:fillRect l="-20833" r="-4167" b="-13043"/>
                 </a:stretch>
               </a:blipFill>
             </p:spPr>
@@ -26003,7 +30037,7 @@
             </p:nvSpPr>
             <p:spPr>
               <a:xfrm>
-                <a:off x="4020949" y="4699002"/>
+                <a:off x="3860309" y="4834929"/>
                 <a:ext cx="373436" cy="276999"/>
               </a:xfrm>
               <a:prstGeom prst="rect">
@@ -26074,16 +30108,16 @@
             </p:nvSpPr>
             <p:spPr>
               <a:xfrm>
-                <a:off x="4020949" y="4699002"/>
+                <a:off x="3860309" y="4834929"/>
                 <a:ext cx="373436" cy="276999"/>
               </a:xfrm>
               <a:prstGeom prst="rect">
                 <a:avLst/>
               </a:prstGeom>
               <a:blipFill>
-                <a:blip r:embed="rId16"/>
+                <a:blip r:embed="rId18"/>
                 <a:stretch>
-                  <a:fillRect l="-12903" r="-3226" b="-18182"/>
+                  <a:fillRect l="-9677" r="-6452" b="-17391"/>
                 </a:stretch>
               </a:blipFill>
             </p:spPr>
@@ -26116,7 +30150,7 @@
         </p:nvSpPr>
         <p:spPr>
           <a:xfrm>
-            <a:off x="3572794" y="5091395"/>
+            <a:off x="3412154" y="5227322"/>
             <a:ext cx="914033" cy="307777"/>
           </a:xfrm>
           <a:prstGeom prst="rect">
@@ -26151,7 +30185,7 @@
         </p:nvSpPr>
         <p:spPr>
           <a:xfrm>
-            <a:off x="3538261" y="5470157"/>
+            <a:off x="3377621" y="5606084"/>
             <a:ext cx="1045084" cy="307777"/>
           </a:xfrm>
           <a:prstGeom prst="rect">
@@ -26186,7 +30220,7 @@
         </p:nvSpPr>
         <p:spPr>
           <a:xfrm>
-            <a:off x="3522496" y="5832766"/>
+            <a:off x="3361856" y="5968693"/>
             <a:ext cx="1045084" cy="307777"/>
           </a:xfrm>
           <a:prstGeom prst="rect">
@@ -26221,7 +30255,7 @@
         </p:nvSpPr>
         <p:spPr>
           <a:xfrm rot="5400000">
-            <a:off x="5525206" y="4112439"/>
+            <a:off x="5364566" y="4248366"/>
             <a:ext cx="915711" cy="307777"/>
           </a:xfrm>
           <a:prstGeom prst="rect">
@@ -26256,7 +30290,7 @@
         </p:nvSpPr>
         <p:spPr>
           <a:xfrm rot="5400000">
-            <a:off x="4945180" y="4113961"/>
+            <a:off x="4784540" y="4249888"/>
             <a:ext cx="915711" cy="307777"/>
           </a:xfrm>
           <a:prstGeom prst="rect">
@@ -26293,7 +30327,7 @@
             </p:nvSpPr>
             <p:spPr>
               <a:xfrm>
-                <a:off x="3264657" y="5370902"/>
+                <a:off x="3104017" y="5506829"/>
                 <a:ext cx="226024" cy="276999"/>
               </a:xfrm>
               <a:prstGeom prst="rect">
@@ -26344,16 +30378,16 @@
             </p:nvSpPr>
             <p:spPr>
               <a:xfrm>
-                <a:off x="3264657" y="5370902"/>
+                <a:off x="3104017" y="5506829"/>
                 <a:ext cx="226024" cy="276999"/>
               </a:xfrm>
               <a:prstGeom prst="rect">
                 <a:avLst/>
               </a:prstGeom>
               <a:blipFill>
-                <a:blip r:embed="rId17"/>
+                <a:blip r:embed="rId19"/>
                 <a:stretch>
-                  <a:fillRect l="-15789" r="-5263"/>
+                  <a:fillRect l="-10526" r="-10526"/>
                 </a:stretch>
               </a:blipFill>
             </p:spPr>
@@ -26386,7 +30420,7 @@
         </p:nvSpPr>
         <p:spPr>
           <a:xfrm>
-            <a:off x="3242459" y="5071234"/>
+            <a:off x="3081819" y="5207161"/>
             <a:ext cx="292068" cy="369332"/>
           </a:xfrm>
           <a:prstGeom prst="rect">
@@ -26407,148 +30441,201 @@
           </a:p>
         </p:txBody>
       </p:sp>
-      <p:grpSp>
-        <p:nvGrpSpPr>
-          <p:cNvPr id="44" name="Group 43">
-            <a:extLst>
-              <a:ext uri="{FF2B5EF4-FFF2-40B4-BE49-F238E27FC236}">
-                <a16:creationId xmlns:a16="http://schemas.microsoft.com/office/drawing/2014/main" id="{F2C828C1-54FE-418D-EE21-4ACC626F550E}"/>
-              </a:ext>
-            </a:extLst>
-          </p:cNvPr>
-          <p:cNvGrpSpPr>
-            <a:grpSpLocks noChangeAspect="1"/>
-          </p:cNvGrpSpPr>
-          <p:nvPr/>
-        </p:nvGrpSpPr>
-        <p:grpSpPr>
-          <a:xfrm rot="10800000">
-            <a:off x="97462" y="5245283"/>
-            <a:ext cx="274320" cy="201065"/>
-            <a:chOff x="6509000" y="4866820"/>
-            <a:chExt cx="480379" cy="352097"/>
-          </a:xfrm>
-        </p:grpSpPr>
-        <p:cxnSp>
-          <p:nvCxnSpPr>
-            <p:cNvPr id="45" name="Straight Arrow Connector 44">
-              <a:extLst>
-                <a:ext uri="{FF2B5EF4-FFF2-40B4-BE49-F238E27FC236}">
-                  <a16:creationId xmlns:a16="http://schemas.microsoft.com/office/drawing/2014/main" id="{552D84BD-6937-7A26-BD59-5729288B46C7}"/>
-                </a:ext>
-              </a:extLst>
-            </p:cNvPr>
-            <p:cNvCxnSpPr/>
-            <p:nvPr/>
-          </p:nvCxnSpPr>
-          <p:spPr>
-            <a:xfrm flipH="1">
-              <a:off x="6514254" y="4866820"/>
-              <a:ext cx="475125" cy="0"/>
-            </a:xfrm>
-            <a:prstGeom prst="straightConnector1">
-              <a:avLst/>
-            </a:prstGeom>
-            <a:ln w="38100">
-              <a:tailEnd type="triangle"/>
-            </a:ln>
-          </p:spPr>
-          <p:style>
-            <a:lnRef idx="1">
-              <a:schemeClr val="accent1"/>
-            </a:lnRef>
-            <a:fillRef idx="0">
-              <a:schemeClr val="accent1"/>
-            </a:fillRef>
-            <a:effectRef idx="0">
-              <a:schemeClr val="accent1"/>
-            </a:effectRef>
-            <a:fontRef idx="minor">
-              <a:schemeClr val="tx1"/>
-            </a:fontRef>
-          </p:style>
-        </p:cxnSp>
-        <p:cxnSp>
-          <p:nvCxnSpPr>
-            <p:cNvPr id="55" name="Straight Arrow Connector 54">
-              <a:extLst>
-                <a:ext uri="{FF2B5EF4-FFF2-40B4-BE49-F238E27FC236}">
-                  <a16:creationId xmlns:a16="http://schemas.microsoft.com/office/drawing/2014/main" id="{B99CB0E9-44FC-9F09-16BB-6E7302498A84}"/>
-                </a:ext>
-              </a:extLst>
-            </p:cNvPr>
-            <p:cNvCxnSpPr/>
-            <p:nvPr/>
-          </p:nvCxnSpPr>
-          <p:spPr>
-            <a:xfrm flipH="1">
-              <a:off x="6509000" y="5218917"/>
-              <a:ext cx="475125" cy="0"/>
-            </a:xfrm>
-            <a:prstGeom prst="straightConnector1">
-              <a:avLst/>
-            </a:prstGeom>
-            <a:ln w="38100">
-              <a:tailEnd type="triangle"/>
-            </a:ln>
-          </p:spPr>
-          <p:style>
-            <a:lnRef idx="1">
-              <a:schemeClr val="accent1"/>
-            </a:lnRef>
-            <a:fillRef idx="0">
-              <a:schemeClr val="accent1"/>
-            </a:fillRef>
-            <a:effectRef idx="0">
-              <a:schemeClr val="accent1"/>
-            </a:effectRef>
-            <a:fontRef idx="minor">
-              <a:schemeClr val="tx1"/>
-            </a:fontRef>
-          </p:style>
-        </p:cxnSp>
-        <p:cxnSp>
-          <p:nvCxnSpPr>
-            <p:cNvPr id="58" name="Straight Connector 57">
-              <a:extLst>
-                <a:ext uri="{FF2B5EF4-FFF2-40B4-BE49-F238E27FC236}">
-                  <a16:creationId xmlns:a16="http://schemas.microsoft.com/office/drawing/2014/main" id="{DD044F4A-E1BC-A3C8-41F4-7343F4426123}"/>
-                </a:ext>
-              </a:extLst>
-            </p:cNvPr>
-            <p:cNvCxnSpPr/>
-            <p:nvPr/>
-          </p:nvCxnSpPr>
-          <p:spPr>
-            <a:xfrm>
-              <a:off x="6984125" y="4866820"/>
-              <a:ext cx="0" cy="352097"/>
-            </a:xfrm>
-            <a:prstGeom prst="line">
-              <a:avLst/>
-            </a:prstGeom>
-            <a:ln w="38100"/>
-          </p:spPr>
-          <p:style>
-            <a:lnRef idx="1">
-              <a:schemeClr val="accent1"/>
-            </a:lnRef>
-            <a:fillRef idx="0">
-              <a:schemeClr val="accent1"/>
-            </a:fillRef>
-            <a:effectRef idx="0">
-              <a:schemeClr val="accent1"/>
-            </a:effectRef>
-            <a:fontRef idx="minor">
-              <a:schemeClr val="tx1"/>
-            </a:fontRef>
-          </p:style>
-        </p:cxnSp>
-      </p:grpSp>
+      <mc:AlternateContent xmlns:mc="http://schemas.openxmlformats.org/markup-compatibility/2006">
+        <mc:Choice xmlns:a14="http://schemas.microsoft.com/office/drawing/2010/main" Requires="a14">
+          <p:sp>
+            <p:nvSpPr>
+              <p:cNvPr id="6" name="TextBox 5">
+                <a:extLst>
+                  <a:ext uri="{FF2B5EF4-FFF2-40B4-BE49-F238E27FC236}">
+                    <a16:creationId xmlns:a16="http://schemas.microsoft.com/office/drawing/2014/main" id="{8D794A63-9D9C-5C59-B3ED-9820C3065DBE}"/>
+                  </a:ext>
+                </a:extLst>
+              </p:cNvPr>
+              <p:cNvSpPr txBox="1"/>
+              <p:nvPr/>
+            </p:nvSpPr>
+            <p:spPr>
+              <a:xfrm>
+                <a:off x="6755456" y="1831618"/>
+                <a:ext cx="5208302" cy="1938992"/>
+              </a:xfrm>
+              <a:prstGeom prst="rect">
+                <a:avLst/>
+              </a:prstGeom>
+              <a:noFill/>
+            </p:spPr>
+            <p:txBody>
+              <a:bodyPr wrap="square" rtlCol="0">
+                <a:spAutoFit/>
+              </a:bodyPr>
+              <a:lstStyle/>
+              <a:p>
+                <a:pPr marL="285750" indent="-285750">
+                  <a:buFont typeface="Arial" panose="020B0604020202020204" pitchFamily="34" charset="0"/>
+                  <a:buChar char="•"/>
+                </a:pPr>
+                <a:r>
+                  <a:rPr lang="en-US" sz="2000"/>
+                  <a:t>Rows </a:t>
+                </a:r>
+                <a14:m>
+                  <m:oMath xmlns:m="http://schemas.openxmlformats.org/officeDocument/2006/math">
+                    <m:sSub>
+                      <m:sSubPr>
+                        <m:ctrlPr>
+                          <a:rPr lang="en-US" sz="2000" b="0" i="1" smtClean="0">
+                            <a:latin typeface="Cambria Math" panose="02040503050406030204" pitchFamily="18" charset="0"/>
+                          </a:rPr>
+                        </m:ctrlPr>
+                      </m:sSubPr>
+                      <m:e>
+                        <m:r>
+                          <a:rPr lang="en-US" sz="2000" b="0" i="1" smtClean="0">
+                            <a:latin typeface="Cambria Math" panose="02040503050406030204" pitchFamily="18" charset="0"/>
+                          </a:rPr>
+                          <m:t>𝑅</m:t>
+                        </m:r>
+                      </m:e>
+                      <m:sub>
+                        <m:r>
+                          <a:rPr lang="en-US" sz="2000" b="0" i="1" smtClean="0">
+                            <a:latin typeface="Cambria Math" panose="02040503050406030204" pitchFamily="18" charset="0"/>
+                          </a:rPr>
+                          <m:t>1</m:t>
+                        </m:r>
+                      </m:sub>
+                    </m:sSub>
+                    <m:r>
+                      <a:rPr lang="en-US" sz="2000" b="0" i="1" smtClean="0">
+                        <a:latin typeface="Cambria Math" panose="02040503050406030204" pitchFamily="18" charset="0"/>
+                      </a:rPr>
+                      <m:t>,</m:t>
+                    </m:r>
+                    <m:sSub>
+                      <m:sSubPr>
+                        <m:ctrlPr>
+                          <a:rPr lang="en-US" sz="2000" b="0" i="1" smtClean="0">
+                            <a:latin typeface="Cambria Math" panose="02040503050406030204" pitchFamily="18" charset="0"/>
+                          </a:rPr>
+                        </m:ctrlPr>
+                      </m:sSubPr>
+                      <m:e>
+                        <m:r>
+                          <a:rPr lang="en-US" sz="2000" b="0" i="1" smtClean="0">
+                            <a:latin typeface="Cambria Math" panose="02040503050406030204" pitchFamily="18" charset="0"/>
+                          </a:rPr>
+                          <m:t>𝑅</m:t>
+                        </m:r>
+                      </m:e>
+                      <m:sub>
+                        <m:r>
+                          <a:rPr lang="en-US" sz="2000" b="0" i="1" smtClean="0">
+                            <a:latin typeface="Cambria Math" panose="02040503050406030204" pitchFamily="18" charset="0"/>
+                          </a:rPr>
+                          <m:t>2</m:t>
+                        </m:r>
+                      </m:sub>
+                    </m:sSub>
+                  </m:oMath>
+                </a14:m>
+                <a:r>
+                  <a:rPr lang="en-US" sz="2000" dirty="0"/>
+                  <a:t> have the same encoding and so only need to consider their permutations.</a:t>
+                </a:r>
+              </a:p>
+              <a:p>
+                <a:pPr marL="285750" indent="-285750">
+                  <a:buFont typeface="Arial" panose="020B0604020202020204" pitchFamily="34" charset="0"/>
+                  <a:buChar char="•"/>
+                </a:pPr>
+                <a:r>
+                  <a:rPr lang="en-US" sz="2000" dirty="0"/>
+                  <a:t>Result</a:t>
+                </a:r>
+              </a:p>
+              <a:p>
+                <a:pPr marL="742950" lvl="1" indent="-285750">
+                  <a:buFont typeface="Arial" panose="020B0604020202020204" pitchFamily="34" charset="0"/>
+                  <a:buChar char="•"/>
+                </a:pPr>
+                <a:r>
+                  <a:rPr lang="en-US" sz="2000" dirty="0"/>
+                  <a:t>2 constrained permutations</a:t>
+                </a:r>
+              </a:p>
+              <a:p>
+                <a:pPr marL="742950" lvl="1" indent="-285750">
+                  <a:buFont typeface="Arial" panose="020B0604020202020204" pitchFamily="34" charset="0"/>
+                  <a:buChar char="•"/>
+                </a:pPr>
+                <a:r>
+                  <a:rPr lang="en-US" sz="2000" dirty="0"/>
+                  <a:t>12 unconstrained permutations (3!*2!)</a:t>
+                </a:r>
+              </a:p>
+              <a:p>
+                <a:pPr marL="742950" lvl="1" indent="-285750">
+                  <a:buFont typeface="Arial" panose="020B0604020202020204" pitchFamily="34" charset="0"/>
+                  <a:buChar char="•"/>
+                </a:pPr>
+                <a:r>
+                  <a:rPr lang="en-US" sz="2000" dirty="0"/>
+                  <a:t>Speedup: 12/2=6</a:t>
+                </a:r>
+              </a:p>
+            </p:txBody>
+          </p:sp>
+        </mc:Choice>
+        <mc:Fallback>
+          <p:sp>
+            <p:nvSpPr>
+              <p:cNvPr id="6" name="TextBox 5">
+                <a:extLst>
+                  <a:ext uri="{FF2B5EF4-FFF2-40B4-BE49-F238E27FC236}">
+                    <a16:creationId xmlns:a16="http://schemas.microsoft.com/office/drawing/2014/main" id="{8D794A63-9D9C-5C59-B3ED-9820C3065DBE}"/>
+                  </a:ext>
+                </a:extLst>
+              </p:cNvPr>
+              <p:cNvSpPr txBox="1">
+                <a:spLocks noRot="1" noChangeAspect="1" noMove="1" noResize="1" noEditPoints="1" noAdjustHandles="1" noChangeArrowheads="1" noChangeShapeType="1" noTextEdit="1"/>
+              </p:cNvSpPr>
+              <p:nvPr/>
+            </p:nvSpPr>
+            <p:spPr>
+              <a:xfrm>
+                <a:off x="6755456" y="1831618"/>
+                <a:ext cx="5208302" cy="1938992"/>
+              </a:xfrm>
+              <a:prstGeom prst="rect">
+                <a:avLst/>
+              </a:prstGeom>
+              <a:blipFill>
+                <a:blip r:embed="rId20"/>
+                <a:stretch>
+                  <a:fillRect l="-728" t="-1948" b="-3896"/>
+                </a:stretch>
+              </a:blipFill>
+            </p:spPr>
+            <p:txBody>
+              <a:bodyPr/>
+              <a:lstStyle/>
+              <a:p>
+                <a:r>
+                  <a:rPr lang="en-US">
+                    <a:noFill/>
+                  </a:rPr>
+                  <a:t> </a:t>
+                </a:r>
+              </a:p>
+            </p:txBody>
+          </p:sp>
+        </mc:Fallback>
+      </mc:AlternateContent>
     </p:spTree>
     <p:extLst>
       <p:ext uri="{BB962C8B-B14F-4D97-AF65-F5344CB8AC3E}">
-        <p14:creationId xmlns:p14="http://schemas.microsoft.com/office/powerpoint/2010/main" val="2552391795"/>
+        <p14:creationId xmlns:p14="http://schemas.microsoft.com/office/powerpoint/2010/main" val="4116734496"/>
       </p:ext>
     </p:extLst>
   </p:cSld>
@@ -26607,6 +30694,64 @@
     <p:extLst>
       <p:ext uri="{BB962C8B-B14F-4D97-AF65-F5344CB8AC3E}">
         <p14:creationId xmlns:p14="http://schemas.microsoft.com/office/powerpoint/2010/main" val="3939599383"/>
+      </p:ext>
+    </p:extLst>
+  </p:cSld>
+  <p:clrMapOvr>
+    <a:masterClrMapping/>
+  </p:clrMapOvr>
+</p:sld>
+</file>
+
+<file path=ppt/slides/slide9.xml><?xml version="1.0" encoding="utf-8"?>
+<p:sld xmlns:a="http://schemas.openxmlformats.org/drawingml/2006/main" xmlns:r="http://schemas.openxmlformats.org/officeDocument/2006/relationships" xmlns:p="http://schemas.openxmlformats.org/presentationml/2006/main">
+  <p:cSld>
+    <p:spTree>
+      <p:nvGrpSpPr>
+        <p:cNvPr id="1" name=""/>
+        <p:cNvGrpSpPr/>
+        <p:nvPr/>
+      </p:nvGrpSpPr>
+      <p:grpSpPr>
+        <a:xfrm>
+          <a:off x="0" y="0"/>
+          <a:ext cx="0" cy="0"/>
+          <a:chOff x="0" y="0"/>
+          <a:chExt cx="0" cy="0"/>
+        </a:xfrm>
+      </p:grpSpPr>
+      <p:sp>
+        <p:nvSpPr>
+          <p:cNvPr id="2" name="Title 1">
+            <a:extLst>
+              <a:ext uri="{FF2B5EF4-FFF2-40B4-BE49-F238E27FC236}">
+                <a16:creationId xmlns:a16="http://schemas.microsoft.com/office/drawing/2014/main" id="{874BA15F-6CAF-9E3C-36AC-5FF6ACBCA46B}"/>
+              </a:ext>
+            </a:extLst>
+          </p:cNvPr>
+          <p:cNvSpPr>
+            <a:spLocks noGrp="1"/>
+          </p:cNvSpPr>
+          <p:nvPr>
+            <p:ph type="title"/>
+          </p:nvPr>
+        </p:nvSpPr>
+        <p:spPr/>
+        <p:txBody>
+          <a:bodyPr/>
+          <a:lstStyle/>
+          <a:p>
+            <a:r>
+              <a:rPr lang="en-US" dirty="0"/>
+              <a:t>BACKUP</a:t>
+            </a:r>
+          </a:p>
+        </p:txBody>
+      </p:sp>
+    </p:spTree>
+    <p:extLst>
+      <p:ext uri="{BB962C8B-B14F-4D97-AF65-F5344CB8AC3E}">
+        <p14:creationId xmlns:p14="http://schemas.microsoft.com/office/powerpoint/2010/main" val="4238020195"/>
       </p:ext>
     </p:extLst>
   </p:cSld>

--- a/docs/sirn_figures.pptx
+++ b/docs/sirn_figures.pptx
@@ -13,8 +13,9 @@
     <p:sldId id="260" r:id="rId7"/>
     <p:sldId id="266" r:id="rId8"/>
     <p:sldId id="261" r:id="rId9"/>
-    <p:sldId id="264" r:id="rId10"/>
-    <p:sldId id="265" r:id="rId11"/>
+    <p:sldId id="267" r:id="rId10"/>
+    <p:sldId id="264" r:id="rId11"/>
+    <p:sldId id="265" r:id="rId12"/>
   </p:sldIdLst>
   <p:sldSz cx="12192000" cy="6858000"/>
   <p:notesSz cx="6858000" cy="9144000"/>
@@ -3425,6 +3426,64 @@
           <p:cNvPr id="2" name="Title 1">
             <a:extLst>
               <a:ext uri="{FF2B5EF4-FFF2-40B4-BE49-F238E27FC236}">
+                <a16:creationId xmlns:a16="http://schemas.microsoft.com/office/drawing/2014/main" id="{874BA15F-6CAF-9E3C-36AC-5FF6ACBCA46B}"/>
+              </a:ext>
+            </a:extLst>
+          </p:cNvPr>
+          <p:cNvSpPr>
+            <a:spLocks noGrp="1"/>
+          </p:cNvSpPr>
+          <p:nvPr>
+            <p:ph type="title"/>
+          </p:nvPr>
+        </p:nvSpPr>
+        <p:spPr/>
+        <p:txBody>
+          <a:bodyPr/>
+          <a:lstStyle/>
+          <a:p>
+            <a:r>
+              <a:rPr lang="en-US" dirty="0"/>
+              <a:t>BACKUP</a:t>
+            </a:r>
+          </a:p>
+        </p:txBody>
+      </p:sp>
+    </p:spTree>
+    <p:extLst>
+      <p:ext uri="{BB962C8B-B14F-4D97-AF65-F5344CB8AC3E}">
+        <p14:creationId xmlns:p14="http://schemas.microsoft.com/office/powerpoint/2010/main" val="4238020195"/>
+      </p:ext>
+    </p:extLst>
+  </p:cSld>
+  <p:clrMapOvr>
+    <a:masterClrMapping/>
+  </p:clrMapOvr>
+</p:sld>
+</file>
+
+<file path=ppt/slides/slide11.xml><?xml version="1.0" encoding="utf-8"?>
+<p:sld xmlns:a="http://schemas.openxmlformats.org/drawingml/2006/main" xmlns:r="http://schemas.openxmlformats.org/officeDocument/2006/relationships" xmlns:p="http://schemas.openxmlformats.org/presentationml/2006/main">
+  <p:cSld>
+    <p:spTree>
+      <p:nvGrpSpPr>
+        <p:cNvPr id="1" name=""/>
+        <p:cNvGrpSpPr/>
+        <p:nvPr/>
+      </p:nvGrpSpPr>
+      <p:grpSpPr>
+        <a:xfrm>
+          <a:off x="0" y="0"/>
+          <a:ext cx="0" cy="0"/>
+          <a:chOff x="0" y="0"/>
+          <a:chExt cx="0" cy="0"/>
+        </a:xfrm>
+      </p:grpSpPr>
+      <p:sp>
+        <p:nvSpPr>
+          <p:cNvPr id="2" name="Title 1">
+            <a:extLst>
+              <a:ext uri="{FF2B5EF4-FFF2-40B4-BE49-F238E27FC236}">
                 <a16:creationId xmlns:a16="http://schemas.microsoft.com/office/drawing/2014/main" id="{7D9BBC80-2191-7568-8B11-10295A575F44}"/>
               </a:ext>
             </a:extLst>
@@ -30476,7 +30535,7 @@
                   <a:buChar char="•"/>
                 </a:pPr>
                 <a:r>
-                  <a:rPr lang="en-US" sz="2000"/>
+                  <a:rPr lang="en-US" sz="2000" dirty="0"/>
                   <a:t>Rows </a:t>
                 </a:r>
                 <a14:m>
@@ -30690,6 +30749,44 @@
           </a:p>
         </p:txBody>
       </p:sp>
+      <p:sp>
+        <p:nvSpPr>
+          <p:cNvPr id="3" name="Content Placeholder 2">
+            <a:extLst>
+              <a:ext uri="{FF2B5EF4-FFF2-40B4-BE49-F238E27FC236}">
+                <a16:creationId xmlns:a16="http://schemas.microsoft.com/office/drawing/2014/main" id="{0009ADEC-4FA8-64E2-C3E3-151247DC0747}"/>
+              </a:ext>
+            </a:extLst>
+          </p:cNvPr>
+          <p:cNvSpPr>
+            <a:spLocks noGrp="1"/>
+          </p:cNvSpPr>
+          <p:nvPr>
+            <p:ph idx="1"/>
+          </p:nvPr>
+        </p:nvSpPr>
+        <p:spPr/>
+        <p:txBody>
+          <a:bodyPr/>
+          <a:lstStyle/>
+          <a:p>
+            <a:r>
+              <a:rPr lang="en-US" dirty="0"/>
+              <a:t>Formula and plot</a:t>
+            </a:r>
+          </a:p>
+          <a:p>
+            <a:r>
+              <a:rPr lang="en-US" dirty="0"/>
+              <a:t>Need for threshold on maximum number </a:t>
+            </a:r>
+            <a:r>
+              <a:rPr lang="en-US"/>
+              <a:t>of permutations</a:t>
+            </a:r>
+          </a:p>
+        </p:txBody>
+      </p:sp>
     </p:spTree>
     <p:extLst>
       <p:ext uri="{BB962C8B-B14F-4D97-AF65-F5344CB8AC3E}">
@@ -30725,7 +30822,7 @@
           <p:cNvPr id="2" name="Title 1">
             <a:extLst>
               <a:ext uri="{FF2B5EF4-FFF2-40B4-BE49-F238E27FC236}">
-                <a16:creationId xmlns:a16="http://schemas.microsoft.com/office/drawing/2014/main" id="{874BA15F-6CAF-9E3C-36AC-5FF6ACBCA46B}"/>
+                <a16:creationId xmlns:a16="http://schemas.microsoft.com/office/drawing/2014/main" id="{1BB50F1C-389F-8989-92BC-57EA5144CC66}"/>
               </a:ext>
             </a:extLst>
           </p:cNvPr>
@@ -30743,15 +30840,62 @@
           <a:p>
             <a:r>
               <a:rPr lang="en-US" dirty="0"/>
-              <a:t>BACKUP</a:t>
+              <a:t>Effect of Deeper Search</a:t>
             </a:r>
           </a:p>
         </p:txBody>
       </p:sp>
+      <p:pic>
+        <p:nvPicPr>
+          <p:cNvPr id="1026" name="Picture 2">
+            <a:extLst>
+              <a:ext uri="{FF2B5EF4-FFF2-40B4-BE49-F238E27FC236}">
+                <a16:creationId xmlns:a16="http://schemas.microsoft.com/office/drawing/2014/main" id="{C5B43E88-E909-60CE-C0F5-9865617C5489}"/>
+              </a:ext>
+            </a:extLst>
+          </p:cNvPr>
+          <p:cNvPicPr>
+            <a:picLocks noChangeAspect="1" noChangeArrowheads="1"/>
+          </p:cNvPicPr>
+          <p:nvPr/>
+        </p:nvPicPr>
+        <p:blipFill>
+          <a:blip r:embed="rId2">
+            <a:extLst>
+              <a:ext uri="{28A0092B-C50C-407E-A947-70E740481C1C}">
+                <a14:useLocalDpi xmlns:a14="http://schemas.microsoft.com/office/drawing/2010/main" val="0"/>
+              </a:ext>
+            </a:extLst>
+          </a:blip>
+          <a:srcRect/>
+          <a:stretch>
+            <a:fillRect/>
+          </a:stretch>
+        </p:blipFill>
+        <p:spPr bwMode="auto">
+          <a:xfrm>
+            <a:off x="1260388" y="2198902"/>
+            <a:ext cx="5725297" cy="4293973"/>
+          </a:xfrm>
+          <a:prstGeom prst="rect">
+            <a:avLst/>
+          </a:prstGeom>
+          <a:noFill/>
+          <a:extLst>
+            <a:ext uri="{909E8E84-426E-40DD-AFC4-6F175D3DCCD1}">
+              <a14:hiddenFill xmlns:a14="http://schemas.microsoft.com/office/drawing/2010/main">
+                <a:solidFill>
+                  <a:srgbClr val="FFFFFF"/>
+                </a:solidFill>
+              </a14:hiddenFill>
+            </a:ext>
+          </a:extLst>
+        </p:spPr>
+      </p:pic>
     </p:spTree>
     <p:extLst>
       <p:ext uri="{BB962C8B-B14F-4D97-AF65-F5344CB8AC3E}">
-        <p14:creationId xmlns:p14="http://schemas.microsoft.com/office/powerpoint/2010/main" val="4238020195"/>
+        <p14:creationId xmlns:p14="http://schemas.microsoft.com/office/powerpoint/2010/main" val="1115028451"/>
       </p:ext>
     </p:extLst>
   </p:cSld>

--- a/docs/sirn_figures.pptx
+++ b/docs/sirn_figures.pptx
@@ -30778,11 +30778,7 @@
           <a:p>
             <a:r>
               <a:rPr lang="en-US" dirty="0"/>
-              <a:t>Need for threshold on maximum number </a:t>
-            </a:r>
-            <a:r>
-              <a:rPr lang="en-US"/>
-              <a:t>of permutations</a:t>
+              <a:t>Need for threshold on maximum number of permutations</a:t>
             </a:r>
           </a:p>
         </p:txBody>

--- a/docs/sirn_figures.pptx
+++ b/docs/sirn_figures.pptx
@@ -6,16 +6,17 @@
   </p:sldMasterIdLst>
   <p:sldIdLst>
     <p:sldId id="256" r:id="rId2"/>
-    <p:sldId id="257" r:id="rId3"/>
-    <p:sldId id="259" r:id="rId4"/>
-    <p:sldId id="258" r:id="rId5"/>
-    <p:sldId id="262" r:id="rId6"/>
-    <p:sldId id="260" r:id="rId7"/>
-    <p:sldId id="266" r:id="rId8"/>
-    <p:sldId id="261" r:id="rId9"/>
-    <p:sldId id="267" r:id="rId10"/>
-    <p:sldId id="264" r:id="rId11"/>
-    <p:sldId id="265" r:id="rId12"/>
+    <p:sldId id="268" r:id="rId3"/>
+    <p:sldId id="257" r:id="rId4"/>
+    <p:sldId id="259" r:id="rId5"/>
+    <p:sldId id="258" r:id="rId6"/>
+    <p:sldId id="262" r:id="rId7"/>
+    <p:sldId id="260" r:id="rId8"/>
+    <p:sldId id="266" r:id="rId9"/>
+    <p:sldId id="261" r:id="rId10"/>
+    <p:sldId id="267" r:id="rId11"/>
+    <p:sldId id="264" r:id="rId12"/>
+    <p:sldId id="265" r:id="rId13"/>
   </p:sldIdLst>
   <p:sldSz cx="12192000" cy="6858000"/>
   <p:notesSz cx="6858000" cy="9144000"/>
@@ -269,7 +270,7 @@
           <a:p>
             <a:fld id="{1240C7FA-FCC8-2F46-A692-10E7DCE20533}" type="datetimeFigureOut">
               <a:rPr lang="en-US" smtClean="0"/>
-              <a:t>6/2/24</a:t>
+              <a:t>7/3/24</a:t>
             </a:fld>
             <a:endParaRPr lang="en-US"/>
           </a:p>
@@ -467,7 +468,7 @@
           <a:p>
             <a:fld id="{1240C7FA-FCC8-2F46-A692-10E7DCE20533}" type="datetimeFigureOut">
               <a:rPr lang="en-US" smtClean="0"/>
-              <a:t>6/2/24</a:t>
+              <a:t>7/3/24</a:t>
             </a:fld>
             <a:endParaRPr lang="en-US"/>
           </a:p>
@@ -675,7 +676,7 @@
           <a:p>
             <a:fld id="{1240C7FA-FCC8-2F46-A692-10E7DCE20533}" type="datetimeFigureOut">
               <a:rPr lang="en-US" smtClean="0"/>
-              <a:t>6/2/24</a:t>
+              <a:t>7/3/24</a:t>
             </a:fld>
             <a:endParaRPr lang="en-US"/>
           </a:p>
@@ -873,7 +874,7 @@
           <a:p>
             <a:fld id="{1240C7FA-FCC8-2F46-A692-10E7DCE20533}" type="datetimeFigureOut">
               <a:rPr lang="en-US" smtClean="0"/>
-              <a:t>6/2/24</a:t>
+              <a:t>7/3/24</a:t>
             </a:fld>
             <a:endParaRPr lang="en-US"/>
           </a:p>
@@ -1148,7 +1149,7 @@
           <a:p>
             <a:fld id="{1240C7FA-FCC8-2F46-A692-10E7DCE20533}" type="datetimeFigureOut">
               <a:rPr lang="en-US" smtClean="0"/>
-              <a:t>6/2/24</a:t>
+              <a:t>7/3/24</a:t>
             </a:fld>
             <a:endParaRPr lang="en-US"/>
           </a:p>
@@ -1413,7 +1414,7 @@
           <a:p>
             <a:fld id="{1240C7FA-FCC8-2F46-A692-10E7DCE20533}" type="datetimeFigureOut">
               <a:rPr lang="en-US" smtClean="0"/>
-              <a:t>6/2/24</a:t>
+              <a:t>7/3/24</a:t>
             </a:fld>
             <a:endParaRPr lang="en-US"/>
           </a:p>
@@ -1825,7 +1826,7 @@
           <a:p>
             <a:fld id="{1240C7FA-FCC8-2F46-A692-10E7DCE20533}" type="datetimeFigureOut">
               <a:rPr lang="en-US" smtClean="0"/>
-              <a:t>6/2/24</a:t>
+              <a:t>7/3/24</a:t>
             </a:fld>
             <a:endParaRPr lang="en-US"/>
           </a:p>
@@ -1966,7 +1967,7 @@
           <a:p>
             <a:fld id="{1240C7FA-FCC8-2F46-A692-10E7DCE20533}" type="datetimeFigureOut">
               <a:rPr lang="en-US" smtClean="0"/>
-              <a:t>6/2/24</a:t>
+              <a:t>7/3/24</a:t>
             </a:fld>
             <a:endParaRPr lang="en-US"/>
           </a:p>
@@ -2079,7 +2080,7 @@
           <a:p>
             <a:fld id="{1240C7FA-FCC8-2F46-A692-10E7DCE20533}" type="datetimeFigureOut">
               <a:rPr lang="en-US" smtClean="0"/>
-              <a:t>6/2/24</a:t>
+              <a:t>7/3/24</a:t>
             </a:fld>
             <a:endParaRPr lang="en-US"/>
           </a:p>
@@ -2390,7 +2391,7 @@
           <a:p>
             <a:fld id="{1240C7FA-FCC8-2F46-A692-10E7DCE20533}" type="datetimeFigureOut">
               <a:rPr lang="en-US" smtClean="0"/>
-              <a:t>6/2/24</a:t>
+              <a:t>7/3/24</a:t>
             </a:fld>
             <a:endParaRPr lang="en-US"/>
           </a:p>
@@ -2678,7 +2679,7 @@
           <a:p>
             <a:fld id="{1240C7FA-FCC8-2F46-A692-10E7DCE20533}" type="datetimeFigureOut">
               <a:rPr lang="en-US" smtClean="0"/>
-              <a:t>6/2/24</a:t>
+              <a:t>7/3/24</a:t>
             </a:fld>
             <a:endParaRPr lang="en-US"/>
           </a:p>
@@ -2919,7 +2920,7 @@
           <a:p>
             <a:fld id="{1240C7FA-FCC8-2F46-A692-10E7DCE20533}" type="datetimeFigureOut">
               <a:rPr lang="en-US" smtClean="0"/>
-              <a:t>6/2/24</a:t>
+              <a:t>7/3/24</a:t>
             </a:fld>
             <a:endParaRPr lang="en-US"/>
           </a:p>
@@ -3426,6 +3427,111 @@
           <p:cNvPr id="2" name="Title 1">
             <a:extLst>
               <a:ext uri="{FF2B5EF4-FFF2-40B4-BE49-F238E27FC236}">
+                <a16:creationId xmlns:a16="http://schemas.microsoft.com/office/drawing/2014/main" id="{1BB50F1C-389F-8989-92BC-57EA5144CC66}"/>
+              </a:ext>
+            </a:extLst>
+          </p:cNvPr>
+          <p:cNvSpPr>
+            <a:spLocks noGrp="1"/>
+          </p:cNvSpPr>
+          <p:nvPr>
+            <p:ph type="title"/>
+          </p:nvPr>
+        </p:nvSpPr>
+        <p:spPr/>
+        <p:txBody>
+          <a:bodyPr/>
+          <a:lstStyle/>
+          <a:p>
+            <a:r>
+              <a:rPr lang="en-US" dirty="0"/>
+              <a:t>Effect of Deeper Search</a:t>
+            </a:r>
+          </a:p>
+        </p:txBody>
+      </p:sp>
+      <p:pic>
+        <p:nvPicPr>
+          <p:cNvPr id="1026" name="Picture 2">
+            <a:extLst>
+              <a:ext uri="{FF2B5EF4-FFF2-40B4-BE49-F238E27FC236}">
+                <a16:creationId xmlns:a16="http://schemas.microsoft.com/office/drawing/2014/main" id="{C5B43E88-E909-60CE-C0F5-9865617C5489}"/>
+              </a:ext>
+            </a:extLst>
+          </p:cNvPr>
+          <p:cNvPicPr>
+            <a:picLocks noChangeAspect="1" noChangeArrowheads="1"/>
+          </p:cNvPicPr>
+          <p:nvPr/>
+        </p:nvPicPr>
+        <p:blipFill>
+          <a:blip r:embed="rId2">
+            <a:extLst>
+              <a:ext uri="{28A0092B-C50C-407E-A947-70E740481C1C}">
+                <a14:useLocalDpi xmlns:a14="http://schemas.microsoft.com/office/drawing/2010/main" val="0"/>
+              </a:ext>
+            </a:extLst>
+          </a:blip>
+          <a:srcRect/>
+          <a:stretch>
+            <a:fillRect/>
+          </a:stretch>
+        </p:blipFill>
+        <p:spPr bwMode="auto">
+          <a:xfrm>
+            <a:off x="1260388" y="2198902"/>
+            <a:ext cx="5725297" cy="4293973"/>
+          </a:xfrm>
+          <a:prstGeom prst="rect">
+            <a:avLst/>
+          </a:prstGeom>
+          <a:noFill/>
+          <a:extLst>
+            <a:ext uri="{909E8E84-426E-40DD-AFC4-6F175D3DCCD1}">
+              <a14:hiddenFill xmlns:a14="http://schemas.microsoft.com/office/drawing/2010/main">
+                <a:solidFill>
+                  <a:srgbClr val="FFFFFF"/>
+                </a:solidFill>
+              </a14:hiddenFill>
+            </a:ext>
+          </a:extLst>
+        </p:spPr>
+      </p:pic>
+    </p:spTree>
+    <p:extLst>
+      <p:ext uri="{BB962C8B-B14F-4D97-AF65-F5344CB8AC3E}">
+        <p14:creationId xmlns:p14="http://schemas.microsoft.com/office/powerpoint/2010/main" val="1115028451"/>
+      </p:ext>
+    </p:extLst>
+  </p:cSld>
+  <p:clrMapOvr>
+    <a:masterClrMapping/>
+  </p:clrMapOvr>
+</p:sld>
+</file>
+
+<file path=ppt/slides/slide11.xml><?xml version="1.0" encoding="utf-8"?>
+<p:sld xmlns:a="http://schemas.openxmlformats.org/drawingml/2006/main" xmlns:r="http://schemas.openxmlformats.org/officeDocument/2006/relationships" xmlns:p="http://schemas.openxmlformats.org/presentationml/2006/main">
+  <p:cSld>
+    <p:spTree>
+      <p:nvGrpSpPr>
+        <p:cNvPr id="1" name=""/>
+        <p:cNvGrpSpPr/>
+        <p:nvPr/>
+      </p:nvGrpSpPr>
+      <p:grpSpPr>
+        <a:xfrm>
+          <a:off x="0" y="0"/>
+          <a:ext cx="0" cy="0"/>
+          <a:chOff x="0" y="0"/>
+          <a:chExt cx="0" cy="0"/>
+        </a:xfrm>
+      </p:grpSpPr>
+      <p:sp>
+        <p:nvSpPr>
+          <p:cNvPr id="2" name="Title 1">
+            <a:extLst>
+              <a:ext uri="{FF2B5EF4-FFF2-40B4-BE49-F238E27FC236}">
                 <a16:creationId xmlns:a16="http://schemas.microsoft.com/office/drawing/2014/main" id="{874BA15F-6CAF-9E3C-36AC-5FF6ACBCA46B}"/>
               </a:ext>
             </a:extLst>
@@ -3462,7 +3568,7 @@
 </p:sld>
 </file>
 
-<file path=ppt/slides/slide11.xml><?xml version="1.0" encoding="utf-8"?>
+<file path=ppt/slides/slide12.xml><?xml version="1.0" encoding="utf-8"?>
 <p:sld xmlns:a="http://schemas.openxmlformats.org/drawingml/2006/main" xmlns:r="http://schemas.openxmlformats.org/officeDocument/2006/relationships" xmlns:p="http://schemas.openxmlformats.org/presentationml/2006/main">
   <p:cSld>
     <p:spTree>
@@ -3745,8 +3851,8 @@
           </a:graphicData>
         </a:graphic>
       </p:graphicFrame>
-      <mc:AlternateContent xmlns:mc="http://schemas.openxmlformats.org/markup-compatibility/2006">
-        <mc:Choice xmlns:a14="http://schemas.microsoft.com/office/drawing/2010/main" Requires="a14">
+      <mc:AlternateContent xmlns:mc="http://schemas.openxmlformats.org/markup-compatibility/2006" xmlns:a14="http://schemas.microsoft.com/office/drawing/2010/main">
+        <mc:Choice Requires="a14">
           <p:sp>
             <p:nvSpPr>
               <p:cNvPr id="50" name="TextBox 49">
@@ -3815,7 +3921,7 @@
             </p:txBody>
           </p:sp>
         </mc:Choice>
-        <mc:Fallback>
+        <mc:Fallback xmlns="">
           <p:sp>
             <p:nvSpPr>
               <p:cNvPr id="50" name="TextBox 49">
@@ -3860,8 +3966,8 @@
           </p:sp>
         </mc:Fallback>
       </mc:AlternateContent>
-      <mc:AlternateContent xmlns:mc="http://schemas.openxmlformats.org/markup-compatibility/2006">
-        <mc:Choice xmlns:a14="http://schemas.microsoft.com/office/drawing/2010/main" Requires="a14">
+      <mc:AlternateContent xmlns:mc="http://schemas.openxmlformats.org/markup-compatibility/2006" xmlns:a14="http://schemas.microsoft.com/office/drawing/2010/main">
+        <mc:Choice Requires="a14">
           <p:sp>
             <p:nvSpPr>
               <p:cNvPr id="51" name="TextBox 50">
@@ -3930,7 +4036,7 @@
             </p:txBody>
           </p:sp>
         </mc:Choice>
-        <mc:Fallback>
+        <mc:Fallback xmlns="">
           <p:sp>
             <p:nvSpPr>
               <p:cNvPr id="51" name="TextBox 50">
@@ -3975,8 +4081,8 @@
           </p:sp>
         </mc:Fallback>
       </mc:AlternateContent>
-      <mc:AlternateContent xmlns:mc="http://schemas.openxmlformats.org/markup-compatibility/2006">
-        <mc:Choice xmlns:a14="http://schemas.microsoft.com/office/drawing/2010/main" Requires="a14">
+      <mc:AlternateContent xmlns:mc="http://schemas.openxmlformats.org/markup-compatibility/2006" xmlns:a14="http://schemas.microsoft.com/office/drawing/2010/main">
+        <mc:Choice Requires="a14">
           <p:sp>
             <p:nvSpPr>
               <p:cNvPr id="52" name="TextBox 51">
@@ -4045,7 +4151,7 @@
             </p:txBody>
           </p:sp>
         </mc:Choice>
-        <mc:Fallback>
+        <mc:Fallback xmlns="">
           <p:sp>
             <p:nvSpPr>
               <p:cNvPr id="52" name="TextBox 51">
@@ -4090,8 +4196,8 @@
           </p:sp>
         </mc:Fallback>
       </mc:AlternateContent>
-      <mc:AlternateContent xmlns:mc="http://schemas.openxmlformats.org/markup-compatibility/2006">
-        <mc:Choice xmlns:a14="http://schemas.microsoft.com/office/drawing/2010/main" Requires="a14">
+      <mc:AlternateContent xmlns:mc="http://schemas.openxmlformats.org/markup-compatibility/2006" xmlns:a14="http://schemas.microsoft.com/office/drawing/2010/main">
+        <mc:Choice Requires="a14">
           <p:sp>
             <p:nvSpPr>
               <p:cNvPr id="53" name="TextBox 52">
@@ -4160,7 +4266,7 @@
             </p:txBody>
           </p:sp>
         </mc:Choice>
-        <mc:Fallback>
+        <mc:Fallback xmlns="">
           <p:sp>
             <p:nvSpPr>
               <p:cNvPr id="53" name="TextBox 52">
@@ -4611,8 +4717,8 @@
           </a:graphicData>
         </a:graphic>
       </p:graphicFrame>
-      <mc:AlternateContent xmlns:mc="http://schemas.openxmlformats.org/markup-compatibility/2006">
-        <mc:Choice xmlns:a14="http://schemas.microsoft.com/office/drawing/2010/main" Requires="a14">
+      <mc:AlternateContent xmlns:mc="http://schemas.openxmlformats.org/markup-compatibility/2006" xmlns:a14="http://schemas.microsoft.com/office/drawing/2010/main">
+        <mc:Choice Requires="a14">
           <p:sp>
             <p:nvSpPr>
               <p:cNvPr id="62" name="TextBox 61">
@@ -4689,7 +4795,7 @@
             </p:txBody>
           </p:sp>
         </mc:Choice>
-        <mc:Fallback>
+        <mc:Fallback xmlns="">
           <p:sp>
             <p:nvSpPr>
               <p:cNvPr id="62" name="TextBox 61">
@@ -4734,8 +4840,8 @@
           </p:sp>
         </mc:Fallback>
       </mc:AlternateContent>
-      <mc:AlternateContent xmlns:mc="http://schemas.openxmlformats.org/markup-compatibility/2006">
-        <mc:Choice xmlns:a14="http://schemas.microsoft.com/office/drawing/2010/main" Requires="a14">
+      <mc:AlternateContent xmlns:mc="http://schemas.openxmlformats.org/markup-compatibility/2006" xmlns:a14="http://schemas.microsoft.com/office/drawing/2010/main">
+        <mc:Choice Requires="a14">
           <p:sp>
             <p:nvSpPr>
               <p:cNvPr id="63" name="TextBox 62">
@@ -4812,7 +4918,7 @@
             </p:txBody>
           </p:sp>
         </mc:Choice>
-        <mc:Fallback>
+        <mc:Fallback xmlns="">
           <p:sp>
             <p:nvSpPr>
               <p:cNvPr id="63" name="TextBox 62">
@@ -4857,8 +4963,8 @@
           </p:sp>
         </mc:Fallback>
       </mc:AlternateContent>
-      <mc:AlternateContent xmlns:mc="http://schemas.openxmlformats.org/markup-compatibility/2006">
-        <mc:Choice xmlns:a14="http://schemas.microsoft.com/office/drawing/2010/main" Requires="a14">
+      <mc:AlternateContent xmlns:mc="http://schemas.openxmlformats.org/markup-compatibility/2006" xmlns:a14="http://schemas.microsoft.com/office/drawing/2010/main">
+        <mc:Choice Requires="a14">
           <p:sp>
             <p:nvSpPr>
               <p:cNvPr id="64" name="TextBox 63">
@@ -4935,7 +5041,7 @@
             </p:txBody>
           </p:sp>
         </mc:Choice>
-        <mc:Fallback>
+        <mc:Fallback xmlns="">
           <p:sp>
             <p:nvSpPr>
               <p:cNvPr id="64" name="TextBox 63">
@@ -4980,8 +5086,8 @@
           </p:sp>
         </mc:Fallback>
       </mc:AlternateContent>
-      <mc:AlternateContent xmlns:mc="http://schemas.openxmlformats.org/markup-compatibility/2006">
-        <mc:Choice xmlns:a14="http://schemas.microsoft.com/office/drawing/2010/main" Requires="a14">
+      <mc:AlternateContent xmlns:mc="http://schemas.openxmlformats.org/markup-compatibility/2006" xmlns:a14="http://schemas.microsoft.com/office/drawing/2010/main">
+        <mc:Choice Requires="a14">
           <p:sp>
             <p:nvSpPr>
               <p:cNvPr id="65" name="TextBox 64">
@@ -5050,7 +5156,7 @@
             </p:txBody>
           </p:sp>
         </mc:Choice>
-        <mc:Fallback>
+        <mc:Fallback xmlns="">
           <p:sp>
             <p:nvSpPr>
               <p:cNvPr id="65" name="TextBox 64">
@@ -5270,8 +5376,8 @@
           </a:p>
         </p:txBody>
       </p:sp>
-      <mc:AlternateContent xmlns:mc="http://schemas.openxmlformats.org/markup-compatibility/2006">
-        <mc:Choice xmlns:a14="http://schemas.microsoft.com/office/drawing/2010/main" Requires="a14">
+      <mc:AlternateContent xmlns:mc="http://schemas.openxmlformats.org/markup-compatibility/2006" xmlns:a14="http://schemas.microsoft.com/office/drawing/2010/main">
+        <mc:Choice Requires="a14">
           <p:sp>
             <p:nvSpPr>
               <p:cNvPr id="4" name="TextBox 3">
@@ -5300,6 +5406,7 @@
               </a:bodyPr>
               <a:lstStyle/>
               <a:p>
+                <a:pPr/>
                 <a14:m>
                   <m:oMathPara xmlns:m="http://schemas.openxmlformats.org/officeDocument/2006/math">
                     <m:oMathParaPr>
@@ -5320,7 +5427,7 @@
             </p:txBody>
           </p:sp>
         </mc:Choice>
-        <mc:Fallback>
+        <mc:Fallback xmlns="">
           <p:sp>
             <p:nvSpPr>
               <p:cNvPr id="4" name="TextBox 3">
@@ -5631,8 +5738,8 @@
           </a:graphicData>
         </a:graphic>
       </p:graphicFrame>
-      <mc:AlternateContent xmlns:mc="http://schemas.openxmlformats.org/markup-compatibility/2006">
-        <mc:Choice xmlns:a14="http://schemas.microsoft.com/office/drawing/2010/main" Requires="a14">
+      <mc:AlternateContent xmlns:mc="http://schemas.openxmlformats.org/markup-compatibility/2006" xmlns:a14="http://schemas.microsoft.com/office/drawing/2010/main">
+        <mc:Choice Requires="a14">
           <p:sp>
             <p:nvSpPr>
               <p:cNvPr id="9" name="TextBox 8">
@@ -5701,7 +5808,7 @@
             </p:txBody>
           </p:sp>
         </mc:Choice>
-        <mc:Fallback>
+        <mc:Fallback xmlns="">
           <p:sp>
             <p:nvSpPr>
               <p:cNvPr id="9" name="TextBox 8">
@@ -5746,8 +5853,8 @@
           </p:sp>
         </mc:Fallback>
       </mc:AlternateContent>
-      <mc:AlternateContent xmlns:mc="http://schemas.openxmlformats.org/markup-compatibility/2006">
-        <mc:Choice xmlns:a14="http://schemas.microsoft.com/office/drawing/2010/main" Requires="a14">
+      <mc:AlternateContent xmlns:mc="http://schemas.openxmlformats.org/markup-compatibility/2006" xmlns:a14="http://schemas.microsoft.com/office/drawing/2010/main">
+        <mc:Choice Requires="a14">
           <p:sp>
             <p:nvSpPr>
               <p:cNvPr id="10" name="TextBox 9">
@@ -5816,7 +5923,7 @@
             </p:txBody>
           </p:sp>
         </mc:Choice>
-        <mc:Fallback>
+        <mc:Fallback xmlns="">
           <p:sp>
             <p:nvSpPr>
               <p:cNvPr id="10" name="TextBox 9">
@@ -5861,8 +5968,8 @@
           </p:sp>
         </mc:Fallback>
       </mc:AlternateContent>
-      <mc:AlternateContent xmlns:mc="http://schemas.openxmlformats.org/markup-compatibility/2006">
-        <mc:Choice xmlns:a14="http://schemas.microsoft.com/office/drawing/2010/main" Requires="a14">
+      <mc:AlternateContent xmlns:mc="http://schemas.openxmlformats.org/markup-compatibility/2006" xmlns:a14="http://schemas.microsoft.com/office/drawing/2010/main">
+        <mc:Choice Requires="a14">
           <p:sp>
             <p:nvSpPr>
               <p:cNvPr id="11" name="TextBox 10">
@@ -5931,7 +6038,7 @@
             </p:txBody>
           </p:sp>
         </mc:Choice>
-        <mc:Fallback>
+        <mc:Fallback xmlns="">
           <p:sp>
             <p:nvSpPr>
               <p:cNvPr id="11" name="TextBox 10">
@@ -5976,8 +6083,8 @@
           </p:sp>
         </mc:Fallback>
       </mc:AlternateContent>
-      <mc:AlternateContent xmlns:mc="http://schemas.openxmlformats.org/markup-compatibility/2006">
-        <mc:Choice xmlns:a14="http://schemas.microsoft.com/office/drawing/2010/main" Requires="a14">
+      <mc:AlternateContent xmlns:mc="http://schemas.openxmlformats.org/markup-compatibility/2006" xmlns:a14="http://schemas.microsoft.com/office/drawing/2010/main">
+        <mc:Choice Requires="a14">
           <p:sp>
             <p:nvSpPr>
               <p:cNvPr id="12" name="TextBox 11">
@@ -6046,7 +6153,7 @@
             </p:txBody>
           </p:sp>
         </mc:Choice>
-        <mc:Fallback>
+        <mc:Fallback xmlns="">
           <p:sp>
             <p:nvSpPr>
               <p:cNvPr id="12" name="TextBox 11">
@@ -6497,8 +6604,8 @@
           </a:graphicData>
         </a:graphic>
       </p:graphicFrame>
-      <mc:AlternateContent xmlns:mc="http://schemas.openxmlformats.org/markup-compatibility/2006">
-        <mc:Choice xmlns:a14="http://schemas.microsoft.com/office/drawing/2010/main" Requires="a14">
+      <mc:AlternateContent xmlns:mc="http://schemas.openxmlformats.org/markup-compatibility/2006" xmlns:a14="http://schemas.microsoft.com/office/drawing/2010/main">
+        <mc:Choice Requires="a14">
           <p:sp>
             <p:nvSpPr>
               <p:cNvPr id="19" name="TextBox 18">
@@ -6575,7 +6682,7 @@
             </p:txBody>
           </p:sp>
         </mc:Choice>
-        <mc:Fallback>
+        <mc:Fallback xmlns="">
           <p:sp>
             <p:nvSpPr>
               <p:cNvPr id="19" name="TextBox 18">
@@ -6620,8 +6727,8 @@
           </p:sp>
         </mc:Fallback>
       </mc:AlternateContent>
-      <mc:AlternateContent xmlns:mc="http://schemas.openxmlformats.org/markup-compatibility/2006">
-        <mc:Choice xmlns:a14="http://schemas.microsoft.com/office/drawing/2010/main" Requires="a14">
+      <mc:AlternateContent xmlns:mc="http://schemas.openxmlformats.org/markup-compatibility/2006" xmlns:a14="http://schemas.microsoft.com/office/drawing/2010/main">
+        <mc:Choice Requires="a14">
           <p:sp>
             <p:nvSpPr>
               <p:cNvPr id="20" name="TextBox 19">
@@ -6698,7 +6805,7 @@
             </p:txBody>
           </p:sp>
         </mc:Choice>
-        <mc:Fallback>
+        <mc:Fallback xmlns="">
           <p:sp>
             <p:nvSpPr>
               <p:cNvPr id="20" name="TextBox 19">
@@ -6743,8 +6850,8 @@
           </p:sp>
         </mc:Fallback>
       </mc:AlternateContent>
-      <mc:AlternateContent xmlns:mc="http://schemas.openxmlformats.org/markup-compatibility/2006">
-        <mc:Choice xmlns:a14="http://schemas.microsoft.com/office/drawing/2010/main" Requires="a14">
+      <mc:AlternateContent xmlns:mc="http://schemas.openxmlformats.org/markup-compatibility/2006" xmlns:a14="http://schemas.microsoft.com/office/drawing/2010/main">
+        <mc:Choice Requires="a14">
           <p:sp>
             <p:nvSpPr>
               <p:cNvPr id="21" name="TextBox 20">
@@ -6821,7 +6928,7 @@
             </p:txBody>
           </p:sp>
         </mc:Choice>
-        <mc:Fallback>
+        <mc:Fallback xmlns="">
           <p:sp>
             <p:nvSpPr>
               <p:cNvPr id="21" name="TextBox 20">
@@ -6866,8 +6973,8 @@
           </p:sp>
         </mc:Fallback>
       </mc:AlternateContent>
-      <mc:AlternateContent xmlns:mc="http://schemas.openxmlformats.org/markup-compatibility/2006">
-        <mc:Choice xmlns:a14="http://schemas.microsoft.com/office/drawing/2010/main" Requires="a14">
+      <mc:AlternateContent xmlns:mc="http://schemas.openxmlformats.org/markup-compatibility/2006" xmlns:a14="http://schemas.microsoft.com/office/drawing/2010/main">
+        <mc:Choice Requires="a14">
           <p:sp>
             <p:nvSpPr>
               <p:cNvPr id="22" name="TextBox 21">
@@ -6936,7 +7043,7 @@
             </p:txBody>
           </p:sp>
         </mc:Choice>
-        <mc:Fallback>
+        <mc:Fallback xmlns="">
           <p:sp>
             <p:nvSpPr>
               <p:cNvPr id="22" name="TextBox 21">
@@ -7156,8 +7263,8 @@
           </a:p>
         </p:txBody>
       </p:sp>
-      <mc:AlternateContent xmlns:mc="http://schemas.openxmlformats.org/markup-compatibility/2006">
-        <mc:Choice xmlns:a14="http://schemas.microsoft.com/office/drawing/2010/main" Requires="a14">
+      <mc:AlternateContent xmlns:mc="http://schemas.openxmlformats.org/markup-compatibility/2006" xmlns:a14="http://schemas.microsoft.com/office/drawing/2010/main">
+        <mc:Choice Requires="a14">
           <p:sp>
             <p:nvSpPr>
               <p:cNvPr id="38" name="TextBox 37">
@@ -7186,6 +7293,7 @@
               </a:bodyPr>
               <a:lstStyle/>
               <a:p>
+                <a:pPr/>
                 <a14:m>
                   <m:oMathPara xmlns:m="http://schemas.openxmlformats.org/officeDocument/2006/math">
                     <m:oMathParaPr>
@@ -7206,7 +7314,7 @@
             </p:txBody>
           </p:sp>
         </mc:Choice>
-        <mc:Fallback>
+        <mc:Fallback xmlns="">
           <p:sp>
             <p:nvSpPr>
               <p:cNvPr id="38" name="TextBox 37">
@@ -7454,8 +7562,123 @@
           <a:chExt cx="0" cy="0"/>
         </a:xfrm>
       </p:grpSpPr>
-      <mc:AlternateContent xmlns:mc="http://schemas.openxmlformats.org/markup-compatibility/2006">
-        <mc:Choice xmlns:a14="http://schemas.microsoft.com/office/drawing/2010/main" Requires="a14">
+      <p:sp>
+        <p:nvSpPr>
+          <p:cNvPr id="4" name="Title 3">
+            <a:extLst>
+              <a:ext uri="{FF2B5EF4-FFF2-40B4-BE49-F238E27FC236}">
+                <a16:creationId xmlns:a16="http://schemas.microsoft.com/office/drawing/2014/main" id="{81C0E1A9-41A4-F507-C4DA-56E3CE0CF832}"/>
+              </a:ext>
+            </a:extLst>
+          </p:cNvPr>
+          <p:cNvSpPr>
+            <a:spLocks noGrp="1"/>
+          </p:cNvSpPr>
+          <p:nvPr>
+            <p:ph type="title"/>
+          </p:nvPr>
+        </p:nvSpPr>
+        <p:spPr/>
+        <p:txBody>
+          <a:bodyPr/>
+          <a:lstStyle/>
+          <a:p>
+            <a:r>
+              <a:rPr lang="en-US" dirty="0"/>
+              <a:t>Notes</a:t>
+            </a:r>
+          </a:p>
+        </p:txBody>
+      </p:sp>
+      <p:sp>
+        <p:nvSpPr>
+          <p:cNvPr id="5" name="Content Placeholder 4">
+            <a:extLst>
+              <a:ext uri="{FF2B5EF4-FFF2-40B4-BE49-F238E27FC236}">
+                <a16:creationId xmlns:a16="http://schemas.microsoft.com/office/drawing/2014/main" id="{0D9C2E52-C111-E6D8-8D96-FC8968DBC1B1}"/>
+              </a:ext>
+            </a:extLst>
+          </p:cNvPr>
+          <p:cNvSpPr>
+            <a:spLocks noGrp="1"/>
+          </p:cNvSpPr>
+          <p:nvPr>
+            <p:ph idx="1"/>
+          </p:nvPr>
+        </p:nvSpPr>
+        <p:spPr/>
+        <p:txBody>
+          <a:bodyPr/>
+          <a:lstStyle/>
+          <a:p>
+            <a:r>
+              <a:rPr lang="en-US" dirty="0"/>
+              <a:t>Define structurally identical. Relate to CRN lit.</a:t>
+            </a:r>
+          </a:p>
+          <a:p>
+            <a:r>
+              <a:rPr lang="en-US" dirty="0"/>
+              <a:t>Simple algorithm</a:t>
+            </a:r>
+          </a:p>
+          <a:p>
+            <a:r>
+              <a:rPr lang="en-US" dirty="0"/>
+              <a:t>June 9, 10,000. strong insight.</a:t>
+            </a:r>
+          </a:p>
+          <a:p>
+            <a:r>
+              <a:rPr lang="en-US" dirty="0"/>
+              <a:t>Computational complexity: theory, actuality. Time/num permutation vs. </a:t>
+            </a:r>
+            <a:r>
+              <a:rPr lang="en-US"/>
+              <a:t>%clustered</a:t>
+            </a:r>
+            <a:endParaRPr lang="en-US" dirty="0"/>
+          </a:p>
+          <a:p>
+            <a:r>
+              <a:rPr lang="en-US" dirty="0"/>
+              <a:t>Algorithm</a:t>
+            </a:r>
+          </a:p>
+        </p:txBody>
+      </p:sp>
+    </p:spTree>
+    <p:extLst>
+      <p:ext uri="{BB962C8B-B14F-4D97-AF65-F5344CB8AC3E}">
+        <p14:creationId xmlns:p14="http://schemas.microsoft.com/office/powerpoint/2010/main" val="1160133066"/>
+      </p:ext>
+    </p:extLst>
+  </p:cSld>
+  <p:clrMapOvr>
+    <a:masterClrMapping/>
+  </p:clrMapOvr>
+</p:sld>
+</file>
+
+<file path=ppt/slides/slide3.xml><?xml version="1.0" encoding="utf-8"?>
+<p:sld xmlns:a="http://schemas.openxmlformats.org/drawingml/2006/main" xmlns:r="http://schemas.openxmlformats.org/officeDocument/2006/relationships" xmlns:p="http://schemas.openxmlformats.org/presentationml/2006/main">
+  <p:cSld>
+    <p:spTree>
+      <p:nvGrpSpPr>
+        <p:cNvPr id="1" name=""/>
+        <p:cNvGrpSpPr/>
+        <p:nvPr/>
+      </p:nvGrpSpPr>
+      <p:grpSpPr>
+        <a:xfrm>
+          <a:off x="0" y="0"/>
+          <a:ext cx="0" cy="0"/>
+          <a:chOff x="0" y="0"/>
+          <a:chExt cx="0" cy="0"/>
+        </a:xfrm>
+      </p:grpSpPr>
+      <mc:AlternateContent xmlns:mc="http://schemas.openxmlformats.org/markup-compatibility/2006" xmlns:a14="http://schemas.microsoft.com/office/drawing/2010/main">
+        <mc:Choice Requires="a14">
           <p:sp>
             <p:nvSpPr>
               <p:cNvPr id="4" name="TextBox 3">
@@ -7548,7 +7771,7 @@
             </p:txBody>
           </p:sp>
         </mc:Choice>
-        <mc:Fallback>
+        <mc:Fallback xmlns="">
           <p:sp>
             <p:nvSpPr>
               <p:cNvPr id="4" name="TextBox 3">
@@ -7593,8 +7816,8 @@
           </p:sp>
         </mc:Fallback>
       </mc:AlternateContent>
-      <mc:AlternateContent xmlns:mc="http://schemas.openxmlformats.org/markup-compatibility/2006">
-        <mc:Choice xmlns:a14="http://schemas.microsoft.com/office/drawing/2010/main" Requires="a14">
+      <mc:AlternateContent xmlns:mc="http://schemas.openxmlformats.org/markup-compatibility/2006" xmlns:a14="http://schemas.microsoft.com/office/drawing/2010/main">
+        <mc:Choice Requires="a14">
           <p:sp>
             <p:nvSpPr>
               <p:cNvPr id="5" name="TextBox 4">
@@ -7687,7 +7910,7 @@
             </p:txBody>
           </p:sp>
         </mc:Choice>
-        <mc:Fallback>
+        <mc:Fallback xmlns="">
           <p:sp>
             <p:nvSpPr>
               <p:cNvPr id="5" name="TextBox 4">
@@ -7732,8 +7955,8 @@
           </p:sp>
         </mc:Fallback>
       </mc:AlternateContent>
-      <mc:AlternateContent xmlns:mc="http://schemas.openxmlformats.org/markup-compatibility/2006">
-        <mc:Choice xmlns:a14="http://schemas.microsoft.com/office/drawing/2010/main" Requires="a14">
+      <mc:AlternateContent xmlns:mc="http://schemas.openxmlformats.org/markup-compatibility/2006" xmlns:a14="http://schemas.microsoft.com/office/drawing/2010/main">
+        <mc:Choice Requires="a14">
           <p:sp>
             <p:nvSpPr>
               <p:cNvPr id="6" name="TextBox 5">
@@ -7814,7 +8037,7 @@
             </p:txBody>
           </p:sp>
         </mc:Choice>
-        <mc:Fallback>
+        <mc:Fallback xmlns="">
           <p:sp>
             <p:nvSpPr>
               <p:cNvPr id="6" name="TextBox 5">
@@ -7859,8 +8082,8 @@
           </p:sp>
         </mc:Fallback>
       </mc:AlternateContent>
-      <mc:AlternateContent xmlns:mc="http://schemas.openxmlformats.org/markup-compatibility/2006">
-        <mc:Choice xmlns:a14="http://schemas.microsoft.com/office/drawing/2010/main" Requires="a14">
+      <mc:AlternateContent xmlns:mc="http://schemas.openxmlformats.org/markup-compatibility/2006" xmlns:a14="http://schemas.microsoft.com/office/drawing/2010/main">
+        <mc:Choice Requires="a14">
           <p:sp>
             <p:nvSpPr>
               <p:cNvPr id="7" name="TextBox 6">
@@ -7961,7 +8184,7 @@
             </p:txBody>
           </p:sp>
         </mc:Choice>
-        <mc:Fallback>
+        <mc:Fallback xmlns="">
           <p:sp>
             <p:nvSpPr>
               <p:cNvPr id="7" name="TextBox 6">
@@ -8006,8 +8229,8 @@
           </p:sp>
         </mc:Fallback>
       </mc:AlternateContent>
-      <mc:AlternateContent xmlns:mc="http://schemas.openxmlformats.org/markup-compatibility/2006">
-        <mc:Choice xmlns:a14="http://schemas.microsoft.com/office/drawing/2010/main" Requires="a14">
+      <mc:AlternateContent xmlns:mc="http://schemas.openxmlformats.org/markup-compatibility/2006" xmlns:a14="http://schemas.microsoft.com/office/drawing/2010/main">
+        <mc:Choice Requires="a14">
           <p:sp>
             <p:nvSpPr>
               <p:cNvPr id="8" name="TextBox 7">
@@ -8108,7 +8331,7 @@
             </p:txBody>
           </p:sp>
         </mc:Choice>
-        <mc:Fallback>
+        <mc:Fallback xmlns="">
           <p:sp>
             <p:nvSpPr>
               <p:cNvPr id="8" name="TextBox 7">
@@ -8153,8 +8376,8 @@
           </p:sp>
         </mc:Fallback>
       </mc:AlternateContent>
-      <mc:AlternateContent xmlns:mc="http://schemas.openxmlformats.org/markup-compatibility/2006">
-        <mc:Choice xmlns:a14="http://schemas.microsoft.com/office/drawing/2010/main" Requires="a14">
+      <mc:AlternateContent xmlns:mc="http://schemas.openxmlformats.org/markup-compatibility/2006" xmlns:a14="http://schemas.microsoft.com/office/drawing/2010/main">
+        <mc:Choice Requires="a14">
           <p:sp>
             <p:nvSpPr>
               <p:cNvPr id="9" name="TextBox 8">
@@ -8243,7 +8466,7 @@
             </p:txBody>
           </p:sp>
         </mc:Choice>
-        <mc:Fallback>
+        <mc:Fallback xmlns="">
           <p:sp>
             <p:nvSpPr>
               <p:cNvPr id="9" name="TextBox 8">
@@ -8525,8 +8748,8 @@
           </a:graphicData>
         </a:graphic>
       </p:graphicFrame>
-      <mc:AlternateContent xmlns:mc="http://schemas.openxmlformats.org/markup-compatibility/2006">
-        <mc:Choice xmlns:a14="http://schemas.microsoft.com/office/drawing/2010/main" Requires="a14">
+      <mc:AlternateContent xmlns:mc="http://schemas.openxmlformats.org/markup-compatibility/2006" xmlns:a14="http://schemas.microsoft.com/office/drawing/2010/main">
+        <mc:Choice Requires="a14">
           <p:sp>
             <p:nvSpPr>
               <p:cNvPr id="16" name="TextBox 15">
@@ -8595,7 +8818,7 @@
             </p:txBody>
           </p:sp>
         </mc:Choice>
-        <mc:Fallback>
+        <mc:Fallback xmlns="">
           <p:sp>
             <p:nvSpPr>
               <p:cNvPr id="16" name="TextBox 15">
@@ -8640,8 +8863,8 @@
           </p:sp>
         </mc:Fallback>
       </mc:AlternateContent>
-      <mc:AlternateContent xmlns:mc="http://schemas.openxmlformats.org/markup-compatibility/2006">
-        <mc:Choice xmlns:a14="http://schemas.microsoft.com/office/drawing/2010/main" Requires="a14">
+      <mc:AlternateContent xmlns:mc="http://schemas.openxmlformats.org/markup-compatibility/2006" xmlns:a14="http://schemas.microsoft.com/office/drawing/2010/main">
+        <mc:Choice Requires="a14">
           <p:sp>
             <p:nvSpPr>
               <p:cNvPr id="17" name="TextBox 16">
@@ -8710,7 +8933,7 @@
             </p:txBody>
           </p:sp>
         </mc:Choice>
-        <mc:Fallback>
+        <mc:Fallback xmlns="">
           <p:sp>
             <p:nvSpPr>
               <p:cNvPr id="17" name="TextBox 16">
@@ -8755,8 +8978,8 @@
           </p:sp>
         </mc:Fallback>
       </mc:AlternateContent>
-      <mc:AlternateContent xmlns:mc="http://schemas.openxmlformats.org/markup-compatibility/2006">
-        <mc:Choice xmlns:a14="http://schemas.microsoft.com/office/drawing/2010/main" Requires="a14">
+      <mc:AlternateContent xmlns:mc="http://schemas.openxmlformats.org/markup-compatibility/2006" xmlns:a14="http://schemas.microsoft.com/office/drawing/2010/main">
+        <mc:Choice Requires="a14">
           <p:sp>
             <p:nvSpPr>
               <p:cNvPr id="18" name="TextBox 17">
@@ -8825,7 +9048,7 @@
             </p:txBody>
           </p:sp>
         </mc:Choice>
-        <mc:Fallback>
+        <mc:Fallback xmlns="">
           <p:sp>
             <p:nvSpPr>
               <p:cNvPr id="18" name="TextBox 17">
@@ -9107,8 +9330,8 @@
           </a:graphicData>
         </a:graphic>
       </p:graphicFrame>
-      <mc:AlternateContent xmlns:mc="http://schemas.openxmlformats.org/markup-compatibility/2006">
-        <mc:Choice xmlns:a14="http://schemas.microsoft.com/office/drawing/2010/main" Requires="a14">
+      <mc:AlternateContent xmlns:mc="http://schemas.openxmlformats.org/markup-compatibility/2006" xmlns:a14="http://schemas.microsoft.com/office/drawing/2010/main">
+        <mc:Choice Requires="a14">
           <p:sp>
             <p:nvSpPr>
               <p:cNvPr id="20" name="TextBox 19">
@@ -9185,7 +9408,7 @@
             </p:txBody>
           </p:sp>
         </mc:Choice>
-        <mc:Fallback>
+        <mc:Fallback xmlns="">
           <p:sp>
             <p:nvSpPr>
               <p:cNvPr id="20" name="TextBox 19">
@@ -9230,8 +9453,8 @@
           </p:sp>
         </mc:Fallback>
       </mc:AlternateContent>
-      <mc:AlternateContent xmlns:mc="http://schemas.openxmlformats.org/markup-compatibility/2006">
-        <mc:Choice xmlns:a14="http://schemas.microsoft.com/office/drawing/2010/main" Requires="a14">
+      <mc:AlternateContent xmlns:mc="http://schemas.openxmlformats.org/markup-compatibility/2006" xmlns:a14="http://schemas.microsoft.com/office/drawing/2010/main">
+        <mc:Choice Requires="a14">
           <p:sp>
             <p:nvSpPr>
               <p:cNvPr id="21" name="TextBox 20">
@@ -9308,7 +9531,7 @@
             </p:txBody>
           </p:sp>
         </mc:Choice>
-        <mc:Fallback>
+        <mc:Fallback xmlns="">
           <p:sp>
             <p:nvSpPr>
               <p:cNvPr id="21" name="TextBox 20">
@@ -9353,8 +9576,8 @@
           </p:sp>
         </mc:Fallback>
       </mc:AlternateContent>
-      <mc:AlternateContent xmlns:mc="http://schemas.openxmlformats.org/markup-compatibility/2006">
-        <mc:Choice xmlns:a14="http://schemas.microsoft.com/office/drawing/2010/main" Requires="a14">
+      <mc:AlternateContent xmlns:mc="http://schemas.openxmlformats.org/markup-compatibility/2006" xmlns:a14="http://schemas.microsoft.com/office/drawing/2010/main">
+        <mc:Choice Requires="a14">
           <p:sp>
             <p:nvSpPr>
               <p:cNvPr id="22" name="TextBox 21">
@@ -9431,7 +9654,7 @@
             </p:txBody>
           </p:sp>
         </mc:Choice>
-        <mc:Fallback>
+        <mc:Fallback xmlns="">
           <p:sp>
             <p:nvSpPr>
               <p:cNvPr id="22" name="TextBox 21">
@@ -9476,8 +9699,8 @@
           </p:sp>
         </mc:Fallback>
       </mc:AlternateContent>
-      <mc:AlternateContent xmlns:mc="http://schemas.openxmlformats.org/markup-compatibility/2006">
-        <mc:Choice xmlns:a14="http://schemas.microsoft.com/office/drawing/2010/main" Requires="a14">
+      <mc:AlternateContent xmlns:mc="http://schemas.openxmlformats.org/markup-compatibility/2006" xmlns:a14="http://schemas.microsoft.com/office/drawing/2010/main">
+        <mc:Choice Requires="a14">
           <p:sp>
             <p:nvSpPr>
               <p:cNvPr id="23" name="TextBox 22">
@@ -9546,7 +9769,7 @@
             </p:txBody>
           </p:sp>
         </mc:Choice>
-        <mc:Fallback>
+        <mc:Fallback xmlns="">
           <p:sp>
             <p:nvSpPr>
               <p:cNvPr id="23" name="TextBox 22">
@@ -9591,8 +9814,8 @@
           </p:sp>
         </mc:Fallback>
       </mc:AlternateContent>
-      <mc:AlternateContent xmlns:mc="http://schemas.openxmlformats.org/markup-compatibility/2006">
-        <mc:Choice xmlns:a14="http://schemas.microsoft.com/office/drawing/2010/main" Requires="a14">
+      <mc:AlternateContent xmlns:mc="http://schemas.openxmlformats.org/markup-compatibility/2006" xmlns:a14="http://schemas.microsoft.com/office/drawing/2010/main">
+        <mc:Choice Requires="a14">
           <p:sp>
             <p:nvSpPr>
               <p:cNvPr id="24" name="TextBox 23">
@@ -9661,7 +9884,7 @@
             </p:txBody>
           </p:sp>
         </mc:Choice>
-        <mc:Fallback>
+        <mc:Fallback xmlns="">
           <p:sp>
             <p:nvSpPr>
               <p:cNvPr id="24" name="TextBox 23">
@@ -9706,8 +9929,8 @@
           </p:sp>
         </mc:Fallback>
       </mc:AlternateContent>
-      <mc:AlternateContent xmlns:mc="http://schemas.openxmlformats.org/markup-compatibility/2006">
-        <mc:Choice xmlns:a14="http://schemas.microsoft.com/office/drawing/2010/main" Requires="a14">
+      <mc:AlternateContent xmlns:mc="http://schemas.openxmlformats.org/markup-compatibility/2006" xmlns:a14="http://schemas.microsoft.com/office/drawing/2010/main">
+        <mc:Choice Requires="a14">
           <p:sp>
             <p:nvSpPr>
               <p:cNvPr id="28" name="TextBox 27">
@@ -9757,7 +9980,7 @@
             </p:txBody>
           </p:sp>
         </mc:Choice>
-        <mc:Fallback>
+        <mc:Fallback xmlns="">
           <p:sp>
             <p:nvSpPr>
               <p:cNvPr id="28" name="TextBox 27">
@@ -10039,8 +10262,8 @@
           </a:graphicData>
         </a:graphic>
       </p:graphicFrame>
-      <mc:AlternateContent xmlns:mc="http://schemas.openxmlformats.org/markup-compatibility/2006">
-        <mc:Choice xmlns:a14="http://schemas.microsoft.com/office/drawing/2010/main" Requires="a14">
+      <mc:AlternateContent xmlns:mc="http://schemas.openxmlformats.org/markup-compatibility/2006" xmlns:a14="http://schemas.microsoft.com/office/drawing/2010/main">
+        <mc:Choice Requires="a14">
           <p:sp>
             <p:nvSpPr>
               <p:cNvPr id="30" name="TextBox 29">
@@ -10109,7 +10332,7 @@
             </p:txBody>
           </p:sp>
         </mc:Choice>
-        <mc:Fallback>
+        <mc:Fallback xmlns="">
           <p:sp>
             <p:nvSpPr>
               <p:cNvPr id="30" name="TextBox 29">
@@ -10154,8 +10377,8 @@
           </p:sp>
         </mc:Fallback>
       </mc:AlternateContent>
-      <mc:AlternateContent xmlns:mc="http://schemas.openxmlformats.org/markup-compatibility/2006">
-        <mc:Choice xmlns:a14="http://schemas.microsoft.com/office/drawing/2010/main" Requires="a14">
+      <mc:AlternateContent xmlns:mc="http://schemas.openxmlformats.org/markup-compatibility/2006" xmlns:a14="http://schemas.microsoft.com/office/drawing/2010/main">
+        <mc:Choice Requires="a14">
           <p:sp>
             <p:nvSpPr>
               <p:cNvPr id="31" name="TextBox 30">
@@ -10224,7 +10447,7 @@
             </p:txBody>
           </p:sp>
         </mc:Choice>
-        <mc:Fallback>
+        <mc:Fallback xmlns="">
           <p:sp>
             <p:nvSpPr>
               <p:cNvPr id="31" name="TextBox 30">
@@ -10269,8 +10492,8 @@
           </p:sp>
         </mc:Fallback>
       </mc:AlternateContent>
-      <mc:AlternateContent xmlns:mc="http://schemas.openxmlformats.org/markup-compatibility/2006">
-        <mc:Choice xmlns:a14="http://schemas.microsoft.com/office/drawing/2010/main" Requires="a14">
+      <mc:AlternateContent xmlns:mc="http://schemas.openxmlformats.org/markup-compatibility/2006" xmlns:a14="http://schemas.microsoft.com/office/drawing/2010/main">
+        <mc:Choice Requires="a14">
           <p:sp>
             <p:nvSpPr>
               <p:cNvPr id="32" name="TextBox 31">
@@ -10339,7 +10562,7 @@
             </p:txBody>
           </p:sp>
         </mc:Choice>
-        <mc:Fallback>
+        <mc:Fallback xmlns="">
           <p:sp>
             <p:nvSpPr>
               <p:cNvPr id="32" name="TextBox 31">
@@ -10621,8 +10844,8 @@
           </a:graphicData>
         </a:graphic>
       </p:graphicFrame>
-      <mc:AlternateContent xmlns:mc="http://schemas.openxmlformats.org/markup-compatibility/2006">
-        <mc:Choice xmlns:a14="http://schemas.microsoft.com/office/drawing/2010/main" Requires="a14">
+      <mc:AlternateContent xmlns:mc="http://schemas.openxmlformats.org/markup-compatibility/2006" xmlns:a14="http://schemas.microsoft.com/office/drawing/2010/main">
+        <mc:Choice Requires="a14">
           <p:sp>
             <p:nvSpPr>
               <p:cNvPr id="34" name="TextBox 33">
@@ -10699,7 +10922,7 @@
             </p:txBody>
           </p:sp>
         </mc:Choice>
-        <mc:Fallback>
+        <mc:Fallback xmlns="">
           <p:sp>
             <p:nvSpPr>
               <p:cNvPr id="34" name="TextBox 33">
@@ -10744,8 +10967,8 @@
           </p:sp>
         </mc:Fallback>
       </mc:AlternateContent>
-      <mc:AlternateContent xmlns:mc="http://schemas.openxmlformats.org/markup-compatibility/2006">
-        <mc:Choice xmlns:a14="http://schemas.microsoft.com/office/drawing/2010/main" Requires="a14">
+      <mc:AlternateContent xmlns:mc="http://schemas.openxmlformats.org/markup-compatibility/2006" xmlns:a14="http://schemas.microsoft.com/office/drawing/2010/main">
+        <mc:Choice Requires="a14">
           <p:sp>
             <p:nvSpPr>
               <p:cNvPr id="35" name="TextBox 34">
@@ -10822,7 +11045,7 @@
             </p:txBody>
           </p:sp>
         </mc:Choice>
-        <mc:Fallback>
+        <mc:Fallback xmlns="">
           <p:sp>
             <p:nvSpPr>
               <p:cNvPr id="35" name="TextBox 34">
@@ -10867,8 +11090,8 @@
           </p:sp>
         </mc:Fallback>
       </mc:AlternateContent>
-      <mc:AlternateContent xmlns:mc="http://schemas.openxmlformats.org/markup-compatibility/2006">
-        <mc:Choice xmlns:a14="http://schemas.microsoft.com/office/drawing/2010/main" Requires="a14">
+      <mc:AlternateContent xmlns:mc="http://schemas.openxmlformats.org/markup-compatibility/2006" xmlns:a14="http://schemas.microsoft.com/office/drawing/2010/main">
+        <mc:Choice Requires="a14">
           <p:sp>
             <p:nvSpPr>
               <p:cNvPr id="36" name="TextBox 35">
@@ -10945,7 +11168,7 @@
             </p:txBody>
           </p:sp>
         </mc:Choice>
-        <mc:Fallback>
+        <mc:Fallback xmlns="">
           <p:sp>
             <p:nvSpPr>
               <p:cNvPr id="36" name="TextBox 35">
@@ -10990,8 +11213,8 @@
           </p:sp>
         </mc:Fallback>
       </mc:AlternateContent>
-      <mc:AlternateContent xmlns:mc="http://schemas.openxmlformats.org/markup-compatibility/2006">
-        <mc:Choice xmlns:a14="http://schemas.microsoft.com/office/drawing/2010/main" Requires="a14">
+      <mc:AlternateContent xmlns:mc="http://schemas.openxmlformats.org/markup-compatibility/2006" xmlns:a14="http://schemas.microsoft.com/office/drawing/2010/main">
+        <mc:Choice Requires="a14">
           <p:sp>
             <p:nvSpPr>
               <p:cNvPr id="37" name="TextBox 36">
@@ -11060,7 +11283,7 @@
             </p:txBody>
           </p:sp>
         </mc:Choice>
-        <mc:Fallback>
+        <mc:Fallback xmlns="">
           <p:sp>
             <p:nvSpPr>
               <p:cNvPr id="37" name="TextBox 36">
@@ -11105,8 +11328,8 @@
           </p:sp>
         </mc:Fallback>
       </mc:AlternateContent>
-      <mc:AlternateContent xmlns:mc="http://schemas.openxmlformats.org/markup-compatibility/2006">
-        <mc:Choice xmlns:a14="http://schemas.microsoft.com/office/drawing/2010/main" Requires="a14">
+      <mc:AlternateContent xmlns:mc="http://schemas.openxmlformats.org/markup-compatibility/2006" xmlns:a14="http://schemas.microsoft.com/office/drawing/2010/main">
+        <mc:Choice Requires="a14">
           <p:sp>
             <p:nvSpPr>
               <p:cNvPr id="38" name="TextBox 37">
@@ -11175,7 +11398,7 @@
             </p:txBody>
           </p:sp>
         </mc:Choice>
-        <mc:Fallback>
+        <mc:Fallback xmlns="">
           <p:sp>
             <p:nvSpPr>
               <p:cNvPr id="38" name="TextBox 37">
@@ -11220,8 +11443,8 @@
           </p:sp>
         </mc:Fallback>
       </mc:AlternateContent>
-      <mc:AlternateContent xmlns:mc="http://schemas.openxmlformats.org/markup-compatibility/2006">
-        <mc:Choice xmlns:a14="http://schemas.microsoft.com/office/drawing/2010/main" Requires="a14">
+      <mc:AlternateContent xmlns:mc="http://schemas.openxmlformats.org/markup-compatibility/2006" xmlns:a14="http://schemas.microsoft.com/office/drawing/2010/main">
+        <mc:Choice Requires="a14">
           <p:sp>
             <p:nvSpPr>
               <p:cNvPr id="39" name="TextBox 38">
@@ -11293,7 +11516,7 @@
             </p:txBody>
           </p:sp>
         </mc:Choice>
-        <mc:Fallback>
+        <mc:Fallback xmlns="">
           <p:sp>
             <p:nvSpPr>
               <p:cNvPr id="39" name="TextBox 38">
@@ -12352,8 +12575,8 @@
           </a:graphicData>
         </a:graphic>
       </p:graphicFrame>
-      <mc:AlternateContent xmlns:mc="http://schemas.openxmlformats.org/markup-compatibility/2006">
-        <mc:Choice xmlns:a14="http://schemas.microsoft.com/office/drawing/2010/main" Requires="a14">
+      <mc:AlternateContent xmlns:mc="http://schemas.openxmlformats.org/markup-compatibility/2006" xmlns:a14="http://schemas.microsoft.com/office/drawing/2010/main">
+        <mc:Choice Requires="a14">
           <p:sp>
             <p:nvSpPr>
               <p:cNvPr id="63" name="TextBox 62">
@@ -12430,7 +12653,7 @@
             </p:txBody>
           </p:sp>
         </mc:Choice>
-        <mc:Fallback>
+        <mc:Fallback xmlns="">
           <p:sp>
             <p:nvSpPr>
               <p:cNvPr id="63" name="TextBox 62">
@@ -12475,8 +12698,8 @@
           </p:sp>
         </mc:Fallback>
       </mc:AlternateContent>
-      <mc:AlternateContent xmlns:mc="http://schemas.openxmlformats.org/markup-compatibility/2006">
-        <mc:Choice xmlns:a14="http://schemas.microsoft.com/office/drawing/2010/main" Requires="a14">
+      <mc:AlternateContent xmlns:mc="http://schemas.openxmlformats.org/markup-compatibility/2006" xmlns:a14="http://schemas.microsoft.com/office/drawing/2010/main">
+        <mc:Choice Requires="a14">
           <p:sp>
             <p:nvSpPr>
               <p:cNvPr id="64" name="TextBox 63">
@@ -12553,7 +12776,7 @@
             </p:txBody>
           </p:sp>
         </mc:Choice>
-        <mc:Fallback>
+        <mc:Fallback xmlns="">
           <p:sp>
             <p:nvSpPr>
               <p:cNvPr id="64" name="TextBox 63">
@@ -12598,8 +12821,8 @@
           </p:sp>
         </mc:Fallback>
       </mc:AlternateContent>
-      <mc:AlternateContent xmlns:mc="http://schemas.openxmlformats.org/markup-compatibility/2006">
-        <mc:Choice xmlns:a14="http://schemas.microsoft.com/office/drawing/2010/main" Requires="a14">
+      <mc:AlternateContent xmlns:mc="http://schemas.openxmlformats.org/markup-compatibility/2006" xmlns:a14="http://schemas.microsoft.com/office/drawing/2010/main">
+        <mc:Choice Requires="a14">
           <p:sp>
             <p:nvSpPr>
               <p:cNvPr id="65" name="TextBox 64">
@@ -12676,7 +12899,7 @@
             </p:txBody>
           </p:sp>
         </mc:Choice>
-        <mc:Fallback>
+        <mc:Fallback xmlns="">
           <p:sp>
             <p:nvSpPr>
               <p:cNvPr id="65" name="TextBox 64">
@@ -12721,8 +12944,8 @@
           </p:sp>
         </mc:Fallback>
       </mc:AlternateContent>
-      <mc:AlternateContent xmlns:mc="http://schemas.openxmlformats.org/markup-compatibility/2006">
-        <mc:Choice xmlns:a14="http://schemas.microsoft.com/office/drawing/2010/main" Requires="a14">
+      <mc:AlternateContent xmlns:mc="http://schemas.openxmlformats.org/markup-compatibility/2006" xmlns:a14="http://schemas.microsoft.com/office/drawing/2010/main">
+        <mc:Choice Requires="a14">
           <p:sp>
             <p:nvSpPr>
               <p:cNvPr id="66" name="TextBox 65">
@@ -12791,7 +13014,7 @@
             </p:txBody>
           </p:sp>
         </mc:Choice>
-        <mc:Fallback>
+        <mc:Fallback xmlns="">
           <p:sp>
             <p:nvSpPr>
               <p:cNvPr id="66" name="TextBox 65">
@@ -12836,8 +13059,8 @@
           </p:sp>
         </mc:Fallback>
       </mc:AlternateContent>
-      <mc:AlternateContent xmlns:mc="http://schemas.openxmlformats.org/markup-compatibility/2006">
-        <mc:Choice xmlns:a14="http://schemas.microsoft.com/office/drawing/2010/main" Requires="a14">
+      <mc:AlternateContent xmlns:mc="http://schemas.openxmlformats.org/markup-compatibility/2006" xmlns:a14="http://schemas.microsoft.com/office/drawing/2010/main">
+        <mc:Choice Requires="a14">
           <p:sp>
             <p:nvSpPr>
               <p:cNvPr id="67" name="TextBox 66">
@@ -12909,7 +13132,7 @@
             </p:txBody>
           </p:sp>
         </mc:Choice>
-        <mc:Fallback>
+        <mc:Fallback xmlns="">
           <p:sp>
             <p:nvSpPr>
               <p:cNvPr id="67" name="TextBox 66">
@@ -13001,8 +13224,8 @@
           </a:p>
         </p:txBody>
       </p:sp>
-      <mc:AlternateContent xmlns:mc="http://schemas.openxmlformats.org/markup-compatibility/2006">
-        <mc:Choice xmlns:a14="http://schemas.microsoft.com/office/drawing/2010/main" Requires="a14">
+      <mc:AlternateContent xmlns:mc="http://schemas.openxmlformats.org/markup-compatibility/2006" xmlns:a14="http://schemas.microsoft.com/office/drawing/2010/main">
+        <mc:Choice Requires="a14">
           <p:sp>
             <p:nvSpPr>
               <p:cNvPr id="70" name="TextBox 69">
@@ -13088,7 +13311,7 @@
             </p:txBody>
           </p:sp>
         </mc:Choice>
-        <mc:Fallback>
+        <mc:Fallback xmlns="">
           <p:sp>
             <p:nvSpPr>
               <p:cNvPr id="70" name="TextBox 69">
@@ -13401,7 +13624,7 @@
 </p:sld>
 </file>
 
-<file path=ppt/slides/slide3.xml><?xml version="1.0" encoding="utf-8"?>
+<file path=ppt/slides/slide4.xml><?xml version="1.0" encoding="utf-8"?>
 <p:sld xmlns:a="http://schemas.openxmlformats.org/drawingml/2006/main" xmlns:r="http://schemas.openxmlformats.org/officeDocument/2006/relationships" xmlns:p="http://schemas.openxmlformats.org/presentationml/2006/main">
   <p:cSld>
     <p:spTree>
@@ -13688,8 +13911,8 @@
           </a:graphicData>
         </a:graphic>
       </p:graphicFrame>
-      <mc:AlternateContent xmlns:mc="http://schemas.openxmlformats.org/markup-compatibility/2006">
-        <mc:Choice xmlns:a14="http://schemas.microsoft.com/office/drawing/2010/main" Requires="a14">
+      <mc:AlternateContent xmlns:mc="http://schemas.openxmlformats.org/markup-compatibility/2006" xmlns:a14="http://schemas.microsoft.com/office/drawing/2010/main">
+        <mc:Choice Requires="a14">
           <p:sp>
             <p:nvSpPr>
               <p:cNvPr id="4" name="TextBox 3">
@@ -13758,7 +13981,7 @@
             </p:txBody>
           </p:sp>
         </mc:Choice>
-        <mc:Fallback>
+        <mc:Fallback xmlns="">
           <p:sp>
             <p:nvSpPr>
               <p:cNvPr id="4" name="TextBox 3">
@@ -13803,8 +14026,8 @@
           </p:sp>
         </mc:Fallback>
       </mc:AlternateContent>
-      <mc:AlternateContent xmlns:mc="http://schemas.openxmlformats.org/markup-compatibility/2006">
-        <mc:Choice xmlns:a14="http://schemas.microsoft.com/office/drawing/2010/main" Requires="a14">
+      <mc:AlternateContent xmlns:mc="http://schemas.openxmlformats.org/markup-compatibility/2006" xmlns:a14="http://schemas.microsoft.com/office/drawing/2010/main">
+        <mc:Choice Requires="a14">
           <p:sp>
             <p:nvSpPr>
               <p:cNvPr id="5" name="TextBox 4">
@@ -13873,7 +14096,7 @@
             </p:txBody>
           </p:sp>
         </mc:Choice>
-        <mc:Fallback>
+        <mc:Fallback xmlns="">
           <p:sp>
             <p:nvSpPr>
               <p:cNvPr id="5" name="TextBox 4">
@@ -13918,8 +14141,8 @@
           </p:sp>
         </mc:Fallback>
       </mc:AlternateContent>
-      <mc:AlternateContent xmlns:mc="http://schemas.openxmlformats.org/markup-compatibility/2006">
-        <mc:Choice xmlns:a14="http://schemas.microsoft.com/office/drawing/2010/main" Requires="a14">
+      <mc:AlternateContent xmlns:mc="http://schemas.openxmlformats.org/markup-compatibility/2006" xmlns:a14="http://schemas.microsoft.com/office/drawing/2010/main">
+        <mc:Choice Requires="a14">
           <p:sp>
             <p:nvSpPr>
               <p:cNvPr id="6" name="TextBox 5">
@@ -13988,7 +14211,7 @@
             </p:txBody>
           </p:sp>
         </mc:Choice>
-        <mc:Fallback>
+        <mc:Fallback xmlns="">
           <p:sp>
             <p:nvSpPr>
               <p:cNvPr id="6" name="TextBox 5">
@@ -14270,8 +14493,8 @@
           </a:graphicData>
         </a:graphic>
       </p:graphicFrame>
-      <mc:AlternateContent xmlns:mc="http://schemas.openxmlformats.org/markup-compatibility/2006">
-        <mc:Choice xmlns:a14="http://schemas.microsoft.com/office/drawing/2010/main" Requires="a14">
+      <mc:AlternateContent xmlns:mc="http://schemas.openxmlformats.org/markup-compatibility/2006" xmlns:a14="http://schemas.microsoft.com/office/drawing/2010/main">
+        <mc:Choice Requires="a14">
           <p:sp>
             <p:nvSpPr>
               <p:cNvPr id="8" name="TextBox 7">
@@ -14348,7 +14571,7 @@
             </p:txBody>
           </p:sp>
         </mc:Choice>
-        <mc:Fallback>
+        <mc:Fallback xmlns="">
           <p:sp>
             <p:nvSpPr>
               <p:cNvPr id="8" name="TextBox 7">
@@ -14393,8 +14616,8 @@
           </p:sp>
         </mc:Fallback>
       </mc:AlternateContent>
-      <mc:AlternateContent xmlns:mc="http://schemas.openxmlformats.org/markup-compatibility/2006">
-        <mc:Choice xmlns:a14="http://schemas.microsoft.com/office/drawing/2010/main" Requires="a14">
+      <mc:AlternateContent xmlns:mc="http://schemas.openxmlformats.org/markup-compatibility/2006" xmlns:a14="http://schemas.microsoft.com/office/drawing/2010/main">
+        <mc:Choice Requires="a14">
           <p:sp>
             <p:nvSpPr>
               <p:cNvPr id="9" name="TextBox 8">
@@ -14471,7 +14694,7 @@
             </p:txBody>
           </p:sp>
         </mc:Choice>
-        <mc:Fallback>
+        <mc:Fallback xmlns="">
           <p:sp>
             <p:nvSpPr>
               <p:cNvPr id="9" name="TextBox 8">
@@ -14516,8 +14739,8 @@
           </p:sp>
         </mc:Fallback>
       </mc:AlternateContent>
-      <mc:AlternateContent xmlns:mc="http://schemas.openxmlformats.org/markup-compatibility/2006">
-        <mc:Choice xmlns:a14="http://schemas.microsoft.com/office/drawing/2010/main" Requires="a14">
+      <mc:AlternateContent xmlns:mc="http://schemas.openxmlformats.org/markup-compatibility/2006" xmlns:a14="http://schemas.microsoft.com/office/drawing/2010/main">
+        <mc:Choice Requires="a14">
           <p:sp>
             <p:nvSpPr>
               <p:cNvPr id="10" name="TextBox 9">
@@ -14594,7 +14817,7 @@
             </p:txBody>
           </p:sp>
         </mc:Choice>
-        <mc:Fallback>
+        <mc:Fallback xmlns="">
           <p:sp>
             <p:nvSpPr>
               <p:cNvPr id="10" name="TextBox 9">
@@ -14639,8 +14862,8 @@
           </p:sp>
         </mc:Fallback>
       </mc:AlternateContent>
-      <mc:AlternateContent xmlns:mc="http://schemas.openxmlformats.org/markup-compatibility/2006">
-        <mc:Choice xmlns:a14="http://schemas.microsoft.com/office/drawing/2010/main" Requires="a14">
+      <mc:AlternateContent xmlns:mc="http://schemas.openxmlformats.org/markup-compatibility/2006" xmlns:a14="http://schemas.microsoft.com/office/drawing/2010/main">
+        <mc:Choice Requires="a14">
           <p:sp>
             <p:nvSpPr>
               <p:cNvPr id="11" name="TextBox 10">
@@ -14709,7 +14932,7 @@
             </p:txBody>
           </p:sp>
         </mc:Choice>
-        <mc:Fallback>
+        <mc:Fallback xmlns="">
           <p:sp>
             <p:nvSpPr>
               <p:cNvPr id="11" name="TextBox 10">
@@ -14754,8 +14977,8 @@
           </p:sp>
         </mc:Fallback>
       </mc:AlternateContent>
-      <mc:AlternateContent xmlns:mc="http://schemas.openxmlformats.org/markup-compatibility/2006">
-        <mc:Choice xmlns:a14="http://schemas.microsoft.com/office/drawing/2010/main" Requires="a14">
+      <mc:AlternateContent xmlns:mc="http://schemas.openxmlformats.org/markup-compatibility/2006" xmlns:a14="http://schemas.microsoft.com/office/drawing/2010/main">
+        <mc:Choice Requires="a14">
           <p:sp>
             <p:nvSpPr>
               <p:cNvPr id="12" name="TextBox 11">
@@ -14824,7 +15047,7 @@
             </p:txBody>
           </p:sp>
         </mc:Choice>
-        <mc:Fallback>
+        <mc:Fallback xmlns="">
           <p:sp>
             <p:nvSpPr>
               <p:cNvPr id="12" name="TextBox 11">
@@ -14869,8 +15092,8 @@
           </p:sp>
         </mc:Fallback>
       </mc:AlternateContent>
-      <mc:AlternateContent xmlns:mc="http://schemas.openxmlformats.org/markup-compatibility/2006">
-        <mc:Choice xmlns:a14="http://schemas.microsoft.com/office/drawing/2010/main" Requires="a14">
+      <mc:AlternateContent xmlns:mc="http://schemas.openxmlformats.org/markup-compatibility/2006" xmlns:a14="http://schemas.microsoft.com/office/drawing/2010/main">
+        <mc:Choice Requires="a14">
           <p:sp>
             <p:nvSpPr>
               <p:cNvPr id="13" name="TextBox 12">
@@ -14942,7 +15165,7 @@
             </p:txBody>
           </p:sp>
         </mc:Choice>
-        <mc:Fallback>
+        <mc:Fallback xmlns="">
           <p:sp>
             <p:nvSpPr>
               <p:cNvPr id="13" name="TextBox 12">
@@ -14987,8 +15210,8 @@
           </p:sp>
         </mc:Fallback>
       </mc:AlternateContent>
-      <mc:AlternateContent xmlns:mc="http://schemas.openxmlformats.org/markup-compatibility/2006">
-        <mc:Choice xmlns:a14="http://schemas.microsoft.com/office/drawing/2010/main" Requires="a14">
+      <mc:AlternateContent xmlns:mc="http://schemas.openxmlformats.org/markup-compatibility/2006" xmlns:a14="http://schemas.microsoft.com/office/drawing/2010/main">
+        <mc:Choice Requires="a14">
           <p:graphicFrame>
             <p:nvGraphicFramePr>
               <p:cNvPr id="14" name="Table 13">
@@ -15055,6 +15278,7 @@
                         <a:bodyPr/>
                         <a:lstStyle/>
                         <a:p>
+                          <a:pPr/>
                           <a14:m>
                             <m:oMathPara xmlns:m="http://schemas.openxmlformats.org/officeDocument/2006/math">
                               <m:oMathParaPr>
@@ -15428,6 +15652,7 @@
                         <a:bodyPr/>
                         <a:lstStyle/>
                         <a:p>
+                          <a:pPr/>
                           <a14:m>
                             <m:oMathPara xmlns:m="http://schemas.openxmlformats.org/officeDocument/2006/math">
                               <m:oMathParaPr>
@@ -15541,6 +15766,7 @@
                         <a:bodyPr/>
                         <a:lstStyle/>
                         <a:p>
+                          <a:pPr/>
                           <a14:m>
                             <m:oMathPara xmlns:m="http://schemas.openxmlformats.org/officeDocument/2006/math">
                               <m:oMathParaPr>
@@ -15654,6 +15880,7 @@
                         <a:bodyPr/>
                         <a:lstStyle/>
                         <a:p>
+                          <a:pPr/>
                           <a14:m>
                             <m:oMathPara xmlns:m="http://schemas.openxmlformats.org/officeDocument/2006/math">
                               <m:oMathParaPr>
@@ -15766,7 +15993,7 @@
             </a:graphic>
           </p:graphicFrame>
         </mc:Choice>
-        <mc:Fallback>
+        <mc:Fallback xmlns="">
           <p:graphicFrame>
             <p:nvGraphicFramePr>
               <p:cNvPr id="14" name="Table 13">
@@ -15977,8 +16204,8 @@
           </p:graphicFrame>
         </mc:Fallback>
       </mc:AlternateContent>
-      <mc:AlternateContent xmlns:mc="http://schemas.openxmlformats.org/markup-compatibility/2006">
-        <mc:Choice xmlns:a14="http://schemas.microsoft.com/office/drawing/2010/main" Requires="a14">
+      <mc:AlternateContent xmlns:mc="http://schemas.openxmlformats.org/markup-compatibility/2006" xmlns:a14="http://schemas.microsoft.com/office/drawing/2010/main">
+        <mc:Choice Requires="a14">
           <p:graphicFrame>
             <p:nvGraphicFramePr>
               <p:cNvPr id="15" name="Table 14">
@@ -16045,6 +16272,7 @@
                         <a:bodyPr/>
                         <a:lstStyle/>
                         <a:p>
+                          <a:pPr/>
                           <a14:m>
                             <m:oMathPara xmlns:m="http://schemas.openxmlformats.org/officeDocument/2006/math">
                               <m:oMathParaPr>
@@ -16133,7 +16361,7 @@
             </a:graphic>
           </p:graphicFrame>
         </mc:Choice>
-        <mc:Fallback>
+        <mc:Fallback xmlns="">
           <p:graphicFrame>
             <p:nvGraphicFramePr>
               <p:cNvPr id="15" name="Table 14">
@@ -16485,8 +16713,8 @@
           </a:graphicData>
         </a:graphic>
       </p:graphicFrame>
-      <mc:AlternateContent xmlns:mc="http://schemas.openxmlformats.org/markup-compatibility/2006">
-        <mc:Choice xmlns:a14="http://schemas.microsoft.com/office/drawing/2010/main" Requires="a14">
+      <mc:AlternateContent xmlns:mc="http://schemas.openxmlformats.org/markup-compatibility/2006" xmlns:a14="http://schemas.microsoft.com/office/drawing/2010/main">
+        <mc:Choice Requires="a14">
           <p:sp>
             <p:nvSpPr>
               <p:cNvPr id="17" name="TextBox 16">
@@ -16555,7 +16783,7 @@
             </p:txBody>
           </p:sp>
         </mc:Choice>
-        <mc:Fallback>
+        <mc:Fallback xmlns="">
           <p:sp>
             <p:nvSpPr>
               <p:cNvPr id="17" name="TextBox 16">
@@ -16600,8 +16828,8 @@
           </p:sp>
         </mc:Fallback>
       </mc:AlternateContent>
-      <mc:AlternateContent xmlns:mc="http://schemas.openxmlformats.org/markup-compatibility/2006">
-        <mc:Choice xmlns:a14="http://schemas.microsoft.com/office/drawing/2010/main" Requires="a14">
+      <mc:AlternateContent xmlns:mc="http://schemas.openxmlformats.org/markup-compatibility/2006" xmlns:a14="http://schemas.microsoft.com/office/drawing/2010/main">
+        <mc:Choice Requires="a14">
           <p:sp>
             <p:nvSpPr>
               <p:cNvPr id="18" name="TextBox 17">
@@ -16670,7 +16898,7 @@
             </p:txBody>
           </p:sp>
         </mc:Choice>
-        <mc:Fallback>
+        <mc:Fallback xmlns="">
           <p:sp>
             <p:nvSpPr>
               <p:cNvPr id="18" name="TextBox 17">
@@ -16715,8 +16943,8 @@
           </p:sp>
         </mc:Fallback>
       </mc:AlternateContent>
-      <mc:AlternateContent xmlns:mc="http://schemas.openxmlformats.org/markup-compatibility/2006">
-        <mc:Choice xmlns:a14="http://schemas.microsoft.com/office/drawing/2010/main" Requires="a14">
+      <mc:AlternateContent xmlns:mc="http://schemas.openxmlformats.org/markup-compatibility/2006" xmlns:a14="http://schemas.microsoft.com/office/drawing/2010/main">
+        <mc:Choice Requires="a14">
           <p:sp>
             <p:nvSpPr>
               <p:cNvPr id="19" name="TextBox 18">
@@ -16785,7 +17013,7 @@
             </p:txBody>
           </p:sp>
         </mc:Choice>
-        <mc:Fallback>
+        <mc:Fallback xmlns="">
           <p:sp>
             <p:nvSpPr>
               <p:cNvPr id="19" name="TextBox 18">
@@ -17067,8 +17295,8 @@
           </a:graphicData>
         </a:graphic>
       </p:graphicFrame>
-      <mc:AlternateContent xmlns:mc="http://schemas.openxmlformats.org/markup-compatibility/2006">
-        <mc:Choice xmlns:a14="http://schemas.microsoft.com/office/drawing/2010/main" Requires="a14">
+      <mc:AlternateContent xmlns:mc="http://schemas.openxmlformats.org/markup-compatibility/2006" xmlns:a14="http://schemas.microsoft.com/office/drawing/2010/main">
+        <mc:Choice Requires="a14">
           <p:sp>
             <p:nvSpPr>
               <p:cNvPr id="21" name="TextBox 20">
@@ -17145,7 +17373,7 @@
             </p:txBody>
           </p:sp>
         </mc:Choice>
-        <mc:Fallback>
+        <mc:Fallback xmlns="">
           <p:sp>
             <p:nvSpPr>
               <p:cNvPr id="21" name="TextBox 20">
@@ -17190,8 +17418,8 @@
           </p:sp>
         </mc:Fallback>
       </mc:AlternateContent>
-      <mc:AlternateContent xmlns:mc="http://schemas.openxmlformats.org/markup-compatibility/2006">
-        <mc:Choice xmlns:a14="http://schemas.microsoft.com/office/drawing/2010/main" Requires="a14">
+      <mc:AlternateContent xmlns:mc="http://schemas.openxmlformats.org/markup-compatibility/2006" xmlns:a14="http://schemas.microsoft.com/office/drawing/2010/main">
+        <mc:Choice Requires="a14">
           <p:sp>
             <p:nvSpPr>
               <p:cNvPr id="22" name="TextBox 21">
@@ -17268,7 +17496,7 @@
             </p:txBody>
           </p:sp>
         </mc:Choice>
-        <mc:Fallback>
+        <mc:Fallback xmlns="">
           <p:sp>
             <p:nvSpPr>
               <p:cNvPr id="22" name="TextBox 21">
@@ -17313,8 +17541,8 @@
           </p:sp>
         </mc:Fallback>
       </mc:AlternateContent>
-      <mc:AlternateContent xmlns:mc="http://schemas.openxmlformats.org/markup-compatibility/2006">
-        <mc:Choice xmlns:a14="http://schemas.microsoft.com/office/drawing/2010/main" Requires="a14">
+      <mc:AlternateContent xmlns:mc="http://schemas.openxmlformats.org/markup-compatibility/2006" xmlns:a14="http://schemas.microsoft.com/office/drawing/2010/main">
+        <mc:Choice Requires="a14">
           <p:sp>
             <p:nvSpPr>
               <p:cNvPr id="23" name="TextBox 22">
@@ -17391,7 +17619,7 @@
             </p:txBody>
           </p:sp>
         </mc:Choice>
-        <mc:Fallback>
+        <mc:Fallback xmlns="">
           <p:sp>
             <p:nvSpPr>
               <p:cNvPr id="23" name="TextBox 22">
@@ -17436,8 +17664,8 @@
           </p:sp>
         </mc:Fallback>
       </mc:AlternateContent>
-      <mc:AlternateContent xmlns:mc="http://schemas.openxmlformats.org/markup-compatibility/2006">
-        <mc:Choice xmlns:a14="http://schemas.microsoft.com/office/drawing/2010/main" Requires="a14">
+      <mc:AlternateContent xmlns:mc="http://schemas.openxmlformats.org/markup-compatibility/2006" xmlns:a14="http://schemas.microsoft.com/office/drawing/2010/main">
+        <mc:Choice Requires="a14">
           <p:sp>
             <p:nvSpPr>
               <p:cNvPr id="24" name="TextBox 23">
@@ -17466,7 +17694,6 @@
               </a:bodyPr>
               <a:lstStyle/>
               <a:p>
-                <a:pPr/>
                 <a:r>
                   <a:rPr lang="en-US" b="1" dirty="0"/>
                   <a:t>permuted </a:t>
@@ -17505,7 +17732,7 @@
             </p:txBody>
           </p:sp>
         </mc:Choice>
-        <mc:Fallback>
+        <mc:Fallback xmlns="">
           <p:sp>
             <p:nvSpPr>
               <p:cNvPr id="24" name="TextBox 23">
@@ -17550,8 +17777,8 @@
           </p:sp>
         </mc:Fallback>
       </mc:AlternateContent>
-      <mc:AlternateContent xmlns:mc="http://schemas.openxmlformats.org/markup-compatibility/2006">
-        <mc:Choice xmlns:a14="http://schemas.microsoft.com/office/drawing/2010/main" Requires="a14">
+      <mc:AlternateContent xmlns:mc="http://schemas.openxmlformats.org/markup-compatibility/2006" xmlns:a14="http://schemas.microsoft.com/office/drawing/2010/main">
+        <mc:Choice Requires="a14">
           <p:sp>
             <p:nvSpPr>
               <p:cNvPr id="25" name="TextBox 24">
@@ -17620,7 +17847,7 @@
             </p:txBody>
           </p:sp>
         </mc:Choice>
-        <mc:Fallback>
+        <mc:Fallback xmlns="">
           <p:sp>
             <p:nvSpPr>
               <p:cNvPr id="25" name="TextBox 24">
@@ -17665,8 +17892,8 @@
           </p:sp>
         </mc:Fallback>
       </mc:AlternateContent>
-      <mc:AlternateContent xmlns:mc="http://schemas.openxmlformats.org/markup-compatibility/2006">
-        <mc:Choice xmlns:a14="http://schemas.microsoft.com/office/drawing/2010/main" Requires="a14">
+      <mc:AlternateContent xmlns:mc="http://schemas.openxmlformats.org/markup-compatibility/2006" xmlns:a14="http://schemas.microsoft.com/office/drawing/2010/main">
+        <mc:Choice Requires="a14">
           <p:sp>
             <p:nvSpPr>
               <p:cNvPr id="26" name="TextBox 25">
@@ -17719,7 +17946,7 @@
             </p:txBody>
           </p:sp>
         </mc:Choice>
-        <mc:Fallback>
+        <mc:Fallback xmlns="">
           <p:sp>
             <p:nvSpPr>
               <p:cNvPr id="26" name="TextBox 25">
@@ -17764,8 +17991,8 @@
           </p:sp>
         </mc:Fallback>
       </mc:AlternateContent>
-      <mc:AlternateContent xmlns:mc="http://schemas.openxmlformats.org/markup-compatibility/2006">
-        <mc:Choice xmlns:a14="http://schemas.microsoft.com/office/drawing/2010/main" Requires="a14">
+      <mc:AlternateContent xmlns:mc="http://schemas.openxmlformats.org/markup-compatibility/2006" xmlns:a14="http://schemas.microsoft.com/office/drawing/2010/main">
+        <mc:Choice Requires="a14">
           <p:sp>
             <p:nvSpPr>
               <p:cNvPr id="28" name="TextBox 27">
@@ -17911,7 +18138,7 @@
             </p:txBody>
           </p:sp>
         </mc:Choice>
-        <mc:Fallback>
+        <mc:Fallback xmlns="">
           <p:sp>
             <p:nvSpPr>
               <p:cNvPr id="28" name="TextBox 27">
@@ -17956,8 +18183,8 @@
           </p:sp>
         </mc:Fallback>
       </mc:AlternateContent>
-      <mc:AlternateContent xmlns:mc="http://schemas.openxmlformats.org/markup-compatibility/2006">
-        <mc:Choice xmlns:a14="http://schemas.microsoft.com/office/drawing/2010/main" Requires="a14">
+      <mc:AlternateContent xmlns:mc="http://schemas.openxmlformats.org/markup-compatibility/2006" xmlns:a14="http://schemas.microsoft.com/office/drawing/2010/main">
+        <mc:Choice Requires="a14">
           <p:sp>
             <p:nvSpPr>
               <p:cNvPr id="29" name="TextBox 28">
@@ -18017,7 +18244,7 @@
             </p:txBody>
           </p:sp>
         </mc:Choice>
-        <mc:Fallback>
+        <mc:Fallback xmlns="">
           <p:sp>
             <p:nvSpPr>
               <p:cNvPr id="29" name="TextBox 28">
@@ -18215,7 +18442,7 @@
 </p:sld>
 </file>
 
-<file path=ppt/slides/slide4.xml><?xml version="1.0" encoding="utf-8"?>
+<file path=ppt/slides/slide5.xml><?xml version="1.0" encoding="utf-8"?>
 <p:sld xmlns:a="http://schemas.openxmlformats.org/drawingml/2006/main" xmlns:r="http://schemas.openxmlformats.org/officeDocument/2006/relationships" xmlns:p="http://schemas.openxmlformats.org/presentationml/2006/main">
   <p:cSld>
     <p:spTree>
@@ -18600,8 +18827,8 @@
             </a:p>
           </p:txBody>
         </p:sp>
-        <mc:AlternateContent xmlns:mc="http://schemas.openxmlformats.org/markup-compatibility/2006">
-          <mc:Choice xmlns:a14="http://schemas.microsoft.com/office/drawing/2010/main" Requires="a14">
+        <mc:AlternateContent xmlns:mc="http://schemas.openxmlformats.org/markup-compatibility/2006" xmlns:a14="http://schemas.microsoft.com/office/drawing/2010/main">
+          <mc:Choice Requires="a14">
             <p:sp>
               <p:nvSpPr>
                 <p:cNvPr id="6" name="TextBox 5">
@@ -18710,7 +18937,7 @@
               </p:txBody>
             </p:sp>
           </mc:Choice>
-          <mc:Fallback>
+          <mc:Fallback xmlns="">
             <p:sp>
               <p:nvSpPr>
                 <p:cNvPr id="6" name="TextBox 5">
@@ -19108,7 +19335,7 @@
 </p:sld>
 </file>
 
-<file path=ppt/slides/slide5.xml><?xml version="1.0" encoding="utf-8"?>
+<file path=ppt/slides/slide6.xml><?xml version="1.0" encoding="utf-8"?>
 <p:sld xmlns:a="http://schemas.openxmlformats.org/drawingml/2006/main" xmlns:r="http://schemas.openxmlformats.org/officeDocument/2006/relationships" xmlns:p="http://schemas.openxmlformats.org/presentationml/2006/main">
   <p:cSld>
     <p:spTree>
@@ -19397,8 +19624,8 @@
           </a:graphicData>
         </a:graphic>
       </p:graphicFrame>
-      <mc:AlternateContent xmlns:mc="http://schemas.openxmlformats.org/markup-compatibility/2006">
-        <mc:Choice xmlns:a14="http://schemas.microsoft.com/office/drawing/2010/main" Requires="a14">
+      <mc:AlternateContent xmlns:mc="http://schemas.openxmlformats.org/markup-compatibility/2006" xmlns:a14="http://schemas.microsoft.com/office/drawing/2010/main">
+        <mc:Choice Requires="a14">
           <p:sp>
             <p:nvSpPr>
               <p:cNvPr id="4" name="TextBox 3">
@@ -19467,7 +19694,7 @@
             </p:txBody>
           </p:sp>
         </mc:Choice>
-        <mc:Fallback>
+        <mc:Fallback xmlns="">
           <p:sp>
             <p:nvSpPr>
               <p:cNvPr id="4" name="TextBox 3">
@@ -19512,8 +19739,8 @@
           </p:sp>
         </mc:Fallback>
       </mc:AlternateContent>
-      <mc:AlternateContent xmlns:mc="http://schemas.openxmlformats.org/markup-compatibility/2006">
-        <mc:Choice xmlns:a14="http://schemas.microsoft.com/office/drawing/2010/main" Requires="a14">
+      <mc:AlternateContent xmlns:mc="http://schemas.openxmlformats.org/markup-compatibility/2006" xmlns:a14="http://schemas.microsoft.com/office/drawing/2010/main">
+        <mc:Choice Requires="a14">
           <p:sp>
             <p:nvSpPr>
               <p:cNvPr id="5" name="TextBox 4">
@@ -19582,7 +19809,7 @@
             </p:txBody>
           </p:sp>
         </mc:Choice>
-        <mc:Fallback>
+        <mc:Fallback xmlns="">
           <p:sp>
             <p:nvSpPr>
               <p:cNvPr id="5" name="TextBox 4">
@@ -19627,8 +19854,8 @@
           </p:sp>
         </mc:Fallback>
       </mc:AlternateContent>
-      <mc:AlternateContent xmlns:mc="http://schemas.openxmlformats.org/markup-compatibility/2006">
-        <mc:Choice xmlns:a14="http://schemas.microsoft.com/office/drawing/2010/main" Requires="a14">
+      <mc:AlternateContent xmlns:mc="http://schemas.openxmlformats.org/markup-compatibility/2006" xmlns:a14="http://schemas.microsoft.com/office/drawing/2010/main">
+        <mc:Choice Requires="a14">
           <p:sp>
             <p:nvSpPr>
               <p:cNvPr id="6" name="TextBox 5">
@@ -19697,7 +19924,7 @@
             </p:txBody>
           </p:sp>
         </mc:Choice>
-        <mc:Fallback>
+        <mc:Fallback xmlns="">
           <p:sp>
             <p:nvSpPr>
               <p:cNvPr id="6" name="TextBox 5">
@@ -19742,8 +19969,8 @@
           </p:sp>
         </mc:Fallback>
       </mc:AlternateContent>
-      <mc:AlternateContent xmlns:mc="http://schemas.openxmlformats.org/markup-compatibility/2006">
-        <mc:Choice xmlns:a14="http://schemas.microsoft.com/office/drawing/2010/main" Requires="a14">
+      <mc:AlternateContent xmlns:mc="http://schemas.openxmlformats.org/markup-compatibility/2006" xmlns:a14="http://schemas.microsoft.com/office/drawing/2010/main">
+        <mc:Choice Requires="a14">
           <p:sp>
             <p:nvSpPr>
               <p:cNvPr id="11" name="TextBox 10">
@@ -19812,7 +20039,7 @@
             </p:txBody>
           </p:sp>
         </mc:Choice>
-        <mc:Fallback>
+        <mc:Fallback xmlns="">
           <p:sp>
             <p:nvSpPr>
               <p:cNvPr id="11" name="TextBox 10">
@@ -19857,8 +20084,8 @@
           </p:sp>
         </mc:Fallback>
       </mc:AlternateContent>
-      <mc:AlternateContent xmlns:mc="http://schemas.openxmlformats.org/markup-compatibility/2006">
-        <mc:Choice xmlns:a14="http://schemas.microsoft.com/office/drawing/2010/main" Requires="a14">
+      <mc:AlternateContent xmlns:mc="http://schemas.openxmlformats.org/markup-compatibility/2006" xmlns:a14="http://schemas.microsoft.com/office/drawing/2010/main">
+        <mc:Choice Requires="a14">
           <p:sp>
             <p:nvSpPr>
               <p:cNvPr id="27" name="TextBox 26">
@@ -19982,7 +20209,7 @@
             </p:txBody>
           </p:sp>
         </mc:Choice>
-        <mc:Fallback>
+        <mc:Fallback xmlns="">
           <p:sp>
             <p:nvSpPr>
               <p:cNvPr id="27" name="TextBox 26">
@@ -20264,8 +20491,8 @@
           </a:graphicData>
         </a:graphic>
       </p:graphicFrame>
-      <mc:AlternateContent xmlns:mc="http://schemas.openxmlformats.org/markup-compatibility/2006">
-        <mc:Choice xmlns:a14="http://schemas.microsoft.com/office/drawing/2010/main" Requires="a14">
+      <mc:AlternateContent xmlns:mc="http://schemas.openxmlformats.org/markup-compatibility/2006" xmlns:a14="http://schemas.microsoft.com/office/drawing/2010/main">
+        <mc:Choice Requires="a14">
           <p:sp>
             <p:nvSpPr>
               <p:cNvPr id="34" name="TextBox 33">
@@ -20342,7 +20569,7 @@
             </p:txBody>
           </p:sp>
         </mc:Choice>
-        <mc:Fallback>
+        <mc:Fallback xmlns="">
           <p:sp>
             <p:nvSpPr>
               <p:cNvPr id="34" name="TextBox 33">
@@ -20387,8 +20614,8 @@
           </p:sp>
         </mc:Fallback>
       </mc:AlternateContent>
-      <mc:AlternateContent xmlns:mc="http://schemas.openxmlformats.org/markup-compatibility/2006">
-        <mc:Choice xmlns:a14="http://schemas.microsoft.com/office/drawing/2010/main" Requires="a14">
+      <mc:AlternateContent xmlns:mc="http://schemas.openxmlformats.org/markup-compatibility/2006" xmlns:a14="http://schemas.microsoft.com/office/drawing/2010/main">
+        <mc:Choice Requires="a14">
           <p:sp>
             <p:nvSpPr>
               <p:cNvPr id="35" name="TextBox 34">
@@ -20465,7 +20692,7 @@
             </p:txBody>
           </p:sp>
         </mc:Choice>
-        <mc:Fallback>
+        <mc:Fallback xmlns="">
           <p:sp>
             <p:nvSpPr>
               <p:cNvPr id="35" name="TextBox 34">
@@ -20510,8 +20737,8 @@
           </p:sp>
         </mc:Fallback>
       </mc:AlternateContent>
-      <mc:AlternateContent xmlns:mc="http://schemas.openxmlformats.org/markup-compatibility/2006">
-        <mc:Choice xmlns:a14="http://schemas.microsoft.com/office/drawing/2010/main" Requires="a14">
+      <mc:AlternateContent xmlns:mc="http://schemas.openxmlformats.org/markup-compatibility/2006" xmlns:a14="http://schemas.microsoft.com/office/drawing/2010/main">
+        <mc:Choice Requires="a14">
           <p:sp>
             <p:nvSpPr>
               <p:cNvPr id="36" name="TextBox 35">
@@ -20588,7 +20815,7 @@
             </p:txBody>
           </p:sp>
         </mc:Choice>
-        <mc:Fallback>
+        <mc:Fallback xmlns="">
           <p:sp>
             <p:nvSpPr>
               <p:cNvPr id="36" name="TextBox 35">
@@ -20633,8 +20860,8 @@
           </p:sp>
         </mc:Fallback>
       </mc:AlternateContent>
-      <mc:AlternateContent xmlns:mc="http://schemas.openxmlformats.org/markup-compatibility/2006">
-        <mc:Choice xmlns:a14="http://schemas.microsoft.com/office/drawing/2010/main" Requires="a14">
+      <mc:AlternateContent xmlns:mc="http://schemas.openxmlformats.org/markup-compatibility/2006" xmlns:a14="http://schemas.microsoft.com/office/drawing/2010/main">
+        <mc:Choice Requires="a14">
           <p:sp>
             <p:nvSpPr>
               <p:cNvPr id="37" name="TextBox 36">
@@ -20703,7 +20930,7 @@
             </p:txBody>
           </p:sp>
         </mc:Choice>
-        <mc:Fallback>
+        <mc:Fallback xmlns="">
           <p:sp>
             <p:nvSpPr>
               <p:cNvPr id="37" name="TextBox 36">
@@ -20985,8 +21212,8 @@
           </a:graphicData>
         </a:graphic>
       </p:graphicFrame>
-      <mc:AlternateContent xmlns:mc="http://schemas.openxmlformats.org/markup-compatibility/2006">
-        <mc:Choice xmlns:a14="http://schemas.microsoft.com/office/drawing/2010/main" Requires="a14">
+      <mc:AlternateContent xmlns:mc="http://schemas.openxmlformats.org/markup-compatibility/2006" xmlns:a14="http://schemas.microsoft.com/office/drawing/2010/main">
+        <mc:Choice Requires="a14">
           <p:sp>
             <p:nvSpPr>
               <p:cNvPr id="39" name="TextBox 38">
@@ -21063,7 +21290,7 @@
             </p:txBody>
           </p:sp>
         </mc:Choice>
-        <mc:Fallback>
+        <mc:Fallback xmlns="">
           <p:sp>
             <p:nvSpPr>
               <p:cNvPr id="39" name="TextBox 38">
@@ -21108,8 +21335,8 @@
           </p:sp>
         </mc:Fallback>
       </mc:AlternateContent>
-      <mc:AlternateContent xmlns:mc="http://schemas.openxmlformats.org/markup-compatibility/2006">
-        <mc:Choice xmlns:a14="http://schemas.microsoft.com/office/drawing/2010/main" Requires="a14">
+      <mc:AlternateContent xmlns:mc="http://schemas.openxmlformats.org/markup-compatibility/2006" xmlns:a14="http://schemas.microsoft.com/office/drawing/2010/main">
+        <mc:Choice Requires="a14">
           <p:sp>
             <p:nvSpPr>
               <p:cNvPr id="40" name="TextBox 39">
@@ -21186,7 +21413,7 @@
             </p:txBody>
           </p:sp>
         </mc:Choice>
-        <mc:Fallback>
+        <mc:Fallback xmlns="">
           <p:sp>
             <p:nvSpPr>
               <p:cNvPr id="40" name="TextBox 39">
@@ -21231,8 +21458,8 @@
           </p:sp>
         </mc:Fallback>
       </mc:AlternateContent>
-      <mc:AlternateContent xmlns:mc="http://schemas.openxmlformats.org/markup-compatibility/2006">
-        <mc:Choice xmlns:a14="http://schemas.microsoft.com/office/drawing/2010/main" Requires="a14">
+      <mc:AlternateContent xmlns:mc="http://schemas.openxmlformats.org/markup-compatibility/2006" xmlns:a14="http://schemas.microsoft.com/office/drawing/2010/main">
+        <mc:Choice Requires="a14">
           <p:sp>
             <p:nvSpPr>
               <p:cNvPr id="41" name="TextBox 40">
@@ -21309,7 +21536,7 @@
             </p:txBody>
           </p:sp>
         </mc:Choice>
-        <mc:Fallback>
+        <mc:Fallback xmlns="">
           <p:sp>
             <p:nvSpPr>
               <p:cNvPr id="41" name="TextBox 40">
@@ -21354,8 +21581,8 @@
           </p:sp>
         </mc:Fallback>
       </mc:AlternateContent>
-      <mc:AlternateContent xmlns:mc="http://schemas.openxmlformats.org/markup-compatibility/2006">
-        <mc:Choice xmlns:a14="http://schemas.microsoft.com/office/drawing/2010/main" Requires="a14">
+      <mc:AlternateContent xmlns:mc="http://schemas.openxmlformats.org/markup-compatibility/2006" xmlns:a14="http://schemas.microsoft.com/office/drawing/2010/main">
+        <mc:Choice Requires="a14">
           <p:sp>
             <p:nvSpPr>
               <p:cNvPr id="42" name="TextBox 41">
@@ -21424,7 +21651,7 @@
             </p:txBody>
           </p:sp>
         </mc:Choice>
-        <mc:Fallback>
+        <mc:Fallback xmlns="">
           <p:sp>
             <p:nvSpPr>
               <p:cNvPr id="42" name="TextBox 41">
@@ -21469,8 +21696,8 @@
           </p:sp>
         </mc:Fallback>
       </mc:AlternateContent>
-      <mc:AlternateContent xmlns:mc="http://schemas.openxmlformats.org/markup-compatibility/2006">
-        <mc:Choice xmlns:a14="http://schemas.microsoft.com/office/drawing/2010/main" Requires="a14">
+      <mc:AlternateContent xmlns:mc="http://schemas.openxmlformats.org/markup-compatibility/2006" xmlns:a14="http://schemas.microsoft.com/office/drawing/2010/main">
+        <mc:Choice Requires="a14">
           <p:sp>
             <p:nvSpPr>
               <p:cNvPr id="43" name="TextBox 42">
@@ -21626,7 +21853,7 @@
             </p:txBody>
           </p:sp>
         </mc:Choice>
-        <mc:Fallback>
+        <mc:Fallback xmlns="">
           <p:sp>
             <p:nvSpPr>
               <p:cNvPr id="43" name="TextBox 42">
@@ -21671,8 +21898,8 @@
           </p:sp>
         </mc:Fallback>
       </mc:AlternateContent>
-      <mc:AlternateContent xmlns:mc="http://schemas.openxmlformats.org/markup-compatibility/2006">
-        <mc:Choice xmlns:a14="http://schemas.microsoft.com/office/drawing/2010/main" Requires="a14">
+      <mc:AlternateContent xmlns:mc="http://schemas.openxmlformats.org/markup-compatibility/2006" xmlns:a14="http://schemas.microsoft.com/office/drawing/2010/main">
+        <mc:Choice Requires="a14">
           <p:sp>
             <p:nvSpPr>
               <p:cNvPr id="44" name="TextBox 43">
@@ -21739,7 +21966,7 @@
             </p:txBody>
           </p:sp>
         </mc:Choice>
-        <mc:Fallback>
+        <mc:Fallback xmlns="">
           <p:sp>
             <p:nvSpPr>
               <p:cNvPr id="44" name="TextBox 43">
@@ -21784,8 +22011,8 @@
           </p:sp>
         </mc:Fallback>
       </mc:AlternateContent>
-      <mc:AlternateContent xmlns:mc="http://schemas.openxmlformats.org/markup-compatibility/2006">
-        <mc:Choice xmlns:a14="http://schemas.microsoft.com/office/drawing/2010/main" Requires="a14">
+      <mc:AlternateContent xmlns:mc="http://schemas.openxmlformats.org/markup-compatibility/2006" xmlns:a14="http://schemas.microsoft.com/office/drawing/2010/main">
+        <mc:Choice Requires="a14">
           <p:sp>
             <p:nvSpPr>
               <p:cNvPr id="46" name="TextBox 45">
@@ -21965,7 +22192,7 @@
             </p:txBody>
           </p:sp>
         </mc:Choice>
-        <mc:Fallback>
+        <mc:Fallback xmlns="">
           <p:sp>
             <p:nvSpPr>
               <p:cNvPr id="46" name="TextBox 45">
@@ -22010,8 +22237,8 @@
           </p:sp>
         </mc:Fallback>
       </mc:AlternateContent>
-      <mc:AlternateContent xmlns:mc="http://schemas.openxmlformats.org/markup-compatibility/2006">
-        <mc:Choice xmlns:a14="http://schemas.microsoft.com/office/drawing/2010/main" Requires="a14">
+      <mc:AlternateContent xmlns:mc="http://schemas.openxmlformats.org/markup-compatibility/2006" xmlns:a14="http://schemas.microsoft.com/office/drawing/2010/main">
+        <mc:Choice Requires="a14">
           <p:sp>
             <p:nvSpPr>
               <p:cNvPr id="47" name="TextBox 46">
@@ -22084,7 +22311,7 @@
             </p:txBody>
           </p:sp>
         </mc:Choice>
-        <mc:Fallback>
+        <mc:Fallback xmlns="">
           <p:sp>
             <p:nvSpPr>
               <p:cNvPr id="47" name="TextBox 46">
@@ -22129,8 +22356,8 @@
           </p:sp>
         </mc:Fallback>
       </mc:AlternateContent>
-      <mc:AlternateContent xmlns:mc="http://schemas.openxmlformats.org/markup-compatibility/2006">
-        <mc:Choice xmlns:a14="http://schemas.microsoft.com/office/drawing/2010/main" Requires="a14">
+      <mc:AlternateContent xmlns:mc="http://schemas.openxmlformats.org/markup-compatibility/2006" xmlns:a14="http://schemas.microsoft.com/office/drawing/2010/main">
+        <mc:Choice Requires="a14">
           <p:sp>
             <p:nvSpPr>
               <p:cNvPr id="48" name="TextBox 47">
@@ -22310,7 +22537,7 @@
             </p:txBody>
           </p:sp>
         </mc:Choice>
-        <mc:Fallback>
+        <mc:Fallback xmlns="">
           <p:sp>
             <p:nvSpPr>
               <p:cNvPr id="48" name="TextBox 47">
@@ -22355,8 +22582,8 @@
           </p:sp>
         </mc:Fallback>
       </mc:AlternateContent>
-      <mc:AlternateContent xmlns:mc="http://schemas.openxmlformats.org/markup-compatibility/2006">
-        <mc:Choice xmlns:a14="http://schemas.microsoft.com/office/drawing/2010/main" Requires="a14">
+      <mc:AlternateContent xmlns:mc="http://schemas.openxmlformats.org/markup-compatibility/2006" xmlns:a14="http://schemas.microsoft.com/office/drawing/2010/main">
+        <mc:Choice Requires="a14">
           <p:sp>
             <p:nvSpPr>
               <p:cNvPr id="49" name="TextBox 48">
@@ -22429,7 +22656,7 @@
             </p:txBody>
           </p:sp>
         </mc:Choice>
-        <mc:Fallback>
+        <mc:Fallback xmlns="">
           <p:sp>
             <p:nvSpPr>
               <p:cNvPr id="49" name="TextBox 48">
@@ -22487,7 +22714,7 @@
 </p:sld>
 </file>
 
-<file path=ppt/slides/slide6.xml><?xml version="1.0" encoding="utf-8"?>
+<file path=ppt/slides/slide7.xml><?xml version="1.0" encoding="utf-8"?>
 <p:sld xmlns:a="http://schemas.openxmlformats.org/drawingml/2006/main" xmlns:r="http://schemas.openxmlformats.org/officeDocument/2006/relationships" xmlns:p="http://schemas.openxmlformats.org/presentationml/2006/main">
   <p:cSld>
     <p:spTree>
@@ -22539,8 +22766,8 @@
           </a:p>
         </p:txBody>
       </p:sp>
-      <mc:AlternateContent xmlns:mc="http://schemas.openxmlformats.org/markup-compatibility/2006">
-        <mc:Choice xmlns:a14="http://schemas.microsoft.com/office/drawing/2010/main" Requires="a14">
+      <mc:AlternateContent xmlns:mc="http://schemas.openxmlformats.org/markup-compatibility/2006" xmlns:a14="http://schemas.microsoft.com/office/drawing/2010/main">
+        <mc:Choice Requires="a14">
           <p:sp>
             <p:nvSpPr>
               <p:cNvPr id="3" name="TextBox 2">
@@ -22649,7 +22876,7 @@
             </p:txBody>
           </p:sp>
         </mc:Choice>
-        <mc:Fallback>
+        <mc:Fallback xmlns="">
           <p:sp>
             <p:nvSpPr>
               <p:cNvPr id="3" name="TextBox 2">
@@ -22931,8 +23158,8 @@
           </a:graphicData>
         </a:graphic>
       </p:graphicFrame>
-      <mc:AlternateContent xmlns:mc="http://schemas.openxmlformats.org/markup-compatibility/2006">
-        <mc:Choice xmlns:a14="http://schemas.microsoft.com/office/drawing/2010/main" Requires="a14">
+      <mc:AlternateContent xmlns:mc="http://schemas.openxmlformats.org/markup-compatibility/2006" xmlns:a14="http://schemas.microsoft.com/office/drawing/2010/main">
+        <mc:Choice Requires="a14">
           <p:sp>
             <p:nvSpPr>
               <p:cNvPr id="26" name="TextBox 25">
@@ -23001,7 +23228,7 @@
             </p:txBody>
           </p:sp>
         </mc:Choice>
-        <mc:Fallback>
+        <mc:Fallback xmlns="">
           <p:sp>
             <p:nvSpPr>
               <p:cNvPr id="26" name="TextBox 25">
@@ -23046,8 +23273,8 @@
           </p:sp>
         </mc:Fallback>
       </mc:AlternateContent>
-      <mc:AlternateContent xmlns:mc="http://schemas.openxmlformats.org/markup-compatibility/2006">
-        <mc:Choice xmlns:a14="http://schemas.microsoft.com/office/drawing/2010/main" Requires="a14">
+      <mc:AlternateContent xmlns:mc="http://schemas.openxmlformats.org/markup-compatibility/2006" xmlns:a14="http://schemas.microsoft.com/office/drawing/2010/main">
+        <mc:Choice Requires="a14">
           <p:sp>
             <p:nvSpPr>
               <p:cNvPr id="27" name="TextBox 26">
@@ -23116,7 +23343,7 @@
             </p:txBody>
           </p:sp>
         </mc:Choice>
-        <mc:Fallback>
+        <mc:Fallback xmlns="">
           <p:sp>
             <p:nvSpPr>
               <p:cNvPr id="27" name="TextBox 26">
@@ -23161,8 +23388,8 @@
           </p:sp>
         </mc:Fallback>
       </mc:AlternateContent>
-      <mc:AlternateContent xmlns:mc="http://schemas.openxmlformats.org/markup-compatibility/2006">
-        <mc:Choice xmlns:a14="http://schemas.microsoft.com/office/drawing/2010/main" Requires="a14">
+      <mc:AlternateContent xmlns:mc="http://schemas.openxmlformats.org/markup-compatibility/2006" xmlns:a14="http://schemas.microsoft.com/office/drawing/2010/main">
+        <mc:Choice Requires="a14">
           <p:sp>
             <p:nvSpPr>
               <p:cNvPr id="28" name="TextBox 27">
@@ -23231,7 +23458,7 @@
             </p:txBody>
           </p:sp>
         </mc:Choice>
-        <mc:Fallback>
+        <mc:Fallback xmlns="">
           <p:sp>
             <p:nvSpPr>
               <p:cNvPr id="28" name="TextBox 27">
@@ -23276,8 +23503,8 @@
           </p:sp>
         </mc:Fallback>
       </mc:AlternateContent>
-      <mc:AlternateContent xmlns:mc="http://schemas.openxmlformats.org/markup-compatibility/2006">
-        <mc:Choice xmlns:a14="http://schemas.microsoft.com/office/drawing/2010/main" Requires="a14">
+      <mc:AlternateContent xmlns:mc="http://schemas.openxmlformats.org/markup-compatibility/2006" xmlns:a14="http://schemas.microsoft.com/office/drawing/2010/main">
+        <mc:Choice Requires="a14">
           <p:sp>
             <p:nvSpPr>
               <p:cNvPr id="29" name="TextBox 28">
@@ -23346,7 +23573,7 @@
             </p:txBody>
           </p:sp>
         </mc:Choice>
-        <mc:Fallback>
+        <mc:Fallback xmlns="">
           <p:sp>
             <p:nvSpPr>
               <p:cNvPr id="29" name="TextBox 28">
@@ -23628,8 +23855,8 @@
           </a:graphicData>
         </a:graphic>
       </p:graphicFrame>
-      <mc:AlternateContent xmlns:mc="http://schemas.openxmlformats.org/markup-compatibility/2006">
-        <mc:Choice xmlns:a14="http://schemas.microsoft.com/office/drawing/2010/main" Requires="a14">
+      <mc:AlternateContent xmlns:mc="http://schemas.openxmlformats.org/markup-compatibility/2006" xmlns:a14="http://schemas.microsoft.com/office/drawing/2010/main">
+        <mc:Choice Requires="a14">
           <p:sp>
             <p:nvSpPr>
               <p:cNvPr id="31" name="TextBox 30">
@@ -23706,7 +23933,7 @@
             </p:txBody>
           </p:sp>
         </mc:Choice>
-        <mc:Fallback>
+        <mc:Fallback xmlns="">
           <p:sp>
             <p:nvSpPr>
               <p:cNvPr id="31" name="TextBox 30">
@@ -23751,8 +23978,8 @@
           </p:sp>
         </mc:Fallback>
       </mc:AlternateContent>
-      <mc:AlternateContent xmlns:mc="http://schemas.openxmlformats.org/markup-compatibility/2006">
-        <mc:Choice xmlns:a14="http://schemas.microsoft.com/office/drawing/2010/main" Requires="a14">
+      <mc:AlternateContent xmlns:mc="http://schemas.openxmlformats.org/markup-compatibility/2006" xmlns:a14="http://schemas.microsoft.com/office/drawing/2010/main">
+        <mc:Choice Requires="a14">
           <p:sp>
             <p:nvSpPr>
               <p:cNvPr id="32" name="TextBox 31">
@@ -23829,7 +24056,7 @@
             </p:txBody>
           </p:sp>
         </mc:Choice>
-        <mc:Fallback>
+        <mc:Fallback xmlns="">
           <p:sp>
             <p:nvSpPr>
               <p:cNvPr id="32" name="TextBox 31">
@@ -23874,8 +24101,8 @@
           </p:sp>
         </mc:Fallback>
       </mc:AlternateContent>
-      <mc:AlternateContent xmlns:mc="http://schemas.openxmlformats.org/markup-compatibility/2006">
-        <mc:Choice xmlns:a14="http://schemas.microsoft.com/office/drawing/2010/main" Requires="a14">
+      <mc:AlternateContent xmlns:mc="http://schemas.openxmlformats.org/markup-compatibility/2006" xmlns:a14="http://schemas.microsoft.com/office/drawing/2010/main">
+        <mc:Choice Requires="a14">
           <p:sp>
             <p:nvSpPr>
               <p:cNvPr id="33" name="TextBox 32">
@@ -23952,7 +24179,7 @@
             </p:txBody>
           </p:sp>
         </mc:Choice>
-        <mc:Fallback>
+        <mc:Fallback xmlns="">
           <p:sp>
             <p:nvSpPr>
               <p:cNvPr id="33" name="TextBox 32">
@@ -23997,8 +24224,8 @@
           </p:sp>
         </mc:Fallback>
       </mc:AlternateContent>
-      <mc:AlternateContent xmlns:mc="http://schemas.openxmlformats.org/markup-compatibility/2006">
-        <mc:Choice xmlns:a14="http://schemas.microsoft.com/office/drawing/2010/main" Requires="a14">
+      <mc:AlternateContent xmlns:mc="http://schemas.openxmlformats.org/markup-compatibility/2006" xmlns:a14="http://schemas.microsoft.com/office/drawing/2010/main">
+        <mc:Choice Requires="a14">
           <p:sp>
             <p:nvSpPr>
               <p:cNvPr id="34" name="TextBox 33">
@@ -24067,7 +24294,7 @@
             </p:txBody>
           </p:sp>
         </mc:Choice>
-        <mc:Fallback>
+        <mc:Fallback xmlns="">
           <p:sp>
             <p:nvSpPr>
               <p:cNvPr id="34" name="TextBox 33">
@@ -24132,8 +24359,8 @@
             <a:chExt cx="3389967" cy="572761"/>
           </a:xfrm>
         </p:grpSpPr>
-        <mc:AlternateContent xmlns:mc="http://schemas.openxmlformats.org/markup-compatibility/2006">
-          <mc:Choice xmlns:a14="http://schemas.microsoft.com/office/drawing/2010/main" Requires="a14">
+        <mc:AlternateContent xmlns:mc="http://schemas.openxmlformats.org/markup-compatibility/2006" xmlns:a14="http://schemas.microsoft.com/office/drawing/2010/main">
+          <mc:Choice Requires="a14">
             <p:sp>
               <p:nvSpPr>
                 <p:cNvPr id="40" name="TextBox 39">
@@ -24289,7 +24516,7 @@
               </p:txBody>
             </p:sp>
           </mc:Choice>
-          <mc:Fallback>
+          <mc:Fallback xmlns="">
             <p:sp>
               <p:nvSpPr>
                 <p:cNvPr id="40" name="TextBox 39">
@@ -24334,8 +24561,8 @@
             </p:sp>
           </mc:Fallback>
         </mc:AlternateContent>
-        <mc:AlternateContent xmlns:mc="http://schemas.openxmlformats.org/markup-compatibility/2006">
-          <mc:Choice xmlns:a14="http://schemas.microsoft.com/office/drawing/2010/main" Requires="a14">
+        <mc:AlternateContent xmlns:mc="http://schemas.openxmlformats.org/markup-compatibility/2006" xmlns:a14="http://schemas.microsoft.com/office/drawing/2010/main">
+          <mc:Choice Requires="a14">
             <p:sp>
               <p:nvSpPr>
                 <p:cNvPr id="41" name="TextBox 40">
@@ -24402,7 +24629,7 @@
               </p:txBody>
             </p:sp>
           </mc:Choice>
-          <mc:Fallback>
+          <mc:Fallback xmlns="">
             <p:sp>
               <p:nvSpPr>
                 <p:cNvPr id="41" name="TextBox 40">
@@ -24468,8 +24695,8 @@
             <a:chExt cx="3480627" cy="572761"/>
           </a:xfrm>
         </p:grpSpPr>
-        <mc:AlternateContent xmlns:mc="http://schemas.openxmlformats.org/markup-compatibility/2006">
-          <mc:Choice xmlns:a14="http://schemas.microsoft.com/office/drawing/2010/main" Requires="a14">
+        <mc:AlternateContent xmlns:mc="http://schemas.openxmlformats.org/markup-compatibility/2006" xmlns:a14="http://schemas.microsoft.com/office/drawing/2010/main">
+          <mc:Choice Requires="a14">
             <p:sp>
               <p:nvSpPr>
                 <p:cNvPr id="42" name="TextBox 41">
@@ -24649,7 +24876,7 @@
               </p:txBody>
             </p:sp>
           </mc:Choice>
-          <mc:Fallback>
+          <mc:Fallback xmlns="">
             <p:sp>
               <p:nvSpPr>
                 <p:cNvPr id="42" name="TextBox 41">
@@ -24694,8 +24921,8 @@
             </p:sp>
           </mc:Fallback>
         </mc:AlternateContent>
-        <mc:AlternateContent xmlns:mc="http://schemas.openxmlformats.org/markup-compatibility/2006">
-          <mc:Choice xmlns:a14="http://schemas.microsoft.com/office/drawing/2010/main" Requires="a14">
+        <mc:AlternateContent xmlns:mc="http://schemas.openxmlformats.org/markup-compatibility/2006" xmlns:a14="http://schemas.microsoft.com/office/drawing/2010/main">
+          <mc:Choice Requires="a14">
             <p:sp>
               <p:nvSpPr>
                 <p:cNvPr id="43" name="TextBox 42">
@@ -24768,7 +24995,7 @@
               </p:txBody>
             </p:sp>
           </mc:Choice>
-          <mc:Fallback>
+          <mc:Fallback xmlns="">
             <p:sp>
               <p:nvSpPr>
                 <p:cNvPr id="43" name="TextBox 42">
@@ -25086,8 +25313,8 @@
           </a:graphicData>
         </a:graphic>
       </p:graphicFrame>
-      <mc:AlternateContent xmlns:mc="http://schemas.openxmlformats.org/markup-compatibility/2006">
-        <mc:Choice xmlns:a14="http://schemas.microsoft.com/office/drawing/2010/main" Requires="a14">
+      <mc:AlternateContent xmlns:mc="http://schemas.openxmlformats.org/markup-compatibility/2006" xmlns:a14="http://schemas.microsoft.com/office/drawing/2010/main">
+        <mc:Choice Requires="a14">
           <p:sp>
             <p:nvSpPr>
               <p:cNvPr id="50" name="TextBox 49">
@@ -25156,7 +25383,7 @@
             </p:txBody>
           </p:sp>
         </mc:Choice>
-        <mc:Fallback>
+        <mc:Fallback xmlns="">
           <p:sp>
             <p:nvSpPr>
               <p:cNvPr id="50" name="TextBox 49">
@@ -25201,8 +25428,8 @@
           </p:sp>
         </mc:Fallback>
       </mc:AlternateContent>
-      <mc:AlternateContent xmlns:mc="http://schemas.openxmlformats.org/markup-compatibility/2006">
-        <mc:Choice xmlns:a14="http://schemas.microsoft.com/office/drawing/2010/main" Requires="a14">
+      <mc:AlternateContent xmlns:mc="http://schemas.openxmlformats.org/markup-compatibility/2006" xmlns:a14="http://schemas.microsoft.com/office/drawing/2010/main">
+        <mc:Choice Requires="a14">
           <p:sp>
             <p:nvSpPr>
               <p:cNvPr id="51" name="TextBox 50">
@@ -25271,7 +25498,7 @@
             </p:txBody>
           </p:sp>
         </mc:Choice>
-        <mc:Fallback>
+        <mc:Fallback xmlns="">
           <p:sp>
             <p:nvSpPr>
               <p:cNvPr id="51" name="TextBox 50">
@@ -25316,8 +25543,8 @@
           </p:sp>
         </mc:Fallback>
       </mc:AlternateContent>
-      <mc:AlternateContent xmlns:mc="http://schemas.openxmlformats.org/markup-compatibility/2006">
-        <mc:Choice xmlns:a14="http://schemas.microsoft.com/office/drawing/2010/main" Requires="a14">
+      <mc:AlternateContent xmlns:mc="http://schemas.openxmlformats.org/markup-compatibility/2006" xmlns:a14="http://schemas.microsoft.com/office/drawing/2010/main">
+        <mc:Choice Requires="a14">
           <p:sp>
             <p:nvSpPr>
               <p:cNvPr id="52" name="TextBox 51">
@@ -25386,7 +25613,7 @@
             </p:txBody>
           </p:sp>
         </mc:Choice>
-        <mc:Fallback>
+        <mc:Fallback xmlns="">
           <p:sp>
             <p:nvSpPr>
               <p:cNvPr id="52" name="TextBox 51">
@@ -25431,8 +25658,8 @@
           </p:sp>
         </mc:Fallback>
       </mc:AlternateContent>
-      <mc:AlternateContent xmlns:mc="http://schemas.openxmlformats.org/markup-compatibility/2006">
-        <mc:Choice xmlns:a14="http://schemas.microsoft.com/office/drawing/2010/main" Requires="a14">
+      <mc:AlternateContent xmlns:mc="http://schemas.openxmlformats.org/markup-compatibility/2006" xmlns:a14="http://schemas.microsoft.com/office/drawing/2010/main">
+        <mc:Choice Requires="a14">
           <p:sp>
             <p:nvSpPr>
               <p:cNvPr id="53" name="TextBox 52">
@@ -25501,7 +25728,7 @@
             </p:txBody>
           </p:sp>
         </mc:Choice>
-        <mc:Fallback>
+        <mc:Fallback xmlns="">
           <p:sp>
             <p:nvSpPr>
               <p:cNvPr id="53" name="TextBox 52">
@@ -25958,8 +26185,8 @@
           </a:graphicData>
         </a:graphic>
       </p:graphicFrame>
-      <mc:AlternateContent xmlns:mc="http://schemas.openxmlformats.org/markup-compatibility/2006">
-        <mc:Choice xmlns:a14="http://schemas.microsoft.com/office/drawing/2010/main" Requires="a14">
+      <mc:AlternateContent xmlns:mc="http://schemas.openxmlformats.org/markup-compatibility/2006" xmlns:a14="http://schemas.microsoft.com/office/drawing/2010/main">
+        <mc:Choice Requires="a14">
           <p:sp>
             <p:nvSpPr>
               <p:cNvPr id="62" name="TextBox 61">
@@ -26036,7 +26263,7 @@
             </p:txBody>
           </p:sp>
         </mc:Choice>
-        <mc:Fallback>
+        <mc:Fallback xmlns="">
           <p:sp>
             <p:nvSpPr>
               <p:cNvPr id="62" name="TextBox 61">
@@ -26081,8 +26308,8 @@
           </p:sp>
         </mc:Fallback>
       </mc:AlternateContent>
-      <mc:AlternateContent xmlns:mc="http://schemas.openxmlformats.org/markup-compatibility/2006">
-        <mc:Choice xmlns:a14="http://schemas.microsoft.com/office/drawing/2010/main" Requires="a14">
+      <mc:AlternateContent xmlns:mc="http://schemas.openxmlformats.org/markup-compatibility/2006" xmlns:a14="http://schemas.microsoft.com/office/drawing/2010/main">
+        <mc:Choice Requires="a14">
           <p:sp>
             <p:nvSpPr>
               <p:cNvPr id="63" name="TextBox 62">
@@ -26159,7 +26386,7 @@
             </p:txBody>
           </p:sp>
         </mc:Choice>
-        <mc:Fallback>
+        <mc:Fallback xmlns="">
           <p:sp>
             <p:nvSpPr>
               <p:cNvPr id="63" name="TextBox 62">
@@ -26204,8 +26431,8 @@
           </p:sp>
         </mc:Fallback>
       </mc:AlternateContent>
-      <mc:AlternateContent xmlns:mc="http://schemas.openxmlformats.org/markup-compatibility/2006">
-        <mc:Choice xmlns:a14="http://schemas.microsoft.com/office/drawing/2010/main" Requires="a14">
+      <mc:AlternateContent xmlns:mc="http://schemas.openxmlformats.org/markup-compatibility/2006" xmlns:a14="http://schemas.microsoft.com/office/drawing/2010/main">
+        <mc:Choice Requires="a14">
           <p:sp>
             <p:nvSpPr>
               <p:cNvPr id="64" name="TextBox 63">
@@ -26282,7 +26509,7 @@
             </p:txBody>
           </p:sp>
         </mc:Choice>
-        <mc:Fallback>
+        <mc:Fallback xmlns="">
           <p:sp>
             <p:nvSpPr>
               <p:cNvPr id="64" name="TextBox 63">
@@ -26327,8 +26554,8 @@
           </p:sp>
         </mc:Fallback>
       </mc:AlternateContent>
-      <mc:AlternateContent xmlns:mc="http://schemas.openxmlformats.org/markup-compatibility/2006">
-        <mc:Choice xmlns:a14="http://schemas.microsoft.com/office/drawing/2010/main" Requires="a14">
+      <mc:AlternateContent xmlns:mc="http://schemas.openxmlformats.org/markup-compatibility/2006" xmlns:a14="http://schemas.microsoft.com/office/drawing/2010/main">
+        <mc:Choice Requires="a14">
           <p:sp>
             <p:nvSpPr>
               <p:cNvPr id="65" name="TextBox 64">
@@ -26397,7 +26624,7 @@
             </p:txBody>
           </p:sp>
         </mc:Choice>
-        <mc:Fallback>
+        <mc:Fallback xmlns="">
           <p:sp>
             <p:nvSpPr>
               <p:cNvPr id="65" name="TextBox 64">
@@ -26630,7 +26857,7 @@
 </p:sld>
 </file>
 
-<file path=ppt/slides/slide7.xml><?xml version="1.0" encoding="utf-8"?>
+<file path=ppt/slides/slide8.xml><?xml version="1.0" encoding="utf-8"?>
 <p:sld xmlns:a="http://schemas.openxmlformats.org/drawingml/2006/main" xmlns:r="http://schemas.openxmlformats.org/officeDocument/2006/relationships" xmlns:p="http://schemas.openxmlformats.org/presentationml/2006/main">
   <p:cSld>
     <p:spTree>
@@ -26919,8 +27146,8 @@
           </a:graphicData>
         </a:graphic>
       </p:graphicFrame>
-      <mc:AlternateContent xmlns:mc="http://schemas.openxmlformats.org/markup-compatibility/2006">
-        <mc:Choice xmlns:a14="http://schemas.microsoft.com/office/drawing/2010/main" Requires="a14">
+      <mc:AlternateContent xmlns:mc="http://schemas.openxmlformats.org/markup-compatibility/2006" xmlns:a14="http://schemas.microsoft.com/office/drawing/2010/main">
+        <mc:Choice Requires="a14">
           <p:sp>
             <p:nvSpPr>
               <p:cNvPr id="50" name="TextBox 49">
@@ -26989,7 +27216,7 @@
             </p:txBody>
           </p:sp>
         </mc:Choice>
-        <mc:Fallback>
+        <mc:Fallback xmlns="">
           <p:sp>
             <p:nvSpPr>
               <p:cNvPr id="50" name="TextBox 49">
@@ -27034,8 +27261,8 @@
           </p:sp>
         </mc:Fallback>
       </mc:AlternateContent>
-      <mc:AlternateContent xmlns:mc="http://schemas.openxmlformats.org/markup-compatibility/2006">
-        <mc:Choice xmlns:a14="http://schemas.microsoft.com/office/drawing/2010/main" Requires="a14">
+      <mc:AlternateContent xmlns:mc="http://schemas.openxmlformats.org/markup-compatibility/2006" xmlns:a14="http://schemas.microsoft.com/office/drawing/2010/main">
+        <mc:Choice Requires="a14">
           <p:sp>
             <p:nvSpPr>
               <p:cNvPr id="51" name="TextBox 50">
@@ -27104,7 +27331,7 @@
             </p:txBody>
           </p:sp>
         </mc:Choice>
-        <mc:Fallback>
+        <mc:Fallback xmlns="">
           <p:sp>
             <p:nvSpPr>
               <p:cNvPr id="51" name="TextBox 50">
@@ -27149,8 +27376,8 @@
           </p:sp>
         </mc:Fallback>
       </mc:AlternateContent>
-      <mc:AlternateContent xmlns:mc="http://schemas.openxmlformats.org/markup-compatibility/2006">
-        <mc:Choice xmlns:a14="http://schemas.microsoft.com/office/drawing/2010/main" Requires="a14">
+      <mc:AlternateContent xmlns:mc="http://schemas.openxmlformats.org/markup-compatibility/2006" xmlns:a14="http://schemas.microsoft.com/office/drawing/2010/main">
+        <mc:Choice Requires="a14">
           <p:sp>
             <p:nvSpPr>
               <p:cNvPr id="52" name="TextBox 51">
@@ -27219,7 +27446,7 @@
             </p:txBody>
           </p:sp>
         </mc:Choice>
-        <mc:Fallback>
+        <mc:Fallback xmlns="">
           <p:sp>
             <p:nvSpPr>
               <p:cNvPr id="52" name="TextBox 51">
@@ -27264,8 +27491,8 @@
           </p:sp>
         </mc:Fallback>
       </mc:AlternateContent>
-      <mc:AlternateContent xmlns:mc="http://schemas.openxmlformats.org/markup-compatibility/2006">
-        <mc:Choice xmlns:a14="http://schemas.microsoft.com/office/drawing/2010/main" Requires="a14">
+      <mc:AlternateContent xmlns:mc="http://schemas.openxmlformats.org/markup-compatibility/2006" xmlns:a14="http://schemas.microsoft.com/office/drawing/2010/main">
+        <mc:Choice Requires="a14">
           <p:sp>
             <p:nvSpPr>
               <p:cNvPr id="53" name="TextBox 52">
@@ -27334,7 +27561,7 @@
             </p:txBody>
           </p:sp>
         </mc:Choice>
-        <mc:Fallback>
+        <mc:Fallback xmlns="">
           <p:sp>
             <p:nvSpPr>
               <p:cNvPr id="53" name="TextBox 52">
@@ -27791,8 +28018,8 @@
           </a:graphicData>
         </a:graphic>
       </p:graphicFrame>
-      <mc:AlternateContent xmlns:mc="http://schemas.openxmlformats.org/markup-compatibility/2006">
-        <mc:Choice xmlns:a14="http://schemas.microsoft.com/office/drawing/2010/main" Requires="a14">
+      <mc:AlternateContent xmlns:mc="http://schemas.openxmlformats.org/markup-compatibility/2006" xmlns:a14="http://schemas.microsoft.com/office/drawing/2010/main">
+        <mc:Choice Requires="a14">
           <p:sp>
             <p:nvSpPr>
               <p:cNvPr id="62" name="TextBox 61">
@@ -27869,7 +28096,7 @@
             </p:txBody>
           </p:sp>
         </mc:Choice>
-        <mc:Fallback>
+        <mc:Fallback xmlns="">
           <p:sp>
             <p:nvSpPr>
               <p:cNvPr id="62" name="TextBox 61">
@@ -27914,8 +28141,8 @@
           </p:sp>
         </mc:Fallback>
       </mc:AlternateContent>
-      <mc:AlternateContent xmlns:mc="http://schemas.openxmlformats.org/markup-compatibility/2006">
-        <mc:Choice xmlns:a14="http://schemas.microsoft.com/office/drawing/2010/main" Requires="a14">
+      <mc:AlternateContent xmlns:mc="http://schemas.openxmlformats.org/markup-compatibility/2006" xmlns:a14="http://schemas.microsoft.com/office/drawing/2010/main">
+        <mc:Choice Requires="a14">
           <p:sp>
             <p:nvSpPr>
               <p:cNvPr id="63" name="TextBox 62">
@@ -27992,7 +28219,7 @@
             </p:txBody>
           </p:sp>
         </mc:Choice>
-        <mc:Fallback>
+        <mc:Fallback xmlns="">
           <p:sp>
             <p:nvSpPr>
               <p:cNvPr id="63" name="TextBox 62">
@@ -28037,8 +28264,8 @@
           </p:sp>
         </mc:Fallback>
       </mc:AlternateContent>
-      <mc:AlternateContent xmlns:mc="http://schemas.openxmlformats.org/markup-compatibility/2006">
-        <mc:Choice xmlns:a14="http://schemas.microsoft.com/office/drawing/2010/main" Requires="a14">
+      <mc:AlternateContent xmlns:mc="http://schemas.openxmlformats.org/markup-compatibility/2006" xmlns:a14="http://schemas.microsoft.com/office/drawing/2010/main">
+        <mc:Choice Requires="a14">
           <p:sp>
             <p:nvSpPr>
               <p:cNvPr id="64" name="TextBox 63">
@@ -28115,7 +28342,7 @@
             </p:txBody>
           </p:sp>
         </mc:Choice>
-        <mc:Fallback>
+        <mc:Fallback xmlns="">
           <p:sp>
             <p:nvSpPr>
               <p:cNvPr id="64" name="TextBox 63">
@@ -28160,8 +28387,8 @@
           </p:sp>
         </mc:Fallback>
       </mc:AlternateContent>
-      <mc:AlternateContent xmlns:mc="http://schemas.openxmlformats.org/markup-compatibility/2006">
-        <mc:Choice xmlns:a14="http://schemas.microsoft.com/office/drawing/2010/main" Requires="a14">
+      <mc:AlternateContent xmlns:mc="http://schemas.openxmlformats.org/markup-compatibility/2006" xmlns:a14="http://schemas.microsoft.com/office/drawing/2010/main">
+        <mc:Choice Requires="a14">
           <p:sp>
             <p:nvSpPr>
               <p:cNvPr id="65" name="TextBox 64">
@@ -28230,7 +28457,7 @@
             </p:txBody>
           </p:sp>
         </mc:Choice>
-        <mc:Fallback>
+        <mc:Fallback xmlns="">
           <p:sp>
             <p:nvSpPr>
               <p:cNvPr id="65" name="TextBox 64">
@@ -28450,8 +28677,8 @@
           </a:p>
         </p:txBody>
       </p:sp>
-      <mc:AlternateContent xmlns:mc="http://schemas.openxmlformats.org/markup-compatibility/2006">
-        <mc:Choice xmlns:a14="http://schemas.microsoft.com/office/drawing/2010/main" Requires="a14">
+      <mc:AlternateContent xmlns:mc="http://schemas.openxmlformats.org/markup-compatibility/2006" xmlns:a14="http://schemas.microsoft.com/office/drawing/2010/main">
+        <mc:Choice Requires="a14">
           <p:sp>
             <p:nvSpPr>
               <p:cNvPr id="4" name="TextBox 3">
@@ -28480,6 +28707,7 @@
               </a:bodyPr>
               <a:lstStyle/>
               <a:p>
+                <a:pPr/>
                 <a14:m>
                   <m:oMathPara xmlns:m="http://schemas.openxmlformats.org/officeDocument/2006/math">
                     <m:oMathParaPr>
@@ -28500,7 +28728,7 @@
             </p:txBody>
           </p:sp>
         </mc:Choice>
-        <mc:Fallback>
+        <mc:Fallback xmlns="">
           <p:sp>
             <p:nvSpPr>
               <p:cNvPr id="4" name="TextBox 3">
@@ -28817,8 +29045,8 @@
           </a:graphicData>
         </a:graphic>
       </p:graphicFrame>
-      <mc:AlternateContent xmlns:mc="http://schemas.openxmlformats.org/markup-compatibility/2006">
-        <mc:Choice xmlns:a14="http://schemas.microsoft.com/office/drawing/2010/main" Requires="a14">
+      <mc:AlternateContent xmlns:mc="http://schemas.openxmlformats.org/markup-compatibility/2006" xmlns:a14="http://schemas.microsoft.com/office/drawing/2010/main">
+        <mc:Choice Requires="a14">
           <p:sp>
             <p:nvSpPr>
               <p:cNvPr id="9" name="TextBox 8">
@@ -28887,7 +29115,7 @@
             </p:txBody>
           </p:sp>
         </mc:Choice>
-        <mc:Fallback>
+        <mc:Fallback xmlns="">
           <p:sp>
             <p:nvSpPr>
               <p:cNvPr id="9" name="TextBox 8">
@@ -28932,8 +29160,8 @@
           </p:sp>
         </mc:Fallback>
       </mc:AlternateContent>
-      <mc:AlternateContent xmlns:mc="http://schemas.openxmlformats.org/markup-compatibility/2006">
-        <mc:Choice xmlns:a14="http://schemas.microsoft.com/office/drawing/2010/main" Requires="a14">
+      <mc:AlternateContent xmlns:mc="http://schemas.openxmlformats.org/markup-compatibility/2006" xmlns:a14="http://schemas.microsoft.com/office/drawing/2010/main">
+        <mc:Choice Requires="a14">
           <p:sp>
             <p:nvSpPr>
               <p:cNvPr id="10" name="TextBox 9">
@@ -29015,7 +29243,7 @@
             </p:txBody>
           </p:sp>
         </mc:Choice>
-        <mc:Fallback>
+        <mc:Fallback xmlns="">
           <p:sp>
             <p:nvSpPr>
               <p:cNvPr id="10" name="TextBox 9">
@@ -29060,8 +29288,8 @@
           </p:sp>
         </mc:Fallback>
       </mc:AlternateContent>
-      <mc:AlternateContent xmlns:mc="http://schemas.openxmlformats.org/markup-compatibility/2006">
-        <mc:Choice xmlns:a14="http://schemas.microsoft.com/office/drawing/2010/main" Requires="a14">
+      <mc:AlternateContent xmlns:mc="http://schemas.openxmlformats.org/markup-compatibility/2006" xmlns:a14="http://schemas.microsoft.com/office/drawing/2010/main">
+        <mc:Choice Requires="a14">
           <p:sp>
             <p:nvSpPr>
               <p:cNvPr id="11" name="TextBox 10">
@@ -29139,7 +29367,7 @@
             </p:txBody>
           </p:sp>
         </mc:Choice>
-        <mc:Fallback>
+        <mc:Fallback xmlns="">
           <p:sp>
             <p:nvSpPr>
               <p:cNvPr id="11" name="TextBox 10">
@@ -29184,8 +29412,8 @@
           </p:sp>
         </mc:Fallback>
       </mc:AlternateContent>
-      <mc:AlternateContent xmlns:mc="http://schemas.openxmlformats.org/markup-compatibility/2006">
-        <mc:Choice xmlns:a14="http://schemas.microsoft.com/office/drawing/2010/main" Requires="a14">
+      <mc:AlternateContent xmlns:mc="http://schemas.openxmlformats.org/markup-compatibility/2006" xmlns:a14="http://schemas.microsoft.com/office/drawing/2010/main">
+        <mc:Choice Requires="a14">
           <p:sp>
             <p:nvSpPr>
               <p:cNvPr id="12" name="TextBox 11">
@@ -29254,7 +29482,7 @@
             </p:txBody>
           </p:sp>
         </mc:Choice>
-        <mc:Fallback>
+        <mc:Fallback xmlns="">
           <p:sp>
             <p:nvSpPr>
               <p:cNvPr id="12" name="TextBox 11">
@@ -29711,8 +29939,8 @@
           </a:graphicData>
         </a:graphic>
       </p:graphicFrame>
-      <mc:AlternateContent xmlns:mc="http://schemas.openxmlformats.org/markup-compatibility/2006">
-        <mc:Choice xmlns:a14="http://schemas.microsoft.com/office/drawing/2010/main" Requires="a14">
+      <mc:AlternateContent xmlns:mc="http://schemas.openxmlformats.org/markup-compatibility/2006" xmlns:a14="http://schemas.microsoft.com/office/drawing/2010/main">
+        <mc:Choice Requires="a14">
           <p:sp>
             <p:nvSpPr>
               <p:cNvPr id="19" name="TextBox 18">
@@ -29789,7 +30017,7 @@
             </p:txBody>
           </p:sp>
         </mc:Choice>
-        <mc:Fallback>
+        <mc:Fallback xmlns="">
           <p:sp>
             <p:nvSpPr>
               <p:cNvPr id="19" name="TextBox 18">
@@ -29834,8 +30062,8 @@
           </p:sp>
         </mc:Fallback>
       </mc:AlternateContent>
-      <mc:AlternateContent xmlns:mc="http://schemas.openxmlformats.org/markup-compatibility/2006">
-        <mc:Choice xmlns:a14="http://schemas.microsoft.com/office/drawing/2010/main" Requires="a14">
+      <mc:AlternateContent xmlns:mc="http://schemas.openxmlformats.org/markup-compatibility/2006" xmlns:a14="http://schemas.microsoft.com/office/drawing/2010/main">
+        <mc:Choice Requires="a14">
           <p:sp>
             <p:nvSpPr>
               <p:cNvPr id="20" name="TextBox 19">
@@ -29912,7 +30140,7 @@
             </p:txBody>
           </p:sp>
         </mc:Choice>
-        <mc:Fallback>
+        <mc:Fallback xmlns="">
           <p:sp>
             <p:nvSpPr>
               <p:cNvPr id="20" name="TextBox 19">
@@ -29957,8 +30185,8 @@
           </p:sp>
         </mc:Fallback>
       </mc:AlternateContent>
-      <mc:AlternateContent xmlns:mc="http://schemas.openxmlformats.org/markup-compatibility/2006">
-        <mc:Choice xmlns:a14="http://schemas.microsoft.com/office/drawing/2010/main" Requires="a14">
+      <mc:AlternateContent xmlns:mc="http://schemas.openxmlformats.org/markup-compatibility/2006" xmlns:a14="http://schemas.microsoft.com/office/drawing/2010/main">
+        <mc:Choice Requires="a14">
           <p:sp>
             <p:nvSpPr>
               <p:cNvPr id="21" name="TextBox 20">
@@ -30035,7 +30263,7 @@
             </p:txBody>
           </p:sp>
         </mc:Choice>
-        <mc:Fallback>
+        <mc:Fallback xmlns="">
           <p:sp>
             <p:nvSpPr>
               <p:cNvPr id="21" name="TextBox 20">
@@ -30080,8 +30308,8 @@
           </p:sp>
         </mc:Fallback>
       </mc:AlternateContent>
-      <mc:AlternateContent xmlns:mc="http://schemas.openxmlformats.org/markup-compatibility/2006">
-        <mc:Choice xmlns:a14="http://schemas.microsoft.com/office/drawing/2010/main" Requires="a14">
+      <mc:AlternateContent xmlns:mc="http://schemas.openxmlformats.org/markup-compatibility/2006" xmlns:a14="http://schemas.microsoft.com/office/drawing/2010/main">
+        <mc:Choice Requires="a14">
           <p:sp>
             <p:nvSpPr>
               <p:cNvPr id="22" name="TextBox 21">
@@ -30150,7 +30378,7 @@
             </p:txBody>
           </p:sp>
         </mc:Choice>
-        <mc:Fallback>
+        <mc:Fallback xmlns="">
           <p:sp>
             <p:nvSpPr>
               <p:cNvPr id="22" name="TextBox 21">
@@ -30370,8 +30598,8 @@
           </a:p>
         </p:txBody>
       </p:sp>
-      <mc:AlternateContent xmlns:mc="http://schemas.openxmlformats.org/markup-compatibility/2006">
-        <mc:Choice xmlns:a14="http://schemas.microsoft.com/office/drawing/2010/main" Requires="a14">
+      <mc:AlternateContent xmlns:mc="http://schemas.openxmlformats.org/markup-compatibility/2006" xmlns:a14="http://schemas.microsoft.com/office/drawing/2010/main">
+        <mc:Choice Requires="a14">
           <p:sp>
             <p:nvSpPr>
               <p:cNvPr id="38" name="TextBox 37">
@@ -30400,6 +30628,7 @@
               </a:bodyPr>
               <a:lstStyle/>
               <a:p>
+                <a:pPr/>
                 <a14:m>
                   <m:oMathPara xmlns:m="http://schemas.openxmlformats.org/officeDocument/2006/math">
                     <m:oMathParaPr>
@@ -30420,7 +30649,7 @@
             </p:txBody>
           </p:sp>
         </mc:Choice>
-        <mc:Fallback>
+        <mc:Fallback xmlns="">
           <p:sp>
             <p:nvSpPr>
               <p:cNvPr id="38" name="TextBox 37">
@@ -30500,8 +30729,8 @@
           </a:p>
         </p:txBody>
       </p:sp>
-      <mc:AlternateContent xmlns:mc="http://schemas.openxmlformats.org/markup-compatibility/2006">
-        <mc:Choice xmlns:a14="http://schemas.microsoft.com/office/drawing/2010/main" Requires="a14">
+      <mc:AlternateContent xmlns:mc="http://schemas.openxmlformats.org/markup-compatibility/2006" xmlns:a14="http://schemas.microsoft.com/office/drawing/2010/main">
+        <mc:Choice Requires="a14">
           <p:sp>
             <p:nvSpPr>
               <p:cNvPr id="6" name="TextBox 5">
@@ -30646,7 +30875,7 @@
             </p:txBody>
           </p:sp>
         </mc:Choice>
-        <mc:Fallback>
+        <mc:Fallback xmlns="">
           <p:sp>
             <p:nvSpPr>
               <p:cNvPr id="6" name="TextBox 5">
@@ -30704,7 +30933,7 @@
 </p:sld>
 </file>
 
-<file path=ppt/slides/slide8.xml><?xml version="1.0" encoding="utf-8"?>
+<file path=ppt/slides/slide9.xml><?xml version="1.0" encoding="utf-8"?>
 <p:sld xmlns:a="http://schemas.openxmlformats.org/drawingml/2006/main" xmlns:r="http://schemas.openxmlformats.org/officeDocument/2006/relationships" xmlns:p="http://schemas.openxmlformats.org/presentationml/2006/main">
   <p:cSld>
     <p:spTree>
@@ -30787,111 +31016,6 @@
     <p:extLst>
       <p:ext uri="{BB962C8B-B14F-4D97-AF65-F5344CB8AC3E}">
         <p14:creationId xmlns:p14="http://schemas.microsoft.com/office/powerpoint/2010/main" val="3939599383"/>
-      </p:ext>
-    </p:extLst>
-  </p:cSld>
-  <p:clrMapOvr>
-    <a:masterClrMapping/>
-  </p:clrMapOvr>
-</p:sld>
-</file>
-
-<file path=ppt/slides/slide9.xml><?xml version="1.0" encoding="utf-8"?>
-<p:sld xmlns:a="http://schemas.openxmlformats.org/drawingml/2006/main" xmlns:r="http://schemas.openxmlformats.org/officeDocument/2006/relationships" xmlns:p="http://schemas.openxmlformats.org/presentationml/2006/main">
-  <p:cSld>
-    <p:spTree>
-      <p:nvGrpSpPr>
-        <p:cNvPr id="1" name=""/>
-        <p:cNvGrpSpPr/>
-        <p:nvPr/>
-      </p:nvGrpSpPr>
-      <p:grpSpPr>
-        <a:xfrm>
-          <a:off x="0" y="0"/>
-          <a:ext cx="0" cy="0"/>
-          <a:chOff x="0" y="0"/>
-          <a:chExt cx="0" cy="0"/>
-        </a:xfrm>
-      </p:grpSpPr>
-      <p:sp>
-        <p:nvSpPr>
-          <p:cNvPr id="2" name="Title 1">
-            <a:extLst>
-              <a:ext uri="{FF2B5EF4-FFF2-40B4-BE49-F238E27FC236}">
-                <a16:creationId xmlns:a16="http://schemas.microsoft.com/office/drawing/2014/main" id="{1BB50F1C-389F-8989-92BC-57EA5144CC66}"/>
-              </a:ext>
-            </a:extLst>
-          </p:cNvPr>
-          <p:cNvSpPr>
-            <a:spLocks noGrp="1"/>
-          </p:cNvSpPr>
-          <p:nvPr>
-            <p:ph type="title"/>
-          </p:nvPr>
-        </p:nvSpPr>
-        <p:spPr/>
-        <p:txBody>
-          <a:bodyPr/>
-          <a:lstStyle/>
-          <a:p>
-            <a:r>
-              <a:rPr lang="en-US" dirty="0"/>
-              <a:t>Effect of Deeper Search</a:t>
-            </a:r>
-          </a:p>
-        </p:txBody>
-      </p:sp>
-      <p:pic>
-        <p:nvPicPr>
-          <p:cNvPr id="1026" name="Picture 2">
-            <a:extLst>
-              <a:ext uri="{FF2B5EF4-FFF2-40B4-BE49-F238E27FC236}">
-                <a16:creationId xmlns:a16="http://schemas.microsoft.com/office/drawing/2014/main" id="{C5B43E88-E909-60CE-C0F5-9865617C5489}"/>
-              </a:ext>
-            </a:extLst>
-          </p:cNvPr>
-          <p:cNvPicPr>
-            <a:picLocks noChangeAspect="1" noChangeArrowheads="1"/>
-          </p:cNvPicPr>
-          <p:nvPr/>
-        </p:nvPicPr>
-        <p:blipFill>
-          <a:blip r:embed="rId2">
-            <a:extLst>
-              <a:ext uri="{28A0092B-C50C-407E-A947-70E740481C1C}">
-                <a14:useLocalDpi xmlns:a14="http://schemas.microsoft.com/office/drawing/2010/main" val="0"/>
-              </a:ext>
-            </a:extLst>
-          </a:blip>
-          <a:srcRect/>
-          <a:stretch>
-            <a:fillRect/>
-          </a:stretch>
-        </p:blipFill>
-        <p:spPr bwMode="auto">
-          <a:xfrm>
-            <a:off x="1260388" y="2198902"/>
-            <a:ext cx="5725297" cy="4293973"/>
-          </a:xfrm>
-          <a:prstGeom prst="rect">
-            <a:avLst/>
-          </a:prstGeom>
-          <a:noFill/>
-          <a:extLst>
-            <a:ext uri="{909E8E84-426E-40DD-AFC4-6F175D3DCCD1}">
-              <a14:hiddenFill xmlns:a14="http://schemas.microsoft.com/office/drawing/2010/main">
-                <a:solidFill>
-                  <a:srgbClr val="FFFFFF"/>
-                </a:solidFill>
-              </a14:hiddenFill>
-            </a:ext>
-          </a:extLst>
-        </p:spPr>
-      </p:pic>
-    </p:spTree>
-    <p:extLst>
-      <p:ext uri="{BB962C8B-B14F-4D97-AF65-F5344CB8AC3E}">
-        <p14:creationId xmlns:p14="http://schemas.microsoft.com/office/powerpoint/2010/main" val="1115028451"/>
       </p:ext>
     </p:extLst>
   </p:cSld>
